--- a/Doc/Active Learning on the Cloud - PT4.pptx
+++ b/Doc/Active Learning on the Cloud - PT4.pptx
@@ -12,8 +12,9 @@
     <p:sldId id="260" r:id="rId6"/>
     <p:sldId id="261" r:id="rId7"/>
     <p:sldId id="262" r:id="rId8"/>
-    <p:sldId id="263" r:id="rId9"/>
-    <p:sldId id="264" r:id="rId10"/>
+    <p:sldId id="265" r:id="rId9"/>
+    <p:sldId id="263" r:id="rId10"/>
+    <p:sldId id="264" r:id="rId11"/>
   </p:sldIdLst>
   <p:sldSz cx="12192000" cy="6858000"/>
   <p:notesSz cx="6858000" cy="9144000"/>
@@ -12637,6 +12638,105 @@
 </p:sld>
 </file>
 
+<file path=ppt/slides/slide10.xml><?xml version="1.0" encoding="utf-8"?>
+<p:sld xmlns:a="http://schemas.openxmlformats.org/drawingml/2006/main" xmlns:r="http://schemas.openxmlformats.org/officeDocument/2006/relationships" xmlns:p="http://schemas.openxmlformats.org/presentationml/2006/main">
+  <p:cSld>
+    <p:spTree>
+      <p:nvGrpSpPr>
+        <p:cNvPr id="1" name=""/>
+        <p:cNvGrpSpPr/>
+        <p:nvPr/>
+      </p:nvGrpSpPr>
+      <p:grpSpPr>
+        <a:xfrm>
+          <a:off x="0" y="0"/>
+          <a:ext cx="0" cy="0"/>
+          <a:chOff x="0" y="0"/>
+          <a:chExt cx="0" cy="0"/>
+        </a:xfrm>
+      </p:grpSpPr>
+      <p:sp>
+        <p:nvSpPr>
+          <p:cNvPr id="2" name="Title 1">
+            <a:extLst>
+              <a:ext uri="{FF2B5EF4-FFF2-40B4-BE49-F238E27FC236}">
+                <a16:creationId xmlns:a16="http://schemas.microsoft.com/office/drawing/2014/main" id="{FDBA64A7-9338-42C9-80CF-15DAE7A1371E}"/>
+              </a:ext>
+            </a:extLst>
+          </p:cNvPr>
+          <p:cNvSpPr>
+            <a:spLocks noGrp="1"/>
+          </p:cNvSpPr>
+          <p:nvPr>
+            <p:ph type="title"/>
+          </p:nvPr>
+        </p:nvSpPr>
+        <p:spPr>
+          <a:xfrm>
+            <a:off x="1141413" y="290044"/>
+            <a:ext cx="9905998" cy="890686"/>
+          </a:xfrm>
+        </p:spPr>
+        <p:txBody>
+          <a:bodyPr/>
+          <a:lstStyle/>
+          <a:p>
+            <a:r>
+              <a:rPr lang="en-SG" dirty="0"/>
+              <a:t>Q&amp;A</a:t>
+            </a:r>
+          </a:p>
+        </p:txBody>
+      </p:sp>
+      <p:sp>
+        <p:nvSpPr>
+          <p:cNvPr id="4" name="TextBox 3">
+            <a:extLst>
+              <a:ext uri="{FF2B5EF4-FFF2-40B4-BE49-F238E27FC236}">
+                <a16:creationId xmlns:a16="http://schemas.microsoft.com/office/drawing/2014/main" id="{951EA1E6-48B1-4D3D-9252-8B55EAD744D4}"/>
+              </a:ext>
+            </a:extLst>
+          </p:cNvPr>
+          <p:cNvSpPr txBox="1"/>
+          <p:nvPr/>
+        </p:nvSpPr>
+        <p:spPr>
+          <a:xfrm>
+            <a:off x="5211191" y="2725444"/>
+            <a:ext cx="2388094" cy="830997"/>
+          </a:xfrm>
+          <a:prstGeom prst="rect">
+            <a:avLst/>
+          </a:prstGeom>
+          <a:noFill/>
+        </p:spPr>
+        <p:txBody>
+          <a:bodyPr wrap="square" rtlCol="0">
+            <a:spAutoFit/>
+          </a:bodyPr>
+          <a:lstStyle/>
+          <a:p>
+            <a:r>
+              <a:rPr lang="en-SG" sz="4800" dirty="0"/>
+              <a:t>Q&amp;A</a:t>
+            </a:r>
+            <a:endParaRPr lang="en-US" sz="4800" dirty="0"/>
+          </a:p>
+        </p:txBody>
+      </p:sp>
+    </p:spTree>
+    <p:extLst>
+      <p:ext uri="{BB962C8B-B14F-4D97-AF65-F5344CB8AC3E}">
+        <p14:creationId xmlns:p14="http://schemas.microsoft.com/office/powerpoint/2010/main" val="2699457421"/>
+      </p:ext>
+    </p:extLst>
+  </p:cSld>
+  <p:clrMapOvr>
+    <a:masterClrMapping/>
+  </p:clrMapOvr>
+</p:sld>
+</file>
+
 <file path=ppt/slides/slide2.xml><?xml version="1.0" encoding="utf-8"?>
 <p:sld xmlns:a="http://schemas.openxmlformats.org/drawingml/2006/main" xmlns:r="http://schemas.openxmlformats.org/officeDocument/2006/relationships" xmlns:p="http://schemas.openxmlformats.org/presentationml/2006/main">
   <p:cSld>
@@ -12999,7 +13099,7 @@
           <a:p>
             <a:r>
               <a:rPr lang="en-SG" dirty="0"/>
-              <a:t>Cloud Features</a:t>
+              <a:t>High Performance</a:t>
             </a:r>
           </a:p>
         </p:txBody>
@@ -13032,27 +13132,23 @@
           </a:bodyPr>
           <a:lstStyle/>
           <a:p>
-            <a:r>
-              <a:rPr lang="en-SG" sz="3400" dirty="0"/>
-              <a:t>High Performance</a:t>
-            </a:r>
-          </a:p>
-          <a:p>
-            <a:pPr marL="0" indent="0">
-              <a:buNone/>
+            <a:pPr>
+              <a:buFontTx/>
+              <a:buChar char="-"/>
             </a:pPr>
             <a:r>
               <a:rPr lang="en-US" dirty="0"/>
-              <a:t>- Azure CDN</a:t>
+              <a:t>Azure CDN</a:t>
             </a:r>
           </a:p>
           <a:p>
-            <a:pPr marL="0" indent="0">
-              <a:buNone/>
+            <a:pPr>
+              <a:buFontTx/>
+              <a:buChar char="-"/>
             </a:pPr>
             <a:r>
               <a:rPr lang="en-US" dirty="0"/>
-              <a:t>- Azure Logic App for batch processing</a:t>
+              <a:t>Azure Logic App for batch processing</a:t>
             </a:r>
           </a:p>
         </p:txBody>
@@ -13115,7 +13211,7 @@
           <a:p>
             <a:r>
               <a:rPr lang="en-SG" dirty="0"/>
-              <a:t>Cloud Features</a:t>
+              <a:t>High Availability</a:t>
             </a:r>
           </a:p>
         </p:txBody>
@@ -13148,32 +13244,29 @@
           </a:bodyPr>
           <a:lstStyle/>
           <a:p>
-            <a:r>
-              <a:rPr lang="en-SG" sz="3200" dirty="0"/>
-              <a:t>High Availability</a:t>
-            </a:r>
-          </a:p>
-          <a:p>
-            <a:pPr marL="0" lvl="0" indent="0">
-              <a:buNone/>
+            <a:pPr lvl="0">
+              <a:buFontTx/>
+              <a:buChar char="-"/>
             </a:pPr>
             <a:r>
               <a:rPr lang="en-SG" dirty="0"/>
-              <a:t>- Auto scaling of Web App</a:t>
+              <a:t>Auto scaling of Web App</a:t>
             </a:r>
           </a:p>
           <a:p>
-            <a:pPr marL="0" indent="0">
-              <a:buNone/>
+            <a:pPr>
+              <a:buFontTx/>
+              <a:buChar char="-"/>
             </a:pPr>
             <a:r>
               <a:rPr lang="en-SG" dirty="0"/>
-              <a:t>- Geographical redundancy of Web App</a:t>
+              <a:t>Geographical redundancy of Web App</a:t>
             </a:r>
           </a:p>
           <a:p>
-            <a:pPr marL="0" lvl="0" indent="0">
-              <a:buNone/>
+            <a:pPr>
+              <a:buFontTx/>
+              <a:buChar char="-"/>
             </a:pPr>
             <a:r>
               <a:rPr lang="en-SG" dirty="0"/>
@@ -13181,8 +13274,9 @@
             </a:r>
           </a:p>
           <a:p>
-            <a:pPr marL="0" lvl="0" indent="0">
-              <a:buNone/>
+            <a:pPr>
+              <a:buFontTx/>
+              <a:buChar char="-"/>
             </a:pPr>
             <a:r>
               <a:rPr lang="en-SG" dirty="0"/>
@@ -13255,7 +13349,7 @@
           <a:p>
             <a:r>
               <a:rPr lang="en-SG" dirty="0"/>
-              <a:t>Cloud Features</a:t>
+              <a:t>management</a:t>
             </a:r>
           </a:p>
         </p:txBody>
@@ -13288,46 +13382,41 @@
           </a:bodyPr>
           <a:lstStyle/>
           <a:p>
-            <a:r>
-              <a:rPr lang="en-SG" sz="3200" dirty="0"/>
-              <a:t>Other Features</a:t>
-            </a:r>
-          </a:p>
-          <a:p>
-            <a:pPr marL="0" indent="0">
-              <a:buNone/>
+            <a:pPr>
+              <a:buFontTx/>
+              <a:buChar char="-"/>
             </a:pPr>
             <a:r>
               <a:rPr lang="en-SG" dirty="0"/>
-              <a:t>- Application Insights for Analytics</a:t>
+              <a:t>IIS Remote Management</a:t>
             </a:r>
           </a:p>
           <a:p>
-            <a:pPr marL="0" indent="0">
-              <a:buNone/>
+            <a:pPr>
+              <a:buFontTx/>
+              <a:buChar char="-"/>
             </a:pPr>
             <a:r>
               <a:rPr lang="en-SG" dirty="0"/>
-              <a:t>- Application Insights live stream and error monitoring</a:t>
+              <a:t>Alert for high resource usage of Web App</a:t>
             </a:r>
           </a:p>
           <a:p>
-            <a:pPr marL="0" indent="0">
-              <a:buNone/>
+            <a:pPr>
+              <a:buFontTx/>
+              <a:buChar char="-"/>
             </a:pPr>
             <a:r>
               <a:rPr lang="en-SG" dirty="0"/>
-              <a:t>- Alert for high resource usage of Web App</a:t>
+              <a:t>Alert for high resource usage of database</a:t>
             </a:r>
           </a:p>
           <a:p>
-            <a:pPr marL="0" indent="0">
-              <a:buNone/>
+            <a:pPr>
+              <a:buFontTx/>
+              <a:buChar char="-"/>
             </a:pPr>
-            <a:r>
-              <a:rPr lang="en-SG" dirty="0"/>
-              <a:t>- Alert for high resource usage of database</a:t>
-            </a:r>
+            <a:endParaRPr lang="en-SG" dirty="0"/>
           </a:p>
           <a:p>
             <a:endParaRPr lang="en-US" sz="3200" dirty="0"/>
@@ -13392,51 +13481,67 @@
           <a:p>
             <a:r>
               <a:rPr lang="en-SG" dirty="0"/>
-              <a:t>Demo</a:t>
+              <a:t>Analytics</a:t>
             </a:r>
           </a:p>
         </p:txBody>
       </p:sp>
       <p:sp>
         <p:nvSpPr>
-          <p:cNvPr id="4" name="TextBox 3">
+          <p:cNvPr id="3" name="Content Placeholder 2">
             <a:extLst>
               <a:ext uri="{FF2B5EF4-FFF2-40B4-BE49-F238E27FC236}">
-                <a16:creationId xmlns:a16="http://schemas.microsoft.com/office/drawing/2014/main" id="{AE28B83F-557F-4AD1-BF0D-A04CF208B15B}"/>
+                <a16:creationId xmlns:a16="http://schemas.microsoft.com/office/drawing/2014/main" id="{46616E4D-53E9-425F-9D6A-96D34755CFC2}"/>
               </a:ext>
             </a:extLst>
           </p:cNvPr>
-          <p:cNvSpPr txBox="1"/>
-          <p:nvPr/>
+          <p:cNvSpPr>
+            <a:spLocks noGrp="1"/>
+          </p:cNvSpPr>
+          <p:nvPr>
+            <p:ph idx="1"/>
+          </p:nvPr>
         </p:nvSpPr>
         <p:spPr>
           <a:xfrm>
-            <a:off x="5211191" y="2725444"/>
-            <a:ext cx="2388094" cy="830997"/>
+            <a:off x="1141412" y="1562470"/>
+            <a:ext cx="9905999" cy="4228731"/>
           </a:xfrm>
-          <a:prstGeom prst="rect">
-            <a:avLst/>
-          </a:prstGeom>
-          <a:noFill/>
         </p:spPr>
         <p:txBody>
-          <a:bodyPr wrap="square" rtlCol="0">
-            <a:spAutoFit/>
+          <a:bodyPr>
+            <a:normAutofit/>
           </a:bodyPr>
           <a:lstStyle/>
           <a:p>
+            <a:pPr>
+              <a:buFontTx/>
+              <a:buChar char="-"/>
+            </a:pPr>
             <a:r>
-              <a:rPr lang="en-SG" sz="4800" dirty="0"/>
-              <a:t>Demo</a:t>
+              <a:rPr lang="en-SG" dirty="0"/>
+              <a:t>Application Insights</a:t>
             </a:r>
-            <a:endParaRPr lang="en-US" sz="4800" dirty="0"/>
+          </a:p>
+          <a:p>
+            <a:pPr>
+              <a:buFontTx/>
+              <a:buChar char="-"/>
+            </a:pPr>
+            <a:r>
+              <a:rPr lang="en-SG" dirty="0"/>
+              <a:t>Application Insights live stream and error monitoring</a:t>
+            </a:r>
+          </a:p>
+          <a:p>
+            <a:endParaRPr lang="en-US" sz="3200" dirty="0"/>
           </a:p>
         </p:txBody>
       </p:sp>
     </p:spTree>
     <p:extLst>
       <p:ext uri="{BB962C8B-B14F-4D97-AF65-F5344CB8AC3E}">
-        <p14:creationId xmlns:p14="http://schemas.microsoft.com/office/powerpoint/2010/main" val="3444223996"/>
+        <p14:creationId xmlns:p14="http://schemas.microsoft.com/office/powerpoint/2010/main" val="905292595"/>
       </p:ext>
     </p:extLst>
   </p:cSld>
@@ -13491,7 +13596,7 @@
           <a:p>
             <a:r>
               <a:rPr lang="en-SG" dirty="0"/>
-              <a:t>Q&amp;A</a:t>
+              <a:t>Demo</a:t>
             </a:r>
           </a:p>
         </p:txBody>
@@ -13501,7 +13606,7 @@
           <p:cNvPr id="4" name="TextBox 3">
             <a:extLst>
               <a:ext uri="{FF2B5EF4-FFF2-40B4-BE49-F238E27FC236}">
-                <a16:creationId xmlns:a16="http://schemas.microsoft.com/office/drawing/2014/main" id="{951EA1E6-48B1-4D3D-9252-8B55EAD744D4}"/>
+                <a16:creationId xmlns:a16="http://schemas.microsoft.com/office/drawing/2014/main" id="{AE28B83F-557F-4AD1-BF0D-A04CF208B15B}"/>
               </a:ext>
             </a:extLst>
           </p:cNvPr>
@@ -13526,7 +13631,7 @@
           <a:p>
             <a:r>
               <a:rPr lang="en-SG" sz="4800" dirty="0"/>
-              <a:t>Q&amp;A</a:t>
+              <a:t>Demo</a:t>
             </a:r>
             <a:endParaRPr lang="en-US" sz="4800" dirty="0"/>
           </a:p>
@@ -13535,7 +13640,7 @@
     </p:spTree>
     <p:extLst>
       <p:ext uri="{BB962C8B-B14F-4D97-AF65-F5344CB8AC3E}">
-        <p14:creationId xmlns:p14="http://schemas.microsoft.com/office/powerpoint/2010/main" val="2699457421"/>
+        <p14:creationId xmlns:p14="http://schemas.microsoft.com/office/powerpoint/2010/main" val="3444223996"/>
       </p:ext>
     </p:extLst>
   </p:cSld>

--- a/Doc/Active Learning on the Cloud - PT4.pptx
+++ b/Doc/Active Learning on the Cloud - PT4.pptx
@@ -13035,9 +13035,48 @@
           <a:p>
             <a:r>
               <a:rPr lang="en-US" dirty="0"/>
-              <a:t>After a few internal meetings, the IT department head decided to migrate the system to Microsoft Azure Web App (PaaS).</a:t>
+              <a:t>After a few internal meetings, the IT department head decided to migrate the system to Microsoft Azure </a:t>
             </a:r>
-            <a:endParaRPr lang="en-SG" dirty="0"/>
+          </a:p>
+          <a:p>
+            <a:pPr>
+              <a:buFontTx/>
+              <a:buChar char="-"/>
+            </a:pPr>
+            <a:r>
+              <a:rPr lang="en-US" dirty="0"/>
+              <a:t>Web App (PaaS)</a:t>
+            </a:r>
+          </a:p>
+          <a:p>
+            <a:pPr>
+              <a:buFontTx/>
+              <a:buChar char="-"/>
+            </a:pPr>
+            <a:r>
+              <a:rPr lang="en-SG" dirty="0"/>
+              <a:t>Azure MSSQL</a:t>
+            </a:r>
+          </a:p>
+          <a:p>
+            <a:pPr>
+              <a:buFontTx/>
+              <a:buChar char="-"/>
+            </a:pPr>
+            <a:r>
+              <a:rPr lang="en-SG" dirty="0"/>
+              <a:t>Blob Storage</a:t>
+            </a:r>
+          </a:p>
+          <a:p>
+            <a:pPr>
+              <a:buFontTx/>
+              <a:buChar char="-"/>
+            </a:pPr>
+            <a:r>
+              <a:rPr lang="en-SG" dirty="0"/>
+              <a:t>Traffic Manager</a:t>
+            </a:r>
           </a:p>
         </p:txBody>
       </p:sp>
@@ -13151,6 +13190,22 @@
               <a:t>Azure Logic App for batch processing</a:t>
             </a:r>
           </a:p>
+          <a:p>
+            <a:pPr>
+              <a:buFontTx/>
+              <a:buChar char="-"/>
+            </a:pPr>
+            <a:r>
+              <a:rPr lang="en-SG" dirty="0"/>
+              <a:t>Auto scaling of Web App</a:t>
+            </a:r>
+          </a:p>
+          <a:p>
+            <a:pPr marL="0" indent="0">
+              <a:buNone/>
+            </a:pPr>
+            <a:endParaRPr lang="en-US" dirty="0"/>
+          </a:p>
         </p:txBody>
       </p:sp>
     </p:spTree>
@@ -13244,16 +13299,6 @@
           </a:bodyPr>
           <a:lstStyle/>
           <a:p>
-            <a:pPr lvl="0">
-              <a:buFontTx/>
-              <a:buChar char="-"/>
-            </a:pPr>
-            <a:r>
-              <a:rPr lang="en-SG" dirty="0"/>
-              <a:t>Auto scaling of Web App</a:t>
-            </a:r>
-          </a:p>
-          <a:p>
             <a:pPr>
               <a:buFontTx/>
               <a:buChar char="-"/>
@@ -13270,7 +13315,7 @@
             </a:pPr>
             <a:r>
               <a:rPr lang="en-SG" dirty="0"/>
-              <a:t>- Geographical redundancy of Database </a:t>
+              <a:t>Geographical redundancy of Database </a:t>
             </a:r>
           </a:p>
           <a:p>
@@ -13280,7 +13325,7 @@
             </a:pPr>
             <a:r>
               <a:rPr lang="en-SG" dirty="0"/>
-              <a:t>- Geographical redundancy of blob storage for course media files</a:t>
+              <a:t>Geographical redundancy of blob storage for course media files</a:t>
             </a:r>
           </a:p>
           <a:p>

--- a/Doc/Active Learning on the Cloud - PT4.pptx
+++ b/Doc/Active Learning on the Cloud - PT4.pptx
@@ -9,12 +9,14 @@
     <p:sldId id="257" r:id="rId3"/>
     <p:sldId id="258" r:id="rId4"/>
     <p:sldId id="259" r:id="rId5"/>
-    <p:sldId id="260" r:id="rId6"/>
-    <p:sldId id="261" r:id="rId7"/>
-    <p:sldId id="262" r:id="rId8"/>
-    <p:sldId id="265" r:id="rId9"/>
-    <p:sldId id="263" r:id="rId10"/>
-    <p:sldId id="264" r:id="rId11"/>
+    <p:sldId id="267" r:id="rId6"/>
+    <p:sldId id="260" r:id="rId7"/>
+    <p:sldId id="261" r:id="rId8"/>
+    <p:sldId id="262" r:id="rId9"/>
+    <p:sldId id="265" r:id="rId10"/>
+    <p:sldId id="266" r:id="rId11"/>
+    <p:sldId id="263" r:id="rId12"/>
+    <p:sldId id="264" r:id="rId13"/>
   </p:sldIdLst>
   <p:sldSz cx="12192000" cy="6858000"/>
   <p:notesSz cx="6858000" cy="9144000"/>
@@ -12683,6 +12685,217 @@
           <a:p>
             <a:r>
               <a:rPr lang="en-SG" dirty="0"/>
+              <a:t>Some consideration</a:t>
+            </a:r>
+          </a:p>
+        </p:txBody>
+      </p:sp>
+      <p:sp>
+        <p:nvSpPr>
+          <p:cNvPr id="3" name="Content Placeholder 2">
+            <a:extLst>
+              <a:ext uri="{FF2B5EF4-FFF2-40B4-BE49-F238E27FC236}">
+                <a16:creationId xmlns:a16="http://schemas.microsoft.com/office/drawing/2014/main" id="{46616E4D-53E9-425F-9D6A-96D34755CFC2}"/>
+              </a:ext>
+            </a:extLst>
+          </p:cNvPr>
+          <p:cNvSpPr>
+            <a:spLocks noGrp="1"/>
+          </p:cNvSpPr>
+          <p:nvPr>
+            <p:ph idx="1"/>
+          </p:nvPr>
+        </p:nvSpPr>
+        <p:spPr>
+          <a:xfrm>
+            <a:off x="1141412" y="1562470"/>
+            <a:ext cx="9905999" cy="4228731"/>
+          </a:xfrm>
+        </p:spPr>
+        <p:txBody>
+          <a:bodyPr>
+            <a:normAutofit/>
+          </a:bodyPr>
+          <a:lstStyle/>
+          <a:p>
+            <a:pPr>
+              <a:buFontTx/>
+              <a:buChar char="-"/>
+            </a:pPr>
+            <a:r>
+              <a:rPr lang="en-SG" dirty="0"/>
+              <a:t>Easy switch between Blob Storage and File System, to cater to migration back to on-premise</a:t>
+            </a:r>
+          </a:p>
+          <a:p>
+            <a:pPr>
+              <a:buFontTx/>
+              <a:buChar char="-"/>
+            </a:pPr>
+            <a:endParaRPr lang="en-SG" dirty="0"/>
+          </a:p>
+          <a:p>
+            <a:endParaRPr lang="en-US" sz="3200" dirty="0"/>
+          </a:p>
+        </p:txBody>
+      </p:sp>
+    </p:spTree>
+    <p:extLst>
+      <p:ext uri="{BB962C8B-B14F-4D97-AF65-F5344CB8AC3E}">
+        <p14:creationId xmlns:p14="http://schemas.microsoft.com/office/powerpoint/2010/main" val="3058599414"/>
+      </p:ext>
+    </p:extLst>
+  </p:cSld>
+  <p:clrMapOvr>
+    <a:masterClrMapping/>
+  </p:clrMapOvr>
+</p:sld>
+</file>
+
+<file path=ppt/slides/slide11.xml><?xml version="1.0" encoding="utf-8"?>
+<p:sld xmlns:a="http://schemas.openxmlformats.org/drawingml/2006/main" xmlns:r="http://schemas.openxmlformats.org/officeDocument/2006/relationships" xmlns:p="http://schemas.openxmlformats.org/presentationml/2006/main">
+  <p:cSld>
+    <p:spTree>
+      <p:nvGrpSpPr>
+        <p:cNvPr id="1" name=""/>
+        <p:cNvGrpSpPr/>
+        <p:nvPr/>
+      </p:nvGrpSpPr>
+      <p:grpSpPr>
+        <a:xfrm>
+          <a:off x="0" y="0"/>
+          <a:ext cx="0" cy="0"/>
+          <a:chOff x="0" y="0"/>
+          <a:chExt cx="0" cy="0"/>
+        </a:xfrm>
+      </p:grpSpPr>
+      <p:sp>
+        <p:nvSpPr>
+          <p:cNvPr id="2" name="Title 1">
+            <a:extLst>
+              <a:ext uri="{FF2B5EF4-FFF2-40B4-BE49-F238E27FC236}">
+                <a16:creationId xmlns:a16="http://schemas.microsoft.com/office/drawing/2014/main" id="{FDBA64A7-9338-42C9-80CF-15DAE7A1371E}"/>
+              </a:ext>
+            </a:extLst>
+          </p:cNvPr>
+          <p:cNvSpPr>
+            <a:spLocks noGrp="1"/>
+          </p:cNvSpPr>
+          <p:nvPr>
+            <p:ph type="title"/>
+          </p:nvPr>
+        </p:nvSpPr>
+        <p:spPr>
+          <a:xfrm>
+            <a:off x="1141413" y="290044"/>
+            <a:ext cx="9905998" cy="890686"/>
+          </a:xfrm>
+        </p:spPr>
+        <p:txBody>
+          <a:bodyPr/>
+          <a:lstStyle/>
+          <a:p>
+            <a:r>
+              <a:rPr lang="en-SG" dirty="0"/>
+              <a:t>Demo</a:t>
+            </a:r>
+          </a:p>
+        </p:txBody>
+      </p:sp>
+      <p:sp>
+        <p:nvSpPr>
+          <p:cNvPr id="4" name="TextBox 3">
+            <a:extLst>
+              <a:ext uri="{FF2B5EF4-FFF2-40B4-BE49-F238E27FC236}">
+                <a16:creationId xmlns:a16="http://schemas.microsoft.com/office/drawing/2014/main" id="{AE28B83F-557F-4AD1-BF0D-A04CF208B15B}"/>
+              </a:ext>
+            </a:extLst>
+          </p:cNvPr>
+          <p:cNvSpPr txBox="1"/>
+          <p:nvPr/>
+        </p:nvSpPr>
+        <p:spPr>
+          <a:xfrm>
+            <a:off x="5211191" y="2725444"/>
+            <a:ext cx="2388094" cy="830997"/>
+          </a:xfrm>
+          <a:prstGeom prst="rect">
+            <a:avLst/>
+          </a:prstGeom>
+          <a:noFill/>
+        </p:spPr>
+        <p:txBody>
+          <a:bodyPr wrap="square" rtlCol="0">
+            <a:spAutoFit/>
+          </a:bodyPr>
+          <a:lstStyle/>
+          <a:p>
+            <a:r>
+              <a:rPr lang="en-SG" sz="4800" dirty="0"/>
+              <a:t>Demo</a:t>
+            </a:r>
+            <a:endParaRPr lang="en-US" sz="4800" dirty="0"/>
+          </a:p>
+        </p:txBody>
+      </p:sp>
+    </p:spTree>
+    <p:extLst>
+      <p:ext uri="{BB962C8B-B14F-4D97-AF65-F5344CB8AC3E}">
+        <p14:creationId xmlns:p14="http://schemas.microsoft.com/office/powerpoint/2010/main" val="3444223996"/>
+      </p:ext>
+    </p:extLst>
+  </p:cSld>
+  <p:clrMapOvr>
+    <a:masterClrMapping/>
+  </p:clrMapOvr>
+</p:sld>
+</file>
+
+<file path=ppt/slides/slide12.xml><?xml version="1.0" encoding="utf-8"?>
+<p:sld xmlns:a="http://schemas.openxmlformats.org/drawingml/2006/main" xmlns:r="http://schemas.openxmlformats.org/officeDocument/2006/relationships" xmlns:p="http://schemas.openxmlformats.org/presentationml/2006/main">
+  <p:cSld>
+    <p:spTree>
+      <p:nvGrpSpPr>
+        <p:cNvPr id="1" name=""/>
+        <p:cNvGrpSpPr/>
+        <p:nvPr/>
+      </p:nvGrpSpPr>
+      <p:grpSpPr>
+        <a:xfrm>
+          <a:off x="0" y="0"/>
+          <a:ext cx="0" cy="0"/>
+          <a:chOff x="0" y="0"/>
+          <a:chExt cx="0" cy="0"/>
+        </a:xfrm>
+      </p:grpSpPr>
+      <p:sp>
+        <p:nvSpPr>
+          <p:cNvPr id="2" name="Title 1">
+            <a:extLst>
+              <a:ext uri="{FF2B5EF4-FFF2-40B4-BE49-F238E27FC236}">
+                <a16:creationId xmlns:a16="http://schemas.microsoft.com/office/drawing/2014/main" id="{FDBA64A7-9338-42C9-80CF-15DAE7A1371E}"/>
+              </a:ext>
+            </a:extLst>
+          </p:cNvPr>
+          <p:cNvSpPr>
+            <a:spLocks noGrp="1"/>
+          </p:cNvSpPr>
+          <p:nvPr>
+            <p:ph type="title"/>
+          </p:nvPr>
+        </p:nvSpPr>
+        <p:spPr>
+          <a:xfrm>
+            <a:off x="1141413" y="290044"/>
+            <a:ext cx="9905998" cy="890686"/>
+          </a:xfrm>
+        </p:spPr>
+        <p:txBody>
+          <a:bodyPr/>
+          <a:lstStyle/>
+          <a:p>
+            <a:r>
+              <a:rPr lang="en-SG" dirty="0"/>
               <a:t>Q&amp;A</a:t>
             </a:r>
           </a:p>
@@ -13112,6 +13325,98 @@
       </p:grpSpPr>
       <p:sp>
         <p:nvSpPr>
+          <p:cNvPr id="43" name="Rectangle: Rounded Corners 42">
+            <a:extLst>
+              <a:ext uri="{FF2B5EF4-FFF2-40B4-BE49-F238E27FC236}">
+                <a16:creationId xmlns:a16="http://schemas.microsoft.com/office/drawing/2014/main" id="{B6159C7D-636F-49BA-84BA-FCA8AADB11CE}"/>
+              </a:ext>
+            </a:extLst>
+          </p:cNvPr>
+          <p:cNvSpPr/>
+          <p:nvPr/>
+        </p:nvSpPr>
+        <p:spPr>
+          <a:xfrm>
+            <a:off x="6332526" y="1426458"/>
+            <a:ext cx="3489960" cy="3014319"/>
+          </a:xfrm>
+          <a:prstGeom prst="roundRect">
+            <a:avLst/>
+          </a:prstGeom>
+        </p:spPr>
+        <p:style>
+          <a:lnRef idx="2">
+            <a:schemeClr val="accent1">
+              <a:shade val="50000"/>
+            </a:schemeClr>
+          </a:lnRef>
+          <a:fillRef idx="1">
+            <a:schemeClr val="accent1"/>
+          </a:fillRef>
+          <a:effectRef idx="0">
+            <a:schemeClr val="accent1"/>
+          </a:effectRef>
+          <a:fontRef idx="minor">
+            <a:schemeClr val="lt1"/>
+          </a:fontRef>
+        </p:style>
+        <p:txBody>
+          <a:bodyPr rtlCol="0" anchor="ctr"/>
+          <a:lstStyle/>
+          <a:p>
+            <a:pPr algn="ctr"/>
+            <a:endParaRPr lang="en-SG"/>
+          </a:p>
+        </p:txBody>
+      </p:sp>
+      <p:sp>
+        <p:nvSpPr>
+          <p:cNvPr id="42" name="Rectangle: Rounded Corners 41">
+            <a:extLst>
+              <a:ext uri="{FF2B5EF4-FFF2-40B4-BE49-F238E27FC236}">
+                <a16:creationId xmlns:a16="http://schemas.microsoft.com/office/drawing/2014/main" id="{28422919-2526-4FB4-B582-D881C66DFC8E}"/>
+              </a:ext>
+            </a:extLst>
+          </p:cNvPr>
+          <p:cNvSpPr/>
+          <p:nvPr/>
+        </p:nvSpPr>
+        <p:spPr>
+          <a:xfrm>
+            <a:off x="1067287" y="1426458"/>
+            <a:ext cx="3489960" cy="2956560"/>
+          </a:xfrm>
+          <a:prstGeom prst="roundRect">
+            <a:avLst/>
+          </a:prstGeom>
+        </p:spPr>
+        <p:style>
+          <a:lnRef idx="2">
+            <a:schemeClr val="accent1">
+              <a:shade val="50000"/>
+            </a:schemeClr>
+          </a:lnRef>
+          <a:fillRef idx="1">
+            <a:schemeClr val="accent1"/>
+          </a:fillRef>
+          <a:effectRef idx="0">
+            <a:schemeClr val="accent1"/>
+          </a:effectRef>
+          <a:fontRef idx="minor">
+            <a:schemeClr val="lt1"/>
+          </a:fontRef>
+        </p:style>
+        <p:txBody>
+          <a:bodyPr rtlCol="0" anchor="ctr"/>
+          <a:lstStyle/>
+          <a:p>
+            <a:pPr algn="ctr"/>
+            <a:endParaRPr lang="en-SG"/>
+          </a:p>
+        </p:txBody>
+      </p:sp>
+      <p:sp>
+        <p:nvSpPr>
           <p:cNvPr id="2" name="Title 1">
             <a:extLst>
               <a:ext uri="{FF2B5EF4-FFF2-40B4-BE49-F238E27FC236}">
@@ -13138,80 +13443,1692 @@
           <a:p>
             <a:r>
               <a:rPr lang="en-SG" dirty="0"/>
-              <a:t>High Performance</a:t>
+              <a:t>Architecture</a:t>
             </a:r>
           </a:p>
         </p:txBody>
       </p:sp>
-      <p:sp>
-        <p:nvSpPr>
-          <p:cNvPr id="3" name="Content Placeholder 2">
+      <p:grpSp>
+        <p:nvGrpSpPr>
+          <p:cNvPr id="46" name="Group 45">
             <a:extLst>
               <a:ext uri="{FF2B5EF4-FFF2-40B4-BE49-F238E27FC236}">
-                <a16:creationId xmlns:a16="http://schemas.microsoft.com/office/drawing/2014/main" id="{46616E4D-53E9-425F-9D6A-96D34755CFC2}"/>
+                <a16:creationId xmlns:a16="http://schemas.microsoft.com/office/drawing/2014/main" id="{79386A58-CE8C-42BD-BB00-845B1E6A47F1}"/>
               </a:ext>
             </a:extLst>
           </p:cNvPr>
-          <p:cNvSpPr>
-            <a:spLocks noGrp="1"/>
-          </p:cNvSpPr>
-          <p:nvPr>
-            <p:ph idx="1"/>
-          </p:nvPr>
+          <p:cNvGrpSpPr/>
+          <p:nvPr/>
+        </p:nvGrpSpPr>
+        <p:grpSpPr>
+          <a:xfrm>
+            <a:off x="7143006" y="1881721"/>
+            <a:ext cx="1117466" cy="746298"/>
+            <a:chOff x="7066008" y="1728705"/>
+            <a:chExt cx="1117466" cy="746298"/>
+          </a:xfrm>
+        </p:grpSpPr>
+        <p:pic>
+          <p:nvPicPr>
+            <p:cNvPr id="13" name="Picture 12">
+              <a:extLst>
+                <a:ext uri="{FF2B5EF4-FFF2-40B4-BE49-F238E27FC236}">
+                  <a16:creationId xmlns:a16="http://schemas.microsoft.com/office/drawing/2014/main" id="{6F8E5C51-3073-42AA-8EC7-CE9059CB1095}"/>
+                </a:ext>
+              </a:extLst>
+            </p:cNvPr>
+            <p:cNvPicPr>
+              <a:picLocks noChangeAspect="1"/>
+            </p:cNvPicPr>
+            <p:nvPr/>
+          </p:nvPicPr>
+          <p:blipFill>
+            <a:blip r:embed="rId2">
+              <a:extLst>
+                <a:ext uri="{28A0092B-C50C-407E-A947-70E740481C1C}">
+                  <a14:useLocalDpi xmlns:a14="http://schemas.microsoft.com/office/drawing/2010/main" val="0"/>
+                </a:ext>
+              </a:extLst>
+            </a:blip>
+            <a:stretch>
+              <a:fillRect/>
+            </a:stretch>
+          </p:blipFill>
+          <p:spPr>
+            <a:xfrm>
+              <a:off x="7293489" y="1728705"/>
+              <a:ext cx="518535" cy="518535"/>
+            </a:xfrm>
+            <a:prstGeom prst="rect">
+              <a:avLst/>
+            </a:prstGeom>
+          </p:spPr>
+        </p:pic>
+        <p:pic>
+          <p:nvPicPr>
+            <p:cNvPr id="30" name="Picture 29">
+              <a:extLst>
+                <a:ext uri="{FF2B5EF4-FFF2-40B4-BE49-F238E27FC236}">
+                  <a16:creationId xmlns:a16="http://schemas.microsoft.com/office/drawing/2014/main" id="{18502FBC-9ADD-416F-94B6-378565AE1A4E}"/>
+                </a:ext>
+              </a:extLst>
+            </p:cNvPr>
+            <p:cNvPicPr>
+              <a:picLocks noChangeAspect="1"/>
+            </p:cNvPicPr>
+            <p:nvPr/>
+          </p:nvPicPr>
+          <p:blipFill>
+            <a:blip r:embed="rId3">
+              <a:extLst>
+                <a:ext uri="{28A0092B-C50C-407E-A947-70E740481C1C}">
+                  <a14:useLocalDpi xmlns:a14="http://schemas.microsoft.com/office/drawing/2010/main" val="0"/>
+                </a:ext>
+              </a:extLst>
+            </a:blip>
+            <a:stretch>
+              <a:fillRect/>
+            </a:stretch>
+          </p:blipFill>
+          <p:spPr>
+            <a:xfrm>
+              <a:off x="7709334" y="2072688"/>
+              <a:ext cx="314959" cy="314959"/>
+            </a:xfrm>
+            <a:prstGeom prst="rect">
+              <a:avLst/>
+            </a:prstGeom>
+          </p:spPr>
+        </p:pic>
+        <p:sp>
+          <p:nvSpPr>
+            <p:cNvPr id="32" name="TextBox 31">
+              <a:extLst>
+                <a:ext uri="{FF2B5EF4-FFF2-40B4-BE49-F238E27FC236}">
+                  <a16:creationId xmlns:a16="http://schemas.microsoft.com/office/drawing/2014/main" id="{61DF8803-16F3-4CF3-9215-616C781DACD6}"/>
+                </a:ext>
+              </a:extLst>
+            </p:cNvPr>
+            <p:cNvSpPr txBox="1"/>
+            <p:nvPr/>
+          </p:nvSpPr>
+          <p:spPr>
+            <a:xfrm>
+              <a:off x="7066008" y="2198004"/>
+              <a:ext cx="1117466" cy="276999"/>
+            </a:xfrm>
+            <a:prstGeom prst="rect">
+              <a:avLst/>
+            </a:prstGeom>
+            <a:noFill/>
+          </p:spPr>
+          <p:txBody>
+            <a:bodyPr wrap="square" rtlCol="0">
+              <a:spAutoFit/>
+            </a:bodyPr>
+            <a:lstStyle/>
+            <a:p>
+              <a:r>
+                <a:rPr lang="en-SG" sz="1200" dirty="0"/>
+                <a:t>Web App</a:t>
+              </a:r>
+            </a:p>
+          </p:txBody>
+        </p:sp>
+      </p:grpSp>
+      <p:grpSp>
+        <p:nvGrpSpPr>
+          <p:cNvPr id="44" name="Group 43">
+            <a:extLst>
+              <a:ext uri="{FF2B5EF4-FFF2-40B4-BE49-F238E27FC236}">
+                <a16:creationId xmlns:a16="http://schemas.microsoft.com/office/drawing/2014/main" id="{89176CFA-0F59-4C1D-9A5F-EA75275F30D6}"/>
+              </a:ext>
+            </a:extLst>
+          </p:cNvPr>
+          <p:cNvGrpSpPr/>
+          <p:nvPr/>
+        </p:nvGrpSpPr>
+        <p:grpSpPr>
+          <a:xfrm>
+            <a:off x="8200006" y="3422819"/>
+            <a:ext cx="1117466" cy="783792"/>
+            <a:chOff x="6591868" y="2772925"/>
+            <a:chExt cx="1117466" cy="783792"/>
+          </a:xfrm>
+        </p:grpSpPr>
+        <p:pic>
+          <p:nvPicPr>
+            <p:cNvPr id="20" name="Picture 19">
+              <a:extLst>
+                <a:ext uri="{FF2B5EF4-FFF2-40B4-BE49-F238E27FC236}">
+                  <a16:creationId xmlns:a16="http://schemas.microsoft.com/office/drawing/2014/main" id="{E633434C-968F-4A7C-AB3F-4A0E5AAEE280}"/>
+                </a:ext>
+              </a:extLst>
+            </p:cNvPr>
+            <p:cNvPicPr>
+              <a:picLocks noChangeAspect="1"/>
+            </p:cNvPicPr>
+            <p:nvPr/>
+          </p:nvPicPr>
+          <p:blipFill>
+            <a:blip r:embed="rId4">
+              <a:extLst>
+                <a:ext uri="{28A0092B-C50C-407E-A947-70E740481C1C}">
+                  <a14:useLocalDpi xmlns:a14="http://schemas.microsoft.com/office/drawing/2010/main" val="0"/>
+                </a:ext>
+              </a:extLst>
+            </a:blip>
+            <a:stretch>
+              <a:fillRect/>
+            </a:stretch>
+          </p:blipFill>
+          <p:spPr>
+            <a:xfrm>
+              <a:off x="6624471" y="2772925"/>
+              <a:ext cx="518535" cy="518535"/>
+            </a:xfrm>
+            <a:prstGeom prst="rect">
+              <a:avLst/>
+            </a:prstGeom>
+          </p:spPr>
+        </p:pic>
+        <p:sp>
+          <p:nvSpPr>
+            <p:cNvPr id="36" name="TextBox 35">
+              <a:extLst>
+                <a:ext uri="{FF2B5EF4-FFF2-40B4-BE49-F238E27FC236}">
+                  <a16:creationId xmlns:a16="http://schemas.microsoft.com/office/drawing/2014/main" id="{DB5569BD-9E77-450D-B68F-9CC2C065E611}"/>
+                </a:ext>
+              </a:extLst>
+            </p:cNvPr>
+            <p:cNvSpPr txBox="1"/>
+            <p:nvPr/>
+          </p:nvSpPr>
+          <p:spPr>
+            <a:xfrm>
+              <a:off x="6591868" y="3279718"/>
+              <a:ext cx="1117466" cy="276999"/>
+            </a:xfrm>
+            <a:prstGeom prst="rect">
+              <a:avLst/>
+            </a:prstGeom>
+            <a:noFill/>
+          </p:spPr>
+          <p:txBody>
+            <a:bodyPr wrap="square" rtlCol="0">
+              <a:spAutoFit/>
+            </a:bodyPr>
+            <a:lstStyle/>
+            <a:p>
+              <a:r>
+                <a:rPr lang="en-SG" sz="1200" dirty="0"/>
+                <a:t>MSSQL</a:t>
+              </a:r>
+            </a:p>
+          </p:txBody>
+        </p:sp>
+      </p:grpSp>
+      <p:grpSp>
+        <p:nvGrpSpPr>
+          <p:cNvPr id="45" name="Group 44">
+            <a:extLst>
+              <a:ext uri="{FF2B5EF4-FFF2-40B4-BE49-F238E27FC236}">
+                <a16:creationId xmlns:a16="http://schemas.microsoft.com/office/drawing/2014/main" id="{CCC69181-4FB8-45FB-9FF2-0E0B5421427B}"/>
+              </a:ext>
+            </a:extLst>
+          </p:cNvPr>
+          <p:cNvGrpSpPr/>
+          <p:nvPr/>
+        </p:nvGrpSpPr>
+        <p:grpSpPr>
+          <a:xfrm>
+            <a:off x="6562954" y="2929798"/>
+            <a:ext cx="1117466" cy="709239"/>
+            <a:chOff x="7911295" y="2847591"/>
+            <a:chExt cx="1117466" cy="709239"/>
+          </a:xfrm>
+        </p:grpSpPr>
+        <p:pic>
+          <p:nvPicPr>
+            <p:cNvPr id="23" name="Picture 22">
+              <a:extLst>
+                <a:ext uri="{FF2B5EF4-FFF2-40B4-BE49-F238E27FC236}">
+                  <a16:creationId xmlns:a16="http://schemas.microsoft.com/office/drawing/2014/main" id="{BFDEDC97-C63F-4685-90FF-ED7EC39675C9}"/>
+                </a:ext>
+              </a:extLst>
+            </p:cNvPr>
+            <p:cNvPicPr>
+              <a:picLocks noChangeAspect="1"/>
+            </p:cNvPicPr>
+            <p:nvPr/>
+          </p:nvPicPr>
+          <p:blipFill>
+            <a:blip r:embed="rId5">
+              <a:extLst>
+                <a:ext uri="{28A0092B-C50C-407E-A947-70E740481C1C}">
+                  <a14:useLocalDpi xmlns:a14="http://schemas.microsoft.com/office/drawing/2010/main" val="0"/>
+                </a:ext>
+              </a:extLst>
+            </a:blip>
+            <a:stretch>
+              <a:fillRect/>
+            </a:stretch>
+          </p:blipFill>
+          <p:spPr>
+            <a:xfrm>
+              <a:off x="8144940" y="2847591"/>
+              <a:ext cx="518535" cy="518535"/>
+            </a:xfrm>
+            <a:prstGeom prst="rect">
+              <a:avLst/>
+            </a:prstGeom>
+          </p:spPr>
+        </p:pic>
+        <p:sp>
+          <p:nvSpPr>
+            <p:cNvPr id="37" name="TextBox 36">
+              <a:extLst>
+                <a:ext uri="{FF2B5EF4-FFF2-40B4-BE49-F238E27FC236}">
+                  <a16:creationId xmlns:a16="http://schemas.microsoft.com/office/drawing/2014/main" id="{98832CE6-8E08-46F5-B3B9-E666CC023B07}"/>
+                </a:ext>
+              </a:extLst>
+            </p:cNvPr>
+            <p:cNvSpPr txBox="1"/>
+            <p:nvPr/>
+          </p:nvSpPr>
+          <p:spPr>
+            <a:xfrm>
+              <a:off x="7911295" y="3279831"/>
+              <a:ext cx="1117466" cy="276999"/>
+            </a:xfrm>
+            <a:prstGeom prst="rect">
+              <a:avLst/>
+            </a:prstGeom>
+            <a:noFill/>
+          </p:spPr>
+          <p:txBody>
+            <a:bodyPr wrap="square" rtlCol="0">
+              <a:spAutoFit/>
+            </a:bodyPr>
+            <a:lstStyle/>
+            <a:p>
+              <a:r>
+                <a:rPr lang="en-SG" sz="1200" dirty="0"/>
+                <a:t>Blob Storage</a:t>
+              </a:r>
+            </a:p>
+          </p:txBody>
+        </p:sp>
+      </p:grpSp>
+      <p:grpSp>
+        <p:nvGrpSpPr>
+          <p:cNvPr id="51" name="Group 50">
+            <a:extLst>
+              <a:ext uri="{FF2B5EF4-FFF2-40B4-BE49-F238E27FC236}">
+                <a16:creationId xmlns:a16="http://schemas.microsoft.com/office/drawing/2014/main" id="{360528DE-38D4-418C-AE85-2BBDAD720079}"/>
+              </a:ext>
+            </a:extLst>
+          </p:cNvPr>
+          <p:cNvGrpSpPr/>
+          <p:nvPr/>
+        </p:nvGrpSpPr>
+        <p:grpSpPr>
+          <a:xfrm>
+            <a:off x="4924999" y="4691478"/>
+            <a:ext cx="1269771" cy="643026"/>
+            <a:chOff x="4822402" y="4471703"/>
+            <a:chExt cx="1269771" cy="643026"/>
+          </a:xfrm>
+        </p:grpSpPr>
+        <p:pic>
+          <p:nvPicPr>
+            <p:cNvPr id="25" name="Picture 24">
+              <a:extLst>
+                <a:ext uri="{FF2B5EF4-FFF2-40B4-BE49-F238E27FC236}">
+                  <a16:creationId xmlns:a16="http://schemas.microsoft.com/office/drawing/2014/main" id="{7CEECDCE-9C0A-4353-931B-2151D6ABF1C9}"/>
+                </a:ext>
+              </a:extLst>
+            </p:cNvPr>
+            <p:cNvPicPr>
+              <a:picLocks noChangeAspect="1"/>
+            </p:cNvPicPr>
+            <p:nvPr/>
+          </p:nvPicPr>
+          <p:blipFill>
+            <a:blip r:embed="rId6">
+              <a:extLst>
+                <a:ext uri="{28A0092B-C50C-407E-A947-70E740481C1C}">
+                  <a14:useLocalDpi xmlns:a14="http://schemas.microsoft.com/office/drawing/2010/main" val="0"/>
+                </a:ext>
+              </a:extLst>
+            </a:blip>
+            <a:stretch>
+              <a:fillRect/>
+            </a:stretch>
+          </p:blipFill>
+          <p:spPr>
+            <a:xfrm>
+              <a:off x="5177262" y="4471703"/>
+              <a:ext cx="379608" cy="379608"/>
+            </a:xfrm>
+            <a:prstGeom prst="rect">
+              <a:avLst/>
+            </a:prstGeom>
+          </p:spPr>
+        </p:pic>
+        <p:sp>
+          <p:nvSpPr>
+            <p:cNvPr id="38" name="TextBox 37">
+              <a:extLst>
+                <a:ext uri="{FF2B5EF4-FFF2-40B4-BE49-F238E27FC236}">
+                  <a16:creationId xmlns:a16="http://schemas.microsoft.com/office/drawing/2014/main" id="{030E1615-9CE3-4E22-9A82-E76320B81429}"/>
+                </a:ext>
+              </a:extLst>
+            </p:cNvPr>
+            <p:cNvSpPr txBox="1"/>
+            <p:nvPr/>
+          </p:nvSpPr>
+          <p:spPr>
+            <a:xfrm>
+              <a:off x="4822402" y="4837730"/>
+              <a:ext cx="1269771" cy="276999"/>
+            </a:xfrm>
+            <a:prstGeom prst="rect">
+              <a:avLst/>
+            </a:prstGeom>
+            <a:noFill/>
+          </p:spPr>
+          <p:txBody>
+            <a:bodyPr wrap="square" rtlCol="0">
+              <a:spAutoFit/>
+            </a:bodyPr>
+            <a:lstStyle/>
+            <a:p>
+              <a:r>
+                <a:rPr lang="en-SG" sz="1200" dirty="0"/>
+                <a:t>Traffic Manager</a:t>
+              </a:r>
+            </a:p>
+          </p:txBody>
+        </p:sp>
+      </p:grpSp>
+      <p:grpSp>
+        <p:nvGrpSpPr>
+          <p:cNvPr id="49" name="Group 48">
+            <a:extLst>
+              <a:ext uri="{FF2B5EF4-FFF2-40B4-BE49-F238E27FC236}">
+                <a16:creationId xmlns:a16="http://schemas.microsoft.com/office/drawing/2014/main" id="{DEE10AEA-61FA-4B06-81DC-346A8DB02714}"/>
+              </a:ext>
+            </a:extLst>
+          </p:cNvPr>
+          <p:cNvGrpSpPr/>
+          <p:nvPr/>
+        </p:nvGrpSpPr>
+        <p:grpSpPr>
+          <a:xfrm>
+            <a:off x="3509429" y="3941409"/>
+            <a:ext cx="1117466" cy="687337"/>
+            <a:chOff x="3463515" y="4673906"/>
+            <a:chExt cx="1117466" cy="687337"/>
+          </a:xfrm>
+        </p:grpSpPr>
+        <p:pic>
+          <p:nvPicPr>
+            <p:cNvPr id="27" name="Picture 26">
+              <a:extLst>
+                <a:ext uri="{FF2B5EF4-FFF2-40B4-BE49-F238E27FC236}">
+                  <a16:creationId xmlns:a16="http://schemas.microsoft.com/office/drawing/2014/main" id="{723EDB46-8501-48F0-8ABE-60B1BEB1B0B6}"/>
+                </a:ext>
+              </a:extLst>
+            </p:cNvPr>
+            <p:cNvPicPr>
+              <a:picLocks noChangeAspect="1"/>
+            </p:cNvPicPr>
+            <p:nvPr/>
+          </p:nvPicPr>
+          <p:blipFill>
+            <a:blip r:embed="rId7">
+              <a:extLst>
+                <a:ext uri="{28A0092B-C50C-407E-A947-70E740481C1C}">
+                  <a14:useLocalDpi xmlns:a14="http://schemas.microsoft.com/office/drawing/2010/main" val="0"/>
+                </a:ext>
+              </a:extLst>
+            </a:blip>
+            <a:stretch>
+              <a:fillRect/>
+            </a:stretch>
+          </p:blipFill>
+          <p:spPr>
+            <a:xfrm>
+              <a:off x="3595367" y="4673906"/>
+              <a:ext cx="499367" cy="499367"/>
+            </a:xfrm>
+            <a:prstGeom prst="rect">
+              <a:avLst/>
+            </a:prstGeom>
+          </p:spPr>
+        </p:pic>
+        <p:sp>
+          <p:nvSpPr>
+            <p:cNvPr id="39" name="TextBox 38">
+              <a:extLst>
+                <a:ext uri="{FF2B5EF4-FFF2-40B4-BE49-F238E27FC236}">
+                  <a16:creationId xmlns:a16="http://schemas.microsoft.com/office/drawing/2014/main" id="{0C0BC0BA-451F-4877-8C44-0F4C54AF88A9}"/>
+                </a:ext>
+              </a:extLst>
+            </p:cNvPr>
+            <p:cNvSpPr txBox="1"/>
+            <p:nvPr/>
+          </p:nvSpPr>
+          <p:spPr>
+            <a:xfrm>
+              <a:off x="3463515" y="5084244"/>
+              <a:ext cx="1117466" cy="276999"/>
+            </a:xfrm>
+            <a:prstGeom prst="rect">
+              <a:avLst/>
+            </a:prstGeom>
+            <a:noFill/>
+          </p:spPr>
+          <p:txBody>
+            <a:bodyPr wrap="square" rtlCol="0">
+              <a:spAutoFit/>
+            </a:bodyPr>
+            <a:lstStyle/>
+            <a:p>
+              <a:r>
+                <a:rPr lang="en-SG" sz="1200" dirty="0"/>
+                <a:t>Primary DC</a:t>
+              </a:r>
+            </a:p>
+          </p:txBody>
+        </p:sp>
+      </p:grpSp>
+      <p:grpSp>
+        <p:nvGrpSpPr>
+          <p:cNvPr id="50" name="Group 49">
+            <a:extLst>
+              <a:ext uri="{FF2B5EF4-FFF2-40B4-BE49-F238E27FC236}">
+                <a16:creationId xmlns:a16="http://schemas.microsoft.com/office/drawing/2014/main" id="{E6FD32CB-13D5-4F5E-913A-3987B4A302D8}"/>
+              </a:ext>
+            </a:extLst>
+          </p:cNvPr>
+          <p:cNvGrpSpPr/>
+          <p:nvPr/>
+        </p:nvGrpSpPr>
+        <p:grpSpPr>
+          <a:xfrm>
+            <a:off x="6409462" y="3991742"/>
+            <a:ext cx="1117466" cy="699736"/>
+            <a:chOff x="8369046" y="4661507"/>
+            <a:chExt cx="1117466" cy="699736"/>
+          </a:xfrm>
+        </p:grpSpPr>
+        <p:pic>
+          <p:nvPicPr>
+            <p:cNvPr id="40" name="Picture 39">
+              <a:extLst>
+                <a:ext uri="{FF2B5EF4-FFF2-40B4-BE49-F238E27FC236}">
+                  <a16:creationId xmlns:a16="http://schemas.microsoft.com/office/drawing/2014/main" id="{B34E4475-BB4B-4BEF-9EFB-BF6981DEAA42}"/>
+                </a:ext>
+              </a:extLst>
+            </p:cNvPr>
+            <p:cNvPicPr>
+              <a:picLocks noChangeAspect="1"/>
+            </p:cNvPicPr>
+            <p:nvPr/>
+          </p:nvPicPr>
+          <p:blipFill>
+            <a:blip r:embed="rId7">
+              <a:extLst>
+                <a:ext uri="{28A0092B-C50C-407E-A947-70E740481C1C}">
+                  <a14:useLocalDpi xmlns:a14="http://schemas.microsoft.com/office/drawing/2010/main" val="0"/>
+                </a:ext>
+              </a:extLst>
+            </a:blip>
+            <a:stretch>
+              <a:fillRect/>
+            </a:stretch>
+          </p:blipFill>
+          <p:spPr>
+            <a:xfrm>
+              <a:off x="8547463" y="4661507"/>
+              <a:ext cx="499367" cy="499367"/>
+            </a:xfrm>
+            <a:prstGeom prst="rect">
+              <a:avLst/>
+            </a:prstGeom>
+          </p:spPr>
+        </p:pic>
+        <p:sp>
+          <p:nvSpPr>
+            <p:cNvPr id="41" name="TextBox 40">
+              <a:extLst>
+                <a:ext uri="{FF2B5EF4-FFF2-40B4-BE49-F238E27FC236}">
+                  <a16:creationId xmlns:a16="http://schemas.microsoft.com/office/drawing/2014/main" id="{69C63839-EE9B-482C-918B-CE29862AC379}"/>
+                </a:ext>
+              </a:extLst>
+            </p:cNvPr>
+            <p:cNvSpPr txBox="1"/>
+            <p:nvPr/>
+          </p:nvSpPr>
+          <p:spPr>
+            <a:xfrm>
+              <a:off x="8369046" y="5084244"/>
+              <a:ext cx="1117466" cy="276999"/>
+            </a:xfrm>
+            <a:prstGeom prst="rect">
+              <a:avLst/>
+            </a:prstGeom>
+            <a:noFill/>
+          </p:spPr>
+          <p:txBody>
+            <a:bodyPr wrap="square" rtlCol="0">
+              <a:spAutoFit/>
+            </a:bodyPr>
+            <a:lstStyle/>
+            <a:p>
+              <a:r>
+                <a:rPr lang="en-SG" sz="1200" dirty="0"/>
+                <a:t>Secondary DC</a:t>
+              </a:r>
+            </a:p>
+          </p:txBody>
+        </p:sp>
+      </p:grpSp>
+      <p:grpSp>
+        <p:nvGrpSpPr>
+          <p:cNvPr id="48" name="Group 47">
+            <a:extLst>
+              <a:ext uri="{FF2B5EF4-FFF2-40B4-BE49-F238E27FC236}">
+                <a16:creationId xmlns:a16="http://schemas.microsoft.com/office/drawing/2014/main" id="{A958740E-3794-41AB-8C6B-1B3D1346DFFA}"/>
+              </a:ext>
+            </a:extLst>
+          </p:cNvPr>
+          <p:cNvGrpSpPr/>
+          <p:nvPr/>
+        </p:nvGrpSpPr>
+        <p:grpSpPr>
+          <a:xfrm>
+            <a:off x="8825049" y="2230184"/>
+            <a:ext cx="1117466" cy="753261"/>
+            <a:chOff x="8404207" y="1731498"/>
+            <a:chExt cx="1117466" cy="753261"/>
+          </a:xfrm>
+        </p:grpSpPr>
+        <p:pic>
+          <p:nvPicPr>
+            <p:cNvPr id="7" name="Picture 6">
+              <a:extLst>
+                <a:ext uri="{FF2B5EF4-FFF2-40B4-BE49-F238E27FC236}">
+                  <a16:creationId xmlns:a16="http://schemas.microsoft.com/office/drawing/2014/main" id="{163B1921-BFAB-4B6C-B468-B7336B0E8AD1}"/>
+                </a:ext>
+              </a:extLst>
+            </p:cNvPr>
+            <p:cNvPicPr>
+              <a:picLocks noChangeAspect="1"/>
+            </p:cNvPicPr>
+            <p:nvPr/>
+          </p:nvPicPr>
+          <p:blipFill>
+            <a:blip r:embed="rId8">
+              <a:extLst>
+                <a:ext uri="{28A0092B-C50C-407E-A947-70E740481C1C}">
+                  <a14:useLocalDpi xmlns:a14="http://schemas.microsoft.com/office/drawing/2010/main" val="0"/>
+                </a:ext>
+              </a:extLst>
+            </a:blip>
+            <a:stretch>
+              <a:fillRect/>
+            </a:stretch>
+          </p:blipFill>
+          <p:spPr>
+            <a:xfrm>
+              <a:off x="8567532" y="1731498"/>
+              <a:ext cx="518535" cy="518535"/>
+            </a:xfrm>
+            <a:prstGeom prst="rect">
+              <a:avLst/>
+            </a:prstGeom>
+          </p:spPr>
+        </p:pic>
+        <p:sp>
+          <p:nvSpPr>
+            <p:cNvPr id="47" name="TextBox 46">
+              <a:extLst>
+                <a:ext uri="{FF2B5EF4-FFF2-40B4-BE49-F238E27FC236}">
+                  <a16:creationId xmlns:a16="http://schemas.microsoft.com/office/drawing/2014/main" id="{2738B8E4-5CC0-4141-AEDF-FC2648A9CABF}"/>
+                </a:ext>
+              </a:extLst>
+            </p:cNvPr>
+            <p:cNvSpPr txBox="1"/>
+            <p:nvPr/>
+          </p:nvSpPr>
+          <p:spPr>
+            <a:xfrm>
+              <a:off x="8404207" y="2207760"/>
+              <a:ext cx="1117466" cy="276999"/>
+            </a:xfrm>
+            <a:prstGeom prst="rect">
+              <a:avLst/>
+            </a:prstGeom>
+            <a:noFill/>
+          </p:spPr>
+          <p:txBody>
+            <a:bodyPr wrap="square" rtlCol="0">
+              <a:spAutoFit/>
+            </a:bodyPr>
+            <a:lstStyle/>
+            <a:p>
+              <a:r>
+                <a:rPr lang="en-SG" sz="1200" dirty="0"/>
+                <a:t>App Insights</a:t>
+              </a:r>
+            </a:p>
+          </p:txBody>
+        </p:sp>
+      </p:grpSp>
+      <p:grpSp>
+        <p:nvGrpSpPr>
+          <p:cNvPr id="52" name="Group 51">
+            <a:extLst>
+              <a:ext uri="{FF2B5EF4-FFF2-40B4-BE49-F238E27FC236}">
+                <a16:creationId xmlns:a16="http://schemas.microsoft.com/office/drawing/2014/main" id="{07F3402C-3FB7-4853-8592-11603B60D10C}"/>
+              </a:ext>
+            </a:extLst>
+          </p:cNvPr>
+          <p:cNvGrpSpPr/>
+          <p:nvPr/>
+        </p:nvGrpSpPr>
+        <p:grpSpPr>
+          <a:xfrm>
+            <a:off x="1834631" y="1860518"/>
+            <a:ext cx="1117466" cy="746298"/>
+            <a:chOff x="7066008" y="1728705"/>
+            <a:chExt cx="1117466" cy="746298"/>
+          </a:xfrm>
+        </p:grpSpPr>
+        <p:pic>
+          <p:nvPicPr>
+            <p:cNvPr id="53" name="Picture 52">
+              <a:extLst>
+                <a:ext uri="{FF2B5EF4-FFF2-40B4-BE49-F238E27FC236}">
+                  <a16:creationId xmlns:a16="http://schemas.microsoft.com/office/drawing/2014/main" id="{E2B591A9-ACA1-4E3D-A118-4495C3CF0839}"/>
+                </a:ext>
+              </a:extLst>
+            </p:cNvPr>
+            <p:cNvPicPr>
+              <a:picLocks noChangeAspect="1"/>
+            </p:cNvPicPr>
+            <p:nvPr/>
+          </p:nvPicPr>
+          <p:blipFill>
+            <a:blip r:embed="rId2">
+              <a:extLst>
+                <a:ext uri="{28A0092B-C50C-407E-A947-70E740481C1C}">
+                  <a14:useLocalDpi xmlns:a14="http://schemas.microsoft.com/office/drawing/2010/main" val="0"/>
+                </a:ext>
+              </a:extLst>
+            </a:blip>
+            <a:stretch>
+              <a:fillRect/>
+            </a:stretch>
+          </p:blipFill>
+          <p:spPr>
+            <a:xfrm>
+              <a:off x="7293489" y="1728705"/>
+              <a:ext cx="518535" cy="518535"/>
+            </a:xfrm>
+            <a:prstGeom prst="rect">
+              <a:avLst/>
+            </a:prstGeom>
+          </p:spPr>
+        </p:pic>
+        <p:pic>
+          <p:nvPicPr>
+            <p:cNvPr id="54" name="Picture 53">
+              <a:extLst>
+                <a:ext uri="{FF2B5EF4-FFF2-40B4-BE49-F238E27FC236}">
+                  <a16:creationId xmlns:a16="http://schemas.microsoft.com/office/drawing/2014/main" id="{50A07930-47F7-4A95-9834-F85C981025EB}"/>
+                </a:ext>
+              </a:extLst>
+            </p:cNvPr>
+            <p:cNvPicPr>
+              <a:picLocks noChangeAspect="1"/>
+            </p:cNvPicPr>
+            <p:nvPr/>
+          </p:nvPicPr>
+          <p:blipFill>
+            <a:blip r:embed="rId3">
+              <a:extLst>
+                <a:ext uri="{28A0092B-C50C-407E-A947-70E740481C1C}">
+                  <a14:useLocalDpi xmlns:a14="http://schemas.microsoft.com/office/drawing/2010/main" val="0"/>
+                </a:ext>
+              </a:extLst>
+            </a:blip>
+            <a:stretch>
+              <a:fillRect/>
+            </a:stretch>
+          </p:blipFill>
+          <p:spPr>
+            <a:xfrm>
+              <a:off x="7709334" y="2072688"/>
+              <a:ext cx="314959" cy="314959"/>
+            </a:xfrm>
+            <a:prstGeom prst="rect">
+              <a:avLst/>
+            </a:prstGeom>
+          </p:spPr>
+        </p:pic>
+        <p:sp>
+          <p:nvSpPr>
+            <p:cNvPr id="55" name="TextBox 54">
+              <a:extLst>
+                <a:ext uri="{FF2B5EF4-FFF2-40B4-BE49-F238E27FC236}">
+                  <a16:creationId xmlns:a16="http://schemas.microsoft.com/office/drawing/2014/main" id="{5E9C0724-AD38-4DEC-9602-C9253BFC9780}"/>
+                </a:ext>
+              </a:extLst>
+            </p:cNvPr>
+            <p:cNvSpPr txBox="1"/>
+            <p:nvPr/>
+          </p:nvSpPr>
+          <p:spPr>
+            <a:xfrm>
+              <a:off x="7066008" y="2198004"/>
+              <a:ext cx="1117466" cy="276999"/>
+            </a:xfrm>
+            <a:prstGeom prst="rect">
+              <a:avLst/>
+            </a:prstGeom>
+            <a:noFill/>
+          </p:spPr>
+          <p:txBody>
+            <a:bodyPr wrap="square" rtlCol="0">
+              <a:spAutoFit/>
+            </a:bodyPr>
+            <a:lstStyle/>
+            <a:p>
+              <a:r>
+                <a:rPr lang="en-SG" sz="1200" dirty="0"/>
+                <a:t>Web App</a:t>
+              </a:r>
+            </a:p>
+          </p:txBody>
+        </p:sp>
+      </p:grpSp>
+      <p:grpSp>
+        <p:nvGrpSpPr>
+          <p:cNvPr id="56" name="Group 55">
+            <a:extLst>
+              <a:ext uri="{FF2B5EF4-FFF2-40B4-BE49-F238E27FC236}">
+                <a16:creationId xmlns:a16="http://schemas.microsoft.com/office/drawing/2014/main" id="{3138670F-91F6-433A-9100-C8D98858D9C0}"/>
+              </a:ext>
+            </a:extLst>
+          </p:cNvPr>
+          <p:cNvGrpSpPr/>
+          <p:nvPr/>
+        </p:nvGrpSpPr>
+        <p:grpSpPr>
+          <a:xfrm>
+            <a:off x="1391631" y="3467974"/>
+            <a:ext cx="1117466" cy="647762"/>
+            <a:chOff x="6591868" y="2772925"/>
+            <a:chExt cx="1117466" cy="783792"/>
+          </a:xfrm>
+        </p:grpSpPr>
+        <p:pic>
+          <p:nvPicPr>
+            <p:cNvPr id="57" name="Picture 56">
+              <a:extLst>
+                <a:ext uri="{FF2B5EF4-FFF2-40B4-BE49-F238E27FC236}">
+                  <a16:creationId xmlns:a16="http://schemas.microsoft.com/office/drawing/2014/main" id="{054AF506-C7AA-49C6-A78F-D43BB3B07112}"/>
+                </a:ext>
+              </a:extLst>
+            </p:cNvPr>
+            <p:cNvPicPr>
+              <a:picLocks noChangeAspect="1"/>
+            </p:cNvPicPr>
+            <p:nvPr/>
+          </p:nvPicPr>
+          <p:blipFill>
+            <a:blip r:embed="rId4">
+              <a:extLst>
+                <a:ext uri="{28A0092B-C50C-407E-A947-70E740481C1C}">
+                  <a14:useLocalDpi xmlns:a14="http://schemas.microsoft.com/office/drawing/2010/main" val="0"/>
+                </a:ext>
+              </a:extLst>
+            </a:blip>
+            <a:stretch>
+              <a:fillRect/>
+            </a:stretch>
+          </p:blipFill>
+          <p:spPr>
+            <a:xfrm>
+              <a:off x="6624471" y="2772925"/>
+              <a:ext cx="518535" cy="518535"/>
+            </a:xfrm>
+            <a:prstGeom prst="rect">
+              <a:avLst/>
+            </a:prstGeom>
+          </p:spPr>
+        </p:pic>
+        <p:sp>
+          <p:nvSpPr>
+            <p:cNvPr id="58" name="TextBox 57">
+              <a:extLst>
+                <a:ext uri="{FF2B5EF4-FFF2-40B4-BE49-F238E27FC236}">
+                  <a16:creationId xmlns:a16="http://schemas.microsoft.com/office/drawing/2014/main" id="{A8409588-41F1-4B36-9327-EF417C59CE01}"/>
+                </a:ext>
+              </a:extLst>
+            </p:cNvPr>
+            <p:cNvSpPr txBox="1"/>
+            <p:nvPr/>
+          </p:nvSpPr>
+          <p:spPr>
+            <a:xfrm>
+              <a:off x="6591868" y="3279718"/>
+              <a:ext cx="1117466" cy="276999"/>
+            </a:xfrm>
+            <a:prstGeom prst="rect">
+              <a:avLst/>
+            </a:prstGeom>
+            <a:noFill/>
+          </p:spPr>
+          <p:txBody>
+            <a:bodyPr wrap="square" rtlCol="0">
+              <a:spAutoFit/>
+            </a:bodyPr>
+            <a:lstStyle/>
+            <a:p>
+              <a:r>
+                <a:rPr lang="en-SG" sz="1200" dirty="0"/>
+                <a:t>MSSQL</a:t>
+              </a:r>
+            </a:p>
+          </p:txBody>
+        </p:sp>
+      </p:grpSp>
+      <p:grpSp>
+        <p:nvGrpSpPr>
+          <p:cNvPr id="59" name="Group 58">
+            <a:extLst>
+              <a:ext uri="{FF2B5EF4-FFF2-40B4-BE49-F238E27FC236}">
+                <a16:creationId xmlns:a16="http://schemas.microsoft.com/office/drawing/2014/main" id="{A7A28F69-5257-4B1B-BEBC-80F9AED206F8}"/>
+              </a:ext>
+            </a:extLst>
+          </p:cNvPr>
+          <p:cNvGrpSpPr/>
+          <p:nvPr/>
+        </p:nvGrpSpPr>
+        <p:grpSpPr>
+          <a:xfrm>
+            <a:off x="2650029" y="2929798"/>
+            <a:ext cx="1117466" cy="709239"/>
+            <a:chOff x="7911295" y="2847591"/>
+            <a:chExt cx="1117466" cy="709239"/>
+          </a:xfrm>
+        </p:grpSpPr>
+        <p:pic>
+          <p:nvPicPr>
+            <p:cNvPr id="60" name="Picture 59">
+              <a:extLst>
+                <a:ext uri="{FF2B5EF4-FFF2-40B4-BE49-F238E27FC236}">
+                  <a16:creationId xmlns:a16="http://schemas.microsoft.com/office/drawing/2014/main" id="{BE5B66C1-5B9E-4EDD-9773-1E5695376F7A}"/>
+                </a:ext>
+              </a:extLst>
+            </p:cNvPr>
+            <p:cNvPicPr>
+              <a:picLocks noChangeAspect="1"/>
+            </p:cNvPicPr>
+            <p:nvPr/>
+          </p:nvPicPr>
+          <p:blipFill>
+            <a:blip r:embed="rId5">
+              <a:extLst>
+                <a:ext uri="{28A0092B-C50C-407E-A947-70E740481C1C}">
+                  <a14:useLocalDpi xmlns:a14="http://schemas.microsoft.com/office/drawing/2010/main" val="0"/>
+                </a:ext>
+              </a:extLst>
+            </a:blip>
+            <a:stretch>
+              <a:fillRect/>
+            </a:stretch>
+          </p:blipFill>
+          <p:spPr>
+            <a:xfrm>
+              <a:off x="8144940" y="2847591"/>
+              <a:ext cx="518535" cy="518535"/>
+            </a:xfrm>
+            <a:prstGeom prst="rect">
+              <a:avLst/>
+            </a:prstGeom>
+          </p:spPr>
+        </p:pic>
+        <p:sp>
+          <p:nvSpPr>
+            <p:cNvPr id="61" name="TextBox 60">
+              <a:extLst>
+                <a:ext uri="{FF2B5EF4-FFF2-40B4-BE49-F238E27FC236}">
+                  <a16:creationId xmlns:a16="http://schemas.microsoft.com/office/drawing/2014/main" id="{CA808804-5824-43F6-B5F9-017D47519872}"/>
+                </a:ext>
+              </a:extLst>
+            </p:cNvPr>
+            <p:cNvSpPr txBox="1"/>
+            <p:nvPr/>
+          </p:nvSpPr>
+          <p:spPr>
+            <a:xfrm>
+              <a:off x="7911295" y="3279831"/>
+              <a:ext cx="1117466" cy="276999"/>
+            </a:xfrm>
+            <a:prstGeom prst="rect">
+              <a:avLst/>
+            </a:prstGeom>
+            <a:noFill/>
+          </p:spPr>
+          <p:txBody>
+            <a:bodyPr wrap="square" rtlCol="0">
+              <a:spAutoFit/>
+            </a:bodyPr>
+            <a:lstStyle/>
+            <a:p>
+              <a:r>
+                <a:rPr lang="en-SG" sz="1200" dirty="0"/>
+                <a:t>Blob Storage</a:t>
+              </a:r>
+            </a:p>
+          </p:txBody>
+        </p:sp>
+      </p:grpSp>
+      <p:grpSp>
+        <p:nvGrpSpPr>
+          <p:cNvPr id="62" name="Group 61">
+            <a:extLst>
+              <a:ext uri="{FF2B5EF4-FFF2-40B4-BE49-F238E27FC236}">
+                <a16:creationId xmlns:a16="http://schemas.microsoft.com/office/drawing/2014/main" id="{8D27D247-30A2-4ECA-9BEF-2C521E53A729}"/>
+              </a:ext>
+            </a:extLst>
+          </p:cNvPr>
+          <p:cNvGrpSpPr/>
+          <p:nvPr/>
+        </p:nvGrpSpPr>
+        <p:grpSpPr>
+          <a:xfrm>
+            <a:off x="3569204" y="2229902"/>
+            <a:ext cx="1117466" cy="684783"/>
+            <a:chOff x="8404207" y="1731498"/>
+            <a:chExt cx="1117466" cy="753261"/>
+          </a:xfrm>
+        </p:grpSpPr>
+        <p:pic>
+          <p:nvPicPr>
+            <p:cNvPr id="63" name="Picture 62">
+              <a:extLst>
+                <a:ext uri="{FF2B5EF4-FFF2-40B4-BE49-F238E27FC236}">
+                  <a16:creationId xmlns:a16="http://schemas.microsoft.com/office/drawing/2014/main" id="{46B374DD-A5BC-4C2C-9AE4-15C63A2471C8}"/>
+                </a:ext>
+              </a:extLst>
+            </p:cNvPr>
+            <p:cNvPicPr>
+              <a:picLocks noChangeAspect="1"/>
+            </p:cNvPicPr>
+            <p:nvPr/>
+          </p:nvPicPr>
+          <p:blipFill>
+            <a:blip r:embed="rId8">
+              <a:extLst>
+                <a:ext uri="{28A0092B-C50C-407E-A947-70E740481C1C}">
+                  <a14:useLocalDpi xmlns:a14="http://schemas.microsoft.com/office/drawing/2010/main" val="0"/>
+                </a:ext>
+              </a:extLst>
+            </a:blip>
+            <a:stretch>
+              <a:fillRect/>
+            </a:stretch>
+          </p:blipFill>
+          <p:spPr>
+            <a:xfrm>
+              <a:off x="8567532" y="1731498"/>
+              <a:ext cx="518535" cy="518535"/>
+            </a:xfrm>
+            <a:prstGeom prst="rect">
+              <a:avLst/>
+            </a:prstGeom>
+          </p:spPr>
+        </p:pic>
+        <p:sp>
+          <p:nvSpPr>
+            <p:cNvPr id="64" name="TextBox 63">
+              <a:extLst>
+                <a:ext uri="{FF2B5EF4-FFF2-40B4-BE49-F238E27FC236}">
+                  <a16:creationId xmlns:a16="http://schemas.microsoft.com/office/drawing/2014/main" id="{50D07F7C-1F39-432E-962C-D3B395035900}"/>
+                </a:ext>
+              </a:extLst>
+            </p:cNvPr>
+            <p:cNvSpPr txBox="1"/>
+            <p:nvPr/>
+          </p:nvSpPr>
+          <p:spPr>
+            <a:xfrm>
+              <a:off x="8404207" y="2207760"/>
+              <a:ext cx="1117466" cy="276999"/>
+            </a:xfrm>
+            <a:prstGeom prst="rect">
+              <a:avLst/>
+            </a:prstGeom>
+            <a:noFill/>
+          </p:spPr>
+          <p:txBody>
+            <a:bodyPr wrap="square" rtlCol="0">
+              <a:spAutoFit/>
+            </a:bodyPr>
+            <a:lstStyle/>
+            <a:p>
+              <a:r>
+                <a:rPr lang="en-SG" sz="1200" dirty="0"/>
+                <a:t>App Insights</a:t>
+              </a:r>
+            </a:p>
+          </p:txBody>
+        </p:sp>
+      </p:grpSp>
+      <p:pic>
+        <p:nvPicPr>
+          <p:cNvPr id="66" name="Picture 65">
+            <a:extLst>
+              <a:ext uri="{FF2B5EF4-FFF2-40B4-BE49-F238E27FC236}">
+                <a16:creationId xmlns:a16="http://schemas.microsoft.com/office/drawing/2014/main" id="{AFA6F9C4-6B04-4879-81EC-54900A6551EF}"/>
+              </a:ext>
+            </a:extLst>
+          </p:cNvPr>
+          <p:cNvPicPr>
+            <a:picLocks noChangeAspect="1"/>
+          </p:cNvPicPr>
+          <p:nvPr/>
+        </p:nvPicPr>
+        <p:blipFill>
+          <a:blip r:embed="rId9">
+            <a:extLst>
+              <a:ext uri="{28A0092B-C50C-407E-A947-70E740481C1C}">
+                <a14:useLocalDpi xmlns:a14="http://schemas.microsoft.com/office/drawing/2010/main" val="0"/>
+              </a:ext>
+            </a:extLst>
+          </a:blip>
+          <a:stretch>
+            <a:fillRect/>
+          </a:stretch>
+        </p:blipFill>
+        <p:spPr>
+          <a:xfrm>
+            <a:off x="5269909" y="5700531"/>
+            <a:ext cx="579949" cy="579949"/>
+          </a:xfrm>
+          <a:prstGeom prst="rect">
+            <a:avLst/>
+          </a:prstGeom>
+        </p:spPr>
+      </p:pic>
+      <p:cxnSp>
+        <p:nvCxnSpPr>
+          <p:cNvPr id="73" name="Connector: Elbow 72">
+            <a:extLst>
+              <a:ext uri="{FF2B5EF4-FFF2-40B4-BE49-F238E27FC236}">
+                <a16:creationId xmlns:a16="http://schemas.microsoft.com/office/drawing/2014/main" id="{6BA123C1-E401-449D-B8C5-8270A103A811}"/>
+              </a:ext>
+            </a:extLst>
+          </p:cNvPr>
+          <p:cNvCxnSpPr/>
+          <p:nvPr/>
+        </p:nvCxnSpPr>
+        <p:spPr>
+          <a:xfrm>
+            <a:off x="1834631" y="2606816"/>
+            <a:ext cx="914400" cy="914400"/>
+          </a:xfrm>
+          <a:prstGeom prst="bentConnector3">
+            <a:avLst/>
+          </a:prstGeom>
+          <a:ln>
+            <a:tailEnd type="triangle"/>
+          </a:ln>
+        </p:spPr>
+        <p:style>
+          <a:lnRef idx="1">
+            <a:schemeClr val="accent1"/>
+          </a:lnRef>
+          <a:fillRef idx="0">
+            <a:schemeClr val="accent1"/>
+          </a:fillRef>
+          <a:effectRef idx="0">
+            <a:schemeClr val="accent1"/>
+          </a:effectRef>
+          <a:fontRef idx="minor">
+            <a:schemeClr val="tx1"/>
+          </a:fontRef>
+        </p:style>
+      </p:cxnSp>
+      <p:cxnSp>
+        <p:nvCxnSpPr>
+          <p:cNvPr id="75" name="Connector: Elbow 74">
+            <a:extLst>
+              <a:ext uri="{FF2B5EF4-FFF2-40B4-BE49-F238E27FC236}">
+                <a16:creationId xmlns:a16="http://schemas.microsoft.com/office/drawing/2014/main" id="{BB210422-F534-4735-8217-4B0E65C76678}"/>
+              </a:ext>
+            </a:extLst>
+          </p:cNvPr>
+          <p:cNvCxnSpPr>
+            <a:cxnSpLocks/>
+            <a:stCxn id="55" idx="2"/>
+            <a:endCxn id="57" idx="0"/>
+          </p:cNvCxnSpPr>
+          <p:nvPr/>
+        </p:nvCxnSpPr>
+        <p:spPr>
+          <a:xfrm rot="5400000">
+            <a:off x="1607854" y="2682464"/>
+            <a:ext cx="861158" cy="709862"/>
+          </a:xfrm>
+          <a:prstGeom prst="bentConnector3">
+            <a:avLst>
+              <a:gd name="adj1" fmla="val 50000"/>
+            </a:avLst>
+          </a:prstGeom>
+          <a:ln>
+            <a:tailEnd type="triangle"/>
+          </a:ln>
+        </p:spPr>
+        <p:style>
+          <a:lnRef idx="1">
+            <a:schemeClr val="dk1"/>
+          </a:lnRef>
+          <a:fillRef idx="0">
+            <a:schemeClr val="dk1"/>
+          </a:fillRef>
+          <a:effectRef idx="0">
+            <a:schemeClr val="dk1"/>
+          </a:effectRef>
+          <a:fontRef idx="minor">
+            <a:schemeClr val="tx1"/>
+          </a:fontRef>
+        </p:style>
+      </p:cxnSp>
+      <p:cxnSp>
+        <p:nvCxnSpPr>
+          <p:cNvPr id="78" name="Connector: Elbow 77">
+            <a:extLst>
+              <a:ext uri="{FF2B5EF4-FFF2-40B4-BE49-F238E27FC236}">
+                <a16:creationId xmlns:a16="http://schemas.microsoft.com/office/drawing/2014/main" id="{AC58EEA7-F721-4CB1-826C-D3E01E7A97FC}"/>
+              </a:ext>
+            </a:extLst>
+          </p:cNvPr>
+          <p:cNvCxnSpPr>
+            <a:cxnSpLocks/>
+            <a:stCxn id="55" idx="3"/>
+            <a:endCxn id="63" idx="1"/>
+          </p:cNvCxnSpPr>
+          <p:nvPr/>
+        </p:nvCxnSpPr>
+        <p:spPr>
+          <a:xfrm flipV="1">
+            <a:off x="2952097" y="2465600"/>
+            <a:ext cx="780432" cy="2717"/>
+          </a:xfrm>
+          <a:prstGeom prst="bentConnector3">
+            <a:avLst>
+              <a:gd name="adj1" fmla="val 50000"/>
+            </a:avLst>
+          </a:prstGeom>
+          <a:ln>
+            <a:tailEnd type="triangle"/>
+          </a:ln>
+        </p:spPr>
+        <p:style>
+          <a:lnRef idx="1">
+            <a:schemeClr val="dk1"/>
+          </a:lnRef>
+          <a:fillRef idx="0">
+            <a:schemeClr val="dk1"/>
+          </a:fillRef>
+          <a:effectRef idx="0">
+            <a:schemeClr val="dk1"/>
+          </a:effectRef>
+          <a:fontRef idx="minor">
+            <a:schemeClr val="tx1"/>
+          </a:fontRef>
+        </p:style>
+      </p:cxnSp>
+      <p:cxnSp>
+        <p:nvCxnSpPr>
+          <p:cNvPr id="83" name="Connector: Elbow 82">
+            <a:extLst>
+              <a:ext uri="{FF2B5EF4-FFF2-40B4-BE49-F238E27FC236}">
+                <a16:creationId xmlns:a16="http://schemas.microsoft.com/office/drawing/2014/main" id="{B150BA9C-D1AB-4F39-A237-84073FC8A942}"/>
+              </a:ext>
+            </a:extLst>
+          </p:cNvPr>
+          <p:cNvCxnSpPr>
+            <a:cxnSpLocks/>
+            <a:stCxn id="55" idx="2"/>
+            <a:endCxn id="60" idx="0"/>
+          </p:cNvCxnSpPr>
+          <p:nvPr/>
+        </p:nvCxnSpPr>
+        <p:spPr>
+          <a:xfrm rot="16200000" flipH="1">
+            <a:off x="2606662" y="2393518"/>
+            <a:ext cx="322982" cy="749578"/>
+          </a:xfrm>
+          <a:prstGeom prst="bentConnector3">
+            <a:avLst>
+              <a:gd name="adj1" fmla="val 50000"/>
+            </a:avLst>
+          </a:prstGeom>
+          <a:ln>
+            <a:tailEnd type="triangle"/>
+          </a:ln>
+        </p:spPr>
+        <p:style>
+          <a:lnRef idx="1">
+            <a:schemeClr val="dk1"/>
+          </a:lnRef>
+          <a:fillRef idx="0">
+            <a:schemeClr val="dk1"/>
+          </a:fillRef>
+          <a:effectRef idx="0">
+            <a:schemeClr val="dk1"/>
+          </a:effectRef>
+          <a:fontRef idx="minor">
+            <a:schemeClr val="tx1"/>
+          </a:fontRef>
+        </p:style>
+      </p:cxnSp>
+      <p:cxnSp>
+        <p:nvCxnSpPr>
+          <p:cNvPr id="87" name="Connector: Elbow 86">
+            <a:extLst>
+              <a:ext uri="{FF2B5EF4-FFF2-40B4-BE49-F238E27FC236}">
+                <a16:creationId xmlns:a16="http://schemas.microsoft.com/office/drawing/2014/main" id="{FBA0ECC2-E869-44A8-9E9C-9EF82C8CF992}"/>
+              </a:ext>
+            </a:extLst>
+          </p:cNvPr>
+          <p:cNvCxnSpPr>
+            <a:cxnSpLocks/>
+            <a:stCxn id="32" idx="2"/>
+            <a:endCxn id="23" idx="0"/>
+          </p:cNvCxnSpPr>
+          <p:nvPr/>
+        </p:nvCxnSpPr>
+        <p:spPr>
+          <a:xfrm rot="5400000">
+            <a:off x="7227914" y="2455972"/>
+            <a:ext cx="301779" cy="645872"/>
+          </a:xfrm>
+          <a:prstGeom prst="bentConnector3">
+            <a:avLst>
+              <a:gd name="adj1" fmla="val 50000"/>
+            </a:avLst>
+          </a:prstGeom>
+          <a:ln>
+            <a:tailEnd type="triangle"/>
+          </a:ln>
+        </p:spPr>
+        <p:style>
+          <a:lnRef idx="1">
+            <a:schemeClr val="dk1"/>
+          </a:lnRef>
+          <a:fillRef idx="0">
+            <a:schemeClr val="dk1"/>
+          </a:fillRef>
+          <a:effectRef idx="0">
+            <a:schemeClr val="dk1"/>
+          </a:effectRef>
+          <a:fontRef idx="minor">
+            <a:schemeClr val="tx1"/>
+          </a:fontRef>
+        </p:style>
+      </p:cxnSp>
+      <p:cxnSp>
+        <p:nvCxnSpPr>
+          <p:cNvPr id="88" name="Connector: Elbow 87">
+            <a:extLst>
+              <a:ext uri="{FF2B5EF4-FFF2-40B4-BE49-F238E27FC236}">
+                <a16:creationId xmlns:a16="http://schemas.microsoft.com/office/drawing/2014/main" id="{B96E0193-B3B8-495F-8595-9DD9BBEEA8EB}"/>
+              </a:ext>
+            </a:extLst>
+          </p:cNvPr>
+          <p:cNvCxnSpPr>
+            <a:cxnSpLocks/>
+            <a:stCxn id="32" idx="3"/>
+            <a:endCxn id="7" idx="1"/>
+          </p:cNvCxnSpPr>
+          <p:nvPr/>
+        </p:nvCxnSpPr>
+        <p:spPr>
+          <a:xfrm flipV="1">
+            <a:off x="8260472" y="2489452"/>
+            <a:ext cx="727902" cy="68"/>
+          </a:xfrm>
+          <a:prstGeom prst="bentConnector3">
+            <a:avLst>
+              <a:gd name="adj1" fmla="val 50000"/>
+            </a:avLst>
+          </a:prstGeom>
+          <a:ln>
+            <a:tailEnd type="triangle"/>
+          </a:ln>
+        </p:spPr>
+        <p:style>
+          <a:lnRef idx="1">
+            <a:schemeClr val="dk1"/>
+          </a:lnRef>
+          <a:fillRef idx="0">
+            <a:schemeClr val="dk1"/>
+          </a:fillRef>
+          <a:effectRef idx="0">
+            <a:schemeClr val="dk1"/>
+          </a:effectRef>
+          <a:fontRef idx="minor">
+            <a:schemeClr val="tx1"/>
+          </a:fontRef>
+        </p:style>
+      </p:cxnSp>
+      <p:cxnSp>
+        <p:nvCxnSpPr>
+          <p:cNvPr id="89" name="Connector: Elbow 88">
+            <a:extLst>
+              <a:ext uri="{FF2B5EF4-FFF2-40B4-BE49-F238E27FC236}">
+                <a16:creationId xmlns:a16="http://schemas.microsoft.com/office/drawing/2014/main" id="{4FAA3BE0-EB11-4F66-AA99-7C56916E49F0}"/>
+              </a:ext>
+            </a:extLst>
+          </p:cNvPr>
+          <p:cNvCxnSpPr>
+            <a:cxnSpLocks/>
+            <a:stCxn id="32" idx="2"/>
+            <a:endCxn id="20" idx="0"/>
+          </p:cNvCxnSpPr>
+          <p:nvPr/>
+        </p:nvCxnSpPr>
+        <p:spPr>
+          <a:xfrm rot="16200000" flipH="1">
+            <a:off x="7699408" y="2630350"/>
+            <a:ext cx="794800" cy="790138"/>
+          </a:xfrm>
+          <a:prstGeom prst="bentConnector3">
+            <a:avLst>
+              <a:gd name="adj1" fmla="val 50000"/>
+            </a:avLst>
+          </a:prstGeom>
+          <a:ln>
+            <a:tailEnd type="triangle"/>
+          </a:ln>
+        </p:spPr>
+        <p:style>
+          <a:lnRef idx="1">
+            <a:schemeClr val="dk1"/>
+          </a:lnRef>
+          <a:fillRef idx="0">
+            <a:schemeClr val="dk1"/>
+          </a:fillRef>
+          <a:effectRef idx="0">
+            <a:schemeClr val="dk1"/>
+          </a:effectRef>
+          <a:fontRef idx="minor">
+            <a:schemeClr val="tx1"/>
+          </a:fontRef>
+        </p:style>
+      </p:cxnSp>
+      <p:cxnSp>
+        <p:nvCxnSpPr>
+          <p:cNvPr id="91" name="Connector: Elbow 90">
+            <a:extLst>
+              <a:ext uri="{FF2B5EF4-FFF2-40B4-BE49-F238E27FC236}">
+                <a16:creationId xmlns:a16="http://schemas.microsoft.com/office/drawing/2014/main" id="{D6A5475E-86F1-4761-A686-DC0A82E9E51A}"/>
+              </a:ext>
+            </a:extLst>
+          </p:cNvPr>
+          <p:cNvCxnSpPr>
+            <a:cxnSpLocks/>
+            <a:stCxn id="66" idx="0"/>
+            <a:endCxn id="38" idx="2"/>
+          </p:cNvCxnSpPr>
+          <p:nvPr/>
+        </p:nvCxnSpPr>
+        <p:spPr>
+          <a:xfrm rot="5400000" flipH="1" flipV="1">
+            <a:off x="5376871" y="5517518"/>
+            <a:ext cx="366027" cy="1"/>
+          </a:xfrm>
+          <a:prstGeom prst="bentConnector3">
+            <a:avLst>
+              <a:gd name="adj1" fmla="val 50000"/>
+            </a:avLst>
+          </a:prstGeom>
+          <a:ln>
+            <a:tailEnd type="triangle"/>
+          </a:ln>
+        </p:spPr>
+        <p:style>
+          <a:lnRef idx="1">
+            <a:schemeClr val="accent1"/>
+          </a:lnRef>
+          <a:fillRef idx="0">
+            <a:schemeClr val="accent1"/>
+          </a:fillRef>
+          <a:effectRef idx="0">
+            <a:schemeClr val="accent1"/>
+          </a:effectRef>
+          <a:fontRef idx="minor">
+            <a:schemeClr val="tx1"/>
+          </a:fontRef>
+        </p:style>
+      </p:cxnSp>
+      <p:cxnSp>
+        <p:nvCxnSpPr>
+          <p:cNvPr id="95" name="Connector: Elbow 94">
+            <a:extLst>
+              <a:ext uri="{FF2B5EF4-FFF2-40B4-BE49-F238E27FC236}">
+                <a16:creationId xmlns:a16="http://schemas.microsoft.com/office/drawing/2014/main" id="{ADD53D53-4DD2-43C9-92BA-812CA9ACA497}"/>
+              </a:ext>
+            </a:extLst>
+          </p:cNvPr>
+          <p:cNvCxnSpPr>
+            <a:stCxn id="25" idx="1"/>
+            <a:endCxn id="39" idx="2"/>
+          </p:cNvCxnSpPr>
+          <p:nvPr/>
+        </p:nvCxnSpPr>
+        <p:spPr>
+          <a:xfrm rot="10800000">
+            <a:off x="4068163" y="4628746"/>
+            <a:ext cx="1211697" cy="252536"/>
+          </a:xfrm>
+          <a:prstGeom prst="bentConnector2">
+            <a:avLst/>
+          </a:prstGeom>
+          <a:ln>
+            <a:tailEnd type="triangle"/>
+          </a:ln>
+        </p:spPr>
+        <p:style>
+          <a:lnRef idx="1">
+            <a:schemeClr val="accent1"/>
+          </a:lnRef>
+          <a:fillRef idx="0">
+            <a:schemeClr val="accent1"/>
+          </a:fillRef>
+          <a:effectRef idx="0">
+            <a:schemeClr val="accent1"/>
+          </a:effectRef>
+          <a:fontRef idx="minor">
+            <a:schemeClr val="tx1"/>
+          </a:fontRef>
+        </p:style>
+      </p:cxnSp>
+      <p:cxnSp>
+        <p:nvCxnSpPr>
+          <p:cNvPr id="97" name="Connector: Elbow 96">
+            <a:extLst>
+              <a:ext uri="{FF2B5EF4-FFF2-40B4-BE49-F238E27FC236}">
+                <a16:creationId xmlns:a16="http://schemas.microsoft.com/office/drawing/2014/main" id="{499D70E4-B136-43BC-8B0C-589257082604}"/>
+              </a:ext>
+            </a:extLst>
+          </p:cNvPr>
+          <p:cNvCxnSpPr>
+            <a:stCxn id="25" idx="3"/>
+            <a:endCxn id="41" idx="2"/>
+          </p:cNvCxnSpPr>
+          <p:nvPr/>
+        </p:nvCxnSpPr>
+        <p:spPr>
+          <a:xfrm flipV="1">
+            <a:off x="5659467" y="4691478"/>
+            <a:ext cx="1308728" cy="189804"/>
+          </a:xfrm>
+          <a:prstGeom prst="bentConnector2">
+            <a:avLst/>
+          </a:prstGeom>
+          <a:ln>
+            <a:tailEnd type="triangle"/>
+          </a:ln>
+        </p:spPr>
+        <p:style>
+          <a:lnRef idx="1">
+            <a:schemeClr val="accent1"/>
+          </a:lnRef>
+          <a:fillRef idx="0">
+            <a:schemeClr val="accent1"/>
+          </a:fillRef>
+          <a:effectRef idx="0">
+            <a:schemeClr val="accent1"/>
+          </a:effectRef>
+          <a:fontRef idx="minor">
+            <a:schemeClr val="tx1"/>
+          </a:fontRef>
+        </p:style>
+      </p:cxnSp>
+      <p:cxnSp>
+        <p:nvCxnSpPr>
+          <p:cNvPr id="123" name="Straight Arrow Connector 122">
+            <a:extLst>
+              <a:ext uri="{FF2B5EF4-FFF2-40B4-BE49-F238E27FC236}">
+                <a16:creationId xmlns:a16="http://schemas.microsoft.com/office/drawing/2014/main" id="{B2EFCC88-4E48-45DA-A7C8-64B870E7F65A}"/>
+              </a:ext>
+            </a:extLst>
+          </p:cNvPr>
+          <p:cNvCxnSpPr>
+            <a:stCxn id="60" idx="3"/>
+            <a:endCxn id="23" idx="1"/>
+          </p:cNvCxnSpPr>
+          <p:nvPr/>
+        </p:nvCxnSpPr>
+        <p:spPr>
+          <a:xfrm>
+            <a:off x="3402209" y="3189066"/>
+            <a:ext cx="3394390" cy="0"/>
+          </a:xfrm>
+          <a:prstGeom prst="straightConnector1">
+            <a:avLst/>
+          </a:prstGeom>
+          <a:ln>
+            <a:tailEnd type="triangle"/>
+          </a:ln>
+        </p:spPr>
+        <p:style>
+          <a:lnRef idx="1">
+            <a:schemeClr val="accent4"/>
+          </a:lnRef>
+          <a:fillRef idx="0">
+            <a:schemeClr val="accent4"/>
+          </a:fillRef>
+          <a:effectRef idx="0">
+            <a:schemeClr val="accent4"/>
+          </a:effectRef>
+          <a:fontRef idx="minor">
+            <a:schemeClr val="tx1"/>
+          </a:fontRef>
+        </p:style>
+      </p:cxnSp>
+      <p:cxnSp>
+        <p:nvCxnSpPr>
+          <p:cNvPr id="125" name="Connector: Elbow 124">
+            <a:extLst>
+              <a:ext uri="{FF2B5EF4-FFF2-40B4-BE49-F238E27FC236}">
+                <a16:creationId xmlns:a16="http://schemas.microsoft.com/office/drawing/2014/main" id="{E2519F47-0A9B-454A-A5D1-759B621D351C}"/>
+              </a:ext>
+            </a:extLst>
+          </p:cNvPr>
+          <p:cNvCxnSpPr>
+            <a:stCxn id="57" idx="3"/>
+            <a:endCxn id="20" idx="1"/>
+          </p:cNvCxnSpPr>
+          <p:nvPr/>
+        </p:nvCxnSpPr>
+        <p:spPr>
+          <a:xfrm flipV="1">
+            <a:off x="1942769" y="3682087"/>
+            <a:ext cx="6289840" cy="158"/>
+          </a:xfrm>
+          <a:prstGeom prst="bentConnector3">
+            <a:avLst/>
+          </a:prstGeom>
+          <a:ln>
+            <a:tailEnd type="triangle"/>
+          </a:ln>
+        </p:spPr>
+        <p:style>
+          <a:lnRef idx="1">
+            <a:schemeClr val="accent4"/>
+          </a:lnRef>
+          <a:fillRef idx="0">
+            <a:schemeClr val="accent4"/>
+          </a:fillRef>
+          <a:effectRef idx="0">
+            <a:schemeClr val="accent4"/>
+          </a:effectRef>
+          <a:fontRef idx="minor">
+            <a:schemeClr val="tx1"/>
+          </a:fontRef>
+        </p:style>
+      </p:cxnSp>
+      <p:sp>
+        <p:nvSpPr>
+          <p:cNvPr id="126" name="TextBox 125">
+            <a:extLst>
+              <a:ext uri="{FF2B5EF4-FFF2-40B4-BE49-F238E27FC236}">
+                <a16:creationId xmlns:a16="http://schemas.microsoft.com/office/drawing/2014/main" id="{6AAE41E6-F717-49CB-8D57-DEBA3196C524}"/>
+              </a:ext>
+            </a:extLst>
+          </p:cNvPr>
+          <p:cNvSpPr txBox="1"/>
+          <p:nvPr/>
         </p:nvSpPr>
         <p:spPr>
           <a:xfrm>
-            <a:off x="1141412" y="1562470"/>
-            <a:ext cx="9905999" cy="4228731"/>
+            <a:off x="4669179" y="3230530"/>
+            <a:ext cx="1481496" cy="369332"/>
           </a:xfrm>
+          <a:prstGeom prst="rect">
+            <a:avLst/>
+          </a:prstGeom>
+          <a:noFill/>
         </p:spPr>
         <p:txBody>
-          <a:bodyPr>
-            <a:normAutofit/>
+          <a:bodyPr wrap="none" rtlCol="0">
+            <a:spAutoFit/>
           </a:bodyPr>
           <a:lstStyle/>
           <a:p>
-            <a:pPr>
-              <a:buFontTx/>
-              <a:buChar char="-"/>
-            </a:pPr>
-            <a:r>
-              <a:rPr lang="en-US" dirty="0"/>
-              <a:t>Azure CDN</a:t>
-            </a:r>
-          </a:p>
-          <a:p>
-            <a:pPr>
-              <a:buFontTx/>
-              <a:buChar char="-"/>
-            </a:pPr>
-            <a:r>
-              <a:rPr lang="en-US" dirty="0"/>
-              <a:t>Azure Logic App for batch processing</a:t>
-            </a:r>
-          </a:p>
-          <a:p>
-            <a:pPr>
-              <a:buFontTx/>
-              <a:buChar char="-"/>
-            </a:pPr>
             <a:r>
               <a:rPr lang="en-SG" dirty="0"/>
-              <a:t>Auto scaling of Web App</a:t>
+              <a:t>Auto replicate</a:t>
             </a:r>
-          </a:p>
-          <a:p>
-            <a:pPr marL="0" indent="0">
-              <a:buNone/>
-            </a:pPr>
-            <a:endParaRPr lang="en-US" dirty="0"/>
           </a:p>
         </p:txBody>
       </p:sp>
     </p:spTree>
     <p:extLst>
       <p:ext uri="{BB962C8B-B14F-4D97-AF65-F5344CB8AC3E}">
-        <p14:creationId xmlns:p14="http://schemas.microsoft.com/office/powerpoint/2010/main" val="2322150924"/>
+        <p14:creationId xmlns:p14="http://schemas.microsoft.com/office/powerpoint/2010/main" val="4109108804"/>
       </p:ext>
     </p:extLst>
   </p:cSld>
@@ -13266,7 +15183,7 @@
           <a:p>
             <a:r>
               <a:rPr lang="en-SG" dirty="0"/>
-              <a:t>High Availability</a:t>
+              <a:t>High Performance</a:t>
             </a:r>
           </a:p>
         </p:txBody>
@@ -13304,8 +15221,8 @@
               <a:buChar char="-"/>
             </a:pPr>
             <a:r>
-              <a:rPr lang="en-SG" dirty="0"/>
-              <a:t>Geographical redundancy of Web App</a:t>
+              <a:rPr lang="en-US" dirty="0"/>
+              <a:t>Azure Logic App for batch processing</a:t>
             </a:r>
           </a:p>
           <a:p>
@@ -13315,31 +15232,21 @@
             </a:pPr>
             <a:r>
               <a:rPr lang="en-SG" dirty="0"/>
-              <a:t>Geographical redundancy of Database </a:t>
+              <a:t>Auto scaling of Web App</a:t>
             </a:r>
           </a:p>
           <a:p>
-            <a:pPr>
-              <a:buFontTx/>
-              <a:buChar char="-"/>
+            <a:pPr marL="0" indent="0">
+              <a:buNone/>
             </a:pPr>
-            <a:r>
-              <a:rPr lang="en-SG" dirty="0"/>
-              <a:t>Geographical redundancy of blob storage for course media files</a:t>
-            </a:r>
-          </a:p>
-          <a:p>
-            <a:pPr marL="0" indent="0">
-              <a:buNone/>
-            </a:pPr>
-            <a:endParaRPr lang="en-SG" dirty="0"/>
+            <a:endParaRPr lang="en-US" dirty="0"/>
           </a:p>
         </p:txBody>
       </p:sp>
     </p:spTree>
     <p:extLst>
       <p:ext uri="{BB962C8B-B14F-4D97-AF65-F5344CB8AC3E}">
-        <p14:creationId xmlns:p14="http://schemas.microsoft.com/office/powerpoint/2010/main" val="3142899394"/>
+        <p14:creationId xmlns:p14="http://schemas.microsoft.com/office/powerpoint/2010/main" val="2322150924"/>
       </p:ext>
     </p:extLst>
   </p:cSld>
@@ -13394,7 +15301,7 @@
           <a:p>
             <a:r>
               <a:rPr lang="en-SG" dirty="0"/>
-              <a:t>management</a:t>
+              <a:t>High Availability</a:t>
             </a:r>
           </a:p>
         </p:txBody>
@@ -13433,7 +15340,7 @@
             </a:pPr>
             <a:r>
               <a:rPr lang="en-SG" dirty="0"/>
-              <a:t>IIS Remote Management</a:t>
+              <a:t>Geographical redundancy of Web App</a:t>
             </a:r>
           </a:p>
           <a:p>
@@ -13443,7 +15350,7 @@
             </a:pPr>
             <a:r>
               <a:rPr lang="en-SG" dirty="0"/>
-              <a:t>Alert for high resource usage of Web App</a:t>
+              <a:t>Geographical redundancy of Database </a:t>
             </a:r>
           </a:p>
           <a:p>
@@ -13453,25 +15360,62 @@
             </a:pPr>
             <a:r>
               <a:rPr lang="en-SG" dirty="0"/>
-              <a:t>Alert for high resource usage of database</a:t>
+              <a:t>Geographical redundancy of blob storage for course media files</a:t>
             </a:r>
           </a:p>
           <a:p>
-            <a:pPr>
+            <a:pPr lvl="1">
               <a:buFontTx/>
               <a:buChar char="-"/>
             </a:pPr>
+            <a:r>
+              <a:rPr lang="en-SG" sz="1800" dirty="0"/>
+              <a:t>Microsoft needs to initiate the disaster recovery in order to fail over the storage</a:t>
+            </a:r>
+          </a:p>
+          <a:p>
+            <a:pPr lvl="1">
+              <a:buFontTx/>
+              <a:buChar char="-"/>
+            </a:pPr>
+            <a:r>
+              <a:rPr lang="en-SG" sz="1800" dirty="0">
+                <a:hlinkClick r:id="rId2"/>
+              </a:rPr>
+              <a:t>https://docs.microsoft.com/en-us/azure/storage/storage-redundancy</a:t>
+            </a:r>
+            <a:endParaRPr lang="en-SG" sz="1800" dirty="0"/>
+          </a:p>
+          <a:p>
+            <a:pPr lvl="1">
+              <a:buFontTx/>
+              <a:buChar char="-"/>
+            </a:pPr>
+            <a:r>
+              <a:rPr lang="en-SG" sz="1800" dirty="0"/>
+              <a:t>“</a:t>
+            </a:r>
+            <a:r>
+              <a:rPr lang="en-US" sz="1800" dirty="0"/>
+              <a:t>In the future, we plan to provide an API to allow you to trigger a failover at an account level”</a:t>
+            </a:r>
+            <a:br>
+              <a:rPr lang="en-SG" dirty="0"/>
+            </a:br>
             <a:endParaRPr lang="en-SG" dirty="0"/>
           </a:p>
           <a:p>
-            <a:endParaRPr lang="en-US" sz="3200" dirty="0"/>
+            <a:pPr marL="0" indent="0">
+              <a:buNone/>
+            </a:pPr>
+            <a:endParaRPr lang="en-SG" dirty="0"/>
           </a:p>
         </p:txBody>
       </p:sp>
     </p:spTree>
     <p:extLst>
       <p:ext uri="{BB962C8B-B14F-4D97-AF65-F5344CB8AC3E}">
-        <p14:creationId xmlns:p14="http://schemas.microsoft.com/office/powerpoint/2010/main" val="345405167"/>
+        <p14:creationId xmlns:p14="http://schemas.microsoft.com/office/powerpoint/2010/main" val="3142899394"/>
       </p:ext>
     </p:extLst>
   </p:cSld>
@@ -13526,7 +15470,7 @@
           <a:p>
             <a:r>
               <a:rPr lang="en-SG" dirty="0"/>
-              <a:t>Analytics</a:t>
+              <a:t>Management &amp; Monitoring</a:t>
             </a:r>
           </a:p>
         </p:txBody>
@@ -13565,7 +15509,7 @@
             </a:pPr>
             <a:r>
               <a:rPr lang="en-SG" dirty="0"/>
-              <a:t>Application Insights</a:t>
+              <a:t>Customized Dashboard</a:t>
             </a:r>
           </a:p>
           <a:p>
@@ -13575,8 +15519,35 @@
             </a:pPr>
             <a:r>
               <a:rPr lang="en-SG" dirty="0"/>
-              <a:t>Application Insights live stream and error monitoring</a:t>
+              <a:t>IIS Remote Management</a:t>
             </a:r>
+          </a:p>
+          <a:p>
+            <a:pPr>
+              <a:buFontTx/>
+              <a:buChar char="-"/>
+            </a:pPr>
+            <a:r>
+              <a:rPr lang="en-SG" dirty="0"/>
+              <a:t>Alert for high resource usage of Web App</a:t>
+            </a:r>
+          </a:p>
+          <a:p>
+            <a:pPr>
+              <a:buFontTx/>
+              <a:buChar char="-"/>
+            </a:pPr>
+            <a:r>
+              <a:rPr lang="en-SG" dirty="0"/>
+              <a:t>Alert for high resource usage of database</a:t>
+            </a:r>
+          </a:p>
+          <a:p>
+            <a:pPr>
+              <a:buFontTx/>
+              <a:buChar char="-"/>
+            </a:pPr>
+            <a:endParaRPr lang="en-SG" dirty="0"/>
           </a:p>
           <a:p>
             <a:endParaRPr lang="en-US" sz="3200" dirty="0"/>
@@ -13586,7 +15557,7 @@
     </p:spTree>
     <p:extLst>
       <p:ext uri="{BB962C8B-B14F-4D97-AF65-F5344CB8AC3E}">
-        <p14:creationId xmlns:p14="http://schemas.microsoft.com/office/powerpoint/2010/main" val="905292595"/>
+        <p14:creationId xmlns:p14="http://schemas.microsoft.com/office/powerpoint/2010/main" val="345405167"/>
       </p:ext>
     </p:extLst>
   </p:cSld>
@@ -13641,51 +15612,84 @@
           <a:p>
             <a:r>
               <a:rPr lang="en-SG" dirty="0"/>
-              <a:t>Demo</a:t>
+              <a:t>Analytics</a:t>
             </a:r>
           </a:p>
         </p:txBody>
       </p:sp>
       <p:sp>
         <p:nvSpPr>
-          <p:cNvPr id="4" name="TextBox 3">
+          <p:cNvPr id="3" name="Content Placeholder 2">
             <a:extLst>
               <a:ext uri="{FF2B5EF4-FFF2-40B4-BE49-F238E27FC236}">
-                <a16:creationId xmlns:a16="http://schemas.microsoft.com/office/drawing/2014/main" id="{AE28B83F-557F-4AD1-BF0D-A04CF208B15B}"/>
+                <a16:creationId xmlns:a16="http://schemas.microsoft.com/office/drawing/2014/main" id="{46616E4D-53E9-425F-9D6A-96D34755CFC2}"/>
               </a:ext>
             </a:extLst>
           </p:cNvPr>
-          <p:cNvSpPr txBox="1"/>
-          <p:nvPr/>
+          <p:cNvSpPr>
+            <a:spLocks noGrp="1"/>
+          </p:cNvSpPr>
+          <p:nvPr>
+            <p:ph idx="1"/>
+          </p:nvPr>
         </p:nvSpPr>
         <p:spPr>
           <a:xfrm>
-            <a:off x="5211191" y="2725444"/>
-            <a:ext cx="2388094" cy="830997"/>
+            <a:off x="1141412" y="1562470"/>
+            <a:ext cx="9905999" cy="4228731"/>
           </a:xfrm>
-          <a:prstGeom prst="rect">
-            <a:avLst/>
-          </a:prstGeom>
-          <a:noFill/>
         </p:spPr>
         <p:txBody>
-          <a:bodyPr wrap="square" rtlCol="0">
-            <a:spAutoFit/>
+          <a:bodyPr>
+            <a:normAutofit/>
           </a:bodyPr>
           <a:lstStyle/>
           <a:p>
+            <a:pPr>
+              <a:buFontTx/>
+              <a:buChar char="-"/>
+            </a:pPr>
             <a:r>
-              <a:rPr lang="en-SG" sz="4800" dirty="0"/>
-              <a:t>Demo</a:t>
+              <a:rPr lang="en-SG" dirty="0"/>
+              <a:t>Application Insights</a:t>
             </a:r>
-            <a:endParaRPr lang="en-US" sz="4800" dirty="0"/>
+          </a:p>
+          <a:p>
+            <a:pPr>
+              <a:buFontTx/>
+              <a:buChar char="-"/>
+            </a:pPr>
+            <a:r>
+              <a:rPr lang="en-SG" dirty="0"/>
+              <a:t>Application Insights live stream and error monitoring</a:t>
+            </a:r>
+          </a:p>
+          <a:p>
+            <a:pPr>
+              <a:buFontTx/>
+              <a:buChar char="-"/>
+            </a:pPr>
+            <a:r>
+              <a:rPr lang="en-SG" dirty="0"/>
+              <a:t>Application Insights Analytics</a:t>
+            </a:r>
+          </a:p>
+          <a:p>
+            <a:pPr>
+              <a:buFontTx/>
+              <a:buChar char="-"/>
+            </a:pPr>
+            <a:endParaRPr lang="en-SG" dirty="0"/>
+          </a:p>
+          <a:p>
+            <a:endParaRPr lang="en-US" sz="3200" dirty="0"/>
           </a:p>
         </p:txBody>
       </p:sp>
     </p:spTree>
     <p:extLst>
       <p:ext uri="{BB962C8B-B14F-4D97-AF65-F5344CB8AC3E}">
-        <p14:creationId xmlns:p14="http://schemas.microsoft.com/office/powerpoint/2010/main" val="3444223996"/>
+        <p14:creationId xmlns:p14="http://schemas.microsoft.com/office/powerpoint/2010/main" val="905292595"/>
       </p:ext>
     </p:extLst>
   </p:cSld>

--- a/Doc/Active Learning on the Cloud - PT4.pptx
+++ b/Doc/Active Learning on the Cloud - PT4.pptx
@@ -15125,6 +15125,42 @@
           </a:p>
         </p:txBody>
       </p:sp>
+      <p:pic>
+        <p:nvPicPr>
+          <p:cNvPr id="128" name="Picture 127">
+            <a:extLst>
+              <a:ext uri="{FF2B5EF4-FFF2-40B4-BE49-F238E27FC236}">
+                <a16:creationId xmlns:a16="http://schemas.microsoft.com/office/drawing/2014/main" id="{C08EF906-2CC6-4224-8A88-6C4E27435DE3}"/>
+              </a:ext>
+            </a:extLst>
+          </p:cNvPr>
+          <p:cNvPicPr>
+            <a:picLocks noChangeAspect="1"/>
+          </p:cNvPicPr>
+          <p:nvPr/>
+        </p:nvPicPr>
+        <p:blipFill>
+          <a:blip r:embed="rId10">
+            <a:extLst>
+              <a:ext uri="{28A0092B-C50C-407E-A947-70E740481C1C}">
+                <a14:useLocalDpi xmlns:a14="http://schemas.microsoft.com/office/drawing/2010/main" val="0"/>
+              </a:ext>
+            </a:extLst>
+          </a:blip>
+          <a:stretch>
+            <a:fillRect/>
+          </a:stretch>
+        </p:blipFill>
+        <p:spPr>
+          <a:xfrm>
+            <a:off x="5705855" y="3038855"/>
+            <a:ext cx="780290" cy="780290"/>
+          </a:xfrm>
+          <a:prstGeom prst="rect">
+            <a:avLst/>
+          </a:prstGeom>
+        </p:spPr>
+      </p:pic>
     </p:spTree>
     <p:extLst>
       <p:ext uri="{BB962C8B-B14F-4D97-AF65-F5344CB8AC3E}">

--- a/Doc/Active Learning on the Cloud - PT4.pptx
+++ b/Doc/Active Learning on the Cloud - PT4.pptx
@@ -115,6 +115,11 @@
       </a:defRPr>
     </a:lvl9pPr>
   </p:defaultTextStyle>
+  <p:extLst>
+    <p:ext uri="{EFAFB233-063F-42B5-8137-9DF3F51BA10A}">
+      <p15:sldGuideLst xmlns:p15="http://schemas.microsoft.com/office/powerpoint/2012/main"/>
+    </p:ext>
+  </p:extLst>
 </p:presentation>
 </file>
 
@@ -172,7 +177,7 @@
           <a:noFill/>
           <a:extLst>
             <a:ext uri="{909E8E84-426E-40dd-AFC4-6F175D3DCCD1}">
-              <a14:hiddenFill xmlns:a14="http://schemas.microsoft.com/office/drawing/2010/main" xmlns="">
+              <a14:hiddenFill xmlns="" xmlns:a14="http://schemas.microsoft.com/office/drawing/2010/main">
                 <a:solidFill>
                   <a:srgbClr val="FFFFFF"/>
                 </a:solidFill>
@@ -232,7 +237,7 @@
             </a:ln>
             <a:extLst>
               <a:ext uri="{91240B29-F687-4f45-9708-019B960494DF}">
-                <a14:hiddenLine xmlns:a14="http://schemas.microsoft.com/office/drawing/2010/main" xmlns="" w="9525">
+                <a14:hiddenLine xmlns="" xmlns:a14="http://schemas.microsoft.com/office/drawing/2010/main" w="9525">
                   <a:solidFill>
                     <a:srgbClr val="000000"/>
                   </a:solidFill>
@@ -322,7 +327,7 @@
             </a:ln>
             <a:extLst>
               <a:ext uri="{91240B29-F687-4f45-9708-019B960494DF}">
-                <a14:hiddenLine xmlns:a14="http://schemas.microsoft.com/office/drawing/2010/main" xmlns="" w="9525">
+                <a14:hiddenLine xmlns="" xmlns:a14="http://schemas.microsoft.com/office/drawing/2010/main" w="9525">
                   <a:solidFill>
                     <a:srgbClr val="000000"/>
                   </a:solidFill>
@@ -412,7 +417,7 @@
             </a:ln>
             <a:extLst>
               <a:ext uri="{91240B29-F687-4f45-9708-019B960494DF}">
-                <a14:hiddenLine xmlns:a14="http://schemas.microsoft.com/office/drawing/2010/main" xmlns="" w="9525">
+                <a14:hiddenLine xmlns="" xmlns:a14="http://schemas.microsoft.com/office/drawing/2010/main" w="9525">
                   <a:solidFill>
                     <a:srgbClr val="000000"/>
                   </a:solidFill>
@@ -446,7 +451,7 @@
             </a:ln>
             <a:extLst>
               <a:ext uri="{91240B29-F687-4f45-9708-019B960494DF}">
-                <a14:hiddenLine xmlns:a14="http://schemas.microsoft.com/office/drawing/2010/main" xmlns="" w="9525">
+                <a14:hiddenLine xmlns="" xmlns:a14="http://schemas.microsoft.com/office/drawing/2010/main" w="9525">
                   <a:solidFill>
                     <a:srgbClr val="000000"/>
                   </a:solidFill>
@@ -536,7 +541,7 @@
             </a:ln>
             <a:extLst>
               <a:ext uri="{91240B29-F687-4f45-9708-019B960494DF}">
-                <a14:hiddenLine xmlns:a14="http://schemas.microsoft.com/office/drawing/2010/main" xmlns="" w="9525">
+                <a14:hiddenLine xmlns="" xmlns:a14="http://schemas.microsoft.com/office/drawing/2010/main" w="9525">
                   <a:solidFill>
                     <a:srgbClr val="000000"/>
                   </a:solidFill>
@@ -598,7 +603,7 @@
             </a:ln>
             <a:extLst>
               <a:ext uri="{91240B29-F687-4f45-9708-019B960494DF}">
-                <a14:hiddenLine xmlns:a14="http://schemas.microsoft.com/office/drawing/2010/main" xmlns="" w="9525">
+                <a14:hiddenLine xmlns="" xmlns:a14="http://schemas.microsoft.com/office/drawing/2010/main" w="9525">
                   <a:solidFill>
                     <a:srgbClr val="000000"/>
                   </a:solidFill>
@@ -660,7 +665,7 @@
             </a:ln>
             <a:extLst>
               <a:ext uri="{91240B29-F687-4f45-9708-019B960494DF}">
-                <a14:hiddenLine xmlns:a14="http://schemas.microsoft.com/office/drawing/2010/main" xmlns="" w="9525">
+                <a14:hiddenLine xmlns="" xmlns:a14="http://schemas.microsoft.com/office/drawing/2010/main" w="9525">
                   <a:solidFill>
                     <a:srgbClr val="000000"/>
                   </a:solidFill>
@@ -750,7 +755,7 @@
             </a:ln>
             <a:extLst>
               <a:ext uri="{91240B29-F687-4f45-9708-019B960494DF}">
-                <a14:hiddenLine xmlns:a14="http://schemas.microsoft.com/office/drawing/2010/main" xmlns="" w="9525">
+                <a14:hiddenLine xmlns="" xmlns:a14="http://schemas.microsoft.com/office/drawing/2010/main" w="9525">
                   <a:solidFill>
                     <a:srgbClr val="000000"/>
                   </a:solidFill>
@@ -812,7 +817,7 @@
             </a:ln>
             <a:extLst>
               <a:ext uri="{91240B29-F687-4f45-9708-019B960494DF}">
-                <a14:hiddenLine xmlns:a14="http://schemas.microsoft.com/office/drawing/2010/main" xmlns="" w="9525">
+                <a14:hiddenLine xmlns="" xmlns:a14="http://schemas.microsoft.com/office/drawing/2010/main" w="9525">
                   <a:solidFill>
                     <a:srgbClr val="000000"/>
                   </a:solidFill>
@@ -874,7 +879,7 @@
             </a:ln>
             <a:extLst>
               <a:ext uri="{91240B29-F687-4f45-9708-019B960494DF}">
-                <a14:hiddenLine xmlns:a14="http://schemas.microsoft.com/office/drawing/2010/main" xmlns="" w="9525">
+                <a14:hiddenLine xmlns="" xmlns:a14="http://schemas.microsoft.com/office/drawing/2010/main" w="9525">
                   <a:solidFill>
                     <a:srgbClr val="000000"/>
                   </a:solidFill>
@@ -964,7 +969,7 @@
             </a:ln>
             <a:extLst>
               <a:ext uri="{91240B29-F687-4f45-9708-019B960494DF}">
-                <a14:hiddenLine xmlns:a14="http://schemas.microsoft.com/office/drawing/2010/main" xmlns="" w="9525">
+                <a14:hiddenLine xmlns="" xmlns:a14="http://schemas.microsoft.com/office/drawing/2010/main" w="9525">
                   <a:solidFill>
                     <a:srgbClr val="000000"/>
                   </a:solidFill>
@@ -1054,7 +1059,7 @@
             </a:ln>
             <a:extLst>
               <a:ext uri="{91240B29-F687-4f45-9708-019B960494DF}">
-                <a14:hiddenLine xmlns:a14="http://schemas.microsoft.com/office/drawing/2010/main" xmlns="" w="9525">
+                <a14:hiddenLine xmlns="" xmlns:a14="http://schemas.microsoft.com/office/drawing/2010/main" w="9525">
                   <a:solidFill>
                     <a:srgbClr val="000000"/>
                   </a:solidFill>
@@ -1116,7 +1121,7 @@
             </a:ln>
             <a:extLst>
               <a:ext uri="{91240B29-F687-4f45-9708-019B960494DF}">
-                <a14:hiddenLine xmlns:a14="http://schemas.microsoft.com/office/drawing/2010/main" xmlns="" w="9525">
+                <a14:hiddenLine xmlns="" xmlns:a14="http://schemas.microsoft.com/office/drawing/2010/main" w="9525">
                   <a:solidFill>
                     <a:srgbClr val="000000"/>
                   </a:solidFill>
@@ -1226,7 +1231,7 @@
             </a:ln>
             <a:extLst>
               <a:ext uri="{91240B29-F687-4f45-9708-019B960494DF}">
-                <a14:hiddenLine xmlns:a14="http://schemas.microsoft.com/office/drawing/2010/main" xmlns="" w="9525">
+                <a14:hiddenLine xmlns="" xmlns:a14="http://schemas.microsoft.com/office/drawing/2010/main" w="9525">
                   <a:solidFill>
                     <a:srgbClr val="000000"/>
                   </a:solidFill>
@@ -1288,7 +1293,7 @@
             </a:ln>
             <a:extLst>
               <a:ext uri="{91240B29-F687-4f45-9708-019B960494DF}">
-                <a14:hiddenLine xmlns:a14="http://schemas.microsoft.com/office/drawing/2010/main" xmlns="" w="9525">
+                <a14:hiddenLine xmlns="" xmlns:a14="http://schemas.microsoft.com/office/drawing/2010/main" w="9525">
                   <a:solidFill>
                     <a:srgbClr val="000000"/>
                   </a:solidFill>
@@ -1378,7 +1383,7 @@
             </a:ln>
             <a:extLst>
               <a:ext uri="{91240B29-F687-4f45-9708-019B960494DF}">
-                <a14:hiddenLine xmlns:a14="http://schemas.microsoft.com/office/drawing/2010/main" xmlns="" w="9525">
+                <a14:hiddenLine xmlns="" xmlns:a14="http://schemas.microsoft.com/office/drawing/2010/main" w="9525">
                   <a:solidFill>
                     <a:srgbClr val="000000"/>
                   </a:solidFill>
@@ -1468,7 +1473,7 @@
             </a:ln>
             <a:extLst>
               <a:ext uri="{91240B29-F687-4f45-9708-019B960494DF}">
-                <a14:hiddenLine xmlns:a14="http://schemas.microsoft.com/office/drawing/2010/main" xmlns="" w="9525">
+                <a14:hiddenLine xmlns="" xmlns:a14="http://schemas.microsoft.com/office/drawing/2010/main" w="9525">
                   <a:solidFill>
                     <a:srgbClr val="000000"/>
                   </a:solidFill>
@@ -1530,7 +1535,7 @@
             </a:ln>
             <a:extLst>
               <a:ext uri="{91240B29-F687-4f45-9708-019B960494DF}">
-                <a14:hiddenLine xmlns:a14="http://schemas.microsoft.com/office/drawing/2010/main" xmlns="" w="9525">
+                <a14:hiddenLine xmlns="" xmlns:a14="http://schemas.microsoft.com/office/drawing/2010/main" w="9525">
                   <a:solidFill>
                     <a:srgbClr val="000000"/>
                   </a:solidFill>
@@ -1620,7 +1625,7 @@
             </a:ln>
             <a:extLst>
               <a:ext uri="{91240B29-F687-4f45-9708-019B960494DF}">
-                <a14:hiddenLine xmlns:a14="http://schemas.microsoft.com/office/drawing/2010/main" xmlns="" w="9525">
+                <a14:hiddenLine xmlns="" xmlns:a14="http://schemas.microsoft.com/office/drawing/2010/main" w="9525">
                   <a:solidFill>
                     <a:srgbClr val="000000"/>
                   </a:solidFill>
@@ -1710,7 +1715,7 @@
             </a:ln>
             <a:extLst>
               <a:ext uri="{91240B29-F687-4f45-9708-019B960494DF}">
-                <a14:hiddenLine xmlns:a14="http://schemas.microsoft.com/office/drawing/2010/main" xmlns="" w="9525">
+                <a14:hiddenLine xmlns="" xmlns:a14="http://schemas.microsoft.com/office/drawing/2010/main" w="9525">
                   <a:solidFill>
                     <a:srgbClr val="000000"/>
                   </a:solidFill>
@@ -1766,7 +1771,7 @@
             </a:ln>
             <a:extLst>
               <a:ext uri="{91240B29-F687-4f45-9708-019B960494DF}">
-                <a14:hiddenLine xmlns:a14="http://schemas.microsoft.com/office/drawing/2010/main" xmlns="" w="9525">
+                <a14:hiddenLine xmlns="" xmlns:a14="http://schemas.microsoft.com/office/drawing/2010/main" w="9525">
                   <a:solidFill>
                     <a:srgbClr val="000000"/>
                   </a:solidFill>
@@ -1856,7 +1861,7 @@
             </a:ln>
             <a:extLst>
               <a:ext uri="{91240B29-F687-4f45-9708-019B960494DF}">
-                <a14:hiddenLine xmlns:a14="http://schemas.microsoft.com/office/drawing/2010/main" xmlns="" w="9525">
+                <a14:hiddenLine xmlns="" xmlns:a14="http://schemas.microsoft.com/office/drawing/2010/main" w="9525">
                   <a:solidFill>
                     <a:srgbClr val="000000"/>
                   </a:solidFill>
@@ -1912,7 +1917,7 @@
             </a:ln>
             <a:extLst>
               <a:ext uri="{91240B29-F687-4f45-9708-019B960494DF}">
-                <a14:hiddenLine xmlns:a14="http://schemas.microsoft.com/office/drawing/2010/main" xmlns="" w="9525">
+                <a14:hiddenLine xmlns="" xmlns:a14="http://schemas.microsoft.com/office/drawing/2010/main" w="9525">
                   <a:solidFill>
                     <a:srgbClr val="000000"/>
                   </a:solidFill>
@@ -2002,7 +2007,7 @@
             </a:ln>
             <a:extLst>
               <a:ext uri="{91240B29-F687-4f45-9708-019B960494DF}">
-                <a14:hiddenLine xmlns:a14="http://schemas.microsoft.com/office/drawing/2010/main" xmlns="" w="9525">
+                <a14:hiddenLine xmlns="" xmlns:a14="http://schemas.microsoft.com/office/drawing/2010/main" w="9525">
                   <a:solidFill>
                     <a:srgbClr val="000000"/>
                   </a:solidFill>
@@ -2070,7 +2075,7 @@
             </a:ln>
             <a:extLst>
               <a:ext uri="{91240B29-F687-4f45-9708-019B960494DF}">
-                <a14:hiddenLine xmlns:a14="http://schemas.microsoft.com/office/drawing/2010/main" xmlns="" w="9525">
+                <a14:hiddenLine xmlns="" xmlns:a14="http://schemas.microsoft.com/office/drawing/2010/main" w="9525">
                   <a:solidFill>
                     <a:srgbClr val="000000"/>
                   </a:solidFill>
@@ -2160,7 +2165,7 @@
             </a:ln>
             <a:extLst>
               <a:ext uri="{91240B29-F687-4f45-9708-019B960494DF}">
-                <a14:hiddenLine xmlns:a14="http://schemas.microsoft.com/office/drawing/2010/main" xmlns="" w="9525">
+                <a14:hiddenLine xmlns="" xmlns:a14="http://schemas.microsoft.com/office/drawing/2010/main" w="9525">
                   <a:solidFill>
                     <a:srgbClr val="000000"/>
                   </a:solidFill>
@@ -2228,7 +2233,7 @@
             </a:ln>
             <a:extLst>
               <a:ext uri="{91240B29-F687-4f45-9708-019B960494DF}">
-                <a14:hiddenLine xmlns:a14="http://schemas.microsoft.com/office/drawing/2010/main" xmlns="" w="9525">
+                <a14:hiddenLine xmlns="" xmlns:a14="http://schemas.microsoft.com/office/drawing/2010/main" w="9525">
                   <a:solidFill>
                     <a:srgbClr val="000000"/>
                   </a:solidFill>
@@ -2318,7 +2323,7 @@
             </a:ln>
             <a:extLst>
               <a:ext uri="{91240B29-F687-4f45-9708-019B960494DF}">
-                <a14:hiddenLine xmlns:a14="http://schemas.microsoft.com/office/drawing/2010/main" xmlns="" w="9525">
+                <a14:hiddenLine xmlns="" xmlns:a14="http://schemas.microsoft.com/office/drawing/2010/main" w="9525">
                   <a:solidFill>
                     <a:srgbClr val="000000"/>
                   </a:solidFill>
@@ -2352,7 +2357,7 @@
             </a:ln>
             <a:extLst>
               <a:ext uri="{91240B29-F687-4f45-9708-019B960494DF}">
-                <a14:hiddenLine xmlns:a14="http://schemas.microsoft.com/office/drawing/2010/main" xmlns="" w="9525">
+                <a14:hiddenLine xmlns="" xmlns:a14="http://schemas.microsoft.com/office/drawing/2010/main" w="9525">
                   <a:solidFill>
                     <a:srgbClr val="000000"/>
                   </a:solidFill>
@@ -2442,7 +2447,7 @@
             </a:ln>
             <a:extLst>
               <a:ext uri="{91240B29-F687-4f45-9708-019B960494DF}">
-                <a14:hiddenLine xmlns:a14="http://schemas.microsoft.com/office/drawing/2010/main" xmlns="" w="9525">
+                <a14:hiddenLine xmlns="" xmlns:a14="http://schemas.microsoft.com/office/drawing/2010/main" w="9525">
                   <a:solidFill>
                     <a:srgbClr val="000000"/>
                   </a:solidFill>
@@ -2504,7 +2509,7 @@
             </a:ln>
             <a:extLst>
               <a:ext uri="{91240B29-F687-4f45-9708-019B960494DF}">
-                <a14:hiddenLine xmlns:a14="http://schemas.microsoft.com/office/drawing/2010/main" xmlns="" w="9525">
+                <a14:hiddenLine xmlns="" xmlns:a14="http://schemas.microsoft.com/office/drawing/2010/main" w="9525">
                   <a:solidFill>
                     <a:srgbClr val="000000"/>
                   </a:solidFill>
@@ -2566,7 +2571,7 @@
             </a:ln>
             <a:extLst>
               <a:ext uri="{91240B29-F687-4f45-9708-019B960494DF}">
-                <a14:hiddenLine xmlns:a14="http://schemas.microsoft.com/office/drawing/2010/main" xmlns="" w="9525">
+                <a14:hiddenLine xmlns="" xmlns:a14="http://schemas.microsoft.com/office/drawing/2010/main" w="9525">
                   <a:solidFill>
                     <a:srgbClr val="000000"/>
                   </a:solidFill>
@@ -2656,7 +2661,7 @@
             </a:ln>
             <a:extLst>
               <a:ext uri="{91240B29-F687-4f45-9708-019B960494DF}">
-                <a14:hiddenLine xmlns:a14="http://schemas.microsoft.com/office/drawing/2010/main" xmlns="" w="9525">
+                <a14:hiddenLine xmlns="" xmlns:a14="http://schemas.microsoft.com/office/drawing/2010/main" w="9525">
                   <a:solidFill>
                     <a:srgbClr val="000000"/>
                   </a:solidFill>
@@ -2724,7 +2729,7 @@
             </a:ln>
             <a:extLst>
               <a:ext uri="{91240B29-F687-4f45-9708-019B960494DF}">
-                <a14:hiddenLine xmlns:a14="http://schemas.microsoft.com/office/drawing/2010/main" xmlns="" w="9525">
+                <a14:hiddenLine xmlns="" xmlns:a14="http://schemas.microsoft.com/office/drawing/2010/main" w="9525">
                   <a:solidFill>
                     <a:srgbClr val="000000"/>
                   </a:solidFill>
@@ -2786,7 +2791,7 @@
             </a:ln>
             <a:extLst>
               <a:ext uri="{91240B29-F687-4f45-9708-019B960494DF}">
-                <a14:hiddenLine xmlns:a14="http://schemas.microsoft.com/office/drawing/2010/main" xmlns="" w="9525">
+                <a14:hiddenLine xmlns="" xmlns:a14="http://schemas.microsoft.com/office/drawing/2010/main" w="9525">
                   <a:solidFill>
                     <a:srgbClr val="000000"/>
                   </a:solidFill>
@@ -2876,7 +2881,7 @@
             </a:ln>
             <a:extLst>
               <a:ext uri="{91240B29-F687-4f45-9708-019B960494DF}">
-                <a14:hiddenLine xmlns:a14="http://schemas.microsoft.com/office/drawing/2010/main" xmlns="" w="9525">
+                <a14:hiddenLine xmlns="" xmlns:a14="http://schemas.microsoft.com/office/drawing/2010/main" w="9525">
                   <a:solidFill>
                     <a:srgbClr val="000000"/>
                   </a:solidFill>
@@ -2938,7 +2943,7 @@
             </a:ln>
             <a:extLst>
               <a:ext uri="{91240B29-F687-4f45-9708-019B960494DF}">
-                <a14:hiddenLine xmlns:a14="http://schemas.microsoft.com/office/drawing/2010/main" xmlns="" w="9525">
+                <a14:hiddenLine xmlns="" xmlns:a14="http://schemas.microsoft.com/office/drawing/2010/main" w="9525">
                   <a:solidFill>
                     <a:srgbClr val="000000"/>
                   </a:solidFill>
@@ -3028,7 +3033,7 @@
             </a:ln>
             <a:extLst>
               <a:ext uri="{91240B29-F687-4f45-9708-019B960494DF}">
-                <a14:hiddenLine xmlns:a14="http://schemas.microsoft.com/office/drawing/2010/main" xmlns="" w="9525">
+                <a14:hiddenLine xmlns="" xmlns:a14="http://schemas.microsoft.com/office/drawing/2010/main" w="9525">
                   <a:solidFill>
                     <a:srgbClr val="000000"/>
                   </a:solidFill>
@@ -3090,7 +3095,7 @@
             </a:ln>
             <a:extLst>
               <a:ext uri="{91240B29-F687-4f45-9708-019B960494DF}">
-                <a14:hiddenLine xmlns:a14="http://schemas.microsoft.com/office/drawing/2010/main" xmlns="" w="9525">
+                <a14:hiddenLine xmlns="" xmlns:a14="http://schemas.microsoft.com/office/drawing/2010/main" w="9525">
                   <a:solidFill>
                     <a:srgbClr val="000000"/>
                   </a:solidFill>
@@ -3180,7 +3185,7 @@
             </a:ln>
             <a:extLst>
               <a:ext uri="{91240B29-F687-4f45-9708-019B960494DF}">
-                <a14:hiddenLine xmlns:a14="http://schemas.microsoft.com/office/drawing/2010/main" xmlns="" w="9525">
+                <a14:hiddenLine xmlns="" xmlns:a14="http://schemas.microsoft.com/office/drawing/2010/main" w="9525">
                   <a:solidFill>
                     <a:srgbClr val="000000"/>
                   </a:solidFill>
@@ -3214,7 +3219,7 @@
             </a:ln>
             <a:extLst>
               <a:ext uri="{91240B29-F687-4f45-9708-019B960494DF}">
-                <a14:hiddenLine xmlns:a14="http://schemas.microsoft.com/office/drawing/2010/main" xmlns="" w="9525">
+                <a14:hiddenLine xmlns="" xmlns:a14="http://schemas.microsoft.com/office/drawing/2010/main" w="9525">
                   <a:solidFill>
                     <a:srgbClr val="000000"/>
                   </a:solidFill>
@@ -3279,7 +3284,7 @@
             </a:ln>
             <a:extLst>
               <a:ext uri="{91240B29-F687-4f45-9708-019B960494DF}">
-                <a14:hiddenLine xmlns:a14="http://schemas.microsoft.com/office/drawing/2010/main" xmlns="" w="9525">
+                <a14:hiddenLine xmlns="" xmlns:a14="http://schemas.microsoft.com/office/drawing/2010/main" w="9525">
                   <a:solidFill>
                     <a:srgbClr val="000000"/>
                   </a:solidFill>
@@ -3369,7 +3374,7 @@
             </a:ln>
             <a:extLst>
               <a:ext uri="{91240B29-F687-4f45-9708-019B960494DF}">
-                <a14:hiddenLine xmlns:a14="http://schemas.microsoft.com/office/drawing/2010/main" xmlns="" w="9525">
+                <a14:hiddenLine xmlns="" xmlns:a14="http://schemas.microsoft.com/office/drawing/2010/main" w="9525">
                   <a:solidFill>
                     <a:srgbClr val="000000"/>
                   </a:solidFill>
@@ -3431,7 +3436,7 @@
             </a:ln>
             <a:extLst>
               <a:ext uri="{91240B29-F687-4f45-9708-019B960494DF}">
-                <a14:hiddenLine xmlns:a14="http://schemas.microsoft.com/office/drawing/2010/main" xmlns="" w="9525">
+                <a14:hiddenLine xmlns="" xmlns:a14="http://schemas.microsoft.com/office/drawing/2010/main" w="9525">
                   <a:solidFill>
                     <a:srgbClr val="000000"/>
                   </a:solidFill>
@@ -3521,7 +3526,7 @@
             </a:ln>
             <a:extLst>
               <a:ext uri="{91240B29-F687-4f45-9708-019B960494DF}">
-                <a14:hiddenLine xmlns:a14="http://schemas.microsoft.com/office/drawing/2010/main" xmlns="" w="9525">
+                <a14:hiddenLine xmlns="" xmlns:a14="http://schemas.microsoft.com/office/drawing/2010/main" w="9525">
                   <a:solidFill>
                     <a:srgbClr val="000000"/>
                   </a:solidFill>
@@ -3611,7 +3616,7 @@
             </a:ln>
             <a:extLst>
               <a:ext uri="{91240B29-F687-4f45-9708-019B960494DF}">
-                <a14:hiddenLine xmlns:a14="http://schemas.microsoft.com/office/drawing/2010/main" xmlns="" w="9525">
+                <a14:hiddenLine xmlns="" xmlns:a14="http://schemas.microsoft.com/office/drawing/2010/main" w="9525">
                   <a:solidFill>
                     <a:srgbClr val="000000"/>
                   </a:solidFill>
@@ -3676,7 +3681,7 @@
             </a:ln>
             <a:extLst>
               <a:ext uri="{91240B29-F687-4f45-9708-019B960494DF}">
-                <a14:hiddenLine xmlns:a14="http://schemas.microsoft.com/office/drawing/2010/main" xmlns="" w="9525">
+                <a14:hiddenLine xmlns="" xmlns:a14="http://schemas.microsoft.com/office/drawing/2010/main" w="9525">
                   <a:solidFill>
                     <a:srgbClr val="000000"/>
                   </a:solidFill>
@@ -3738,7 +3743,7 @@
             </a:ln>
             <a:extLst>
               <a:ext uri="{91240B29-F687-4f45-9708-019B960494DF}">
-                <a14:hiddenLine xmlns:a14="http://schemas.microsoft.com/office/drawing/2010/main" xmlns="" w="9525">
+                <a14:hiddenLine xmlns="" xmlns:a14="http://schemas.microsoft.com/office/drawing/2010/main" w="9525">
                   <a:solidFill>
                     <a:srgbClr val="000000"/>
                   </a:solidFill>
@@ -3828,7 +3833,7 @@
             </a:ln>
             <a:extLst>
               <a:ext uri="{91240B29-F687-4f45-9708-019B960494DF}">
-                <a14:hiddenLine xmlns:a14="http://schemas.microsoft.com/office/drawing/2010/main" xmlns="" w="9525">
+                <a14:hiddenLine xmlns="" xmlns:a14="http://schemas.microsoft.com/office/drawing/2010/main" w="9525">
                   <a:solidFill>
                     <a:srgbClr val="000000"/>
                   </a:solidFill>
@@ -3918,7 +3923,7 @@
             </a:ln>
             <a:extLst>
               <a:ext uri="{91240B29-F687-4f45-9708-019B960494DF}">
-                <a14:hiddenLine xmlns:a14="http://schemas.microsoft.com/office/drawing/2010/main" xmlns="" w="9525">
+                <a14:hiddenLine xmlns="" xmlns:a14="http://schemas.microsoft.com/office/drawing/2010/main" w="9525">
                   <a:solidFill>
                     <a:srgbClr val="000000"/>
                   </a:solidFill>
@@ -3980,7 +3985,7 @@
             </a:ln>
             <a:extLst>
               <a:ext uri="{91240B29-F687-4f45-9708-019B960494DF}">
-                <a14:hiddenLine xmlns:a14="http://schemas.microsoft.com/office/drawing/2010/main" xmlns="" w="9525">
+                <a14:hiddenLine xmlns="" xmlns:a14="http://schemas.microsoft.com/office/drawing/2010/main" w="9525">
                   <a:solidFill>
                     <a:srgbClr val="000000"/>
                   </a:solidFill>
@@ -4100,7 +4105,7 @@
             </a:ln>
             <a:extLst>
               <a:ext uri="{91240B29-F687-4f45-9708-019B960494DF}">
-                <a14:hiddenLine xmlns:a14="http://schemas.microsoft.com/office/drawing/2010/main" xmlns="" w="9525">
+                <a14:hiddenLine xmlns="" xmlns:a14="http://schemas.microsoft.com/office/drawing/2010/main" w="9525">
                   <a:solidFill>
                     <a:srgbClr val="000000"/>
                   </a:solidFill>
@@ -4168,7 +4173,7 @@
             </a:ln>
             <a:extLst>
               <a:ext uri="{91240B29-F687-4f45-9708-019B960494DF}">
-                <a14:hiddenLine xmlns:a14="http://schemas.microsoft.com/office/drawing/2010/main" xmlns="" w="9525">
+                <a14:hiddenLine xmlns="" xmlns:a14="http://schemas.microsoft.com/office/drawing/2010/main" w="9525">
                   <a:solidFill>
                     <a:srgbClr val="000000"/>
                   </a:solidFill>
@@ -4258,7 +4263,7 @@
             </a:ln>
             <a:extLst>
               <a:ext uri="{91240B29-F687-4f45-9708-019B960494DF}">
-                <a14:hiddenLine xmlns:a14="http://schemas.microsoft.com/office/drawing/2010/main" xmlns="" w="9525">
+                <a14:hiddenLine xmlns="" xmlns:a14="http://schemas.microsoft.com/office/drawing/2010/main" w="9525">
                   <a:solidFill>
                     <a:srgbClr val="000000"/>
                   </a:solidFill>
@@ -4398,7 +4403,7 @@
           <a:p>
             <a:fld id="{EEF8A2C3-4F61-4362-8260-30DF30FFD1D5}" type="datetimeFigureOut">
               <a:rPr lang="en-SG" smtClean="0"/>
-              <a:t>28/6/2017</a:t>
+              <a:t>30/6/2017</a:t>
             </a:fld>
             <a:endParaRPr lang="en-SG"/>
           </a:p>
@@ -4665,7 +4670,7 @@
           <a:p>
             <a:fld id="{EEF8A2C3-4F61-4362-8260-30DF30FFD1D5}" type="datetimeFigureOut">
               <a:rPr lang="en-SG" smtClean="0"/>
-              <a:t>28/6/2017</a:t>
+              <a:t>30/6/2017</a:t>
             </a:fld>
             <a:endParaRPr lang="en-SG"/>
           </a:p>
@@ -4861,7 +4866,7 @@
           <a:p>
             <a:fld id="{EEF8A2C3-4F61-4362-8260-30DF30FFD1D5}" type="datetimeFigureOut">
               <a:rPr lang="en-SG" smtClean="0"/>
-              <a:t>28/6/2017</a:t>
+              <a:t>30/6/2017</a:t>
             </a:fld>
             <a:endParaRPr lang="en-SG"/>
           </a:p>
@@ -5124,7 +5129,7 @@
           <a:p>
             <a:fld id="{EEF8A2C3-4F61-4362-8260-30DF30FFD1D5}" type="datetimeFigureOut">
               <a:rPr lang="en-SG" smtClean="0"/>
-              <a:t>28/6/2017</a:t>
+              <a:t>30/6/2017</a:t>
             </a:fld>
             <a:endParaRPr lang="en-SG"/>
           </a:p>
@@ -5558,7 +5563,7 @@
           <a:p>
             <a:fld id="{EEF8A2C3-4F61-4362-8260-30DF30FFD1D5}" type="datetimeFigureOut">
               <a:rPr lang="en-SG" smtClean="0"/>
-              <a:t>28/6/2017</a:t>
+              <a:t>30/6/2017</a:t>
             </a:fld>
             <a:endParaRPr lang="en-SG"/>
           </a:p>
@@ -6104,7 +6109,7 @@
           <a:p>
             <a:fld id="{EEF8A2C3-4F61-4362-8260-30DF30FFD1D5}" type="datetimeFigureOut">
               <a:rPr lang="en-SG" smtClean="0"/>
-              <a:t>28/6/2017</a:t>
+              <a:t>30/6/2017</a:t>
             </a:fld>
             <a:endParaRPr lang="en-SG"/>
           </a:p>
@@ -6824,7 +6829,7 @@
           <a:p>
             <a:fld id="{EEF8A2C3-4F61-4362-8260-30DF30FFD1D5}" type="datetimeFigureOut">
               <a:rPr lang="en-SG" smtClean="0"/>
-              <a:t>28/6/2017</a:t>
+              <a:t>30/6/2017</a:t>
             </a:fld>
             <a:endParaRPr lang="en-SG"/>
           </a:p>
@@ -6994,7 +6999,7 @@
           <a:p>
             <a:fld id="{EEF8A2C3-4F61-4362-8260-30DF30FFD1D5}" type="datetimeFigureOut">
               <a:rPr lang="en-SG" smtClean="0"/>
-              <a:t>28/6/2017</a:t>
+              <a:t>30/6/2017</a:t>
             </a:fld>
             <a:endParaRPr lang="en-SG"/>
           </a:p>
@@ -7174,7 +7179,7 @@
           <a:p>
             <a:fld id="{EEF8A2C3-4F61-4362-8260-30DF30FFD1D5}" type="datetimeFigureOut">
               <a:rPr lang="en-SG" smtClean="0"/>
-              <a:t>28/6/2017</a:t>
+              <a:t>30/6/2017</a:t>
             </a:fld>
             <a:endParaRPr lang="en-SG"/>
           </a:p>
@@ -7344,7 +7349,7 @@
           <a:p>
             <a:fld id="{EEF8A2C3-4F61-4362-8260-30DF30FFD1D5}" type="datetimeFigureOut">
               <a:rPr lang="en-SG" smtClean="0"/>
-              <a:t>28/6/2017</a:t>
+              <a:t>30/6/2017</a:t>
             </a:fld>
             <a:endParaRPr lang="en-SG"/>
           </a:p>
@@ -7594,7 +7599,7 @@
           <a:p>
             <a:fld id="{EEF8A2C3-4F61-4362-8260-30DF30FFD1D5}" type="datetimeFigureOut">
               <a:rPr lang="en-SG" smtClean="0"/>
-              <a:t>28/6/2017</a:t>
+              <a:t>30/6/2017</a:t>
             </a:fld>
             <a:endParaRPr lang="en-SG"/>
           </a:p>
@@ -7826,7 +7831,7 @@
           <a:p>
             <a:fld id="{EEF8A2C3-4F61-4362-8260-30DF30FFD1D5}" type="datetimeFigureOut">
               <a:rPr lang="en-SG" smtClean="0"/>
-              <a:t>28/6/2017</a:t>
+              <a:t>30/6/2017</a:t>
             </a:fld>
             <a:endParaRPr lang="en-SG"/>
           </a:p>
@@ -8207,7 +8212,7 @@
           <a:p>
             <a:fld id="{EEF8A2C3-4F61-4362-8260-30DF30FFD1D5}" type="datetimeFigureOut">
               <a:rPr lang="en-SG" smtClean="0"/>
-              <a:t>28/6/2017</a:t>
+              <a:t>30/6/2017</a:t>
             </a:fld>
             <a:endParaRPr lang="en-SG"/>
           </a:p>
@@ -8325,7 +8330,7 @@
           <a:p>
             <a:fld id="{EEF8A2C3-4F61-4362-8260-30DF30FFD1D5}" type="datetimeFigureOut">
               <a:rPr lang="en-SG" smtClean="0"/>
-              <a:t>28/6/2017</a:t>
+              <a:t>30/6/2017</a:t>
             </a:fld>
             <a:endParaRPr lang="en-SG"/>
           </a:p>
@@ -8420,7 +8425,7 @@
           <a:p>
             <a:fld id="{EEF8A2C3-4F61-4362-8260-30DF30FFD1D5}" type="datetimeFigureOut">
               <a:rPr lang="en-SG" smtClean="0"/>
-              <a:t>28/6/2017</a:t>
+              <a:t>30/6/2017</a:t>
             </a:fld>
             <a:endParaRPr lang="en-SG"/>
           </a:p>
@@ -8669,7 +8674,7 @@
           <a:p>
             <a:fld id="{EEF8A2C3-4F61-4362-8260-30DF30FFD1D5}" type="datetimeFigureOut">
               <a:rPr lang="en-SG" smtClean="0"/>
-              <a:t>28/6/2017</a:t>
+              <a:t>30/6/2017</a:t>
             </a:fld>
             <a:endParaRPr lang="en-SG"/>
           </a:p>
@@ -8949,7 +8954,7 @@
           <a:p>
             <a:fld id="{EEF8A2C3-4F61-4362-8260-30DF30FFD1D5}" type="datetimeFigureOut">
               <a:rPr lang="en-SG" smtClean="0"/>
-              <a:t>28/6/2017</a:t>
+              <a:t>30/6/2017</a:t>
             </a:fld>
             <a:endParaRPr lang="en-SG"/>
           </a:p>
@@ -9065,7 +9070,7 @@
           <a:noFill/>
           <a:extLst>
             <a:ext uri="{909E8E84-426E-40dd-AFC4-6F175D3DCCD1}">
-              <a14:hiddenFill xmlns:a14="http://schemas.microsoft.com/office/drawing/2010/main" xmlns="">
+              <a14:hiddenFill xmlns="" xmlns:a14="http://schemas.microsoft.com/office/drawing/2010/main">
                 <a:solidFill>
                   <a:srgbClr val="FFFFFF"/>
                 </a:solidFill>
@@ -9139,7 +9144,7 @@
               </a:ln>
               <a:extLst>
                 <a:ext uri="{91240B29-F687-4f45-9708-019B960494DF}">
-                  <a14:hiddenLine xmlns:a14="http://schemas.microsoft.com/office/drawing/2010/main" xmlns="" w="9525">
+                  <a14:hiddenLine xmlns="" xmlns:a14="http://schemas.microsoft.com/office/drawing/2010/main" w="9525">
                     <a:solidFill>
                       <a:srgbClr val="000000"/>
                     </a:solidFill>
@@ -9229,7 +9234,7 @@
               </a:ln>
               <a:extLst>
                 <a:ext uri="{91240B29-F687-4f45-9708-019B960494DF}">
-                  <a14:hiddenLine xmlns:a14="http://schemas.microsoft.com/office/drawing/2010/main" xmlns="" w="9525">
+                  <a14:hiddenLine xmlns="" xmlns:a14="http://schemas.microsoft.com/office/drawing/2010/main" w="9525">
                     <a:solidFill>
                       <a:srgbClr val="000000"/>
                     </a:solidFill>
@@ -9319,7 +9324,7 @@
               </a:ln>
               <a:extLst>
                 <a:ext uri="{91240B29-F687-4f45-9708-019B960494DF}">
-                  <a14:hiddenLine xmlns:a14="http://schemas.microsoft.com/office/drawing/2010/main" xmlns="" w="9525">
+                  <a14:hiddenLine xmlns="" xmlns:a14="http://schemas.microsoft.com/office/drawing/2010/main" w="9525">
                     <a:solidFill>
                       <a:srgbClr val="000000"/>
                     </a:solidFill>
@@ -9381,7 +9386,7 @@
               </a:ln>
               <a:extLst>
                 <a:ext uri="{91240B29-F687-4f45-9708-019B960494DF}">
-                  <a14:hiddenLine xmlns:a14="http://schemas.microsoft.com/office/drawing/2010/main" xmlns="" w="9525">
+                  <a14:hiddenLine xmlns="" xmlns:a14="http://schemas.microsoft.com/office/drawing/2010/main" w="9525">
                     <a:solidFill>
                       <a:srgbClr val="000000"/>
                     </a:solidFill>
@@ -9471,7 +9476,7 @@
               </a:ln>
               <a:extLst>
                 <a:ext uri="{91240B29-F687-4f45-9708-019B960494DF}">
-                  <a14:hiddenLine xmlns:a14="http://schemas.microsoft.com/office/drawing/2010/main" xmlns="" w="9525">
+                  <a14:hiddenLine xmlns="" xmlns:a14="http://schemas.microsoft.com/office/drawing/2010/main" w="9525">
                     <a:solidFill>
                       <a:srgbClr val="000000"/>
                     </a:solidFill>
@@ -9533,7 +9538,7 @@
               </a:ln>
               <a:extLst>
                 <a:ext uri="{91240B29-F687-4f45-9708-019B960494DF}">
-                  <a14:hiddenLine xmlns:a14="http://schemas.microsoft.com/office/drawing/2010/main" xmlns="" w="9525">
+                  <a14:hiddenLine xmlns="" xmlns:a14="http://schemas.microsoft.com/office/drawing/2010/main" w="9525">
                     <a:solidFill>
                       <a:srgbClr val="000000"/>
                     </a:solidFill>
@@ -9595,7 +9600,7 @@
               </a:ln>
               <a:extLst>
                 <a:ext uri="{91240B29-F687-4f45-9708-019B960494DF}">
-                  <a14:hiddenLine xmlns:a14="http://schemas.microsoft.com/office/drawing/2010/main" xmlns="" w="9525">
+                  <a14:hiddenLine xmlns="" xmlns:a14="http://schemas.microsoft.com/office/drawing/2010/main" w="9525">
                     <a:solidFill>
                       <a:srgbClr val="000000"/>
                     </a:solidFill>
@@ -9685,7 +9690,7 @@
               </a:ln>
               <a:extLst>
                 <a:ext uri="{91240B29-F687-4f45-9708-019B960494DF}">
-                  <a14:hiddenLine xmlns:a14="http://schemas.microsoft.com/office/drawing/2010/main" xmlns="" w="9525">
+                  <a14:hiddenLine xmlns="" xmlns:a14="http://schemas.microsoft.com/office/drawing/2010/main" w="9525">
                     <a:solidFill>
                       <a:srgbClr val="000000"/>
                     </a:solidFill>
@@ -9775,7 +9780,7 @@
               </a:ln>
               <a:extLst>
                 <a:ext uri="{91240B29-F687-4f45-9708-019B960494DF}">
-                  <a14:hiddenLine xmlns:a14="http://schemas.microsoft.com/office/drawing/2010/main" xmlns="" w="9525">
+                  <a14:hiddenLine xmlns="" xmlns:a14="http://schemas.microsoft.com/office/drawing/2010/main" w="9525">
                     <a:solidFill>
                       <a:srgbClr val="000000"/>
                     </a:solidFill>
@@ -9837,7 +9842,7 @@
               </a:ln>
               <a:extLst>
                 <a:ext uri="{91240B29-F687-4f45-9708-019B960494DF}">
-                  <a14:hiddenLine xmlns:a14="http://schemas.microsoft.com/office/drawing/2010/main" xmlns="" w="9525">
+                  <a14:hiddenLine xmlns="" xmlns:a14="http://schemas.microsoft.com/office/drawing/2010/main" w="9525">
                     <a:solidFill>
                       <a:srgbClr val="000000"/>
                     </a:solidFill>
@@ -9947,7 +9952,7 @@
               </a:ln>
               <a:extLst>
                 <a:ext uri="{91240B29-F687-4f45-9708-019B960494DF}">
-                  <a14:hiddenLine xmlns:a14="http://schemas.microsoft.com/office/drawing/2010/main" xmlns="" w="9525">
+                  <a14:hiddenLine xmlns="" xmlns:a14="http://schemas.microsoft.com/office/drawing/2010/main" w="9525">
                     <a:solidFill>
                       <a:srgbClr val="000000"/>
                     </a:solidFill>
@@ -10031,7 +10036,7 @@
               </a:ln>
               <a:extLst>
                 <a:ext uri="{91240B29-F687-4f45-9708-019B960494DF}">
-                  <a14:hiddenLine xmlns:a14="http://schemas.microsoft.com/office/drawing/2010/main" xmlns="" w="9525">
+                  <a14:hiddenLine xmlns="" xmlns:a14="http://schemas.microsoft.com/office/drawing/2010/main" w="9525">
                     <a:solidFill>
                       <a:srgbClr val="000000"/>
                     </a:solidFill>
@@ -10093,7 +10098,7 @@
               </a:ln>
               <a:extLst>
                 <a:ext uri="{91240B29-F687-4f45-9708-019B960494DF}">
-                  <a14:hiddenLine xmlns:a14="http://schemas.microsoft.com/office/drawing/2010/main" xmlns="" w="9525">
+                  <a14:hiddenLine xmlns="" xmlns:a14="http://schemas.microsoft.com/office/drawing/2010/main" w="9525">
                     <a:solidFill>
                       <a:srgbClr val="000000"/>
                     </a:solidFill>
@@ -10155,7 +10160,7 @@
               </a:ln>
               <a:extLst>
                 <a:ext uri="{91240B29-F687-4f45-9708-019B960494DF}">
-                  <a14:hiddenLine xmlns:a14="http://schemas.microsoft.com/office/drawing/2010/main" xmlns="" w="9525">
+                  <a14:hiddenLine xmlns="" xmlns:a14="http://schemas.microsoft.com/office/drawing/2010/main" w="9525">
                     <a:solidFill>
                       <a:srgbClr val="000000"/>
                     </a:solidFill>
@@ -10245,7 +10250,7 @@
               </a:ln>
               <a:extLst>
                 <a:ext uri="{91240B29-F687-4f45-9708-019B960494DF}">
-                  <a14:hiddenLine xmlns:a14="http://schemas.microsoft.com/office/drawing/2010/main" xmlns="" w="9525">
+                  <a14:hiddenLine xmlns="" xmlns:a14="http://schemas.microsoft.com/office/drawing/2010/main" w="9525">
                     <a:solidFill>
                       <a:srgbClr val="000000"/>
                     </a:solidFill>
@@ -10279,7 +10284,7 @@
               </a:ln>
               <a:extLst>
                 <a:ext uri="{91240B29-F687-4f45-9708-019B960494DF}">
-                  <a14:hiddenLine xmlns:a14="http://schemas.microsoft.com/office/drawing/2010/main" xmlns="" w="9525">
+                  <a14:hiddenLine xmlns="" xmlns:a14="http://schemas.microsoft.com/office/drawing/2010/main" w="9525">
                     <a:solidFill>
                       <a:srgbClr val="000000"/>
                     </a:solidFill>
@@ -10344,7 +10349,7 @@
               </a:ln>
               <a:extLst>
                 <a:ext uri="{91240B29-F687-4f45-9708-019B960494DF}">
-                  <a14:hiddenLine xmlns:a14="http://schemas.microsoft.com/office/drawing/2010/main" xmlns="" w="9525">
+                  <a14:hiddenLine xmlns="" xmlns:a14="http://schemas.microsoft.com/office/drawing/2010/main" w="9525">
                     <a:solidFill>
                       <a:srgbClr val="000000"/>
                     </a:solidFill>
@@ -10434,7 +10439,7 @@
               </a:ln>
               <a:extLst>
                 <a:ext uri="{91240B29-F687-4f45-9708-019B960494DF}">
-                  <a14:hiddenLine xmlns:a14="http://schemas.microsoft.com/office/drawing/2010/main" xmlns="" w="9525">
+                  <a14:hiddenLine xmlns="" xmlns:a14="http://schemas.microsoft.com/office/drawing/2010/main" w="9525">
                     <a:solidFill>
                       <a:srgbClr val="000000"/>
                     </a:solidFill>
@@ -10496,7 +10501,7 @@
               </a:ln>
               <a:extLst>
                 <a:ext uri="{91240B29-F687-4f45-9708-019B960494DF}">
-                  <a14:hiddenLine xmlns:a14="http://schemas.microsoft.com/office/drawing/2010/main" xmlns="" w="9525">
+                  <a14:hiddenLine xmlns="" xmlns:a14="http://schemas.microsoft.com/office/drawing/2010/main" w="9525">
                     <a:solidFill>
                       <a:srgbClr val="000000"/>
                     </a:solidFill>
@@ -10586,7 +10591,7 @@
               </a:ln>
               <a:extLst>
                 <a:ext uri="{91240B29-F687-4f45-9708-019B960494DF}">
-                  <a14:hiddenLine xmlns:a14="http://schemas.microsoft.com/office/drawing/2010/main" xmlns="" w="9525">
+                  <a14:hiddenLine xmlns="" xmlns:a14="http://schemas.microsoft.com/office/drawing/2010/main" w="9525">
                     <a:solidFill>
                       <a:srgbClr val="000000"/>
                     </a:solidFill>
@@ -10651,7 +10656,7 @@
               </a:ln>
               <a:extLst>
                 <a:ext uri="{91240B29-F687-4f45-9708-019B960494DF}">
-                  <a14:hiddenLine xmlns:a14="http://schemas.microsoft.com/office/drawing/2010/main" xmlns="" w="9525">
+                  <a14:hiddenLine xmlns="" xmlns:a14="http://schemas.microsoft.com/office/drawing/2010/main" w="9525">
                     <a:solidFill>
                       <a:srgbClr val="000000"/>
                     </a:solidFill>
@@ -10713,7 +10718,7 @@
               </a:ln>
               <a:extLst>
                 <a:ext uri="{91240B29-F687-4f45-9708-019B960494DF}">
-                  <a14:hiddenLine xmlns:a14="http://schemas.microsoft.com/office/drawing/2010/main" xmlns="" w="9525">
+                  <a14:hiddenLine xmlns="" xmlns:a14="http://schemas.microsoft.com/office/drawing/2010/main" w="9525">
                     <a:solidFill>
                       <a:srgbClr val="000000"/>
                     </a:solidFill>
@@ -10803,7 +10808,7 @@
               </a:ln>
               <a:extLst>
                 <a:ext uri="{91240B29-F687-4f45-9708-019B960494DF}">
-                  <a14:hiddenLine xmlns:a14="http://schemas.microsoft.com/office/drawing/2010/main" xmlns="" w="9525">
+                  <a14:hiddenLine xmlns="" xmlns:a14="http://schemas.microsoft.com/office/drawing/2010/main" w="9525">
                     <a:solidFill>
                       <a:srgbClr val="000000"/>
                     </a:solidFill>
@@ -10893,7 +10898,7 @@
               </a:ln>
               <a:extLst>
                 <a:ext uri="{91240B29-F687-4f45-9708-019B960494DF}">
-                  <a14:hiddenLine xmlns:a14="http://schemas.microsoft.com/office/drawing/2010/main" xmlns="" w="9525">
+                  <a14:hiddenLine xmlns="" xmlns:a14="http://schemas.microsoft.com/office/drawing/2010/main" w="9525">
                     <a:solidFill>
                       <a:srgbClr val="000000"/>
                     </a:solidFill>
@@ -10958,7 +10963,7 @@
               </a:ln>
               <a:extLst>
                 <a:ext uri="{91240B29-F687-4f45-9708-019B960494DF}">
-                  <a14:hiddenLine xmlns:a14="http://schemas.microsoft.com/office/drawing/2010/main" xmlns="" w="9525">
+                  <a14:hiddenLine xmlns="" xmlns:a14="http://schemas.microsoft.com/office/drawing/2010/main" w="9525">
                     <a:solidFill>
                       <a:srgbClr val="000000"/>
                     </a:solidFill>
@@ -11078,7 +11083,7 @@
               </a:ln>
               <a:extLst>
                 <a:ext uri="{91240B29-F687-4f45-9708-019B960494DF}">
-                  <a14:hiddenLine xmlns:a14="http://schemas.microsoft.com/office/drawing/2010/main" xmlns="" w="9525">
+                  <a14:hiddenLine xmlns="" xmlns:a14="http://schemas.microsoft.com/office/drawing/2010/main" w="9525">
                     <a:solidFill>
                       <a:srgbClr val="000000"/>
                     </a:solidFill>
@@ -11176,7 +11181,7 @@
               </a:ln>
               <a:extLst>
                 <a:ext uri="{91240B29-F687-4f45-9708-019B960494DF}">
-                  <a14:hiddenLine xmlns:a14="http://schemas.microsoft.com/office/drawing/2010/main" xmlns="" w="9525">
+                  <a14:hiddenLine xmlns="" xmlns:a14="http://schemas.microsoft.com/office/drawing/2010/main" w="9525">
                     <a:solidFill>
                       <a:srgbClr val="000000"/>
                     </a:solidFill>
@@ -11291,7 +11296,7 @@
               </a:ln>
               <a:extLst>
                 <a:ext uri="{91240B29-F687-4f45-9708-019B960494DF}">
-                  <a14:hiddenLine xmlns:a14="http://schemas.microsoft.com/office/drawing/2010/main" xmlns="" w="9525">
+                  <a14:hiddenLine xmlns="" xmlns:a14="http://schemas.microsoft.com/office/drawing/2010/main" w="9525">
                     <a:solidFill>
                       <a:srgbClr val="000000"/>
                     </a:solidFill>
@@ -11381,7 +11386,7 @@
               </a:ln>
               <a:extLst>
                 <a:ext uri="{91240B29-F687-4f45-9708-019B960494DF}">
-                  <a14:hiddenLine xmlns:a14="http://schemas.microsoft.com/office/drawing/2010/main" xmlns="" w="9525">
+                  <a14:hiddenLine xmlns="" xmlns:a14="http://schemas.microsoft.com/office/drawing/2010/main" w="9525">
                     <a:solidFill>
                       <a:srgbClr val="000000"/>
                     </a:solidFill>
@@ -11446,7 +11451,7 @@
               </a:ln>
               <a:extLst>
                 <a:ext uri="{91240B29-F687-4f45-9708-019B960494DF}">
-                  <a14:hiddenLine xmlns:a14="http://schemas.microsoft.com/office/drawing/2010/main" xmlns="" w="9525">
+                  <a14:hiddenLine xmlns="" xmlns:a14="http://schemas.microsoft.com/office/drawing/2010/main" w="9525">
                     <a:solidFill>
                       <a:srgbClr val="000000"/>
                     </a:solidFill>
@@ -11536,7 +11541,7 @@
               </a:ln>
               <a:extLst>
                 <a:ext uri="{91240B29-F687-4f45-9708-019B960494DF}">
-                  <a14:hiddenLine xmlns:a14="http://schemas.microsoft.com/office/drawing/2010/main" xmlns="" w="9525">
+                  <a14:hiddenLine xmlns="" xmlns:a14="http://schemas.microsoft.com/office/drawing/2010/main" w="9525">
                     <a:solidFill>
                       <a:srgbClr val="000000"/>
                     </a:solidFill>
@@ -11604,7 +11609,7 @@
               </a:ln>
               <a:extLst>
                 <a:ext uri="{91240B29-F687-4f45-9708-019B960494DF}">
-                  <a14:hiddenLine xmlns:a14="http://schemas.microsoft.com/office/drawing/2010/main" xmlns="" w="9525">
+                  <a14:hiddenLine xmlns="" xmlns:a14="http://schemas.microsoft.com/office/drawing/2010/main" w="9525">
                     <a:solidFill>
                       <a:srgbClr val="000000"/>
                     </a:solidFill>
@@ -11694,7 +11699,7 @@
               </a:ln>
               <a:extLst>
                 <a:ext uri="{91240B29-F687-4f45-9708-019B960494DF}">
-                  <a14:hiddenLine xmlns:a14="http://schemas.microsoft.com/office/drawing/2010/main" xmlns="" w="9525">
+                  <a14:hiddenLine xmlns="" xmlns:a14="http://schemas.microsoft.com/office/drawing/2010/main" w="9525">
                     <a:solidFill>
                       <a:srgbClr val="000000"/>
                     </a:solidFill>
@@ -11762,7 +11767,7 @@
               </a:ln>
               <a:extLst>
                 <a:ext uri="{91240B29-F687-4f45-9708-019B960494DF}">
-                  <a14:hiddenLine xmlns:a14="http://schemas.microsoft.com/office/drawing/2010/main" xmlns="" w="9525">
+                  <a14:hiddenLine xmlns="" xmlns:a14="http://schemas.microsoft.com/office/drawing/2010/main" w="9525">
                     <a:solidFill>
                       <a:srgbClr val="000000"/>
                     </a:solidFill>
@@ -11852,7 +11857,7 @@
               </a:ln>
               <a:extLst>
                 <a:ext uri="{91240B29-F687-4f45-9708-019B960494DF}">
-                  <a14:hiddenLine xmlns:a14="http://schemas.microsoft.com/office/drawing/2010/main" xmlns="" w="9525">
+                  <a14:hiddenLine xmlns="" xmlns:a14="http://schemas.microsoft.com/office/drawing/2010/main" w="9525">
                     <a:solidFill>
                       <a:srgbClr val="000000"/>
                     </a:solidFill>
@@ -11886,7 +11891,7 @@
               </a:ln>
               <a:extLst>
                 <a:ext uri="{91240B29-F687-4f45-9708-019B960494DF}">
-                  <a14:hiddenLine xmlns:a14="http://schemas.microsoft.com/office/drawing/2010/main" xmlns="" w="9525">
+                  <a14:hiddenLine xmlns="" xmlns:a14="http://schemas.microsoft.com/office/drawing/2010/main" w="9525">
                     <a:solidFill>
                       <a:srgbClr val="000000"/>
                     </a:solidFill>
@@ -12026,7 +12031,7 @@
           <a:p>
             <a:fld id="{EEF8A2C3-4F61-4362-8260-30DF30FFD1D5}" type="datetimeFigureOut">
               <a:rPr lang="en-SG" smtClean="0"/>
-              <a:t>28/6/2017</a:t>
+              <a:t>30/6/2017</a:t>
             </a:fld>
             <a:endParaRPr lang="en-SG"/>
           </a:p>
@@ -13030,19 +13035,19 @@
           <a:p>
             <a:r>
               <a:rPr lang="en-SG" dirty="0"/>
-              <a:t>Active Learning Institute had launched an online registration and management system in 2016. It was hosted on Microsoft Azure VM (IaaS) with localhost SQL database. </a:t>
+              <a:t>Active Learning Institute had launched an e-learning system in 2016. It was hosted on Microsoft Azure VM (IaaS) with localhost SQL database. </a:t>
             </a:r>
           </a:p>
           <a:p>
             <a:r>
               <a:rPr lang="en-SG" dirty="0"/>
-              <a:t>It was noticed that some of the courses had very high demand and students had to spent at least 10 minutes to complete the registration or get notified the desired course was fully enrolled, due to the long loading time of the pages. Some students had also feedback that they had encountered page cannot display message in their internet browsers.</a:t>
+              <a:t>It was noticed that some of the courses had very high demand and students had to spent at least 2 minutes to login the system and also had difficulties downloading the course materials and watch videos due to the long loading time of the pages. Some students had also feedback that they had encountered page cannot display message in their internet browsers.</a:t>
             </a:r>
           </a:p>
           <a:p>
             <a:r>
               <a:rPr lang="en-SG" dirty="0"/>
-              <a:t>Considering the high demand of some courses last year, the management of the institute has decided to open multiple concurrent sessions for the most popular courses this year. The online registration will be open on 1 July. </a:t>
+              <a:t>Considering the high demand last year, the management of the institute has decided to open multiple concurrent sessions for the most popular courses this year. The online registration will be open on 1 July. </a:t>
             </a:r>
           </a:p>
           <a:p>

--- a/Doc/Active Learning on the Cloud - PT4.pptx
+++ b/Doc/Active Learning on the Cloud - PT4.pptx
@@ -7,16 +7,12 @@
   <p:sldIdLst>
     <p:sldId id="256" r:id="rId2"/>
     <p:sldId id="257" r:id="rId3"/>
-    <p:sldId id="258" r:id="rId4"/>
-    <p:sldId id="259" r:id="rId5"/>
-    <p:sldId id="267" r:id="rId6"/>
-    <p:sldId id="260" r:id="rId7"/>
-    <p:sldId id="261" r:id="rId8"/>
-    <p:sldId id="262" r:id="rId9"/>
-    <p:sldId id="265" r:id="rId10"/>
-    <p:sldId id="266" r:id="rId11"/>
-    <p:sldId id="263" r:id="rId12"/>
-    <p:sldId id="264" r:id="rId13"/>
+    <p:sldId id="267" r:id="rId4"/>
+    <p:sldId id="260" r:id="rId5"/>
+    <p:sldId id="262" r:id="rId6"/>
+    <p:sldId id="266" r:id="rId7"/>
+    <p:sldId id="263" r:id="rId8"/>
+    <p:sldId id="264" r:id="rId9"/>
   </p:sldIdLst>
   <p:sldSz cx="12192000" cy="6858000"/>
   <p:notesSz cx="6858000" cy="9144000"/>
@@ -177,7 +173,7 @@
           <a:noFill/>
           <a:extLst>
             <a:ext uri="{909E8E84-426E-40dd-AFC4-6F175D3DCCD1}">
-              <a14:hiddenFill xmlns="" xmlns:a14="http://schemas.microsoft.com/office/drawing/2010/main">
+              <a14:hiddenFill xmlns:a14="http://schemas.microsoft.com/office/drawing/2010/main" xmlns="">
                 <a:solidFill>
                   <a:srgbClr val="FFFFFF"/>
                 </a:solidFill>
@@ -237,7 +233,7 @@
             </a:ln>
             <a:extLst>
               <a:ext uri="{91240B29-F687-4f45-9708-019B960494DF}">
-                <a14:hiddenLine xmlns="" xmlns:a14="http://schemas.microsoft.com/office/drawing/2010/main" w="9525">
+                <a14:hiddenLine xmlns:a14="http://schemas.microsoft.com/office/drawing/2010/main" xmlns="" w="9525">
                   <a:solidFill>
                     <a:srgbClr val="000000"/>
                   </a:solidFill>
@@ -327,7 +323,7 @@
             </a:ln>
             <a:extLst>
               <a:ext uri="{91240B29-F687-4f45-9708-019B960494DF}">
-                <a14:hiddenLine xmlns="" xmlns:a14="http://schemas.microsoft.com/office/drawing/2010/main" w="9525">
+                <a14:hiddenLine xmlns:a14="http://schemas.microsoft.com/office/drawing/2010/main" xmlns="" w="9525">
                   <a:solidFill>
                     <a:srgbClr val="000000"/>
                   </a:solidFill>
@@ -417,7 +413,7 @@
             </a:ln>
             <a:extLst>
               <a:ext uri="{91240B29-F687-4f45-9708-019B960494DF}">
-                <a14:hiddenLine xmlns="" xmlns:a14="http://schemas.microsoft.com/office/drawing/2010/main" w="9525">
+                <a14:hiddenLine xmlns:a14="http://schemas.microsoft.com/office/drawing/2010/main" xmlns="" w="9525">
                   <a:solidFill>
                     <a:srgbClr val="000000"/>
                   </a:solidFill>
@@ -451,7 +447,7 @@
             </a:ln>
             <a:extLst>
               <a:ext uri="{91240B29-F687-4f45-9708-019B960494DF}">
-                <a14:hiddenLine xmlns="" xmlns:a14="http://schemas.microsoft.com/office/drawing/2010/main" w="9525">
+                <a14:hiddenLine xmlns:a14="http://schemas.microsoft.com/office/drawing/2010/main" xmlns="" w="9525">
                   <a:solidFill>
                     <a:srgbClr val="000000"/>
                   </a:solidFill>
@@ -541,7 +537,7 @@
             </a:ln>
             <a:extLst>
               <a:ext uri="{91240B29-F687-4f45-9708-019B960494DF}">
-                <a14:hiddenLine xmlns="" xmlns:a14="http://schemas.microsoft.com/office/drawing/2010/main" w="9525">
+                <a14:hiddenLine xmlns:a14="http://schemas.microsoft.com/office/drawing/2010/main" xmlns="" w="9525">
                   <a:solidFill>
                     <a:srgbClr val="000000"/>
                   </a:solidFill>
@@ -603,7 +599,7 @@
             </a:ln>
             <a:extLst>
               <a:ext uri="{91240B29-F687-4f45-9708-019B960494DF}">
-                <a14:hiddenLine xmlns="" xmlns:a14="http://schemas.microsoft.com/office/drawing/2010/main" w="9525">
+                <a14:hiddenLine xmlns:a14="http://schemas.microsoft.com/office/drawing/2010/main" xmlns="" w="9525">
                   <a:solidFill>
                     <a:srgbClr val="000000"/>
                   </a:solidFill>
@@ -665,7 +661,7 @@
             </a:ln>
             <a:extLst>
               <a:ext uri="{91240B29-F687-4f45-9708-019B960494DF}">
-                <a14:hiddenLine xmlns="" xmlns:a14="http://schemas.microsoft.com/office/drawing/2010/main" w="9525">
+                <a14:hiddenLine xmlns:a14="http://schemas.microsoft.com/office/drawing/2010/main" xmlns="" w="9525">
                   <a:solidFill>
                     <a:srgbClr val="000000"/>
                   </a:solidFill>
@@ -755,7 +751,7 @@
             </a:ln>
             <a:extLst>
               <a:ext uri="{91240B29-F687-4f45-9708-019B960494DF}">
-                <a14:hiddenLine xmlns="" xmlns:a14="http://schemas.microsoft.com/office/drawing/2010/main" w="9525">
+                <a14:hiddenLine xmlns:a14="http://schemas.microsoft.com/office/drawing/2010/main" xmlns="" w="9525">
                   <a:solidFill>
                     <a:srgbClr val="000000"/>
                   </a:solidFill>
@@ -817,7 +813,7 @@
             </a:ln>
             <a:extLst>
               <a:ext uri="{91240B29-F687-4f45-9708-019B960494DF}">
-                <a14:hiddenLine xmlns="" xmlns:a14="http://schemas.microsoft.com/office/drawing/2010/main" w="9525">
+                <a14:hiddenLine xmlns:a14="http://schemas.microsoft.com/office/drawing/2010/main" xmlns="" w="9525">
                   <a:solidFill>
                     <a:srgbClr val="000000"/>
                   </a:solidFill>
@@ -879,7 +875,7 @@
             </a:ln>
             <a:extLst>
               <a:ext uri="{91240B29-F687-4f45-9708-019B960494DF}">
-                <a14:hiddenLine xmlns="" xmlns:a14="http://schemas.microsoft.com/office/drawing/2010/main" w="9525">
+                <a14:hiddenLine xmlns:a14="http://schemas.microsoft.com/office/drawing/2010/main" xmlns="" w="9525">
                   <a:solidFill>
                     <a:srgbClr val="000000"/>
                   </a:solidFill>
@@ -969,7 +965,7 @@
             </a:ln>
             <a:extLst>
               <a:ext uri="{91240B29-F687-4f45-9708-019B960494DF}">
-                <a14:hiddenLine xmlns="" xmlns:a14="http://schemas.microsoft.com/office/drawing/2010/main" w="9525">
+                <a14:hiddenLine xmlns:a14="http://schemas.microsoft.com/office/drawing/2010/main" xmlns="" w="9525">
                   <a:solidFill>
                     <a:srgbClr val="000000"/>
                   </a:solidFill>
@@ -1059,7 +1055,7 @@
             </a:ln>
             <a:extLst>
               <a:ext uri="{91240B29-F687-4f45-9708-019B960494DF}">
-                <a14:hiddenLine xmlns="" xmlns:a14="http://schemas.microsoft.com/office/drawing/2010/main" w="9525">
+                <a14:hiddenLine xmlns:a14="http://schemas.microsoft.com/office/drawing/2010/main" xmlns="" w="9525">
                   <a:solidFill>
                     <a:srgbClr val="000000"/>
                   </a:solidFill>
@@ -1121,7 +1117,7 @@
             </a:ln>
             <a:extLst>
               <a:ext uri="{91240B29-F687-4f45-9708-019B960494DF}">
-                <a14:hiddenLine xmlns="" xmlns:a14="http://schemas.microsoft.com/office/drawing/2010/main" w="9525">
+                <a14:hiddenLine xmlns:a14="http://schemas.microsoft.com/office/drawing/2010/main" xmlns="" w="9525">
                   <a:solidFill>
                     <a:srgbClr val="000000"/>
                   </a:solidFill>
@@ -1231,7 +1227,7 @@
             </a:ln>
             <a:extLst>
               <a:ext uri="{91240B29-F687-4f45-9708-019B960494DF}">
-                <a14:hiddenLine xmlns="" xmlns:a14="http://schemas.microsoft.com/office/drawing/2010/main" w="9525">
+                <a14:hiddenLine xmlns:a14="http://schemas.microsoft.com/office/drawing/2010/main" xmlns="" w="9525">
                   <a:solidFill>
                     <a:srgbClr val="000000"/>
                   </a:solidFill>
@@ -1293,7 +1289,7 @@
             </a:ln>
             <a:extLst>
               <a:ext uri="{91240B29-F687-4f45-9708-019B960494DF}">
-                <a14:hiddenLine xmlns="" xmlns:a14="http://schemas.microsoft.com/office/drawing/2010/main" w="9525">
+                <a14:hiddenLine xmlns:a14="http://schemas.microsoft.com/office/drawing/2010/main" xmlns="" w="9525">
                   <a:solidFill>
                     <a:srgbClr val="000000"/>
                   </a:solidFill>
@@ -1383,7 +1379,7 @@
             </a:ln>
             <a:extLst>
               <a:ext uri="{91240B29-F687-4f45-9708-019B960494DF}">
-                <a14:hiddenLine xmlns="" xmlns:a14="http://schemas.microsoft.com/office/drawing/2010/main" w="9525">
+                <a14:hiddenLine xmlns:a14="http://schemas.microsoft.com/office/drawing/2010/main" xmlns="" w="9525">
                   <a:solidFill>
                     <a:srgbClr val="000000"/>
                   </a:solidFill>
@@ -1473,7 +1469,7 @@
             </a:ln>
             <a:extLst>
               <a:ext uri="{91240B29-F687-4f45-9708-019B960494DF}">
-                <a14:hiddenLine xmlns="" xmlns:a14="http://schemas.microsoft.com/office/drawing/2010/main" w="9525">
+                <a14:hiddenLine xmlns:a14="http://schemas.microsoft.com/office/drawing/2010/main" xmlns="" w="9525">
                   <a:solidFill>
                     <a:srgbClr val="000000"/>
                   </a:solidFill>
@@ -1535,7 +1531,7 @@
             </a:ln>
             <a:extLst>
               <a:ext uri="{91240B29-F687-4f45-9708-019B960494DF}">
-                <a14:hiddenLine xmlns="" xmlns:a14="http://schemas.microsoft.com/office/drawing/2010/main" w="9525">
+                <a14:hiddenLine xmlns:a14="http://schemas.microsoft.com/office/drawing/2010/main" xmlns="" w="9525">
                   <a:solidFill>
                     <a:srgbClr val="000000"/>
                   </a:solidFill>
@@ -1625,7 +1621,7 @@
             </a:ln>
             <a:extLst>
               <a:ext uri="{91240B29-F687-4f45-9708-019B960494DF}">
-                <a14:hiddenLine xmlns="" xmlns:a14="http://schemas.microsoft.com/office/drawing/2010/main" w="9525">
+                <a14:hiddenLine xmlns:a14="http://schemas.microsoft.com/office/drawing/2010/main" xmlns="" w="9525">
                   <a:solidFill>
                     <a:srgbClr val="000000"/>
                   </a:solidFill>
@@ -1715,7 +1711,7 @@
             </a:ln>
             <a:extLst>
               <a:ext uri="{91240B29-F687-4f45-9708-019B960494DF}">
-                <a14:hiddenLine xmlns="" xmlns:a14="http://schemas.microsoft.com/office/drawing/2010/main" w="9525">
+                <a14:hiddenLine xmlns:a14="http://schemas.microsoft.com/office/drawing/2010/main" xmlns="" w="9525">
                   <a:solidFill>
                     <a:srgbClr val="000000"/>
                   </a:solidFill>
@@ -1771,7 +1767,7 @@
             </a:ln>
             <a:extLst>
               <a:ext uri="{91240B29-F687-4f45-9708-019B960494DF}">
-                <a14:hiddenLine xmlns="" xmlns:a14="http://schemas.microsoft.com/office/drawing/2010/main" w="9525">
+                <a14:hiddenLine xmlns:a14="http://schemas.microsoft.com/office/drawing/2010/main" xmlns="" w="9525">
                   <a:solidFill>
                     <a:srgbClr val="000000"/>
                   </a:solidFill>
@@ -1861,7 +1857,7 @@
             </a:ln>
             <a:extLst>
               <a:ext uri="{91240B29-F687-4f45-9708-019B960494DF}">
-                <a14:hiddenLine xmlns="" xmlns:a14="http://schemas.microsoft.com/office/drawing/2010/main" w="9525">
+                <a14:hiddenLine xmlns:a14="http://schemas.microsoft.com/office/drawing/2010/main" xmlns="" w="9525">
                   <a:solidFill>
                     <a:srgbClr val="000000"/>
                   </a:solidFill>
@@ -1917,7 +1913,7 @@
             </a:ln>
             <a:extLst>
               <a:ext uri="{91240B29-F687-4f45-9708-019B960494DF}">
-                <a14:hiddenLine xmlns="" xmlns:a14="http://schemas.microsoft.com/office/drawing/2010/main" w="9525">
+                <a14:hiddenLine xmlns:a14="http://schemas.microsoft.com/office/drawing/2010/main" xmlns="" w="9525">
                   <a:solidFill>
                     <a:srgbClr val="000000"/>
                   </a:solidFill>
@@ -2007,7 +2003,7 @@
             </a:ln>
             <a:extLst>
               <a:ext uri="{91240B29-F687-4f45-9708-019B960494DF}">
-                <a14:hiddenLine xmlns="" xmlns:a14="http://schemas.microsoft.com/office/drawing/2010/main" w="9525">
+                <a14:hiddenLine xmlns:a14="http://schemas.microsoft.com/office/drawing/2010/main" xmlns="" w="9525">
                   <a:solidFill>
                     <a:srgbClr val="000000"/>
                   </a:solidFill>
@@ -2075,7 +2071,7 @@
             </a:ln>
             <a:extLst>
               <a:ext uri="{91240B29-F687-4f45-9708-019B960494DF}">
-                <a14:hiddenLine xmlns="" xmlns:a14="http://schemas.microsoft.com/office/drawing/2010/main" w="9525">
+                <a14:hiddenLine xmlns:a14="http://schemas.microsoft.com/office/drawing/2010/main" xmlns="" w="9525">
                   <a:solidFill>
                     <a:srgbClr val="000000"/>
                   </a:solidFill>
@@ -2165,7 +2161,7 @@
             </a:ln>
             <a:extLst>
               <a:ext uri="{91240B29-F687-4f45-9708-019B960494DF}">
-                <a14:hiddenLine xmlns="" xmlns:a14="http://schemas.microsoft.com/office/drawing/2010/main" w="9525">
+                <a14:hiddenLine xmlns:a14="http://schemas.microsoft.com/office/drawing/2010/main" xmlns="" w="9525">
                   <a:solidFill>
                     <a:srgbClr val="000000"/>
                   </a:solidFill>
@@ -2233,7 +2229,7 @@
             </a:ln>
             <a:extLst>
               <a:ext uri="{91240B29-F687-4f45-9708-019B960494DF}">
-                <a14:hiddenLine xmlns="" xmlns:a14="http://schemas.microsoft.com/office/drawing/2010/main" w="9525">
+                <a14:hiddenLine xmlns:a14="http://schemas.microsoft.com/office/drawing/2010/main" xmlns="" w="9525">
                   <a:solidFill>
                     <a:srgbClr val="000000"/>
                   </a:solidFill>
@@ -2323,7 +2319,7 @@
             </a:ln>
             <a:extLst>
               <a:ext uri="{91240B29-F687-4f45-9708-019B960494DF}">
-                <a14:hiddenLine xmlns="" xmlns:a14="http://schemas.microsoft.com/office/drawing/2010/main" w="9525">
+                <a14:hiddenLine xmlns:a14="http://schemas.microsoft.com/office/drawing/2010/main" xmlns="" w="9525">
                   <a:solidFill>
                     <a:srgbClr val="000000"/>
                   </a:solidFill>
@@ -2357,7 +2353,7 @@
             </a:ln>
             <a:extLst>
               <a:ext uri="{91240B29-F687-4f45-9708-019B960494DF}">
-                <a14:hiddenLine xmlns="" xmlns:a14="http://schemas.microsoft.com/office/drawing/2010/main" w="9525">
+                <a14:hiddenLine xmlns:a14="http://schemas.microsoft.com/office/drawing/2010/main" xmlns="" w="9525">
                   <a:solidFill>
                     <a:srgbClr val="000000"/>
                   </a:solidFill>
@@ -2447,7 +2443,7 @@
             </a:ln>
             <a:extLst>
               <a:ext uri="{91240B29-F687-4f45-9708-019B960494DF}">
-                <a14:hiddenLine xmlns="" xmlns:a14="http://schemas.microsoft.com/office/drawing/2010/main" w="9525">
+                <a14:hiddenLine xmlns:a14="http://schemas.microsoft.com/office/drawing/2010/main" xmlns="" w="9525">
                   <a:solidFill>
                     <a:srgbClr val="000000"/>
                   </a:solidFill>
@@ -2509,7 +2505,7 @@
             </a:ln>
             <a:extLst>
               <a:ext uri="{91240B29-F687-4f45-9708-019B960494DF}">
-                <a14:hiddenLine xmlns="" xmlns:a14="http://schemas.microsoft.com/office/drawing/2010/main" w="9525">
+                <a14:hiddenLine xmlns:a14="http://schemas.microsoft.com/office/drawing/2010/main" xmlns="" w="9525">
                   <a:solidFill>
                     <a:srgbClr val="000000"/>
                   </a:solidFill>
@@ -2571,7 +2567,7 @@
             </a:ln>
             <a:extLst>
               <a:ext uri="{91240B29-F687-4f45-9708-019B960494DF}">
-                <a14:hiddenLine xmlns="" xmlns:a14="http://schemas.microsoft.com/office/drawing/2010/main" w="9525">
+                <a14:hiddenLine xmlns:a14="http://schemas.microsoft.com/office/drawing/2010/main" xmlns="" w="9525">
                   <a:solidFill>
                     <a:srgbClr val="000000"/>
                   </a:solidFill>
@@ -2661,7 +2657,7 @@
             </a:ln>
             <a:extLst>
               <a:ext uri="{91240B29-F687-4f45-9708-019B960494DF}">
-                <a14:hiddenLine xmlns="" xmlns:a14="http://schemas.microsoft.com/office/drawing/2010/main" w="9525">
+                <a14:hiddenLine xmlns:a14="http://schemas.microsoft.com/office/drawing/2010/main" xmlns="" w="9525">
                   <a:solidFill>
                     <a:srgbClr val="000000"/>
                   </a:solidFill>
@@ -2729,7 +2725,7 @@
             </a:ln>
             <a:extLst>
               <a:ext uri="{91240B29-F687-4f45-9708-019B960494DF}">
-                <a14:hiddenLine xmlns="" xmlns:a14="http://schemas.microsoft.com/office/drawing/2010/main" w="9525">
+                <a14:hiddenLine xmlns:a14="http://schemas.microsoft.com/office/drawing/2010/main" xmlns="" w="9525">
                   <a:solidFill>
                     <a:srgbClr val="000000"/>
                   </a:solidFill>
@@ -2791,7 +2787,7 @@
             </a:ln>
             <a:extLst>
               <a:ext uri="{91240B29-F687-4f45-9708-019B960494DF}">
-                <a14:hiddenLine xmlns="" xmlns:a14="http://schemas.microsoft.com/office/drawing/2010/main" w="9525">
+                <a14:hiddenLine xmlns:a14="http://schemas.microsoft.com/office/drawing/2010/main" xmlns="" w="9525">
                   <a:solidFill>
                     <a:srgbClr val="000000"/>
                   </a:solidFill>
@@ -2881,7 +2877,7 @@
             </a:ln>
             <a:extLst>
               <a:ext uri="{91240B29-F687-4f45-9708-019B960494DF}">
-                <a14:hiddenLine xmlns="" xmlns:a14="http://schemas.microsoft.com/office/drawing/2010/main" w="9525">
+                <a14:hiddenLine xmlns:a14="http://schemas.microsoft.com/office/drawing/2010/main" xmlns="" w="9525">
                   <a:solidFill>
                     <a:srgbClr val="000000"/>
                   </a:solidFill>
@@ -2943,7 +2939,7 @@
             </a:ln>
             <a:extLst>
               <a:ext uri="{91240B29-F687-4f45-9708-019B960494DF}">
-                <a14:hiddenLine xmlns="" xmlns:a14="http://schemas.microsoft.com/office/drawing/2010/main" w="9525">
+                <a14:hiddenLine xmlns:a14="http://schemas.microsoft.com/office/drawing/2010/main" xmlns="" w="9525">
                   <a:solidFill>
                     <a:srgbClr val="000000"/>
                   </a:solidFill>
@@ -3033,7 +3029,7 @@
             </a:ln>
             <a:extLst>
               <a:ext uri="{91240B29-F687-4f45-9708-019B960494DF}">
-                <a14:hiddenLine xmlns="" xmlns:a14="http://schemas.microsoft.com/office/drawing/2010/main" w="9525">
+                <a14:hiddenLine xmlns:a14="http://schemas.microsoft.com/office/drawing/2010/main" xmlns="" w="9525">
                   <a:solidFill>
                     <a:srgbClr val="000000"/>
                   </a:solidFill>
@@ -3095,7 +3091,7 @@
             </a:ln>
             <a:extLst>
               <a:ext uri="{91240B29-F687-4f45-9708-019B960494DF}">
-                <a14:hiddenLine xmlns="" xmlns:a14="http://schemas.microsoft.com/office/drawing/2010/main" w="9525">
+                <a14:hiddenLine xmlns:a14="http://schemas.microsoft.com/office/drawing/2010/main" xmlns="" w="9525">
                   <a:solidFill>
                     <a:srgbClr val="000000"/>
                   </a:solidFill>
@@ -3185,7 +3181,7 @@
             </a:ln>
             <a:extLst>
               <a:ext uri="{91240B29-F687-4f45-9708-019B960494DF}">
-                <a14:hiddenLine xmlns="" xmlns:a14="http://schemas.microsoft.com/office/drawing/2010/main" w="9525">
+                <a14:hiddenLine xmlns:a14="http://schemas.microsoft.com/office/drawing/2010/main" xmlns="" w="9525">
                   <a:solidFill>
                     <a:srgbClr val="000000"/>
                   </a:solidFill>
@@ -3219,7 +3215,7 @@
             </a:ln>
             <a:extLst>
               <a:ext uri="{91240B29-F687-4f45-9708-019B960494DF}">
-                <a14:hiddenLine xmlns="" xmlns:a14="http://schemas.microsoft.com/office/drawing/2010/main" w="9525">
+                <a14:hiddenLine xmlns:a14="http://schemas.microsoft.com/office/drawing/2010/main" xmlns="" w="9525">
                   <a:solidFill>
                     <a:srgbClr val="000000"/>
                   </a:solidFill>
@@ -3284,7 +3280,7 @@
             </a:ln>
             <a:extLst>
               <a:ext uri="{91240B29-F687-4f45-9708-019B960494DF}">
-                <a14:hiddenLine xmlns="" xmlns:a14="http://schemas.microsoft.com/office/drawing/2010/main" w="9525">
+                <a14:hiddenLine xmlns:a14="http://schemas.microsoft.com/office/drawing/2010/main" xmlns="" w="9525">
                   <a:solidFill>
                     <a:srgbClr val="000000"/>
                   </a:solidFill>
@@ -3374,7 +3370,7 @@
             </a:ln>
             <a:extLst>
               <a:ext uri="{91240B29-F687-4f45-9708-019B960494DF}">
-                <a14:hiddenLine xmlns="" xmlns:a14="http://schemas.microsoft.com/office/drawing/2010/main" w="9525">
+                <a14:hiddenLine xmlns:a14="http://schemas.microsoft.com/office/drawing/2010/main" xmlns="" w="9525">
                   <a:solidFill>
                     <a:srgbClr val="000000"/>
                   </a:solidFill>
@@ -3436,7 +3432,7 @@
             </a:ln>
             <a:extLst>
               <a:ext uri="{91240B29-F687-4f45-9708-019B960494DF}">
-                <a14:hiddenLine xmlns="" xmlns:a14="http://schemas.microsoft.com/office/drawing/2010/main" w="9525">
+                <a14:hiddenLine xmlns:a14="http://schemas.microsoft.com/office/drawing/2010/main" xmlns="" w="9525">
                   <a:solidFill>
                     <a:srgbClr val="000000"/>
                   </a:solidFill>
@@ -3526,7 +3522,7 @@
             </a:ln>
             <a:extLst>
               <a:ext uri="{91240B29-F687-4f45-9708-019B960494DF}">
-                <a14:hiddenLine xmlns="" xmlns:a14="http://schemas.microsoft.com/office/drawing/2010/main" w="9525">
+                <a14:hiddenLine xmlns:a14="http://schemas.microsoft.com/office/drawing/2010/main" xmlns="" w="9525">
                   <a:solidFill>
                     <a:srgbClr val="000000"/>
                   </a:solidFill>
@@ -3616,7 +3612,7 @@
             </a:ln>
             <a:extLst>
               <a:ext uri="{91240B29-F687-4f45-9708-019B960494DF}">
-                <a14:hiddenLine xmlns="" xmlns:a14="http://schemas.microsoft.com/office/drawing/2010/main" w="9525">
+                <a14:hiddenLine xmlns:a14="http://schemas.microsoft.com/office/drawing/2010/main" xmlns="" w="9525">
                   <a:solidFill>
                     <a:srgbClr val="000000"/>
                   </a:solidFill>
@@ -3681,7 +3677,7 @@
             </a:ln>
             <a:extLst>
               <a:ext uri="{91240B29-F687-4f45-9708-019B960494DF}">
-                <a14:hiddenLine xmlns="" xmlns:a14="http://schemas.microsoft.com/office/drawing/2010/main" w="9525">
+                <a14:hiddenLine xmlns:a14="http://schemas.microsoft.com/office/drawing/2010/main" xmlns="" w="9525">
                   <a:solidFill>
                     <a:srgbClr val="000000"/>
                   </a:solidFill>
@@ -3743,7 +3739,7 @@
             </a:ln>
             <a:extLst>
               <a:ext uri="{91240B29-F687-4f45-9708-019B960494DF}">
-                <a14:hiddenLine xmlns="" xmlns:a14="http://schemas.microsoft.com/office/drawing/2010/main" w="9525">
+                <a14:hiddenLine xmlns:a14="http://schemas.microsoft.com/office/drawing/2010/main" xmlns="" w="9525">
                   <a:solidFill>
                     <a:srgbClr val="000000"/>
                   </a:solidFill>
@@ -3833,7 +3829,7 @@
             </a:ln>
             <a:extLst>
               <a:ext uri="{91240B29-F687-4f45-9708-019B960494DF}">
-                <a14:hiddenLine xmlns="" xmlns:a14="http://schemas.microsoft.com/office/drawing/2010/main" w="9525">
+                <a14:hiddenLine xmlns:a14="http://schemas.microsoft.com/office/drawing/2010/main" xmlns="" w="9525">
                   <a:solidFill>
                     <a:srgbClr val="000000"/>
                   </a:solidFill>
@@ -3923,7 +3919,7 @@
             </a:ln>
             <a:extLst>
               <a:ext uri="{91240B29-F687-4f45-9708-019B960494DF}">
-                <a14:hiddenLine xmlns="" xmlns:a14="http://schemas.microsoft.com/office/drawing/2010/main" w="9525">
+                <a14:hiddenLine xmlns:a14="http://schemas.microsoft.com/office/drawing/2010/main" xmlns="" w="9525">
                   <a:solidFill>
                     <a:srgbClr val="000000"/>
                   </a:solidFill>
@@ -3985,7 +3981,7 @@
             </a:ln>
             <a:extLst>
               <a:ext uri="{91240B29-F687-4f45-9708-019B960494DF}">
-                <a14:hiddenLine xmlns="" xmlns:a14="http://schemas.microsoft.com/office/drawing/2010/main" w="9525">
+                <a14:hiddenLine xmlns:a14="http://schemas.microsoft.com/office/drawing/2010/main" xmlns="" w="9525">
                   <a:solidFill>
                     <a:srgbClr val="000000"/>
                   </a:solidFill>
@@ -4105,7 +4101,7 @@
             </a:ln>
             <a:extLst>
               <a:ext uri="{91240B29-F687-4f45-9708-019B960494DF}">
-                <a14:hiddenLine xmlns="" xmlns:a14="http://schemas.microsoft.com/office/drawing/2010/main" w="9525">
+                <a14:hiddenLine xmlns:a14="http://schemas.microsoft.com/office/drawing/2010/main" xmlns="" w="9525">
                   <a:solidFill>
                     <a:srgbClr val="000000"/>
                   </a:solidFill>
@@ -4173,7 +4169,7 @@
             </a:ln>
             <a:extLst>
               <a:ext uri="{91240B29-F687-4f45-9708-019B960494DF}">
-                <a14:hiddenLine xmlns="" xmlns:a14="http://schemas.microsoft.com/office/drawing/2010/main" w="9525">
+                <a14:hiddenLine xmlns:a14="http://schemas.microsoft.com/office/drawing/2010/main" xmlns="" w="9525">
                   <a:solidFill>
                     <a:srgbClr val="000000"/>
                   </a:solidFill>
@@ -4263,7 +4259,7 @@
             </a:ln>
             <a:extLst>
               <a:ext uri="{91240B29-F687-4f45-9708-019B960494DF}">
-                <a14:hiddenLine xmlns="" xmlns:a14="http://schemas.microsoft.com/office/drawing/2010/main" w="9525">
+                <a14:hiddenLine xmlns:a14="http://schemas.microsoft.com/office/drawing/2010/main" xmlns="" w="9525">
                   <a:solidFill>
                     <a:srgbClr val="000000"/>
                   </a:solidFill>
@@ -9070,7 +9066,7 @@
           <a:noFill/>
           <a:extLst>
             <a:ext uri="{909E8E84-426E-40dd-AFC4-6F175D3DCCD1}">
-              <a14:hiddenFill xmlns="" xmlns:a14="http://schemas.microsoft.com/office/drawing/2010/main">
+              <a14:hiddenFill xmlns:a14="http://schemas.microsoft.com/office/drawing/2010/main" xmlns="">
                 <a:solidFill>
                   <a:srgbClr val="FFFFFF"/>
                 </a:solidFill>
@@ -9144,7 +9140,7 @@
               </a:ln>
               <a:extLst>
                 <a:ext uri="{91240B29-F687-4f45-9708-019B960494DF}">
-                  <a14:hiddenLine xmlns="" xmlns:a14="http://schemas.microsoft.com/office/drawing/2010/main" w="9525">
+                  <a14:hiddenLine xmlns:a14="http://schemas.microsoft.com/office/drawing/2010/main" xmlns="" w="9525">
                     <a:solidFill>
                       <a:srgbClr val="000000"/>
                     </a:solidFill>
@@ -9234,7 +9230,7 @@
               </a:ln>
               <a:extLst>
                 <a:ext uri="{91240B29-F687-4f45-9708-019B960494DF}">
-                  <a14:hiddenLine xmlns="" xmlns:a14="http://schemas.microsoft.com/office/drawing/2010/main" w="9525">
+                  <a14:hiddenLine xmlns:a14="http://schemas.microsoft.com/office/drawing/2010/main" xmlns="" w="9525">
                     <a:solidFill>
                       <a:srgbClr val="000000"/>
                     </a:solidFill>
@@ -9324,7 +9320,7 @@
               </a:ln>
               <a:extLst>
                 <a:ext uri="{91240B29-F687-4f45-9708-019B960494DF}">
-                  <a14:hiddenLine xmlns="" xmlns:a14="http://schemas.microsoft.com/office/drawing/2010/main" w="9525">
+                  <a14:hiddenLine xmlns:a14="http://schemas.microsoft.com/office/drawing/2010/main" xmlns="" w="9525">
                     <a:solidFill>
                       <a:srgbClr val="000000"/>
                     </a:solidFill>
@@ -9386,7 +9382,7 @@
               </a:ln>
               <a:extLst>
                 <a:ext uri="{91240B29-F687-4f45-9708-019B960494DF}">
-                  <a14:hiddenLine xmlns="" xmlns:a14="http://schemas.microsoft.com/office/drawing/2010/main" w="9525">
+                  <a14:hiddenLine xmlns:a14="http://schemas.microsoft.com/office/drawing/2010/main" xmlns="" w="9525">
                     <a:solidFill>
                       <a:srgbClr val="000000"/>
                     </a:solidFill>
@@ -9476,7 +9472,7 @@
               </a:ln>
               <a:extLst>
                 <a:ext uri="{91240B29-F687-4f45-9708-019B960494DF}">
-                  <a14:hiddenLine xmlns="" xmlns:a14="http://schemas.microsoft.com/office/drawing/2010/main" w="9525">
+                  <a14:hiddenLine xmlns:a14="http://schemas.microsoft.com/office/drawing/2010/main" xmlns="" w="9525">
                     <a:solidFill>
                       <a:srgbClr val="000000"/>
                     </a:solidFill>
@@ -9538,7 +9534,7 @@
               </a:ln>
               <a:extLst>
                 <a:ext uri="{91240B29-F687-4f45-9708-019B960494DF}">
-                  <a14:hiddenLine xmlns="" xmlns:a14="http://schemas.microsoft.com/office/drawing/2010/main" w="9525">
+                  <a14:hiddenLine xmlns:a14="http://schemas.microsoft.com/office/drawing/2010/main" xmlns="" w="9525">
                     <a:solidFill>
                       <a:srgbClr val="000000"/>
                     </a:solidFill>
@@ -9600,7 +9596,7 @@
               </a:ln>
               <a:extLst>
                 <a:ext uri="{91240B29-F687-4f45-9708-019B960494DF}">
-                  <a14:hiddenLine xmlns="" xmlns:a14="http://schemas.microsoft.com/office/drawing/2010/main" w="9525">
+                  <a14:hiddenLine xmlns:a14="http://schemas.microsoft.com/office/drawing/2010/main" xmlns="" w="9525">
                     <a:solidFill>
                       <a:srgbClr val="000000"/>
                     </a:solidFill>
@@ -9690,7 +9686,7 @@
               </a:ln>
               <a:extLst>
                 <a:ext uri="{91240B29-F687-4f45-9708-019B960494DF}">
-                  <a14:hiddenLine xmlns="" xmlns:a14="http://schemas.microsoft.com/office/drawing/2010/main" w="9525">
+                  <a14:hiddenLine xmlns:a14="http://schemas.microsoft.com/office/drawing/2010/main" xmlns="" w="9525">
                     <a:solidFill>
                       <a:srgbClr val="000000"/>
                     </a:solidFill>
@@ -9780,7 +9776,7 @@
               </a:ln>
               <a:extLst>
                 <a:ext uri="{91240B29-F687-4f45-9708-019B960494DF}">
-                  <a14:hiddenLine xmlns="" xmlns:a14="http://schemas.microsoft.com/office/drawing/2010/main" w="9525">
+                  <a14:hiddenLine xmlns:a14="http://schemas.microsoft.com/office/drawing/2010/main" xmlns="" w="9525">
                     <a:solidFill>
                       <a:srgbClr val="000000"/>
                     </a:solidFill>
@@ -9842,7 +9838,7 @@
               </a:ln>
               <a:extLst>
                 <a:ext uri="{91240B29-F687-4f45-9708-019B960494DF}">
-                  <a14:hiddenLine xmlns="" xmlns:a14="http://schemas.microsoft.com/office/drawing/2010/main" w="9525">
+                  <a14:hiddenLine xmlns:a14="http://schemas.microsoft.com/office/drawing/2010/main" xmlns="" w="9525">
                     <a:solidFill>
                       <a:srgbClr val="000000"/>
                     </a:solidFill>
@@ -9952,7 +9948,7 @@
               </a:ln>
               <a:extLst>
                 <a:ext uri="{91240B29-F687-4f45-9708-019B960494DF}">
-                  <a14:hiddenLine xmlns="" xmlns:a14="http://schemas.microsoft.com/office/drawing/2010/main" w="9525">
+                  <a14:hiddenLine xmlns:a14="http://schemas.microsoft.com/office/drawing/2010/main" xmlns="" w="9525">
                     <a:solidFill>
                       <a:srgbClr val="000000"/>
                     </a:solidFill>
@@ -10036,7 +10032,7 @@
               </a:ln>
               <a:extLst>
                 <a:ext uri="{91240B29-F687-4f45-9708-019B960494DF}">
-                  <a14:hiddenLine xmlns="" xmlns:a14="http://schemas.microsoft.com/office/drawing/2010/main" w="9525">
+                  <a14:hiddenLine xmlns:a14="http://schemas.microsoft.com/office/drawing/2010/main" xmlns="" w="9525">
                     <a:solidFill>
                       <a:srgbClr val="000000"/>
                     </a:solidFill>
@@ -10098,7 +10094,7 @@
               </a:ln>
               <a:extLst>
                 <a:ext uri="{91240B29-F687-4f45-9708-019B960494DF}">
-                  <a14:hiddenLine xmlns="" xmlns:a14="http://schemas.microsoft.com/office/drawing/2010/main" w="9525">
+                  <a14:hiddenLine xmlns:a14="http://schemas.microsoft.com/office/drawing/2010/main" xmlns="" w="9525">
                     <a:solidFill>
                       <a:srgbClr val="000000"/>
                     </a:solidFill>
@@ -10160,7 +10156,7 @@
               </a:ln>
               <a:extLst>
                 <a:ext uri="{91240B29-F687-4f45-9708-019B960494DF}">
-                  <a14:hiddenLine xmlns="" xmlns:a14="http://schemas.microsoft.com/office/drawing/2010/main" w="9525">
+                  <a14:hiddenLine xmlns:a14="http://schemas.microsoft.com/office/drawing/2010/main" xmlns="" w="9525">
                     <a:solidFill>
                       <a:srgbClr val="000000"/>
                     </a:solidFill>
@@ -10250,7 +10246,7 @@
               </a:ln>
               <a:extLst>
                 <a:ext uri="{91240B29-F687-4f45-9708-019B960494DF}">
-                  <a14:hiddenLine xmlns="" xmlns:a14="http://schemas.microsoft.com/office/drawing/2010/main" w="9525">
+                  <a14:hiddenLine xmlns:a14="http://schemas.microsoft.com/office/drawing/2010/main" xmlns="" w="9525">
                     <a:solidFill>
                       <a:srgbClr val="000000"/>
                     </a:solidFill>
@@ -10284,7 +10280,7 @@
               </a:ln>
               <a:extLst>
                 <a:ext uri="{91240B29-F687-4f45-9708-019B960494DF}">
-                  <a14:hiddenLine xmlns="" xmlns:a14="http://schemas.microsoft.com/office/drawing/2010/main" w="9525">
+                  <a14:hiddenLine xmlns:a14="http://schemas.microsoft.com/office/drawing/2010/main" xmlns="" w="9525">
                     <a:solidFill>
                       <a:srgbClr val="000000"/>
                     </a:solidFill>
@@ -10349,7 +10345,7 @@
               </a:ln>
               <a:extLst>
                 <a:ext uri="{91240B29-F687-4f45-9708-019B960494DF}">
-                  <a14:hiddenLine xmlns="" xmlns:a14="http://schemas.microsoft.com/office/drawing/2010/main" w="9525">
+                  <a14:hiddenLine xmlns:a14="http://schemas.microsoft.com/office/drawing/2010/main" xmlns="" w="9525">
                     <a:solidFill>
                       <a:srgbClr val="000000"/>
                     </a:solidFill>
@@ -10439,7 +10435,7 @@
               </a:ln>
               <a:extLst>
                 <a:ext uri="{91240B29-F687-4f45-9708-019B960494DF}">
-                  <a14:hiddenLine xmlns="" xmlns:a14="http://schemas.microsoft.com/office/drawing/2010/main" w="9525">
+                  <a14:hiddenLine xmlns:a14="http://schemas.microsoft.com/office/drawing/2010/main" xmlns="" w="9525">
                     <a:solidFill>
                       <a:srgbClr val="000000"/>
                     </a:solidFill>
@@ -10501,7 +10497,7 @@
               </a:ln>
               <a:extLst>
                 <a:ext uri="{91240B29-F687-4f45-9708-019B960494DF}">
-                  <a14:hiddenLine xmlns="" xmlns:a14="http://schemas.microsoft.com/office/drawing/2010/main" w="9525">
+                  <a14:hiddenLine xmlns:a14="http://schemas.microsoft.com/office/drawing/2010/main" xmlns="" w="9525">
                     <a:solidFill>
                       <a:srgbClr val="000000"/>
                     </a:solidFill>
@@ -10591,7 +10587,7 @@
               </a:ln>
               <a:extLst>
                 <a:ext uri="{91240B29-F687-4f45-9708-019B960494DF}">
-                  <a14:hiddenLine xmlns="" xmlns:a14="http://schemas.microsoft.com/office/drawing/2010/main" w="9525">
+                  <a14:hiddenLine xmlns:a14="http://schemas.microsoft.com/office/drawing/2010/main" xmlns="" w="9525">
                     <a:solidFill>
                       <a:srgbClr val="000000"/>
                     </a:solidFill>
@@ -10656,7 +10652,7 @@
               </a:ln>
               <a:extLst>
                 <a:ext uri="{91240B29-F687-4f45-9708-019B960494DF}">
-                  <a14:hiddenLine xmlns="" xmlns:a14="http://schemas.microsoft.com/office/drawing/2010/main" w="9525">
+                  <a14:hiddenLine xmlns:a14="http://schemas.microsoft.com/office/drawing/2010/main" xmlns="" w="9525">
                     <a:solidFill>
                       <a:srgbClr val="000000"/>
                     </a:solidFill>
@@ -10718,7 +10714,7 @@
               </a:ln>
               <a:extLst>
                 <a:ext uri="{91240B29-F687-4f45-9708-019B960494DF}">
-                  <a14:hiddenLine xmlns="" xmlns:a14="http://schemas.microsoft.com/office/drawing/2010/main" w="9525">
+                  <a14:hiddenLine xmlns:a14="http://schemas.microsoft.com/office/drawing/2010/main" xmlns="" w="9525">
                     <a:solidFill>
                       <a:srgbClr val="000000"/>
                     </a:solidFill>
@@ -10808,7 +10804,7 @@
               </a:ln>
               <a:extLst>
                 <a:ext uri="{91240B29-F687-4f45-9708-019B960494DF}">
-                  <a14:hiddenLine xmlns="" xmlns:a14="http://schemas.microsoft.com/office/drawing/2010/main" w="9525">
+                  <a14:hiddenLine xmlns:a14="http://schemas.microsoft.com/office/drawing/2010/main" xmlns="" w="9525">
                     <a:solidFill>
                       <a:srgbClr val="000000"/>
                     </a:solidFill>
@@ -10898,7 +10894,7 @@
               </a:ln>
               <a:extLst>
                 <a:ext uri="{91240B29-F687-4f45-9708-019B960494DF}">
-                  <a14:hiddenLine xmlns="" xmlns:a14="http://schemas.microsoft.com/office/drawing/2010/main" w="9525">
+                  <a14:hiddenLine xmlns:a14="http://schemas.microsoft.com/office/drawing/2010/main" xmlns="" w="9525">
                     <a:solidFill>
                       <a:srgbClr val="000000"/>
                     </a:solidFill>
@@ -10963,7 +10959,7 @@
               </a:ln>
               <a:extLst>
                 <a:ext uri="{91240B29-F687-4f45-9708-019B960494DF}">
-                  <a14:hiddenLine xmlns="" xmlns:a14="http://schemas.microsoft.com/office/drawing/2010/main" w="9525">
+                  <a14:hiddenLine xmlns:a14="http://schemas.microsoft.com/office/drawing/2010/main" xmlns="" w="9525">
                     <a:solidFill>
                       <a:srgbClr val="000000"/>
                     </a:solidFill>
@@ -11083,7 +11079,7 @@
               </a:ln>
               <a:extLst>
                 <a:ext uri="{91240B29-F687-4f45-9708-019B960494DF}">
-                  <a14:hiddenLine xmlns="" xmlns:a14="http://schemas.microsoft.com/office/drawing/2010/main" w="9525">
+                  <a14:hiddenLine xmlns:a14="http://schemas.microsoft.com/office/drawing/2010/main" xmlns="" w="9525">
                     <a:solidFill>
                       <a:srgbClr val="000000"/>
                     </a:solidFill>
@@ -11181,7 +11177,7 @@
               </a:ln>
               <a:extLst>
                 <a:ext uri="{91240B29-F687-4f45-9708-019B960494DF}">
-                  <a14:hiddenLine xmlns="" xmlns:a14="http://schemas.microsoft.com/office/drawing/2010/main" w="9525">
+                  <a14:hiddenLine xmlns:a14="http://schemas.microsoft.com/office/drawing/2010/main" xmlns="" w="9525">
                     <a:solidFill>
                       <a:srgbClr val="000000"/>
                     </a:solidFill>
@@ -11296,7 +11292,7 @@
               </a:ln>
               <a:extLst>
                 <a:ext uri="{91240B29-F687-4f45-9708-019B960494DF}">
-                  <a14:hiddenLine xmlns="" xmlns:a14="http://schemas.microsoft.com/office/drawing/2010/main" w="9525">
+                  <a14:hiddenLine xmlns:a14="http://schemas.microsoft.com/office/drawing/2010/main" xmlns="" w="9525">
                     <a:solidFill>
                       <a:srgbClr val="000000"/>
                     </a:solidFill>
@@ -11386,7 +11382,7 @@
               </a:ln>
               <a:extLst>
                 <a:ext uri="{91240B29-F687-4f45-9708-019B960494DF}">
-                  <a14:hiddenLine xmlns="" xmlns:a14="http://schemas.microsoft.com/office/drawing/2010/main" w="9525">
+                  <a14:hiddenLine xmlns:a14="http://schemas.microsoft.com/office/drawing/2010/main" xmlns="" w="9525">
                     <a:solidFill>
                       <a:srgbClr val="000000"/>
                     </a:solidFill>
@@ -11451,7 +11447,7 @@
               </a:ln>
               <a:extLst>
                 <a:ext uri="{91240B29-F687-4f45-9708-019B960494DF}">
-                  <a14:hiddenLine xmlns="" xmlns:a14="http://schemas.microsoft.com/office/drawing/2010/main" w="9525">
+                  <a14:hiddenLine xmlns:a14="http://schemas.microsoft.com/office/drawing/2010/main" xmlns="" w="9525">
                     <a:solidFill>
                       <a:srgbClr val="000000"/>
                     </a:solidFill>
@@ -11541,7 +11537,7 @@
               </a:ln>
               <a:extLst>
                 <a:ext uri="{91240B29-F687-4f45-9708-019B960494DF}">
-                  <a14:hiddenLine xmlns="" xmlns:a14="http://schemas.microsoft.com/office/drawing/2010/main" w="9525">
+                  <a14:hiddenLine xmlns:a14="http://schemas.microsoft.com/office/drawing/2010/main" xmlns="" w="9525">
                     <a:solidFill>
                       <a:srgbClr val="000000"/>
                     </a:solidFill>
@@ -11609,7 +11605,7 @@
               </a:ln>
               <a:extLst>
                 <a:ext uri="{91240B29-F687-4f45-9708-019B960494DF}">
-                  <a14:hiddenLine xmlns="" xmlns:a14="http://schemas.microsoft.com/office/drawing/2010/main" w="9525">
+                  <a14:hiddenLine xmlns:a14="http://schemas.microsoft.com/office/drawing/2010/main" xmlns="" w="9525">
                     <a:solidFill>
                       <a:srgbClr val="000000"/>
                     </a:solidFill>
@@ -11699,7 +11695,7 @@
               </a:ln>
               <a:extLst>
                 <a:ext uri="{91240B29-F687-4f45-9708-019B960494DF}">
-                  <a14:hiddenLine xmlns="" xmlns:a14="http://schemas.microsoft.com/office/drawing/2010/main" w="9525">
+                  <a14:hiddenLine xmlns:a14="http://schemas.microsoft.com/office/drawing/2010/main" xmlns="" w="9525">
                     <a:solidFill>
                       <a:srgbClr val="000000"/>
                     </a:solidFill>
@@ -11767,7 +11763,7 @@
               </a:ln>
               <a:extLst>
                 <a:ext uri="{91240B29-F687-4f45-9708-019B960494DF}">
-                  <a14:hiddenLine xmlns="" xmlns:a14="http://schemas.microsoft.com/office/drawing/2010/main" w="9525">
+                  <a14:hiddenLine xmlns:a14="http://schemas.microsoft.com/office/drawing/2010/main" xmlns="" w="9525">
                     <a:solidFill>
                       <a:srgbClr val="000000"/>
                     </a:solidFill>
@@ -11857,7 +11853,7 @@
               </a:ln>
               <a:extLst>
                 <a:ext uri="{91240B29-F687-4f45-9708-019B960494DF}">
-                  <a14:hiddenLine xmlns="" xmlns:a14="http://schemas.microsoft.com/office/drawing/2010/main" w="9525">
+                  <a14:hiddenLine xmlns:a14="http://schemas.microsoft.com/office/drawing/2010/main" xmlns="" w="9525">
                     <a:solidFill>
                       <a:srgbClr val="000000"/>
                     </a:solidFill>
@@ -11891,7 +11887,7 @@
               </a:ln>
               <a:extLst>
                 <a:ext uri="{91240B29-F687-4f45-9708-019B960494DF}">
-                  <a14:hiddenLine xmlns="" xmlns:a14="http://schemas.microsoft.com/office/drawing/2010/main" w="9525">
+                  <a14:hiddenLine xmlns:a14="http://schemas.microsoft.com/office/drawing/2010/main" xmlns="" w="9525">
                     <a:solidFill>
                       <a:srgbClr val="000000"/>
                     </a:solidFill>
@@ -12645,316 +12641,6 @@
 </p:sld>
 </file>
 
-<file path=ppt/slides/slide10.xml><?xml version="1.0" encoding="utf-8"?>
-<p:sld xmlns:a="http://schemas.openxmlformats.org/drawingml/2006/main" xmlns:r="http://schemas.openxmlformats.org/officeDocument/2006/relationships" xmlns:p="http://schemas.openxmlformats.org/presentationml/2006/main">
-  <p:cSld>
-    <p:spTree>
-      <p:nvGrpSpPr>
-        <p:cNvPr id="1" name=""/>
-        <p:cNvGrpSpPr/>
-        <p:nvPr/>
-      </p:nvGrpSpPr>
-      <p:grpSpPr>
-        <a:xfrm>
-          <a:off x="0" y="0"/>
-          <a:ext cx="0" cy="0"/>
-          <a:chOff x="0" y="0"/>
-          <a:chExt cx="0" cy="0"/>
-        </a:xfrm>
-      </p:grpSpPr>
-      <p:sp>
-        <p:nvSpPr>
-          <p:cNvPr id="2" name="Title 1">
-            <a:extLst>
-              <a:ext uri="{FF2B5EF4-FFF2-40B4-BE49-F238E27FC236}">
-                <a16:creationId xmlns:a16="http://schemas.microsoft.com/office/drawing/2014/main" id="{FDBA64A7-9338-42C9-80CF-15DAE7A1371E}"/>
-              </a:ext>
-            </a:extLst>
-          </p:cNvPr>
-          <p:cNvSpPr>
-            <a:spLocks noGrp="1"/>
-          </p:cNvSpPr>
-          <p:nvPr>
-            <p:ph type="title"/>
-          </p:nvPr>
-        </p:nvSpPr>
-        <p:spPr>
-          <a:xfrm>
-            <a:off x="1141413" y="290044"/>
-            <a:ext cx="9905998" cy="890686"/>
-          </a:xfrm>
-        </p:spPr>
-        <p:txBody>
-          <a:bodyPr/>
-          <a:lstStyle/>
-          <a:p>
-            <a:r>
-              <a:rPr lang="en-SG" dirty="0"/>
-              <a:t>Some consideration</a:t>
-            </a:r>
-          </a:p>
-        </p:txBody>
-      </p:sp>
-      <p:sp>
-        <p:nvSpPr>
-          <p:cNvPr id="3" name="Content Placeholder 2">
-            <a:extLst>
-              <a:ext uri="{FF2B5EF4-FFF2-40B4-BE49-F238E27FC236}">
-                <a16:creationId xmlns:a16="http://schemas.microsoft.com/office/drawing/2014/main" id="{46616E4D-53E9-425F-9D6A-96D34755CFC2}"/>
-              </a:ext>
-            </a:extLst>
-          </p:cNvPr>
-          <p:cNvSpPr>
-            <a:spLocks noGrp="1"/>
-          </p:cNvSpPr>
-          <p:nvPr>
-            <p:ph idx="1"/>
-          </p:nvPr>
-        </p:nvSpPr>
-        <p:spPr>
-          <a:xfrm>
-            <a:off x="1141412" y="1562470"/>
-            <a:ext cx="9905999" cy="4228731"/>
-          </a:xfrm>
-        </p:spPr>
-        <p:txBody>
-          <a:bodyPr>
-            <a:normAutofit/>
-          </a:bodyPr>
-          <a:lstStyle/>
-          <a:p>
-            <a:pPr>
-              <a:buFontTx/>
-              <a:buChar char="-"/>
-            </a:pPr>
-            <a:r>
-              <a:rPr lang="en-SG" dirty="0"/>
-              <a:t>Easy switch between Blob Storage and File System, to cater to migration back to on-premise</a:t>
-            </a:r>
-          </a:p>
-          <a:p>
-            <a:pPr>
-              <a:buFontTx/>
-              <a:buChar char="-"/>
-            </a:pPr>
-            <a:endParaRPr lang="en-SG" dirty="0"/>
-          </a:p>
-          <a:p>
-            <a:endParaRPr lang="en-US" sz="3200" dirty="0"/>
-          </a:p>
-        </p:txBody>
-      </p:sp>
-    </p:spTree>
-    <p:extLst>
-      <p:ext uri="{BB962C8B-B14F-4D97-AF65-F5344CB8AC3E}">
-        <p14:creationId xmlns:p14="http://schemas.microsoft.com/office/powerpoint/2010/main" val="3058599414"/>
-      </p:ext>
-    </p:extLst>
-  </p:cSld>
-  <p:clrMapOvr>
-    <a:masterClrMapping/>
-  </p:clrMapOvr>
-</p:sld>
-</file>
-
-<file path=ppt/slides/slide11.xml><?xml version="1.0" encoding="utf-8"?>
-<p:sld xmlns:a="http://schemas.openxmlformats.org/drawingml/2006/main" xmlns:r="http://schemas.openxmlformats.org/officeDocument/2006/relationships" xmlns:p="http://schemas.openxmlformats.org/presentationml/2006/main">
-  <p:cSld>
-    <p:spTree>
-      <p:nvGrpSpPr>
-        <p:cNvPr id="1" name=""/>
-        <p:cNvGrpSpPr/>
-        <p:nvPr/>
-      </p:nvGrpSpPr>
-      <p:grpSpPr>
-        <a:xfrm>
-          <a:off x="0" y="0"/>
-          <a:ext cx="0" cy="0"/>
-          <a:chOff x="0" y="0"/>
-          <a:chExt cx="0" cy="0"/>
-        </a:xfrm>
-      </p:grpSpPr>
-      <p:sp>
-        <p:nvSpPr>
-          <p:cNvPr id="2" name="Title 1">
-            <a:extLst>
-              <a:ext uri="{FF2B5EF4-FFF2-40B4-BE49-F238E27FC236}">
-                <a16:creationId xmlns:a16="http://schemas.microsoft.com/office/drawing/2014/main" id="{FDBA64A7-9338-42C9-80CF-15DAE7A1371E}"/>
-              </a:ext>
-            </a:extLst>
-          </p:cNvPr>
-          <p:cNvSpPr>
-            <a:spLocks noGrp="1"/>
-          </p:cNvSpPr>
-          <p:nvPr>
-            <p:ph type="title"/>
-          </p:nvPr>
-        </p:nvSpPr>
-        <p:spPr>
-          <a:xfrm>
-            <a:off x="1141413" y="290044"/>
-            <a:ext cx="9905998" cy="890686"/>
-          </a:xfrm>
-        </p:spPr>
-        <p:txBody>
-          <a:bodyPr/>
-          <a:lstStyle/>
-          <a:p>
-            <a:r>
-              <a:rPr lang="en-SG" dirty="0"/>
-              <a:t>Demo</a:t>
-            </a:r>
-          </a:p>
-        </p:txBody>
-      </p:sp>
-      <p:sp>
-        <p:nvSpPr>
-          <p:cNvPr id="4" name="TextBox 3">
-            <a:extLst>
-              <a:ext uri="{FF2B5EF4-FFF2-40B4-BE49-F238E27FC236}">
-                <a16:creationId xmlns:a16="http://schemas.microsoft.com/office/drawing/2014/main" id="{AE28B83F-557F-4AD1-BF0D-A04CF208B15B}"/>
-              </a:ext>
-            </a:extLst>
-          </p:cNvPr>
-          <p:cNvSpPr txBox="1"/>
-          <p:nvPr/>
-        </p:nvSpPr>
-        <p:spPr>
-          <a:xfrm>
-            <a:off x="5211191" y="2725444"/>
-            <a:ext cx="2388094" cy="830997"/>
-          </a:xfrm>
-          <a:prstGeom prst="rect">
-            <a:avLst/>
-          </a:prstGeom>
-          <a:noFill/>
-        </p:spPr>
-        <p:txBody>
-          <a:bodyPr wrap="square" rtlCol="0">
-            <a:spAutoFit/>
-          </a:bodyPr>
-          <a:lstStyle/>
-          <a:p>
-            <a:r>
-              <a:rPr lang="en-SG" sz="4800" dirty="0"/>
-              <a:t>Demo</a:t>
-            </a:r>
-            <a:endParaRPr lang="en-US" sz="4800" dirty="0"/>
-          </a:p>
-        </p:txBody>
-      </p:sp>
-    </p:spTree>
-    <p:extLst>
-      <p:ext uri="{BB962C8B-B14F-4D97-AF65-F5344CB8AC3E}">
-        <p14:creationId xmlns:p14="http://schemas.microsoft.com/office/powerpoint/2010/main" val="3444223996"/>
-      </p:ext>
-    </p:extLst>
-  </p:cSld>
-  <p:clrMapOvr>
-    <a:masterClrMapping/>
-  </p:clrMapOvr>
-</p:sld>
-</file>
-
-<file path=ppt/slides/slide12.xml><?xml version="1.0" encoding="utf-8"?>
-<p:sld xmlns:a="http://schemas.openxmlformats.org/drawingml/2006/main" xmlns:r="http://schemas.openxmlformats.org/officeDocument/2006/relationships" xmlns:p="http://schemas.openxmlformats.org/presentationml/2006/main">
-  <p:cSld>
-    <p:spTree>
-      <p:nvGrpSpPr>
-        <p:cNvPr id="1" name=""/>
-        <p:cNvGrpSpPr/>
-        <p:nvPr/>
-      </p:nvGrpSpPr>
-      <p:grpSpPr>
-        <a:xfrm>
-          <a:off x="0" y="0"/>
-          <a:ext cx="0" cy="0"/>
-          <a:chOff x="0" y="0"/>
-          <a:chExt cx="0" cy="0"/>
-        </a:xfrm>
-      </p:grpSpPr>
-      <p:sp>
-        <p:nvSpPr>
-          <p:cNvPr id="2" name="Title 1">
-            <a:extLst>
-              <a:ext uri="{FF2B5EF4-FFF2-40B4-BE49-F238E27FC236}">
-                <a16:creationId xmlns:a16="http://schemas.microsoft.com/office/drawing/2014/main" id="{FDBA64A7-9338-42C9-80CF-15DAE7A1371E}"/>
-              </a:ext>
-            </a:extLst>
-          </p:cNvPr>
-          <p:cNvSpPr>
-            <a:spLocks noGrp="1"/>
-          </p:cNvSpPr>
-          <p:nvPr>
-            <p:ph type="title"/>
-          </p:nvPr>
-        </p:nvSpPr>
-        <p:spPr>
-          <a:xfrm>
-            <a:off x="1141413" y="290044"/>
-            <a:ext cx="9905998" cy="890686"/>
-          </a:xfrm>
-        </p:spPr>
-        <p:txBody>
-          <a:bodyPr/>
-          <a:lstStyle/>
-          <a:p>
-            <a:r>
-              <a:rPr lang="en-SG" dirty="0"/>
-              <a:t>Q&amp;A</a:t>
-            </a:r>
-          </a:p>
-        </p:txBody>
-      </p:sp>
-      <p:sp>
-        <p:nvSpPr>
-          <p:cNvPr id="4" name="TextBox 3">
-            <a:extLst>
-              <a:ext uri="{FF2B5EF4-FFF2-40B4-BE49-F238E27FC236}">
-                <a16:creationId xmlns:a16="http://schemas.microsoft.com/office/drawing/2014/main" id="{951EA1E6-48B1-4D3D-9252-8B55EAD744D4}"/>
-              </a:ext>
-            </a:extLst>
-          </p:cNvPr>
-          <p:cNvSpPr txBox="1"/>
-          <p:nvPr/>
-        </p:nvSpPr>
-        <p:spPr>
-          <a:xfrm>
-            <a:off x="5211191" y="2725444"/>
-            <a:ext cx="2388094" cy="830997"/>
-          </a:xfrm>
-          <a:prstGeom prst="rect">
-            <a:avLst/>
-          </a:prstGeom>
-          <a:noFill/>
-        </p:spPr>
-        <p:txBody>
-          <a:bodyPr wrap="square" rtlCol="0">
-            <a:spAutoFit/>
-          </a:bodyPr>
-          <a:lstStyle/>
-          <a:p>
-            <a:r>
-              <a:rPr lang="en-SG" sz="4800" dirty="0"/>
-              <a:t>Q&amp;A</a:t>
-            </a:r>
-            <a:endParaRPr lang="en-US" sz="4800" dirty="0"/>
-          </a:p>
-        </p:txBody>
-      </p:sp>
-    </p:spTree>
-    <p:extLst>
-      <p:ext uri="{BB962C8B-B14F-4D97-AF65-F5344CB8AC3E}">
-        <p14:creationId xmlns:p14="http://schemas.microsoft.com/office/powerpoint/2010/main" val="2699457421"/>
-      </p:ext>
-    </p:extLst>
-  </p:cSld>
-  <p:clrMapOvr>
-    <a:masterClrMapping/>
-  </p:clrMapOvr>
-</p:sld>
-</file>
-
 <file path=ppt/slides/slide2.xml><?xml version="1.0" encoding="utf-8"?>
 <p:sld xmlns:a="http://schemas.openxmlformats.org/drawingml/2006/main" xmlns:r="http://schemas.openxmlformats.org/officeDocument/2006/relationships" xmlns:p="http://schemas.openxmlformats.org/presentationml/2006/main">
   <p:cSld>
@@ -13029,7 +12715,7 @@
         </p:spPr>
         <p:txBody>
           <a:bodyPr>
-            <a:normAutofit fontScale="92500" lnSpcReduction="20000"/>
+            <a:normAutofit fontScale="70000" lnSpcReduction="20000"/>
           </a:bodyPr>
           <a:lstStyle/>
           <a:p>
@@ -13041,23 +12727,60 @@
           <a:p>
             <a:r>
               <a:rPr lang="en-SG" dirty="0"/>
-              <a:t>It was noticed that some of the courses had very high demand and students had to spent at least 2 minutes to login the system and also had difficulties downloading the course materials and watch videos due to the long loading time of the pages. Some students had also feedback that they had encountered page cannot display message in their internet browsers.</a:t>
+              <a:t>There were high demands of the registration and course online browsing, which caused poor performance of the system.</a:t>
             </a:r>
           </a:p>
           <a:p>
             <a:r>
               <a:rPr lang="en-SG" dirty="0"/>
-              <a:t>Considering the high demand last year, the management of the institute has decided to open multiple concurrent sessions for the most popular courses this year. The online registration will be open on 1 July. </a:t>
+              <a:t>The IT department head of the institute is looking at optimizing the program of the system as well as a better hosting solution to achieve quick and flexible resource scaling, and yet at a reasonable cost.</a:t>
             </a:r>
           </a:p>
           <a:p>
+            <a:r>
+              <a:rPr lang="en-US" dirty="0"/>
+              <a:t>After a few internal meetings, the IT department head decided to migrate the system to Microsoft Azure </a:t>
+            </a:r>
+          </a:p>
+          <a:p>
+            <a:pPr>
+              <a:buFontTx/>
+              <a:buChar char="-"/>
+            </a:pPr>
+            <a:r>
+              <a:rPr lang="en-US" dirty="0"/>
+              <a:t>Web App (PaaS)</a:t>
+            </a:r>
+          </a:p>
+          <a:p>
+            <a:pPr>
+              <a:buFontTx/>
+              <a:buChar char="-"/>
+            </a:pPr>
             <a:r>
               <a:rPr lang="en-SG" dirty="0"/>
-              <a:t>The IT department head is now concerned about the performance.</a:t>
+              <a:t>Azure MSSQL</a:t>
             </a:r>
           </a:p>
           <a:p>
-            <a:endParaRPr lang="en-SG" dirty="0"/>
+            <a:pPr>
+              <a:buFontTx/>
+              <a:buChar char="-"/>
+            </a:pPr>
+            <a:r>
+              <a:rPr lang="en-SG" dirty="0"/>
+              <a:t>Blob Storage</a:t>
+            </a:r>
+          </a:p>
+          <a:p>
+            <a:pPr>
+              <a:buFontTx/>
+              <a:buChar char="-"/>
+            </a:pPr>
+            <a:r>
+              <a:rPr lang="en-SG" dirty="0"/>
+              <a:t>Traffic Manager</a:t>
+            </a:r>
           </a:p>
         </p:txBody>
       </p:sp>
@@ -13075,243 +12798,6 @@
 </file>
 
 <file path=ppt/slides/slide3.xml><?xml version="1.0" encoding="utf-8"?>
-<p:sld xmlns:a="http://schemas.openxmlformats.org/drawingml/2006/main" xmlns:r="http://schemas.openxmlformats.org/officeDocument/2006/relationships" xmlns:p="http://schemas.openxmlformats.org/presentationml/2006/main">
-  <p:cSld>
-    <p:spTree>
-      <p:nvGrpSpPr>
-        <p:cNvPr id="1" name=""/>
-        <p:cNvGrpSpPr/>
-        <p:nvPr/>
-      </p:nvGrpSpPr>
-      <p:grpSpPr>
-        <a:xfrm>
-          <a:off x="0" y="0"/>
-          <a:ext cx="0" cy="0"/>
-          <a:chOff x="0" y="0"/>
-          <a:chExt cx="0" cy="0"/>
-        </a:xfrm>
-      </p:grpSpPr>
-      <p:sp>
-        <p:nvSpPr>
-          <p:cNvPr id="2" name="Title 1">
-            <a:extLst>
-              <a:ext uri="{FF2B5EF4-FFF2-40B4-BE49-F238E27FC236}">
-                <a16:creationId xmlns:a16="http://schemas.microsoft.com/office/drawing/2014/main" id="{FDBA64A7-9338-42C9-80CF-15DAE7A1371E}"/>
-              </a:ext>
-            </a:extLst>
-          </p:cNvPr>
-          <p:cNvSpPr>
-            <a:spLocks noGrp="1"/>
-          </p:cNvSpPr>
-          <p:nvPr>
-            <p:ph type="title"/>
-          </p:nvPr>
-        </p:nvSpPr>
-        <p:spPr>
-          <a:xfrm>
-            <a:off x="1141413" y="290044"/>
-            <a:ext cx="9905998" cy="890686"/>
-          </a:xfrm>
-        </p:spPr>
-        <p:txBody>
-          <a:bodyPr>
-            <a:normAutofit/>
-          </a:bodyPr>
-          <a:lstStyle/>
-          <a:p>
-            <a:r>
-              <a:rPr lang="en-SG" dirty="0"/>
-              <a:t>Objective</a:t>
-            </a:r>
-          </a:p>
-        </p:txBody>
-      </p:sp>
-      <p:sp>
-        <p:nvSpPr>
-          <p:cNvPr id="3" name="Content Placeholder 2">
-            <a:extLst>
-              <a:ext uri="{FF2B5EF4-FFF2-40B4-BE49-F238E27FC236}">
-                <a16:creationId xmlns:a16="http://schemas.microsoft.com/office/drawing/2014/main" id="{46616E4D-53E9-425F-9D6A-96D34755CFC2}"/>
-              </a:ext>
-            </a:extLst>
-          </p:cNvPr>
-          <p:cNvSpPr>
-            <a:spLocks noGrp="1"/>
-          </p:cNvSpPr>
-          <p:nvPr>
-            <p:ph idx="1"/>
-          </p:nvPr>
-        </p:nvSpPr>
-        <p:spPr>
-          <a:xfrm>
-            <a:off x="1141412" y="1562470"/>
-            <a:ext cx="9905999" cy="4228731"/>
-          </a:xfrm>
-        </p:spPr>
-        <p:txBody>
-          <a:bodyPr/>
-          <a:lstStyle/>
-          <a:p>
-            <a:r>
-              <a:rPr lang="en-SG" dirty="0"/>
-              <a:t>The IT department head of the institute is looking at optimizing the program of the system as well as a better hosting solution to achieve quick and flexible resource scaling, and yet at a reasonable cost.</a:t>
-            </a:r>
-          </a:p>
-          <a:p>
-            <a:endParaRPr lang="en-SG" dirty="0"/>
-          </a:p>
-        </p:txBody>
-      </p:sp>
-    </p:spTree>
-    <p:extLst>
-      <p:ext uri="{BB962C8B-B14F-4D97-AF65-F5344CB8AC3E}">
-        <p14:creationId xmlns:p14="http://schemas.microsoft.com/office/powerpoint/2010/main" val="609735167"/>
-      </p:ext>
-    </p:extLst>
-  </p:cSld>
-  <p:clrMapOvr>
-    <a:masterClrMapping/>
-  </p:clrMapOvr>
-</p:sld>
-</file>
-
-<file path=ppt/slides/slide4.xml><?xml version="1.0" encoding="utf-8"?>
-<p:sld xmlns:a="http://schemas.openxmlformats.org/drawingml/2006/main" xmlns:r="http://schemas.openxmlformats.org/officeDocument/2006/relationships" xmlns:p="http://schemas.openxmlformats.org/presentationml/2006/main">
-  <p:cSld>
-    <p:spTree>
-      <p:nvGrpSpPr>
-        <p:cNvPr id="1" name=""/>
-        <p:cNvGrpSpPr/>
-        <p:nvPr/>
-      </p:nvGrpSpPr>
-      <p:grpSpPr>
-        <a:xfrm>
-          <a:off x="0" y="0"/>
-          <a:ext cx="0" cy="0"/>
-          <a:chOff x="0" y="0"/>
-          <a:chExt cx="0" cy="0"/>
-        </a:xfrm>
-      </p:grpSpPr>
-      <p:sp>
-        <p:nvSpPr>
-          <p:cNvPr id="2" name="Title 1">
-            <a:extLst>
-              <a:ext uri="{FF2B5EF4-FFF2-40B4-BE49-F238E27FC236}">
-                <a16:creationId xmlns:a16="http://schemas.microsoft.com/office/drawing/2014/main" id="{FDBA64A7-9338-42C9-80CF-15DAE7A1371E}"/>
-              </a:ext>
-            </a:extLst>
-          </p:cNvPr>
-          <p:cNvSpPr>
-            <a:spLocks noGrp="1"/>
-          </p:cNvSpPr>
-          <p:nvPr>
-            <p:ph type="title"/>
-          </p:nvPr>
-        </p:nvSpPr>
-        <p:spPr>
-          <a:xfrm>
-            <a:off x="1141413" y="290044"/>
-            <a:ext cx="9905998" cy="890686"/>
-          </a:xfrm>
-        </p:spPr>
-        <p:txBody>
-          <a:bodyPr/>
-          <a:lstStyle/>
-          <a:p>
-            <a:r>
-              <a:rPr lang="en-SG" dirty="0"/>
-              <a:t>Cloud Provider</a:t>
-            </a:r>
-          </a:p>
-        </p:txBody>
-      </p:sp>
-      <p:sp>
-        <p:nvSpPr>
-          <p:cNvPr id="3" name="Content Placeholder 2">
-            <a:extLst>
-              <a:ext uri="{FF2B5EF4-FFF2-40B4-BE49-F238E27FC236}">
-                <a16:creationId xmlns:a16="http://schemas.microsoft.com/office/drawing/2014/main" id="{46616E4D-53E9-425F-9D6A-96D34755CFC2}"/>
-              </a:ext>
-            </a:extLst>
-          </p:cNvPr>
-          <p:cNvSpPr>
-            <a:spLocks noGrp="1"/>
-          </p:cNvSpPr>
-          <p:nvPr>
-            <p:ph idx="1"/>
-          </p:nvPr>
-        </p:nvSpPr>
-        <p:spPr>
-          <a:xfrm>
-            <a:off x="1141412" y="1562470"/>
-            <a:ext cx="9905999" cy="4228731"/>
-          </a:xfrm>
-        </p:spPr>
-        <p:txBody>
-          <a:bodyPr/>
-          <a:lstStyle/>
-          <a:p>
-            <a:r>
-              <a:rPr lang="en-US" dirty="0"/>
-              <a:t>After a few internal meetings, the IT department head decided to migrate the system to Microsoft Azure </a:t>
-            </a:r>
-          </a:p>
-          <a:p>
-            <a:pPr>
-              <a:buFontTx/>
-              <a:buChar char="-"/>
-            </a:pPr>
-            <a:r>
-              <a:rPr lang="en-US" dirty="0"/>
-              <a:t>Web App (PaaS)</a:t>
-            </a:r>
-          </a:p>
-          <a:p>
-            <a:pPr>
-              <a:buFontTx/>
-              <a:buChar char="-"/>
-            </a:pPr>
-            <a:r>
-              <a:rPr lang="en-SG" dirty="0"/>
-              <a:t>Azure MSSQL</a:t>
-            </a:r>
-          </a:p>
-          <a:p>
-            <a:pPr>
-              <a:buFontTx/>
-              <a:buChar char="-"/>
-            </a:pPr>
-            <a:r>
-              <a:rPr lang="en-SG" dirty="0"/>
-              <a:t>Blob Storage</a:t>
-            </a:r>
-          </a:p>
-          <a:p>
-            <a:pPr>
-              <a:buFontTx/>
-              <a:buChar char="-"/>
-            </a:pPr>
-            <a:r>
-              <a:rPr lang="en-SG" dirty="0"/>
-              <a:t>Traffic Manager</a:t>
-            </a:r>
-          </a:p>
-        </p:txBody>
-      </p:sp>
-    </p:spTree>
-    <p:extLst>
-      <p:ext uri="{BB962C8B-B14F-4D97-AF65-F5344CB8AC3E}">
-        <p14:creationId xmlns:p14="http://schemas.microsoft.com/office/powerpoint/2010/main" val="3645996494"/>
-      </p:ext>
-    </p:extLst>
-  </p:cSld>
-  <p:clrMapOvr>
-    <a:masterClrMapping/>
-  </p:clrMapOvr>
-</p:sld>
-</file>
-
-<file path=ppt/slides/slide5.xml><?xml version="1.0" encoding="utf-8"?>
 <p:sld xmlns:a="http://schemas.openxmlformats.org/drawingml/2006/main" xmlns:r="http://schemas.openxmlformats.org/officeDocument/2006/relationships" xmlns:p="http://schemas.openxmlformats.org/presentationml/2006/main">
   <p:cSld>
     <p:spTree>
@@ -15130,46 +14616,372 @@
           </a:p>
         </p:txBody>
       </p:sp>
-      <p:pic>
-        <p:nvPicPr>
-          <p:cNvPr id="128" name="Picture 127">
-            <a:extLst>
-              <a:ext uri="{FF2B5EF4-FFF2-40B4-BE49-F238E27FC236}">
-                <a16:creationId xmlns:a16="http://schemas.microsoft.com/office/drawing/2014/main" id="{C08EF906-2CC6-4224-8A88-6C4E27435DE3}"/>
-              </a:ext>
-            </a:extLst>
-          </p:cNvPr>
-          <p:cNvPicPr>
-            <a:picLocks noChangeAspect="1"/>
-          </p:cNvPicPr>
-          <p:nvPr/>
-        </p:nvPicPr>
-        <p:blipFill>
-          <a:blip r:embed="rId10">
-            <a:extLst>
-              <a:ext uri="{28A0092B-C50C-407E-A947-70E740481C1C}">
-                <a14:useLocalDpi xmlns:a14="http://schemas.microsoft.com/office/drawing/2010/main" val="0"/>
-              </a:ext>
-            </a:extLst>
-          </a:blip>
-          <a:stretch>
-            <a:fillRect/>
-          </a:stretch>
-        </p:blipFill>
-        <p:spPr>
-          <a:xfrm>
-            <a:off x="5705855" y="3038855"/>
-            <a:ext cx="780290" cy="780290"/>
-          </a:xfrm>
-          <a:prstGeom prst="rect">
-            <a:avLst/>
-          </a:prstGeom>
-        </p:spPr>
-      </p:pic>
     </p:spTree>
     <p:extLst>
       <p:ext uri="{BB962C8B-B14F-4D97-AF65-F5344CB8AC3E}">
         <p14:creationId xmlns:p14="http://schemas.microsoft.com/office/powerpoint/2010/main" val="4109108804"/>
+      </p:ext>
+    </p:extLst>
+  </p:cSld>
+  <p:clrMapOvr>
+    <a:masterClrMapping/>
+  </p:clrMapOvr>
+</p:sld>
+</file>
+
+<file path=ppt/slides/slide4.xml><?xml version="1.0" encoding="utf-8"?>
+<p:sld xmlns:a="http://schemas.openxmlformats.org/drawingml/2006/main" xmlns:r="http://schemas.openxmlformats.org/officeDocument/2006/relationships" xmlns:p="http://schemas.openxmlformats.org/presentationml/2006/main">
+  <p:cSld>
+    <p:spTree>
+      <p:nvGrpSpPr>
+        <p:cNvPr id="1" name=""/>
+        <p:cNvGrpSpPr/>
+        <p:nvPr/>
+      </p:nvGrpSpPr>
+      <p:grpSpPr>
+        <a:xfrm>
+          <a:off x="0" y="0"/>
+          <a:ext cx="0" cy="0"/>
+          <a:chOff x="0" y="0"/>
+          <a:chExt cx="0" cy="0"/>
+        </a:xfrm>
+      </p:grpSpPr>
+      <p:sp>
+        <p:nvSpPr>
+          <p:cNvPr id="2" name="Title 1">
+            <a:extLst>
+              <a:ext uri="{FF2B5EF4-FFF2-40B4-BE49-F238E27FC236}">
+                <a16:creationId xmlns:a16="http://schemas.microsoft.com/office/drawing/2014/main" id="{FDBA64A7-9338-42C9-80CF-15DAE7A1371E}"/>
+              </a:ext>
+            </a:extLst>
+          </p:cNvPr>
+          <p:cNvSpPr>
+            <a:spLocks noGrp="1"/>
+          </p:cNvSpPr>
+          <p:nvPr>
+            <p:ph type="title"/>
+          </p:nvPr>
+        </p:nvSpPr>
+        <p:spPr>
+          <a:xfrm>
+            <a:off x="1141413" y="290044"/>
+            <a:ext cx="9905998" cy="890686"/>
+          </a:xfrm>
+        </p:spPr>
+        <p:txBody>
+          <a:bodyPr/>
+          <a:lstStyle/>
+          <a:p>
+            <a:r>
+              <a:rPr lang="en-SG" dirty="0"/>
+              <a:t>Key features</a:t>
+            </a:r>
+          </a:p>
+        </p:txBody>
+      </p:sp>
+      <p:sp>
+        <p:nvSpPr>
+          <p:cNvPr id="3" name="Content Placeholder 2">
+            <a:extLst>
+              <a:ext uri="{FF2B5EF4-FFF2-40B4-BE49-F238E27FC236}">
+                <a16:creationId xmlns:a16="http://schemas.microsoft.com/office/drawing/2014/main" id="{46616E4D-53E9-425F-9D6A-96D34755CFC2}"/>
+              </a:ext>
+            </a:extLst>
+          </p:cNvPr>
+          <p:cNvSpPr>
+            <a:spLocks noGrp="1"/>
+          </p:cNvSpPr>
+          <p:nvPr>
+            <p:ph idx="1"/>
+          </p:nvPr>
+        </p:nvSpPr>
+        <p:spPr>
+          <a:xfrm>
+            <a:off x="1141412" y="1562470"/>
+            <a:ext cx="9905999" cy="4228731"/>
+          </a:xfrm>
+        </p:spPr>
+        <p:txBody>
+          <a:bodyPr>
+            <a:normAutofit fontScale="92500" lnSpcReduction="10000"/>
+          </a:bodyPr>
+          <a:lstStyle/>
+          <a:p>
+            <a:pPr marL="0" indent="0">
+              <a:buNone/>
+            </a:pPr>
+            <a:r>
+              <a:rPr lang="en-SG" dirty="0"/>
+              <a:t>High Performance</a:t>
+            </a:r>
+          </a:p>
+          <a:p>
+            <a:pPr>
+              <a:buFontTx/>
+              <a:buChar char="-"/>
+            </a:pPr>
+            <a:r>
+              <a:rPr lang="en-US" dirty="0"/>
+              <a:t>Azure Logic App for batch processing</a:t>
+            </a:r>
+          </a:p>
+          <a:p>
+            <a:pPr>
+              <a:buFontTx/>
+              <a:buChar char="-"/>
+            </a:pPr>
+            <a:r>
+              <a:rPr lang="en-SG" dirty="0"/>
+              <a:t>Auto scaling of Web App</a:t>
+            </a:r>
+          </a:p>
+          <a:p>
+            <a:pPr marL="0" indent="0">
+              <a:buNone/>
+            </a:pPr>
+            <a:r>
+              <a:rPr lang="en-SG" dirty="0"/>
+              <a:t>High Availability</a:t>
+            </a:r>
+          </a:p>
+          <a:p>
+            <a:pPr>
+              <a:buFontTx/>
+              <a:buChar char="-"/>
+            </a:pPr>
+            <a:r>
+              <a:rPr lang="en-SG" dirty="0"/>
+              <a:t>Geographical redundancy of Web App</a:t>
+            </a:r>
+          </a:p>
+          <a:p>
+            <a:pPr>
+              <a:buFontTx/>
+              <a:buChar char="-"/>
+            </a:pPr>
+            <a:r>
+              <a:rPr lang="en-SG" dirty="0"/>
+              <a:t>Geographical redundancy of Database </a:t>
+            </a:r>
+          </a:p>
+          <a:p>
+            <a:pPr>
+              <a:buFontTx/>
+              <a:buChar char="-"/>
+            </a:pPr>
+            <a:r>
+              <a:rPr lang="en-SG" dirty="0"/>
+              <a:t>Geographical redundancy of blob storage for course media files</a:t>
+            </a:r>
+          </a:p>
+          <a:p>
+            <a:pPr lvl="1">
+              <a:buFontTx/>
+              <a:buChar char="-"/>
+            </a:pPr>
+            <a:r>
+              <a:rPr lang="en-SG" sz="1700" dirty="0"/>
+              <a:t>Microsoft needs to initiate the disaster recovery in order to fail over the storage</a:t>
+            </a:r>
+          </a:p>
+          <a:p>
+            <a:pPr lvl="1">
+              <a:buFontTx/>
+              <a:buChar char="-"/>
+            </a:pPr>
+            <a:r>
+              <a:rPr lang="en-SG" sz="1700" dirty="0">
+                <a:hlinkClick r:id="rId2"/>
+              </a:rPr>
+              <a:t>https://docs.microsoft.com/en-us/azure/storage/storage-redundancy</a:t>
+            </a:r>
+            <a:endParaRPr lang="en-SG" sz="1700" dirty="0"/>
+          </a:p>
+        </p:txBody>
+      </p:sp>
+    </p:spTree>
+    <p:extLst>
+      <p:ext uri="{BB962C8B-B14F-4D97-AF65-F5344CB8AC3E}">
+        <p14:creationId xmlns:p14="http://schemas.microsoft.com/office/powerpoint/2010/main" val="2322150924"/>
+      </p:ext>
+    </p:extLst>
+  </p:cSld>
+  <p:clrMapOvr>
+    <a:masterClrMapping/>
+  </p:clrMapOvr>
+</p:sld>
+</file>
+
+<file path=ppt/slides/slide5.xml><?xml version="1.0" encoding="utf-8"?>
+<p:sld xmlns:a="http://schemas.openxmlformats.org/drawingml/2006/main" xmlns:r="http://schemas.openxmlformats.org/officeDocument/2006/relationships" xmlns:p="http://schemas.openxmlformats.org/presentationml/2006/main">
+  <p:cSld>
+    <p:spTree>
+      <p:nvGrpSpPr>
+        <p:cNvPr id="1" name=""/>
+        <p:cNvGrpSpPr/>
+        <p:nvPr/>
+      </p:nvGrpSpPr>
+      <p:grpSpPr>
+        <a:xfrm>
+          <a:off x="0" y="0"/>
+          <a:ext cx="0" cy="0"/>
+          <a:chOff x="0" y="0"/>
+          <a:chExt cx="0" cy="0"/>
+        </a:xfrm>
+      </p:grpSpPr>
+      <p:sp>
+        <p:nvSpPr>
+          <p:cNvPr id="2" name="Title 1">
+            <a:extLst>
+              <a:ext uri="{FF2B5EF4-FFF2-40B4-BE49-F238E27FC236}">
+                <a16:creationId xmlns:a16="http://schemas.microsoft.com/office/drawing/2014/main" id="{FDBA64A7-9338-42C9-80CF-15DAE7A1371E}"/>
+              </a:ext>
+            </a:extLst>
+          </p:cNvPr>
+          <p:cNvSpPr>
+            <a:spLocks noGrp="1"/>
+          </p:cNvSpPr>
+          <p:nvPr>
+            <p:ph type="title"/>
+          </p:nvPr>
+        </p:nvSpPr>
+        <p:spPr>
+          <a:xfrm>
+            <a:off x="1141413" y="290044"/>
+            <a:ext cx="9905998" cy="890686"/>
+          </a:xfrm>
+        </p:spPr>
+        <p:txBody>
+          <a:bodyPr/>
+          <a:lstStyle/>
+          <a:p>
+            <a:r>
+              <a:rPr lang="en-SG" dirty="0"/>
+              <a:t>Management &amp; Monitoring &amp; Analytics</a:t>
+            </a:r>
+          </a:p>
+        </p:txBody>
+      </p:sp>
+      <p:sp>
+        <p:nvSpPr>
+          <p:cNvPr id="3" name="Content Placeholder 2">
+            <a:extLst>
+              <a:ext uri="{FF2B5EF4-FFF2-40B4-BE49-F238E27FC236}">
+                <a16:creationId xmlns:a16="http://schemas.microsoft.com/office/drawing/2014/main" id="{46616E4D-53E9-425F-9D6A-96D34755CFC2}"/>
+              </a:ext>
+            </a:extLst>
+          </p:cNvPr>
+          <p:cNvSpPr>
+            <a:spLocks noGrp="1"/>
+          </p:cNvSpPr>
+          <p:nvPr>
+            <p:ph idx="1"/>
+          </p:nvPr>
+        </p:nvSpPr>
+        <p:spPr>
+          <a:xfrm>
+            <a:off x="1141412" y="1562470"/>
+            <a:ext cx="9905999" cy="4228731"/>
+          </a:xfrm>
+        </p:spPr>
+        <p:txBody>
+          <a:bodyPr>
+            <a:normAutofit/>
+          </a:bodyPr>
+          <a:lstStyle/>
+          <a:p>
+            <a:pPr>
+              <a:buFontTx/>
+              <a:buChar char="-"/>
+            </a:pPr>
+            <a:r>
+              <a:rPr lang="en-SG" dirty="0"/>
+              <a:t>Customized Dashboard</a:t>
+            </a:r>
+          </a:p>
+          <a:p>
+            <a:pPr>
+              <a:buFontTx/>
+              <a:buChar char="-"/>
+            </a:pPr>
+            <a:r>
+              <a:rPr lang="en-SG" dirty="0"/>
+              <a:t>IIS Remote Management</a:t>
+            </a:r>
+          </a:p>
+          <a:p>
+            <a:pPr>
+              <a:buFontTx/>
+              <a:buChar char="-"/>
+            </a:pPr>
+            <a:r>
+              <a:rPr lang="en-SG" dirty="0"/>
+              <a:t>Alert for high resource usage of Web App</a:t>
+            </a:r>
+          </a:p>
+          <a:p>
+            <a:pPr>
+              <a:buFontTx/>
+              <a:buChar char="-"/>
+            </a:pPr>
+            <a:r>
+              <a:rPr lang="en-SG" dirty="0"/>
+              <a:t>Alert for high resource usage of database</a:t>
+            </a:r>
+          </a:p>
+          <a:p>
+            <a:pPr>
+              <a:buFontTx/>
+              <a:buChar char="-"/>
+            </a:pPr>
+            <a:r>
+              <a:rPr lang="en-SG" dirty="0"/>
+              <a:t>Application Insights</a:t>
+            </a:r>
+          </a:p>
+          <a:p>
+            <a:pPr>
+              <a:buFontTx/>
+              <a:buChar char="-"/>
+            </a:pPr>
+            <a:r>
+              <a:rPr lang="en-SG" dirty="0"/>
+              <a:t>Application Insights live stream and error monitoring</a:t>
+            </a:r>
+          </a:p>
+          <a:p>
+            <a:pPr>
+              <a:buFontTx/>
+              <a:buChar char="-"/>
+            </a:pPr>
+            <a:r>
+              <a:rPr lang="en-SG" dirty="0"/>
+              <a:t>Application Insights Analytics</a:t>
+            </a:r>
+          </a:p>
+          <a:p>
+            <a:pPr>
+              <a:buFontTx/>
+              <a:buChar char="-"/>
+            </a:pPr>
+            <a:endParaRPr lang="en-SG" dirty="0"/>
+          </a:p>
+          <a:p>
+            <a:pPr>
+              <a:buFontTx/>
+              <a:buChar char="-"/>
+            </a:pPr>
+            <a:endParaRPr lang="en-SG" dirty="0"/>
+          </a:p>
+          <a:p>
+            <a:endParaRPr lang="en-US" sz="3200" dirty="0"/>
+          </a:p>
+        </p:txBody>
+      </p:sp>
+    </p:spTree>
+    <p:extLst>
+      <p:ext uri="{BB962C8B-B14F-4D97-AF65-F5344CB8AC3E}">
+        <p14:creationId xmlns:p14="http://schemas.microsoft.com/office/powerpoint/2010/main" val="345405167"/>
       </p:ext>
     </p:extLst>
   </p:cSld>
@@ -15224,7 +15036,7 @@
           <a:p>
             <a:r>
               <a:rPr lang="en-SG" dirty="0"/>
-              <a:t>High Performance</a:t>
+              <a:t>Some consideration</a:t>
             </a:r>
           </a:p>
         </p:txBody>
@@ -15262,8 +15074,8 @@
               <a:buChar char="-"/>
             </a:pPr>
             <a:r>
-              <a:rPr lang="en-US" dirty="0"/>
-              <a:t>Azure Logic App for batch processing</a:t>
+              <a:rPr lang="en-SG" dirty="0"/>
+              <a:t>Easy switch between Blob Storage and File System, to cater to migration back to on-premise</a:t>
             </a:r>
           </a:p>
           <a:p>
@@ -15273,21 +15085,25 @@
             </a:pPr>
             <a:r>
               <a:rPr lang="en-SG" dirty="0"/>
-              <a:t>Auto scaling of Web App</a:t>
+              <a:t>MSSQL view to generated HTML contents for logic app</a:t>
             </a:r>
           </a:p>
           <a:p>
-            <a:pPr marL="0" indent="0">
-              <a:buNone/>
+            <a:pPr>
+              <a:buFontTx/>
+              <a:buChar char="-"/>
             </a:pPr>
-            <a:endParaRPr lang="en-US" dirty="0"/>
+            <a:endParaRPr lang="en-SG" dirty="0"/>
+          </a:p>
+          <a:p>
+            <a:endParaRPr lang="en-US" sz="3200" dirty="0"/>
           </a:p>
         </p:txBody>
       </p:sp>
     </p:spTree>
     <p:extLst>
       <p:ext uri="{BB962C8B-B14F-4D97-AF65-F5344CB8AC3E}">
-        <p14:creationId xmlns:p14="http://schemas.microsoft.com/office/powerpoint/2010/main" val="2322150924"/>
+        <p14:creationId xmlns:p14="http://schemas.microsoft.com/office/powerpoint/2010/main" val="3058599414"/>
       </p:ext>
     </p:extLst>
   </p:cSld>
@@ -15342,17 +15158,17 @@
           <a:p>
             <a:r>
               <a:rPr lang="en-SG" dirty="0"/>
-              <a:t>High Availability</a:t>
+              <a:t>Demo</a:t>
             </a:r>
           </a:p>
         </p:txBody>
       </p:sp>
       <p:sp>
         <p:nvSpPr>
-          <p:cNvPr id="3" name="Content Placeholder 2">
+          <p:cNvPr id="5" name="Content Placeholder 2">
             <a:extLst>
               <a:ext uri="{FF2B5EF4-FFF2-40B4-BE49-F238E27FC236}">
-                <a16:creationId xmlns:a16="http://schemas.microsoft.com/office/drawing/2014/main" id="{46616E4D-53E9-425F-9D6A-96D34755CFC2}"/>
+                <a16:creationId xmlns:a16="http://schemas.microsoft.com/office/drawing/2014/main" id="{ACF72F23-3837-4B12-BDA3-633465075628}"/>
               </a:ext>
             </a:extLst>
           </p:cNvPr>
@@ -15381,7 +15197,7 @@
             </a:pPr>
             <a:r>
               <a:rPr lang="en-SG" dirty="0"/>
-              <a:t>Geographical redundancy of Web App</a:t>
+              <a:t>Customized shared dashboard</a:t>
             </a:r>
           </a:p>
           <a:p>
@@ -15391,7 +15207,7 @@
             </a:pPr>
             <a:r>
               <a:rPr lang="en-SG" dirty="0"/>
-              <a:t>Geographical redundancy of Database </a:t>
+              <a:t>Blob storage upload and download</a:t>
             </a:r>
           </a:p>
           <a:p>
@@ -15401,62 +15217,72 @@
             </a:pPr>
             <a:r>
               <a:rPr lang="en-SG" dirty="0"/>
-              <a:t>Geographical redundancy of blob storage for course media files</a:t>
+              <a:t>Logic App</a:t>
             </a:r>
           </a:p>
           <a:p>
-            <a:pPr lvl="1">
+            <a:pPr>
               <a:buFontTx/>
               <a:buChar char="-"/>
             </a:pPr>
             <a:r>
-              <a:rPr lang="en-SG" sz="1800" dirty="0"/>
-              <a:t>Microsoft needs to initiate the disaster recovery in order to fail over the storage</a:t>
+              <a:rPr lang="en-SG" dirty="0"/>
+              <a:t>Application insights and live stream</a:t>
             </a:r>
           </a:p>
           <a:p>
-            <a:pPr lvl="1">
+            <a:pPr>
               <a:buFontTx/>
               <a:buChar char="-"/>
             </a:pPr>
             <a:r>
-              <a:rPr lang="en-SG" sz="1800" dirty="0">
-                <a:hlinkClick r:id="rId2"/>
-              </a:rPr>
-              <a:t>https://docs.microsoft.com/en-us/azure/storage/storage-redundancy</a:t>
+              <a:rPr lang="en-SG"/>
+              <a:t>Cloud performance testing</a:t>
             </a:r>
-            <a:endParaRPr lang="en-SG" sz="1800" dirty="0"/>
-          </a:p>
-          <a:p>
-            <a:pPr lvl="1">
+          </a:p>
+          <a:p>
+            <a:pPr>
               <a:buFontTx/>
               <a:buChar char="-"/>
             </a:pPr>
             <a:r>
-              <a:rPr lang="en-SG" sz="1800" dirty="0"/>
-              <a:t>“</a:t>
+              <a:rPr lang="en-SG" dirty="0"/>
+              <a:t>Auto scale out and in of Web App</a:t>
             </a:r>
+          </a:p>
+          <a:p>
+            <a:pPr>
+              <a:buFontTx/>
+              <a:buChar char="-"/>
+            </a:pPr>
             <a:r>
-              <a:rPr lang="en-US" sz="1800" dirty="0"/>
-              <a:t>In the future, we plan to provide an API to allow you to trigger a failover at an account level”</a:t>
+              <a:rPr lang="en-SG" dirty="0"/>
+              <a:t>Simulation of Geo redundancy failover</a:t>
             </a:r>
-            <a:br>
-              <a:rPr lang="en-SG" dirty="0"/>
-            </a:br>
-            <a:endParaRPr lang="en-SG" dirty="0"/>
-          </a:p>
-          <a:p>
-            <a:pPr marL="0" indent="0">
-              <a:buNone/>
+          </a:p>
+          <a:p>
+            <a:pPr>
+              <a:buFontTx/>
+              <a:buChar char="-"/>
             </a:pPr>
             <a:endParaRPr lang="en-SG" dirty="0"/>
+          </a:p>
+          <a:p>
+            <a:pPr>
+              <a:buFontTx/>
+              <a:buChar char="-"/>
+            </a:pPr>
+            <a:endParaRPr lang="en-SG" dirty="0"/>
+          </a:p>
+          <a:p>
+            <a:endParaRPr lang="en-US" sz="3200" dirty="0"/>
           </a:p>
         </p:txBody>
       </p:sp>
     </p:spTree>
     <p:extLst>
       <p:ext uri="{BB962C8B-B14F-4D97-AF65-F5344CB8AC3E}">
-        <p14:creationId xmlns:p14="http://schemas.microsoft.com/office/powerpoint/2010/main" val="3142899394"/>
+        <p14:creationId xmlns:p14="http://schemas.microsoft.com/office/powerpoint/2010/main" val="3444223996"/>
       </p:ext>
     </p:extLst>
   </p:cSld>
@@ -15511,226 +15337,51 @@
           <a:p>
             <a:r>
               <a:rPr lang="en-SG" dirty="0"/>
-              <a:t>Management &amp; Monitoring</a:t>
+              <a:t>Q&amp;A</a:t>
             </a:r>
           </a:p>
         </p:txBody>
       </p:sp>
       <p:sp>
         <p:nvSpPr>
-          <p:cNvPr id="3" name="Content Placeholder 2">
+          <p:cNvPr id="4" name="TextBox 3">
             <a:extLst>
               <a:ext uri="{FF2B5EF4-FFF2-40B4-BE49-F238E27FC236}">
-                <a16:creationId xmlns:a16="http://schemas.microsoft.com/office/drawing/2014/main" id="{46616E4D-53E9-425F-9D6A-96D34755CFC2}"/>
+                <a16:creationId xmlns:a16="http://schemas.microsoft.com/office/drawing/2014/main" id="{951EA1E6-48B1-4D3D-9252-8B55EAD744D4}"/>
               </a:ext>
             </a:extLst>
           </p:cNvPr>
-          <p:cNvSpPr>
-            <a:spLocks noGrp="1"/>
-          </p:cNvSpPr>
-          <p:nvPr>
-            <p:ph idx="1"/>
-          </p:nvPr>
+          <p:cNvSpPr txBox="1"/>
+          <p:nvPr/>
         </p:nvSpPr>
         <p:spPr>
           <a:xfrm>
-            <a:off x="1141412" y="1562470"/>
-            <a:ext cx="9905999" cy="4228731"/>
+            <a:off x="5211191" y="2725444"/>
+            <a:ext cx="2388094" cy="830997"/>
           </a:xfrm>
+          <a:prstGeom prst="rect">
+            <a:avLst/>
+          </a:prstGeom>
+          <a:noFill/>
         </p:spPr>
         <p:txBody>
-          <a:bodyPr>
-            <a:normAutofit/>
+          <a:bodyPr wrap="square" rtlCol="0">
+            <a:spAutoFit/>
           </a:bodyPr>
           <a:lstStyle/>
           <a:p>
-            <a:pPr>
-              <a:buFontTx/>
-              <a:buChar char="-"/>
-            </a:pPr>
             <a:r>
-              <a:rPr lang="en-SG" dirty="0"/>
-              <a:t>Customized Dashboard</a:t>
+              <a:rPr lang="en-SG" sz="4800" dirty="0"/>
+              <a:t>Q&amp;A</a:t>
             </a:r>
-          </a:p>
-          <a:p>
-            <a:pPr>
-              <a:buFontTx/>
-              <a:buChar char="-"/>
-            </a:pPr>
-            <a:r>
-              <a:rPr lang="en-SG" dirty="0"/>
-              <a:t>IIS Remote Management</a:t>
-            </a:r>
-          </a:p>
-          <a:p>
-            <a:pPr>
-              <a:buFontTx/>
-              <a:buChar char="-"/>
-            </a:pPr>
-            <a:r>
-              <a:rPr lang="en-SG" dirty="0"/>
-              <a:t>Alert for high resource usage of Web App</a:t>
-            </a:r>
-          </a:p>
-          <a:p>
-            <a:pPr>
-              <a:buFontTx/>
-              <a:buChar char="-"/>
-            </a:pPr>
-            <a:r>
-              <a:rPr lang="en-SG" dirty="0"/>
-              <a:t>Alert for high resource usage of database</a:t>
-            </a:r>
-          </a:p>
-          <a:p>
-            <a:pPr>
-              <a:buFontTx/>
-              <a:buChar char="-"/>
-            </a:pPr>
-            <a:endParaRPr lang="en-SG" dirty="0"/>
-          </a:p>
-          <a:p>
-            <a:endParaRPr lang="en-US" sz="3200" dirty="0"/>
+            <a:endParaRPr lang="en-US" sz="4800" dirty="0"/>
           </a:p>
         </p:txBody>
       </p:sp>
     </p:spTree>
     <p:extLst>
       <p:ext uri="{BB962C8B-B14F-4D97-AF65-F5344CB8AC3E}">
-        <p14:creationId xmlns:p14="http://schemas.microsoft.com/office/powerpoint/2010/main" val="345405167"/>
-      </p:ext>
-    </p:extLst>
-  </p:cSld>
-  <p:clrMapOvr>
-    <a:masterClrMapping/>
-  </p:clrMapOvr>
-</p:sld>
-</file>
-
-<file path=ppt/slides/slide9.xml><?xml version="1.0" encoding="utf-8"?>
-<p:sld xmlns:a="http://schemas.openxmlformats.org/drawingml/2006/main" xmlns:r="http://schemas.openxmlformats.org/officeDocument/2006/relationships" xmlns:p="http://schemas.openxmlformats.org/presentationml/2006/main">
-  <p:cSld>
-    <p:spTree>
-      <p:nvGrpSpPr>
-        <p:cNvPr id="1" name=""/>
-        <p:cNvGrpSpPr/>
-        <p:nvPr/>
-      </p:nvGrpSpPr>
-      <p:grpSpPr>
-        <a:xfrm>
-          <a:off x="0" y="0"/>
-          <a:ext cx="0" cy="0"/>
-          <a:chOff x="0" y="0"/>
-          <a:chExt cx="0" cy="0"/>
-        </a:xfrm>
-      </p:grpSpPr>
-      <p:sp>
-        <p:nvSpPr>
-          <p:cNvPr id="2" name="Title 1">
-            <a:extLst>
-              <a:ext uri="{FF2B5EF4-FFF2-40B4-BE49-F238E27FC236}">
-                <a16:creationId xmlns:a16="http://schemas.microsoft.com/office/drawing/2014/main" id="{FDBA64A7-9338-42C9-80CF-15DAE7A1371E}"/>
-              </a:ext>
-            </a:extLst>
-          </p:cNvPr>
-          <p:cNvSpPr>
-            <a:spLocks noGrp="1"/>
-          </p:cNvSpPr>
-          <p:nvPr>
-            <p:ph type="title"/>
-          </p:nvPr>
-        </p:nvSpPr>
-        <p:spPr>
-          <a:xfrm>
-            <a:off x="1141413" y="290044"/>
-            <a:ext cx="9905998" cy="890686"/>
-          </a:xfrm>
-        </p:spPr>
-        <p:txBody>
-          <a:bodyPr/>
-          <a:lstStyle/>
-          <a:p>
-            <a:r>
-              <a:rPr lang="en-SG" dirty="0"/>
-              <a:t>Analytics</a:t>
-            </a:r>
-          </a:p>
-        </p:txBody>
-      </p:sp>
-      <p:sp>
-        <p:nvSpPr>
-          <p:cNvPr id="3" name="Content Placeholder 2">
-            <a:extLst>
-              <a:ext uri="{FF2B5EF4-FFF2-40B4-BE49-F238E27FC236}">
-                <a16:creationId xmlns:a16="http://schemas.microsoft.com/office/drawing/2014/main" id="{46616E4D-53E9-425F-9D6A-96D34755CFC2}"/>
-              </a:ext>
-            </a:extLst>
-          </p:cNvPr>
-          <p:cNvSpPr>
-            <a:spLocks noGrp="1"/>
-          </p:cNvSpPr>
-          <p:nvPr>
-            <p:ph idx="1"/>
-          </p:nvPr>
-        </p:nvSpPr>
-        <p:spPr>
-          <a:xfrm>
-            <a:off x="1141412" y="1562470"/>
-            <a:ext cx="9905999" cy="4228731"/>
-          </a:xfrm>
-        </p:spPr>
-        <p:txBody>
-          <a:bodyPr>
-            <a:normAutofit/>
-          </a:bodyPr>
-          <a:lstStyle/>
-          <a:p>
-            <a:pPr>
-              <a:buFontTx/>
-              <a:buChar char="-"/>
-            </a:pPr>
-            <a:r>
-              <a:rPr lang="en-SG" dirty="0"/>
-              <a:t>Application Insights</a:t>
-            </a:r>
-          </a:p>
-          <a:p>
-            <a:pPr>
-              <a:buFontTx/>
-              <a:buChar char="-"/>
-            </a:pPr>
-            <a:r>
-              <a:rPr lang="en-SG" dirty="0"/>
-              <a:t>Application Insights live stream and error monitoring</a:t>
-            </a:r>
-          </a:p>
-          <a:p>
-            <a:pPr>
-              <a:buFontTx/>
-              <a:buChar char="-"/>
-            </a:pPr>
-            <a:r>
-              <a:rPr lang="en-SG" dirty="0"/>
-              <a:t>Application Insights Analytics</a:t>
-            </a:r>
-          </a:p>
-          <a:p>
-            <a:pPr>
-              <a:buFontTx/>
-              <a:buChar char="-"/>
-            </a:pPr>
-            <a:endParaRPr lang="en-SG" dirty="0"/>
-          </a:p>
-          <a:p>
-            <a:endParaRPr lang="en-US" sz="3200" dirty="0"/>
-          </a:p>
-        </p:txBody>
-      </p:sp>
-    </p:spTree>
-    <p:extLst>
-      <p:ext uri="{BB962C8B-B14F-4D97-AF65-F5344CB8AC3E}">
-        <p14:creationId xmlns:p14="http://schemas.microsoft.com/office/powerpoint/2010/main" val="905292595"/>
+        <p14:creationId xmlns:p14="http://schemas.microsoft.com/office/powerpoint/2010/main" val="2699457421"/>
       </p:ext>
     </p:extLst>
   </p:cSld>

--- a/Doc/Active Learning on the Cloud - PT4.pptx
+++ b/Doc/Active Learning on the Cloud - PT4.pptx
@@ -15187,7 +15187,7 @@
         </p:spPr>
         <p:txBody>
           <a:bodyPr>
-            <a:normAutofit/>
+            <a:normAutofit fontScale="92500" lnSpcReduction="20000"/>
           </a:bodyPr>
           <a:lstStyle/>
           <a:p>
@@ -15236,8 +15236,18 @@
               <a:buChar char="-"/>
             </a:pPr>
             <a:r>
-              <a:rPr lang="en-SG"/>
+              <a:rPr lang="en-SG" dirty="0"/>
               <a:t>Cloud performance testing</a:t>
+            </a:r>
+          </a:p>
+          <a:p>
+            <a:pPr>
+              <a:buFontTx/>
+              <a:buChar char="-"/>
+            </a:pPr>
+            <a:r>
+              <a:rPr lang="en-SG" dirty="0"/>
+              <a:t>Alert</a:t>
             </a:r>
           </a:p>
           <a:p>
@@ -15248,6 +15258,16 @@
             <a:r>
               <a:rPr lang="en-SG" dirty="0"/>
               <a:t>Auto scale out and in of Web App</a:t>
+            </a:r>
+          </a:p>
+          <a:p>
+            <a:pPr>
+              <a:buFontTx/>
+              <a:buChar char="-"/>
+            </a:pPr>
+            <a:r>
+              <a:rPr lang="en-SG" dirty="0"/>
+              <a:t>MSSQL zone replication</a:t>
             </a:r>
           </a:p>
           <a:p>

--- a/Doc/Active Learning on the Cloud - PT4.pptx
+++ b/Doc/Active Learning on the Cloud - PT4.pptx
@@ -173,7 +173,7 @@
           <a:noFill/>
           <a:extLst>
             <a:ext uri="{909E8E84-426E-40dd-AFC4-6F175D3DCCD1}">
-              <a14:hiddenFill xmlns:a14="http://schemas.microsoft.com/office/drawing/2010/main" xmlns="">
+              <a14:hiddenFill xmlns="" xmlns:a14="http://schemas.microsoft.com/office/drawing/2010/main">
                 <a:solidFill>
                   <a:srgbClr val="FFFFFF"/>
                 </a:solidFill>
@@ -233,7 +233,7 @@
             </a:ln>
             <a:extLst>
               <a:ext uri="{91240B29-F687-4f45-9708-019B960494DF}">
-                <a14:hiddenLine xmlns:a14="http://schemas.microsoft.com/office/drawing/2010/main" xmlns="" w="9525">
+                <a14:hiddenLine xmlns="" xmlns:a14="http://schemas.microsoft.com/office/drawing/2010/main" w="9525">
                   <a:solidFill>
                     <a:srgbClr val="000000"/>
                   </a:solidFill>
@@ -323,7 +323,7 @@
             </a:ln>
             <a:extLst>
               <a:ext uri="{91240B29-F687-4f45-9708-019B960494DF}">
-                <a14:hiddenLine xmlns:a14="http://schemas.microsoft.com/office/drawing/2010/main" xmlns="" w="9525">
+                <a14:hiddenLine xmlns="" xmlns:a14="http://schemas.microsoft.com/office/drawing/2010/main" w="9525">
                   <a:solidFill>
                     <a:srgbClr val="000000"/>
                   </a:solidFill>
@@ -413,7 +413,7 @@
             </a:ln>
             <a:extLst>
               <a:ext uri="{91240B29-F687-4f45-9708-019B960494DF}">
-                <a14:hiddenLine xmlns:a14="http://schemas.microsoft.com/office/drawing/2010/main" xmlns="" w="9525">
+                <a14:hiddenLine xmlns="" xmlns:a14="http://schemas.microsoft.com/office/drawing/2010/main" w="9525">
                   <a:solidFill>
                     <a:srgbClr val="000000"/>
                   </a:solidFill>
@@ -447,7 +447,7 @@
             </a:ln>
             <a:extLst>
               <a:ext uri="{91240B29-F687-4f45-9708-019B960494DF}">
-                <a14:hiddenLine xmlns:a14="http://schemas.microsoft.com/office/drawing/2010/main" xmlns="" w="9525">
+                <a14:hiddenLine xmlns="" xmlns:a14="http://schemas.microsoft.com/office/drawing/2010/main" w="9525">
                   <a:solidFill>
                     <a:srgbClr val="000000"/>
                   </a:solidFill>
@@ -537,7 +537,7 @@
             </a:ln>
             <a:extLst>
               <a:ext uri="{91240B29-F687-4f45-9708-019B960494DF}">
-                <a14:hiddenLine xmlns:a14="http://schemas.microsoft.com/office/drawing/2010/main" xmlns="" w="9525">
+                <a14:hiddenLine xmlns="" xmlns:a14="http://schemas.microsoft.com/office/drawing/2010/main" w="9525">
                   <a:solidFill>
                     <a:srgbClr val="000000"/>
                   </a:solidFill>
@@ -599,7 +599,7 @@
             </a:ln>
             <a:extLst>
               <a:ext uri="{91240B29-F687-4f45-9708-019B960494DF}">
-                <a14:hiddenLine xmlns:a14="http://schemas.microsoft.com/office/drawing/2010/main" xmlns="" w="9525">
+                <a14:hiddenLine xmlns="" xmlns:a14="http://schemas.microsoft.com/office/drawing/2010/main" w="9525">
                   <a:solidFill>
                     <a:srgbClr val="000000"/>
                   </a:solidFill>
@@ -661,7 +661,7 @@
             </a:ln>
             <a:extLst>
               <a:ext uri="{91240B29-F687-4f45-9708-019B960494DF}">
-                <a14:hiddenLine xmlns:a14="http://schemas.microsoft.com/office/drawing/2010/main" xmlns="" w="9525">
+                <a14:hiddenLine xmlns="" xmlns:a14="http://schemas.microsoft.com/office/drawing/2010/main" w="9525">
                   <a:solidFill>
                     <a:srgbClr val="000000"/>
                   </a:solidFill>
@@ -751,7 +751,7 @@
             </a:ln>
             <a:extLst>
               <a:ext uri="{91240B29-F687-4f45-9708-019B960494DF}">
-                <a14:hiddenLine xmlns:a14="http://schemas.microsoft.com/office/drawing/2010/main" xmlns="" w="9525">
+                <a14:hiddenLine xmlns="" xmlns:a14="http://schemas.microsoft.com/office/drawing/2010/main" w="9525">
                   <a:solidFill>
                     <a:srgbClr val="000000"/>
                   </a:solidFill>
@@ -813,7 +813,7 @@
             </a:ln>
             <a:extLst>
               <a:ext uri="{91240B29-F687-4f45-9708-019B960494DF}">
-                <a14:hiddenLine xmlns:a14="http://schemas.microsoft.com/office/drawing/2010/main" xmlns="" w="9525">
+                <a14:hiddenLine xmlns="" xmlns:a14="http://schemas.microsoft.com/office/drawing/2010/main" w="9525">
                   <a:solidFill>
                     <a:srgbClr val="000000"/>
                   </a:solidFill>
@@ -875,7 +875,7 @@
             </a:ln>
             <a:extLst>
               <a:ext uri="{91240B29-F687-4f45-9708-019B960494DF}">
-                <a14:hiddenLine xmlns:a14="http://schemas.microsoft.com/office/drawing/2010/main" xmlns="" w="9525">
+                <a14:hiddenLine xmlns="" xmlns:a14="http://schemas.microsoft.com/office/drawing/2010/main" w="9525">
                   <a:solidFill>
                     <a:srgbClr val="000000"/>
                   </a:solidFill>
@@ -965,7 +965,7 @@
             </a:ln>
             <a:extLst>
               <a:ext uri="{91240B29-F687-4f45-9708-019B960494DF}">
-                <a14:hiddenLine xmlns:a14="http://schemas.microsoft.com/office/drawing/2010/main" xmlns="" w="9525">
+                <a14:hiddenLine xmlns="" xmlns:a14="http://schemas.microsoft.com/office/drawing/2010/main" w="9525">
                   <a:solidFill>
                     <a:srgbClr val="000000"/>
                   </a:solidFill>
@@ -1055,7 +1055,7 @@
             </a:ln>
             <a:extLst>
               <a:ext uri="{91240B29-F687-4f45-9708-019B960494DF}">
-                <a14:hiddenLine xmlns:a14="http://schemas.microsoft.com/office/drawing/2010/main" xmlns="" w="9525">
+                <a14:hiddenLine xmlns="" xmlns:a14="http://schemas.microsoft.com/office/drawing/2010/main" w="9525">
                   <a:solidFill>
                     <a:srgbClr val="000000"/>
                   </a:solidFill>
@@ -1117,7 +1117,7 @@
             </a:ln>
             <a:extLst>
               <a:ext uri="{91240B29-F687-4f45-9708-019B960494DF}">
-                <a14:hiddenLine xmlns:a14="http://schemas.microsoft.com/office/drawing/2010/main" xmlns="" w="9525">
+                <a14:hiddenLine xmlns="" xmlns:a14="http://schemas.microsoft.com/office/drawing/2010/main" w="9525">
                   <a:solidFill>
                     <a:srgbClr val="000000"/>
                   </a:solidFill>
@@ -1227,7 +1227,7 @@
             </a:ln>
             <a:extLst>
               <a:ext uri="{91240B29-F687-4f45-9708-019B960494DF}">
-                <a14:hiddenLine xmlns:a14="http://schemas.microsoft.com/office/drawing/2010/main" xmlns="" w="9525">
+                <a14:hiddenLine xmlns="" xmlns:a14="http://schemas.microsoft.com/office/drawing/2010/main" w="9525">
                   <a:solidFill>
                     <a:srgbClr val="000000"/>
                   </a:solidFill>
@@ -1289,7 +1289,7 @@
             </a:ln>
             <a:extLst>
               <a:ext uri="{91240B29-F687-4f45-9708-019B960494DF}">
-                <a14:hiddenLine xmlns:a14="http://schemas.microsoft.com/office/drawing/2010/main" xmlns="" w="9525">
+                <a14:hiddenLine xmlns="" xmlns:a14="http://schemas.microsoft.com/office/drawing/2010/main" w="9525">
                   <a:solidFill>
                     <a:srgbClr val="000000"/>
                   </a:solidFill>
@@ -1379,7 +1379,7 @@
             </a:ln>
             <a:extLst>
               <a:ext uri="{91240B29-F687-4f45-9708-019B960494DF}">
-                <a14:hiddenLine xmlns:a14="http://schemas.microsoft.com/office/drawing/2010/main" xmlns="" w="9525">
+                <a14:hiddenLine xmlns="" xmlns:a14="http://schemas.microsoft.com/office/drawing/2010/main" w="9525">
                   <a:solidFill>
                     <a:srgbClr val="000000"/>
                   </a:solidFill>
@@ -1469,7 +1469,7 @@
             </a:ln>
             <a:extLst>
               <a:ext uri="{91240B29-F687-4f45-9708-019B960494DF}">
-                <a14:hiddenLine xmlns:a14="http://schemas.microsoft.com/office/drawing/2010/main" xmlns="" w="9525">
+                <a14:hiddenLine xmlns="" xmlns:a14="http://schemas.microsoft.com/office/drawing/2010/main" w="9525">
                   <a:solidFill>
                     <a:srgbClr val="000000"/>
                   </a:solidFill>
@@ -1531,7 +1531,7 @@
             </a:ln>
             <a:extLst>
               <a:ext uri="{91240B29-F687-4f45-9708-019B960494DF}">
-                <a14:hiddenLine xmlns:a14="http://schemas.microsoft.com/office/drawing/2010/main" xmlns="" w="9525">
+                <a14:hiddenLine xmlns="" xmlns:a14="http://schemas.microsoft.com/office/drawing/2010/main" w="9525">
                   <a:solidFill>
                     <a:srgbClr val="000000"/>
                   </a:solidFill>
@@ -1621,7 +1621,7 @@
             </a:ln>
             <a:extLst>
               <a:ext uri="{91240B29-F687-4f45-9708-019B960494DF}">
-                <a14:hiddenLine xmlns:a14="http://schemas.microsoft.com/office/drawing/2010/main" xmlns="" w="9525">
+                <a14:hiddenLine xmlns="" xmlns:a14="http://schemas.microsoft.com/office/drawing/2010/main" w="9525">
                   <a:solidFill>
                     <a:srgbClr val="000000"/>
                   </a:solidFill>
@@ -1711,7 +1711,7 @@
             </a:ln>
             <a:extLst>
               <a:ext uri="{91240B29-F687-4f45-9708-019B960494DF}">
-                <a14:hiddenLine xmlns:a14="http://schemas.microsoft.com/office/drawing/2010/main" xmlns="" w="9525">
+                <a14:hiddenLine xmlns="" xmlns:a14="http://schemas.microsoft.com/office/drawing/2010/main" w="9525">
                   <a:solidFill>
                     <a:srgbClr val="000000"/>
                   </a:solidFill>
@@ -1767,7 +1767,7 @@
             </a:ln>
             <a:extLst>
               <a:ext uri="{91240B29-F687-4f45-9708-019B960494DF}">
-                <a14:hiddenLine xmlns:a14="http://schemas.microsoft.com/office/drawing/2010/main" xmlns="" w="9525">
+                <a14:hiddenLine xmlns="" xmlns:a14="http://schemas.microsoft.com/office/drawing/2010/main" w="9525">
                   <a:solidFill>
                     <a:srgbClr val="000000"/>
                   </a:solidFill>
@@ -1857,7 +1857,7 @@
             </a:ln>
             <a:extLst>
               <a:ext uri="{91240B29-F687-4f45-9708-019B960494DF}">
-                <a14:hiddenLine xmlns:a14="http://schemas.microsoft.com/office/drawing/2010/main" xmlns="" w="9525">
+                <a14:hiddenLine xmlns="" xmlns:a14="http://schemas.microsoft.com/office/drawing/2010/main" w="9525">
                   <a:solidFill>
                     <a:srgbClr val="000000"/>
                   </a:solidFill>
@@ -1913,7 +1913,7 @@
             </a:ln>
             <a:extLst>
               <a:ext uri="{91240B29-F687-4f45-9708-019B960494DF}">
-                <a14:hiddenLine xmlns:a14="http://schemas.microsoft.com/office/drawing/2010/main" xmlns="" w="9525">
+                <a14:hiddenLine xmlns="" xmlns:a14="http://schemas.microsoft.com/office/drawing/2010/main" w="9525">
                   <a:solidFill>
                     <a:srgbClr val="000000"/>
                   </a:solidFill>
@@ -2003,7 +2003,7 @@
             </a:ln>
             <a:extLst>
               <a:ext uri="{91240B29-F687-4f45-9708-019B960494DF}">
-                <a14:hiddenLine xmlns:a14="http://schemas.microsoft.com/office/drawing/2010/main" xmlns="" w="9525">
+                <a14:hiddenLine xmlns="" xmlns:a14="http://schemas.microsoft.com/office/drawing/2010/main" w="9525">
                   <a:solidFill>
                     <a:srgbClr val="000000"/>
                   </a:solidFill>
@@ -2071,7 +2071,7 @@
             </a:ln>
             <a:extLst>
               <a:ext uri="{91240B29-F687-4f45-9708-019B960494DF}">
-                <a14:hiddenLine xmlns:a14="http://schemas.microsoft.com/office/drawing/2010/main" xmlns="" w="9525">
+                <a14:hiddenLine xmlns="" xmlns:a14="http://schemas.microsoft.com/office/drawing/2010/main" w="9525">
                   <a:solidFill>
                     <a:srgbClr val="000000"/>
                   </a:solidFill>
@@ -2161,7 +2161,7 @@
             </a:ln>
             <a:extLst>
               <a:ext uri="{91240B29-F687-4f45-9708-019B960494DF}">
-                <a14:hiddenLine xmlns:a14="http://schemas.microsoft.com/office/drawing/2010/main" xmlns="" w="9525">
+                <a14:hiddenLine xmlns="" xmlns:a14="http://schemas.microsoft.com/office/drawing/2010/main" w="9525">
                   <a:solidFill>
                     <a:srgbClr val="000000"/>
                   </a:solidFill>
@@ -2229,7 +2229,7 @@
             </a:ln>
             <a:extLst>
               <a:ext uri="{91240B29-F687-4f45-9708-019B960494DF}">
-                <a14:hiddenLine xmlns:a14="http://schemas.microsoft.com/office/drawing/2010/main" xmlns="" w="9525">
+                <a14:hiddenLine xmlns="" xmlns:a14="http://schemas.microsoft.com/office/drawing/2010/main" w="9525">
                   <a:solidFill>
                     <a:srgbClr val="000000"/>
                   </a:solidFill>
@@ -2319,7 +2319,7 @@
             </a:ln>
             <a:extLst>
               <a:ext uri="{91240B29-F687-4f45-9708-019B960494DF}">
-                <a14:hiddenLine xmlns:a14="http://schemas.microsoft.com/office/drawing/2010/main" xmlns="" w="9525">
+                <a14:hiddenLine xmlns="" xmlns:a14="http://schemas.microsoft.com/office/drawing/2010/main" w="9525">
                   <a:solidFill>
                     <a:srgbClr val="000000"/>
                   </a:solidFill>
@@ -2353,7 +2353,7 @@
             </a:ln>
             <a:extLst>
               <a:ext uri="{91240B29-F687-4f45-9708-019B960494DF}">
-                <a14:hiddenLine xmlns:a14="http://schemas.microsoft.com/office/drawing/2010/main" xmlns="" w="9525">
+                <a14:hiddenLine xmlns="" xmlns:a14="http://schemas.microsoft.com/office/drawing/2010/main" w="9525">
                   <a:solidFill>
                     <a:srgbClr val="000000"/>
                   </a:solidFill>
@@ -2443,7 +2443,7 @@
             </a:ln>
             <a:extLst>
               <a:ext uri="{91240B29-F687-4f45-9708-019B960494DF}">
-                <a14:hiddenLine xmlns:a14="http://schemas.microsoft.com/office/drawing/2010/main" xmlns="" w="9525">
+                <a14:hiddenLine xmlns="" xmlns:a14="http://schemas.microsoft.com/office/drawing/2010/main" w="9525">
                   <a:solidFill>
                     <a:srgbClr val="000000"/>
                   </a:solidFill>
@@ -2505,7 +2505,7 @@
             </a:ln>
             <a:extLst>
               <a:ext uri="{91240B29-F687-4f45-9708-019B960494DF}">
-                <a14:hiddenLine xmlns:a14="http://schemas.microsoft.com/office/drawing/2010/main" xmlns="" w="9525">
+                <a14:hiddenLine xmlns="" xmlns:a14="http://schemas.microsoft.com/office/drawing/2010/main" w="9525">
                   <a:solidFill>
                     <a:srgbClr val="000000"/>
                   </a:solidFill>
@@ -2567,7 +2567,7 @@
             </a:ln>
             <a:extLst>
               <a:ext uri="{91240B29-F687-4f45-9708-019B960494DF}">
-                <a14:hiddenLine xmlns:a14="http://schemas.microsoft.com/office/drawing/2010/main" xmlns="" w="9525">
+                <a14:hiddenLine xmlns="" xmlns:a14="http://schemas.microsoft.com/office/drawing/2010/main" w="9525">
                   <a:solidFill>
                     <a:srgbClr val="000000"/>
                   </a:solidFill>
@@ -2657,7 +2657,7 @@
             </a:ln>
             <a:extLst>
               <a:ext uri="{91240B29-F687-4f45-9708-019B960494DF}">
-                <a14:hiddenLine xmlns:a14="http://schemas.microsoft.com/office/drawing/2010/main" xmlns="" w="9525">
+                <a14:hiddenLine xmlns="" xmlns:a14="http://schemas.microsoft.com/office/drawing/2010/main" w="9525">
                   <a:solidFill>
                     <a:srgbClr val="000000"/>
                   </a:solidFill>
@@ -2725,7 +2725,7 @@
             </a:ln>
             <a:extLst>
               <a:ext uri="{91240B29-F687-4f45-9708-019B960494DF}">
-                <a14:hiddenLine xmlns:a14="http://schemas.microsoft.com/office/drawing/2010/main" xmlns="" w="9525">
+                <a14:hiddenLine xmlns="" xmlns:a14="http://schemas.microsoft.com/office/drawing/2010/main" w="9525">
                   <a:solidFill>
                     <a:srgbClr val="000000"/>
                   </a:solidFill>
@@ -2787,7 +2787,7 @@
             </a:ln>
             <a:extLst>
               <a:ext uri="{91240B29-F687-4f45-9708-019B960494DF}">
-                <a14:hiddenLine xmlns:a14="http://schemas.microsoft.com/office/drawing/2010/main" xmlns="" w="9525">
+                <a14:hiddenLine xmlns="" xmlns:a14="http://schemas.microsoft.com/office/drawing/2010/main" w="9525">
                   <a:solidFill>
                     <a:srgbClr val="000000"/>
                   </a:solidFill>
@@ -2877,7 +2877,7 @@
             </a:ln>
             <a:extLst>
               <a:ext uri="{91240B29-F687-4f45-9708-019B960494DF}">
-                <a14:hiddenLine xmlns:a14="http://schemas.microsoft.com/office/drawing/2010/main" xmlns="" w="9525">
+                <a14:hiddenLine xmlns="" xmlns:a14="http://schemas.microsoft.com/office/drawing/2010/main" w="9525">
                   <a:solidFill>
                     <a:srgbClr val="000000"/>
                   </a:solidFill>
@@ -2939,7 +2939,7 @@
             </a:ln>
             <a:extLst>
               <a:ext uri="{91240B29-F687-4f45-9708-019B960494DF}">
-                <a14:hiddenLine xmlns:a14="http://schemas.microsoft.com/office/drawing/2010/main" xmlns="" w="9525">
+                <a14:hiddenLine xmlns="" xmlns:a14="http://schemas.microsoft.com/office/drawing/2010/main" w="9525">
                   <a:solidFill>
                     <a:srgbClr val="000000"/>
                   </a:solidFill>
@@ -3029,7 +3029,7 @@
             </a:ln>
             <a:extLst>
               <a:ext uri="{91240B29-F687-4f45-9708-019B960494DF}">
-                <a14:hiddenLine xmlns:a14="http://schemas.microsoft.com/office/drawing/2010/main" xmlns="" w="9525">
+                <a14:hiddenLine xmlns="" xmlns:a14="http://schemas.microsoft.com/office/drawing/2010/main" w="9525">
                   <a:solidFill>
                     <a:srgbClr val="000000"/>
                   </a:solidFill>
@@ -3091,7 +3091,7 @@
             </a:ln>
             <a:extLst>
               <a:ext uri="{91240B29-F687-4f45-9708-019B960494DF}">
-                <a14:hiddenLine xmlns:a14="http://schemas.microsoft.com/office/drawing/2010/main" xmlns="" w="9525">
+                <a14:hiddenLine xmlns="" xmlns:a14="http://schemas.microsoft.com/office/drawing/2010/main" w="9525">
                   <a:solidFill>
                     <a:srgbClr val="000000"/>
                   </a:solidFill>
@@ -3181,7 +3181,7 @@
             </a:ln>
             <a:extLst>
               <a:ext uri="{91240B29-F687-4f45-9708-019B960494DF}">
-                <a14:hiddenLine xmlns:a14="http://schemas.microsoft.com/office/drawing/2010/main" xmlns="" w="9525">
+                <a14:hiddenLine xmlns="" xmlns:a14="http://schemas.microsoft.com/office/drawing/2010/main" w="9525">
                   <a:solidFill>
                     <a:srgbClr val="000000"/>
                   </a:solidFill>
@@ -3215,7 +3215,7 @@
             </a:ln>
             <a:extLst>
               <a:ext uri="{91240B29-F687-4f45-9708-019B960494DF}">
-                <a14:hiddenLine xmlns:a14="http://schemas.microsoft.com/office/drawing/2010/main" xmlns="" w="9525">
+                <a14:hiddenLine xmlns="" xmlns:a14="http://schemas.microsoft.com/office/drawing/2010/main" w="9525">
                   <a:solidFill>
                     <a:srgbClr val="000000"/>
                   </a:solidFill>
@@ -3280,7 +3280,7 @@
             </a:ln>
             <a:extLst>
               <a:ext uri="{91240B29-F687-4f45-9708-019B960494DF}">
-                <a14:hiddenLine xmlns:a14="http://schemas.microsoft.com/office/drawing/2010/main" xmlns="" w="9525">
+                <a14:hiddenLine xmlns="" xmlns:a14="http://schemas.microsoft.com/office/drawing/2010/main" w="9525">
                   <a:solidFill>
                     <a:srgbClr val="000000"/>
                   </a:solidFill>
@@ -3370,7 +3370,7 @@
             </a:ln>
             <a:extLst>
               <a:ext uri="{91240B29-F687-4f45-9708-019B960494DF}">
-                <a14:hiddenLine xmlns:a14="http://schemas.microsoft.com/office/drawing/2010/main" xmlns="" w="9525">
+                <a14:hiddenLine xmlns="" xmlns:a14="http://schemas.microsoft.com/office/drawing/2010/main" w="9525">
                   <a:solidFill>
                     <a:srgbClr val="000000"/>
                   </a:solidFill>
@@ -3432,7 +3432,7 @@
             </a:ln>
             <a:extLst>
               <a:ext uri="{91240B29-F687-4f45-9708-019B960494DF}">
-                <a14:hiddenLine xmlns:a14="http://schemas.microsoft.com/office/drawing/2010/main" xmlns="" w="9525">
+                <a14:hiddenLine xmlns="" xmlns:a14="http://schemas.microsoft.com/office/drawing/2010/main" w="9525">
                   <a:solidFill>
                     <a:srgbClr val="000000"/>
                   </a:solidFill>
@@ -3522,7 +3522,7 @@
             </a:ln>
             <a:extLst>
               <a:ext uri="{91240B29-F687-4f45-9708-019B960494DF}">
-                <a14:hiddenLine xmlns:a14="http://schemas.microsoft.com/office/drawing/2010/main" xmlns="" w="9525">
+                <a14:hiddenLine xmlns="" xmlns:a14="http://schemas.microsoft.com/office/drawing/2010/main" w="9525">
                   <a:solidFill>
                     <a:srgbClr val="000000"/>
                   </a:solidFill>
@@ -3612,7 +3612,7 @@
             </a:ln>
             <a:extLst>
               <a:ext uri="{91240B29-F687-4f45-9708-019B960494DF}">
-                <a14:hiddenLine xmlns:a14="http://schemas.microsoft.com/office/drawing/2010/main" xmlns="" w="9525">
+                <a14:hiddenLine xmlns="" xmlns:a14="http://schemas.microsoft.com/office/drawing/2010/main" w="9525">
                   <a:solidFill>
                     <a:srgbClr val="000000"/>
                   </a:solidFill>
@@ -3677,7 +3677,7 @@
             </a:ln>
             <a:extLst>
               <a:ext uri="{91240B29-F687-4f45-9708-019B960494DF}">
-                <a14:hiddenLine xmlns:a14="http://schemas.microsoft.com/office/drawing/2010/main" xmlns="" w="9525">
+                <a14:hiddenLine xmlns="" xmlns:a14="http://schemas.microsoft.com/office/drawing/2010/main" w="9525">
                   <a:solidFill>
                     <a:srgbClr val="000000"/>
                   </a:solidFill>
@@ -3739,7 +3739,7 @@
             </a:ln>
             <a:extLst>
               <a:ext uri="{91240B29-F687-4f45-9708-019B960494DF}">
-                <a14:hiddenLine xmlns:a14="http://schemas.microsoft.com/office/drawing/2010/main" xmlns="" w="9525">
+                <a14:hiddenLine xmlns="" xmlns:a14="http://schemas.microsoft.com/office/drawing/2010/main" w="9525">
                   <a:solidFill>
                     <a:srgbClr val="000000"/>
                   </a:solidFill>
@@ -3829,7 +3829,7 @@
             </a:ln>
             <a:extLst>
               <a:ext uri="{91240B29-F687-4f45-9708-019B960494DF}">
-                <a14:hiddenLine xmlns:a14="http://schemas.microsoft.com/office/drawing/2010/main" xmlns="" w="9525">
+                <a14:hiddenLine xmlns="" xmlns:a14="http://schemas.microsoft.com/office/drawing/2010/main" w="9525">
                   <a:solidFill>
                     <a:srgbClr val="000000"/>
                   </a:solidFill>
@@ -3919,7 +3919,7 @@
             </a:ln>
             <a:extLst>
               <a:ext uri="{91240B29-F687-4f45-9708-019B960494DF}">
-                <a14:hiddenLine xmlns:a14="http://schemas.microsoft.com/office/drawing/2010/main" xmlns="" w="9525">
+                <a14:hiddenLine xmlns="" xmlns:a14="http://schemas.microsoft.com/office/drawing/2010/main" w="9525">
                   <a:solidFill>
                     <a:srgbClr val="000000"/>
                   </a:solidFill>
@@ -3981,7 +3981,7 @@
             </a:ln>
             <a:extLst>
               <a:ext uri="{91240B29-F687-4f45-9708-019B960494DF}">
-                <a14:hiddenLine xmlns:a14="http://schemas.microsoft.com/office/drawing/2010/main" xmlns="" w="9525">
+                <a14:hiddenLine xmlns="" xmlns:a14="http://schemas.microsoft.com/office/drawing/2010/main" w="9525">
                   <a:solidFill>
                     <a:srgbClr val="000000"/>
                   </a:solidFill>
@@ -4101,7 +4101,7 @@
             </a:ln>
             <a:extLst>
               <a:ext uri="{91240B29-F687-4f45-9708-019B960494DF}">
-                <a14:hiddenLine xmlns:a14="http://schemas.microsoft.com/office/drawing/2010/main" xmlns="" w="9525">
+                <a14:hiddenLine xmlns="" xmlns:a14="http://schemas.microsoft.com/office/drawing/2010/main" w="9525">
                   <a:solidFill>
                     <a:srgbClr val="000000"/>
                   </a:solidFill>
@@ -4169,7 +4169,7 @@
             </a:ln>
             <a:extLst>
               <a:ext uri="{91240B29-F687-4f45-9708-019B960494DF}">
-                <a14:hiddenLine xmlns:a14="http://schemas.microsoft.com/office/drawing/2010/main" xmlns="" w="9525">
+                <a14:hiddenLine xmlns="" xmlns:a14="http://schemas.microsoft.com/office/drawing/2010/main" w="9525">
                   <a:solidFill>
                     <a:srgbClr val="000000"/>
                   </a:solidFill>
@@ -4259,7 +4259,7 @@
             </a:ln>
             <a:extLst>
               <a:ext uri="{91240B29-F687-4f45-9708-019B960494DF}">
-                <a14:hiddenLine xmlns:a14="http://schemas.microsoft.com/office/drawing/2010/main" xmlns="" w="9525">
+                <a14:hiddenLine xmlns="" xmlns:a14="http://schemas.microsoft.com/office/drawing/2010/main" w="9525">
                   <a:solidFill>
                     <a:srgbClr val="000000"/>
                   </a:solidFill>
@@ -4399,7 +4399,7 @@
           <a:p>
             <a:fld id="{EEF8A2C3-4F61-4362-8260-30DF30FFD1D5}" type="datetimeFigureOut">
               <a:rPr lang="en-SG" smtClean="0"/>
-              <a:t>30/6/2017</a:t>
+              <a:t>1/7/2017</a:t>
             </a:fld>
             <a:endParaRPr lang="en-SG"/>
           </a:p>
@@ -4666,7 +4666,7 @@
           <a:p>
             <a:fld id="{EEF8A2C3-4F61-4362-8260-30DF30FFD1D5}" type="datetimeFigureOut">
               <a:rPr lang="en-SG" smtClean="0"/>
-              <a:t>30/6/2017</a:t>
+              <a:t>1/7/2017</a:t>
             </a:fld>
             <a:endParaRPr lang="en-SG"/>
           </a:p>
@@ -4862,7 +4862,7 @@
           <a:p>
             <a:fld id="{EEF8A2C3-4F61-4362-8260-30DF30FFD1D5}" type="datetimeFigureOut">
               <a:rPr lang="en-SG" smtClean="0"/>
-              <a:t>30/6/2017</a:t>
+              <a:t>1/7/2017</a:t>
             </a:fld>
             <a:endParaRPr lang="en-SG"/>
           </a:p>
@@ -5125,7 +5125,7 @@
           <a:p>
             <a:fld id="{EEF8A2C3-4F61-4362-8260-30DF30FFD1D5}" type="datetimeFigureOut">
               <a:rPr lang="en-SG" smtClean="0"/>
-              <a:t>30/6/2017</a:t>
+              <a:t>1/7/2017</a:t>
             </a:fld>
             <a:endParaRPr lang="en-SG"/>
           </a:p>
@@ -5559,7 +5559,7 @@
           <a:p>
             <a:fld id="{EEF8A2C3-4F61-4362-8260-30DF30FFD1D5}" type="datetimeFigureOut">
               <a:rPr lang="en-SG" smtClean="0"/>
-              <a:t>30/6/2017</a:t>
+              <a:t>1/7/2017</a:t>
             </a:fld>
             <a:endParaRPr lang="en-SG"/>
           </a:p>
@@ -6105,7 +6105,7 @@
           <a:p>
             <a:fld id="{EEF8A2C3-4F61-4362-8260-30DF30FFD1D5}" type="datetimeFigureOut">
               <a:rPr lang="en-SG" smtClean="0"/>
-              <a:t>30/6/2017</a:t>
+              <a:t>1/7/2017</a:t>
             </a:fld>
             <a:endParaRPr lang="en-SG"/>
           </a:p>
@@ -6825,7 +6825,7 @@
           <a:p>
             <a:fld id="{EEF8A2C3-4F61-4362-8260-30DF30FFD1D5}" type="datetimeFigureOut">
               <a:rPr lang="en-SG" smtClean="0"/>
-              <a:t>30/6/2017</a:t>
+              <a:t>1/7/2017</a:t>
             </a:fld>
             <a:endParaRPr lang="en-SG"/>
           </a:p>
@@ -6995,7 +6995,7 @@
           <a:p>
             <a:fld id="{EEF8A2C3-4F61-4362-8260-30DF30FFD1D5}" type="datetimeFigureOut">
               <a:rPr lang="en-SG" smtClean="0"/>
-              <a:t>30/6/2017</a:t>
+              <a:t>1/7/2017</a:t>
             </a:fld>
             <a:endParaRPr lang="en-SG"/>
           </a:p>
@@ -7175,7 +7175,7 @@
           <a:p>
             <a:fld id="{EEF8A2C3-4F61-4362-8260-30DF30FFD1D5}" type="datetimeFigureOut">
               <a:rPr lang="en-SG" smtClean="0"/>
-              <a:t>30/6/2017</a:t>
+              <a:t>1/7/2017</a:t>
             </a:fld>
             <a:endParaRPr lang="en-SG"/>
           </a:p>
@@ -7345,7 +7345,7 @@
           <a:p>
             <a:fld id="{EEF8A2C3-4F61-4362-8260-30DF30FFD1D5}" type="datetimeFigureOut">
               <a:rPr lang="en-SG" smtClean="0"/>
-              <a:t>30/6/2017</a:t>
+              <a:t>1/7/2017</a:t>
             </a:fld>
             <a:endParaRPr lang="en-SG"/>
           </a:p>
@@ -7595,7 +7595,7 @@
           <a:p>
             <a:fld id="{EEF8A2C3-4F61-4362-8260-30DF30FFD1D5}" type="datetimeFigureOut">
               <a:rPr lang="en-SG" smtClean="0"/>
-              <a:t>30/6/2017</a:t>
+              <a:t>1/7/2017</a:t>
             </a:fld>
             <a:endParaRPr lang="en-SG"/>
           </a:p>
@@ -7827,7 +7827,7 @@
           <a:p>
             <a:fld id="{EEF8A2C3-4F61-4362-8260-30DF30FFD1D5}" type="datetimeFigureOut">
               <a:rPr lang="en-SG" smtClean="0"/>
-              <a:t>30/6/2017</a:t>
+              <a:t>1/7/2017</a:t>
             </a:fld>
             <a:endParaRPr lang="en-SG"/>
           </a:p>
@@ -8208,7 +8208,7 @@
           <a:p>
             <a:fld id="{EEF8A2C3-4F61-4362-8260-30DF30FFD1D5}" type="datetimeFigureOut">
               <a:rPr lang="en-SG" smtClean="0"/>
-              <a:t>30/6/2017</a:t>
+              <a:t>1/7/2017</a:t>
             </a:fld>
             <a:endParaRPr lang="en-SG"/>
           </a:p>
@@ -8326,7 +8326,7 @@
           <a:p>
             <a:fld id="{EEF8A2C3-4F61-4362-8260-30DF30FFD1D5}" type="datetimeFigureOut">
               <a:rPr lang="en-SG" smtClean="0"/>
-              <a:t>30/6/2017</a:t>
+              <a:t>1/7/2017</a:t>
             </a:fld>
             <a:endParaRPr lang="en-SG"/>
           </a:p>
@@ -8421,7 +8421,7 @@
           <a:p>
             <a:fld id="{EEF8A2C3-4F61-4362-8260-30DF30FFD1D5}" type="datetimeFigureOut">
               <a:rPr lang="en-SG" smtClean="0"/>
-              <a:t>30/6/2017</a:t>
+              <a:t>1/7/2017</a:t>
             </a:fld>
             <a:endParaRPr lang="en-SG"/>
           </a:p>
@@ -8670,7 +8670,7 @@
           <a:p>
             <a:fld id="{EEF8A2C3-4F61-4362-8260-30DF30FFD1D5}" type="datetimeFigureOut">
               <a:rPr lang="en-SG" smtClean="0"/>
-              <a:t>30/6/2017</a:t>
+              <a:t>1/7/2017</a:t>
             </a:fld>
             <a:endParaRPr lang="en-SG"/>
           </a:p>
@@ -8950,7 +8950,7 @@
           <a:p>
             <a:fld id="{EEF8A2C3-4F61-4362-8260-30DF30FFD1D5}" type="datetimeFigureOut">
               <a:rPr lang="en-SG" smtClean="0"/>
-              <a:t>30/6/2017</a:t>
+              <a:t>1/7/2017</a:t>
             </a:fld>
             <a:endParaRPr lang="en-SG"/>
           </a:p>
@@ -9066,7 +9066,7 @@
           <a:noFill/>
           <a:extLst>
             <a:ext uri="{909E8E84-426E-40dd-AFC4-6F175D3DCCD1}">
-              <a14:hiddenFill xmlns:a14="http://schemas.microsoft.com/office/drawing/2010/main" xmlns="">
+              <a14:hiddenFill xmlns="" xmlns:a14="http://schemas.microsoft.com/office/drawing/2010/main">
                 <a:solidFill>
                   <a:srgbClr val="FFFFFF"/>
                 </a:solidFill>
@@ -9140,7 +9140,7 @@
               </a:ln>
               <a:extLst>
                 <a:ext uri="{91240B29-F687-4f45-9708-019B960494DF}">
-                  <a14:hiddenLine xmlns:a14="http://schemas.microsoft.com/office/drawing/2010/main" xmlns="" w="9525">
+                  <a14:hiddenLine xmlns="" xmlns:a14="http://schemas.microsoft.com/office/drawing/2010/main" w="9525">
                     <a:solidFill>
                       <a:srgbClr val="000000"/>
                     </a:solidFill>
@@ -9230,7 +9230,7 @@
               </a:ln>
               <a:extLst>
                 <a:ext uri="{91240B29-F687-4f45-9708-019B960494DF}">
-                  <a14:hiddenLine xmlns:a14="http://schemas.microsoft.com/office/drawing/2010/main" xmlns="" w="9525">
+                  <a14:hiddenLine xmlns="" xmlns:a14="http://schemas.microsoft.com/office/drawing/2010/main" w="9525">
                     <a:solidFill>
                       <a:srgbClr val="000000"/>
                     </a:solidFill>
@@ -9320,7 +9320,7 @@
               </a:ln>
               <a:extLst>
                 <a:ext uri="{91240B29-F687-4f45-9708-019B960494DF}">
-                  <a14:hiddenLine xmlns:a14="http://schemas.microsoft.com/office/drawing/2010/main" xmlns="" w="9525">
+                  <a14:hiddenLine xmlns="" xmlns:a14="http://schemas.microsoft.com/office/drawing/2010/main" w="9525">
                     <a:solidFill>
                       <a:srgbClr val="000000"/>
                     </a:solidFill>
@@ -9382,7 +9382,7 @@
               </a:ln>
               <a:extLst>
                 <a:ext uri="{91240B29-F687-4f45-9708-019B960494DF}">
-                  <a14:hiddenLine xmlns:a14="http://schemas.microsoft.com/office/drawing/2010/main" xmlns="" w="9525">
+                  <a14:hiddenLine xmlns="" xmlns:a14="http://schemas.microsoft.com/office/drawing/2010/main" w="9525">
                     <a:solidFill>
                       <a:srgbClr val="000000"/>
                     </a:solidFill>
@@ -9472,7 +9472,7 @@
               </a:ln>
               <a:extLst>
                 <a:ext uri="{91240B29-F687-4f45-9708-019B960494DF}">
-                  <a14:hiddenLine xmlns:a14="http://schemas.microsoft.com/office/drawing/2010/main" xmlns="" w="9525">
+                  <a14:hiddenLine xmlns="" xmlns:a14="http://schemas.microsoft.com/office/drawing/2010/main" w="9525">
                     <a:solidFill>
                       <a:srgbClr val="000000"/>
                     </a:solidFill>
@@ -9534,7 +9534,7 @@
               </a:ln>
               <a:extLst>
                 <a:ext uri="{91240B29-F687-4f45-9708-019B960494DF}">
-                  <a14:hiddenLine xmlns:a14="http://schemas.microsoft.com/office/drawing/2010/main" xmlns="" w="9525">
+                  <a14:hiddenLine xmlns="" xmlns:a14="http://schemas.microsoft.com/office/drawing/2010/main" w="9525">
                     <a:solidFill>
                       <a:srgbClr val="000000"/>
                     </a:solidFill>
@@ -9596,7 +9596,7 @@
               </a:ln>
               <a:extLst>
                 <a:ext uri="{91240B29-F687-4f45-9708-019B960494DF}">
-                  <a14:hiddenLine xmlns:a14="http://schemas.microsoft.com/office/drawing/2010/main" xmlns="" w="9525">
+                  <a14:hiddenLine xmlns="" xmlns:a14="http://schemas.microsoft.com/office/drawing/2010/main" w="9525">
                     <a:solidFill>
                       <a:srgbClr val="000000"/>
                     </a:solidFill>
@@ -9686,7 +9686,7 @@
               </a:ln>
               <a:extLst>
                 <a:ext uri="{91240B29-F687-4f45-9708-019B960494DF}">
-                  <a14:hiddenLine xmlns:a14="http://schemas.microsoft.com/office/drawing/2010/main" xmlns="" w="9525">
+                  <a14:hiddenLine xmlns="" xmlns:a14="http://schemas.microsoft.com/office/drawing/2010/main" w="9525">
                     <a:solidFill>
                       <a:srgbClr val="000000"/>
                     </a:solidFill>
@@ -9776,7 +9776,7 @@
               </a:ln>
               <a:extLst>
                 <a:ext uri="{91240B29-F687-4f45-9708-019B960494DF}">
-                  <a14:hiddenLine xmlns:a14="http://schemas.microsoft.com/office/drawing/2010/main" xmlns="" w="9525">
+                  <a14:hiddenLine xmlns="" xmlns:a14="http://schemas.microsoft.com/office/drawing/2010/main" w="9525">
                     <a:solidFill>
                       <a:srgbClr val="000000"/>
                     </a:solidFill>
@@ -9838,7 +9838,7 @@
               </a:ln>
               <a:extLst>
                 <a:ext uri="{91240B29-F687-4f45-9708-019B960494DF}">
-                  <a14:hiddenLine xmlns:a14="http://schemas.microsoft.com/office/drawing/2010/main" xmlns="" w="9525">
+                  <a14:hiddenLine xmlns="" xmlns:a14="http://schemas.microsoft.com/office/drawing/2010/main" w="9525">
                     <a:solidFill>
                       <a:srgbClr val="000000"/>
                     </a:solidFill>
@@ -9948,7 +9948,7 @@
               </a:ln>
               <a:extLst>
                 <a:ext uri="{91240B29-F687-4f45-9708-019B960494DF}">
-                  <a14:hiddenLine xmlns:a14="http://schemas.microsoft.com/office/drawing/2010/main" xmlns="" w="9525">
+                  <a14:hiddenLine xmlns="" xmlns:a14="http://schemas.microsoft.com/office/drawing/2010/main" w="9525">
                     <a:solidFill>
                       <a:srgbClr val="000000"/>
                     </a:solidFill>
@@ -10032,7 +10032,7 @@
               </a:ln>
               <a:extLst>
                 <a:ext uri="{91240B29-F687-4f45-9708-019B960494DF}">
-                  <a14:hiddenLine xmlns:a14="http://schemas.microsoft.com/office/drawing/2010/main" xmlns="" w="9525">
+                  <a14:hiddenLine xmlns="" xmlns:a14="http://schemas.microsoft.com/office/drawing/2010/main" w="9525">
                     <a:solidFill>
                       <a:srgbClr val="000000"/>
                     </a:solidFill>
@@ -10094,7 +10094,7 @@
               </a:ln>
               <a:extLst>
                 <a:ext uri="{91240B29-F687-4f45-9708-019B960494DF}">
-                  <a14:hiddenLine xmlns:a14="http://schemas.microsoft.com/office/drawing/2010/main" xmlns="" w="9525">
+                  <a14:hiddenLine xmlns="" xmlns:a14="http://schemas.microsoft.com/office/drawing/2010/main" w="9525">
                     <a:solidFill>
                       <a:srgbClr val="000000"/>
                     </a:solidFill>
@@ -10156,7 +10156,7 @@
               </a:ln>
               <a:extLst>
                 <a:ext uri="{91240B29-F687-4f45-9708-019B960494DF}">
-                  <a14:hiddenLine xmlns:a14="http://schemas.microsoft.com/office/drawing/2010/main" xmlns="" w="9525">
+                  <a14:hiddenLine xmlns="" xmlns:a14="http://schemas.microsoft.com/office/drawing/2010/main" w="9525">
                     <a:solidFill>
                       <a:srgbClr val="000000"/>
                     </a:solidFill>
@@ -10246,7 +10246,7 @@
               </a:ln>
               <a:extLst>
                 <a:ext uri="{91240B29-F687-4f45-9708-019B960494DF}">
-                  <a14:hiddenLine xmlns:a14="http://schemas.microsoft.com/office/drawing/2010/main" xmlns="" w="9525">
+                  <a14:hiddenLine xmlns="" xmlns:a14="http://schemas.microsoft.com/office/drawing/2010/main" w="9525">
                     <a:solidFill>
                       <a:srgbClr val="000000"/>
                     </a:solidFill>
@@ -10280,7 +10280,7 @@
               </a:ln>
               <a:extLst>
                 <a:ext uri="{91240B29-F687-4f45-9708-019B960494DF}">
-                  <a14:hiddenLine xmlns:a14="http://schemas.microsoft.com/office/drawing/2010/main" xmlns="" w="9525">
+                  <a14:hiddenLine xmlns="" xmlns:a14="http://schemas.microsoft.com/office/drawing/2010/main" w="9525">
                     <a:solidFill>
                       <a:srgbClr val="000000"/>
                     </a:solidFill>
@@ -10345,7 +10345,7 @@
               </a:ln>
               <a:extLst>
                 <a:ext uri="{91240B29-F687-4f45-9708-019B960494DF}">
-                  <a14:hiddenLine xmlns:a14="http://schemas.microsoft.com/office/drawing/2010/main" xmlns="" w="9525">
+                  <a14:hiddenLine xmlns="" xmlns:a14="http://schemas.microsoft.com/office/drawing/2010/main" w="9525">
                     <a:solidFill>
                       <a:srgbClr val="000000"/>
                     </a:solidFill>
@@ -10435,7 +10435,7 @@
               </a:ln>
               <a:extLst>
                 <a:ext uri="{91240B29-F687-4f45-9708-019B960494DF}">
-                  <a14:hiddenLine xmlns:a14="http://schemas.microsoft.com/office/drawing/2010/main" xmlns="" w="9525">
+                  <a14:hiddenLine xmlns="" xmlns:a14="http://schemas.microsoft.com/office/drawing/2010/main" w="9525">
                     <a:solidFill>
                       <a:srgbClr val="000000"/>
                     </a:solidFill>
@@ -10497,7 +10497,7 @@
               </a:ln>
               <a:extLst>
                 <a:ext uri="{91240B29-F687-4f45-9708-019B960494DF}">
-                  <a14:hiddenLine xmlns:a14="http://schemas.microsoft.com/office/drawing/2010/main" xmlns="" w="9525">
+                  <a14:hiddenLine xmlns="" xmlns:a14="http://schemas.microsoft.com/office/drawing/2010/main" w="9525">
                     <a:solidFill>
                       <a:srgbClr val="000000"/>
                     </a:solidFill>
@@ -10587,7 +10587,7 @@
               </a:ln>
               <a:extLst>
                 <a:ext uri="{91240B29-F687-4f45-9708-019B960494DF}">
-                  <a14:hiddenLine xmlns:a14="http://schemas.microsoft.com/office/drawing/2010/main" xmlns="" w="9525">
+                  <a14:hiddenLine xmlns="" xmlns:a14="http://schemas.microsoft.com/office/drawing/2010/main" w="9525">
                     <a:solidFill>
                       <a:srgbClr val="000000"/>
                     </a:solidFill>
@@ -10652,7 +10652,7 @@
               </a:ln>
               <a:extLst>
                 <a:ext uri="{91240B29-F687-4f45-9708-019B960494DF}">
-                  <a14:hiddenLine xmlns:a14="http://schemas.microsoft.com/office/drawing/2010/main" xmlns="" w="9525">
+                  <a14:hiddenLine xmlns="" xmlns:a14="http://schemas.microsoft.com/office/drawing/2010/main" w="9525">
                     <a:solidFill>
                       <a:srgbClr val="000000"/>
                     </a:solidFill>
@@ -10714,7 +10714,7 @@
               </a:ln>
               <a:extLst>
                 <a:ext uri="{91240B29-F687-4f45-9708-019B960494DF}">
-                  <a14:hiddenLine xmlns:a14="http://schemas.microsoft.com/office/drawing/2010/main" xmlns="" w="9525">
+                  <a14:hiddenLine xmlns="" xmlns:a14="http://schemas.microsoft.com/office/drawing/2010/main" w="9525">
                     <a:solidFill>
                       <a:srgbClr val="000000"/>
                     </a:solidFill>
@@ -10804,7 +10804,7 @@
               </a:ln>
               <a:extLst>
                 <a:ext uri="{91240B29-F687-4f45-9708-019B960494DF}">
-                  <a14:hiddenLine xmlns:a14="http://schemas.microsoft.com/office/drawing/2010/main" xmlns="" w="9525">
+                  <a14:hiddenLine xmlns="" xmlns:a14="http://schemas.microsoft.com/office/drawing/2010/main" w="9525">
                     <a:solidFill>
                       <a:srgbClr val="000000"/>
                     </a:solidFill>
@@ -10894,7 +10894,7 @@
               </a:ln>
               <a:extLst>
                 <a:ext uri="{91240B29-F687-4f45-9708-019B960494DF}">
-                  <a14:hiddenLine xmlns:a14="http://schemas.microsoft.com/office/drawing/2010/main" xmlns="" w="9525">
+                  <a14:hiddenLine xmlns="" xmlns:a14="http://schemas.microsoft.com/office/drawing/2010/main" w="9525">
                     <a:solidFill>
                       <a:srgbClr val="000000"/>
                     </a:solidFill>
@@ -10959,7 +10959,7 @@
               </a:ln>
               <a:extLst>
                 <a:ext uri="{91240B29-F687-4f45-9708-019B960494DF}">
-                  <a14:hiddenLine xmlns:a14="http://schemas.microsoft.com/office/drawing/2010/main" xmlns="" w="9525">
+                  <a14:hiddenLine xmlns="" xmlns:a14="http://schemas.microsoft.com/office/drawing/2010/main" w="9525">
                     <a:solidFill>
                       <a:srgbClr val="000000"/>
                     </a:solidFill>
@@ -11079,7 +11079,7 @@
               </a:ln>
               <a:extLst>
                 <a:ext uri="{91240B29-F687-4f45-9708-019B960494DF}">
-                  <a14:hiddenLine xmlns:a14="http://schemas.microsoft.com/office/drawing/2010/main" xmlns="" w="9525">
+                  <a14:hiddenLine xmlns="" xmlns:a14="http://schemas.microsoft.com/office/drawing/2010/main" w="9525">
                     <a:solidFill>
                       <a:srgbClr val="000000"/>
                     </a:solidFill>
@@ -11177,7 +11177,7 @@
               </a:ln>
               <a:extLst>
                 <a:ext uri="{91240B29-F687-4f45-9708-019B960494DF}">
-                  <a14:hiddenLine xmlns:a14="http://schemas.microsoft.com/office/drawing/2010/main" xmlns="" w="9525">
+                  <a14:hiddenLine xmlns="" xmlns:a14="http://schemas.microsoft.com/office/drawing/2010/main" w="9525">
                     <a:solidFill>
                       <a:srgbClr val="000000"/>
                     </a:solidFill>
@@ -11292,7 +11292,7 @@
               </a:ln>
               <a:extLst>
                 <a:ext uri="{91240B29-F687-4f45-9708-019B960494DF}">
-                  <a14:hiddenLine xmlns:a14="http://schemas.microsoft.com/office/drawing/2010/main" xmlns="" w="9525">
+                  <a14:hiddenLine xmlns="" xmlns:a14="http://schemas.microsoft.com/office/drawing/2010/main" w="9525">
                     <a:solidFill>
                       <a:srgbClr val="000000"/>
                     </a:solidFill>
@@ -11382,7 +11382,7 @@
               </a:ln>
               <a:extLst>
                 <a:ext uri="{91240B29-F687-4f45-9708-019B960494DF}">
-                  <a14:hiddenLine xmlns:a14="http://schemas.microsoft.com/office/drawing/2010/main" xmlns="" w="9525">
+                  <a14:hiddenLine xmlns="" xmlns:a14="http://schemas.microsoft.com/office/drawing/2010/main" w="9525">
                     <a:solidFill>
                       <a:srgbClr val="000000"/>
                     </a:solidFill>
@@ -11447,7 +11447,7 @@
               </a:ln>
               <a:extLst>
                 <a:ext uri="{91240B29-F687-4f45-9708-019B960494DF}">
-                  <a14:hiddenLine xmlns:a14="http://schemas.microsoft.com/office/drawing/2010/main" xmlns="" w="9525">
+                  <a14:hiddenLine xmlns="" xmlns:a14="http://schemas.microsoft.com/office/drawing/2010/main" w="9525">
                     <a:solidFill>
                       <a:srgbClr val="000000"/>
                     </a:solidFill>
@@ -11537,7 +11537,7 @@
               </a:ln>
               <a:extLst>
                 <a:ext uri="{91240B29-F687-4f45-9708-019B960494DF}">
-                  <a14:hiddenLine xmlns:a14="http://schemas.microsoft.com/office/drawing/2010/main" xmlns="" w="9525">
+                  <a14:hiddenLine xmlns="" xmlns:a14="http://schemas.microsoft.com/office/drawing/2010/main" w="9525">
                     <a:solidFill>
                       <a:srgbClr val="000000"/>
                     </a:solidFill>
@@ -11605,7 +11605,7 @@
               </a:ln>
               <a:extLst>
                 <a:ext uri="{91240B29-F687-4f45-9708-019B960494DF}">
-                  <a14:hiddenLine xmlns:a14="http://schemas.microsoft.com/office/drawing/2010/main" xmlns="" w="9525">
+                  <a14:hiddenLine xmlns="" xmlns:a14="http://schemas.microsoft.com/office/drawing/2010/main" w="9525">
                     <a:solidFill>
                       <a:srgbClr val="000000"/>
                     </a:solidFill>
@@ -11695,7 +11695,7 @@
               </a:ln>
               <a:extLst>
                 <a:ext uri="{91240B29-F687-4f45-9708-019B960494DF}">
-                  <a14:hiddenLine xmlns:a14="http://schemas.microsoft.com/office/drawing/2010/main" xmlns="" w="9525">
+                  <a14:hiddenLine xmlns="" xmlns:a14="http://schemas.microsoft.com/office/drawing/2010/main" w="9525">
                     <a:solidFill>
                       <a:srgbClr val="000000"/>
                     </a:solidFill>
@@ -11763,7 +11763,7 @@
               </a:ln>
               <a:extLst>
                 <a:ext uri="{91240B29-F687-4f45-9708-019B960494DF}">
-                  <a14:hiddenLine xmlns:a14="http://schemas.microsoft.com/office/drawing/2010/main" xmlns="" w="9525">
+                  <a14:hiddenLine xmlns="" xmlns:a14="http://schemas.microsoft.com/office/drawing/2010/main" w="9525">
                     <a:solidFill>
                       <a:srgbClr val="000000"/>
                     </a:solidFill>
@@ -11853,7 +11853,7 @@
               </a:ln>
               <a:extLst>
                 <a:ext uri="{91240B29-F687-4f45-9708-019B960494DF}">
-                  <a14:hiddenLine xmlns:a14="http://schemas.microsoft.com/office/drawing/2010/main" xmlns="" w="9525">
+                  <a14:hiddenLine xmlns="" xmlns:a14="http://schemas.microsoft.com/office/drawing/2010/main" w="9525">
                     <a:solidFill>
                       <a:srgbClr val="000000"/>
                     </a:solidFill>
@@ -11887,7 +11887,7 @@
               </a:ln>
               <a:extLst>
                 <a:ext uri="{91240B29-F687-4f45-9708-019B960494DF}">
-                  <a14:hiddenLine xmlns:a14="http://schemas.microsoft.com/office/drawing/2010/main" xmlns="" w="9525">
+                  <a14:hiddenLine xmlns="" xmlns:a14="http://schemas.microsoft.com/office/drawing/2010/main" w="9525">
                     <a:solidFill>
                       <a:srgbClr val="000000"/>
                     </a:solidFill>
@@ -12027,7 +12027,7 @@
           <a:p>
             <a:fld id="{EEF8A2C3-4F61-4362-8260-30DF30FFD1D5}" type="datetimeFigureOut">
               <a:rPr lang="en-SG" smtClean="0"/>
-              <a:t>30/6/2017</a:t>
+              <a:t>1/7/2017</a:t>
             </a:fld>
             <a:endParaRPr lang="en-SG"/>
           </a:p>
@@ -14896,7 +14896,7 @@
             </a:pPr>
             <a:r>
               <a:rPr lang="en-SG" dirty="0"/>
-              <a:t>Customized Dashboard</a:t>
+              <a:t>IIS Remote Management</a:t>
             </a:r>
           </a:p>
           <a:p>
@@ -14906,7 +14906,7 @@
             </a:pPr>
             <a:r>
               <a:rPr lang="en-SG" dirty="0"/>
-              <a:t>IIS Remote Management</a:t>
+              <a:t>Customized Dashboard</a:t>
             </a:r>
           </a:p>
           <a:p>
@@ -15075,7 +15075,7 @@
             </a:pPr>
             <a:r>
               <a:rPr lang="en-SG" dirty="0"/>
-              <a:t>Easy switch between Blob Storage and File System, to cater to migration back to on-premise</a:t>
+              <a:t>Easy switch between Blob Storage and File System, to cater to migration back to on-premise server</a:t>
             </a:r>
           </a:p>
           <a:p>
@@ -15085,7 +15085,7 @@
             </a:pPr>
             <a:r>
               <a:rPr lang="en-SG" dirty="0"/>
-              <a:t>MSSQL view to generated HTML contents for logic app</a:t>
+              <a:t>MSSQL view to construct HTML contents for logic app</a:t>
             </a:r>
           </a:p>
           <a:p>

--- a/Doc/Active Learning on the Cloud - PT4.pptx
+++ b/Doc/Active Learning on the Cloud - PT4.pptx
@@ -13,6 +13,7 @@
     <p:sldId id="266" r:id="rId7"/>
     <p:sldId id="263" r:id="rId8"/>
     <p:sldId id="264" r:id="rId9"/>
+    <p:sldId id="268" r:id="rId10"/>
   </p:sldIdLst>
   <p:sldSz cx="12192000" cy="6858000"/>
   <p:notesSz cx="6858000" cy="9144000"/>
@@ -15357,6 +15358,169 @@
           <a:p>
             <a:r>
               <a:rPr lang="en-SG" dirty="0"/>
+              <a:t>Lesson learned</a:t>
+            </a:r>
+          </a:p>
+        </p:txBody>
+      </p:sp>
+      <p:sp>
+        <p:nvSpPr>
+          <p:cNvPr id="5" name="Content Placeholder 2">
+            <a:extLst>
+              <a:ext uri="{FF2B5EF4-FFF2-40B4-BE49-F238E27FC236}">
+                <a16:creationId xmlns:a16="http://schemas.microsoft.com/office/drawing/2014/main" id="{3529ED78-0DEF-445C-8374-B1C29B4F6C79}"/>
+              </a:ext>
+            </a:extLst>
+          </p:cNvPr>
+          <p:cNvSpPr>
+            <a:spLocks noGrp="1"/>
+          </p:cNvSpPr>
+          <p:nvPr>
+            <p:ph idx="1"/>
+          </p:nvPr>
+        </p:nvSpPr>
+        <p:spPr>
+          <a:xfrm>
+            <a:off x="1141412" y="1562470"/>
+            <a:ext cx="9905999" cy="4228731"/>
+          </a:xfrm>
+        </p:spPr>
+        <p:txBody>
+          <a:bodyPr>
+            <a:normAutofit/>
+          </a:bodyPr>
+          <a:lstStyle/>
+          <a:p>
+            <a:pPr>
+              <a:buFontTx/>
+              <a:buChar char="-"/>
+            </a:pPr>
+            <a:r>
+              <a:rPr lang="en-SG" dirty="0"/>
+              <a:t>Cost estimation</a:t>
+            </a:r>
+          </a:p>
+          <a:p>
+            <a:pPr>
+              <a:buFontTx/>
+              <a:buChar char="-"/>
+            </a:pPr>
+            <a:r>
+              <a:rPr lang="en-SG" dirty="0"/>
+              <a:t>Vendor selection</a:t>
+            </a:r>
+          </a:p>
+          <a:p>
+            <a:pPr>
+              <a:buFontTx/>
+              <a:buChar char="-"/>
+            </a:pPr>
+            <a:r>
+              <a:rPr lang="en-SG" dirty="0"/>
+              <a:t>Services choice</a:t>
+            </a:r>
+          </a:p>
+          <a:p>
+            <a:pPr>
+              <a:buFontTx/>
+              <a:buChar char="-"/>
+            </a:pPr>
+            <a:r>
+              <a:rPr lang="en-SG" dirty="0"/>
+              <a:t>Scalability of disaster consideration</a:t>
+            </a:r>
+          </a:p>
+          <a:p>
+            <a:pPr>
+              <a:buFontTx/>
+              <a:buChar char="-"/>
+            </a:pPr>
+            <a:r>
+              <a:rPr lang="en-SG"/>
+              <a:t>Performance </a:t>
+            </a:r>
+            <a:r>
+              <a:rPr lang="en-SG" dirty="0"/>
+              <a:t>requirement</a:t>
+            </a:r>
+          </a:p>
+          <a:p>
+            <a:pPr>
+              <a:buFontTx/>
+              <a:buChar char="-"/>
+            </a:pPr>
+            <a:endParaRPr lang="en-SG" dirty="0"/>
+          </a:p>
+          <a:p>
+            <a:pPr>
+              <a:buFontTx/>
+              <a:buChar char="-"/>
+            </a:pPr>
+            <a:endParaRPr lang="en-SG" dirty="0"/>
+          </a:p>
+          <a:p>
+            <a:endParaRPr lang="en-US" sz="3200" dirty="0"/>
+          </a:p>
+        </p:txBody>
+      </p:sp>
+    </p:spTree>
+    <p:extLst>
+      <p:ext uri="{BB962C8B-B14F-4D97-AF65-F5344CB8AC3E}">
+        <p14:creationId xmlns:p14="http://schemas.microsoft.com/office/powerpoint/2010/main" val="2699457421"/>
+      </p:ext>
+    </p:extLst>
+  </p:cSld>
+  <p:clrMapOvr>
+    <a:masterClrMapping/>
+  </p:clrMapOvr>
+</p:sld>
+</file>
+
+<file path=ppt/slides/slide9.xml><?xml version="1.0" encoding="utf-8"?>
+<p:sld xmlns:a="http://schemas.openxmlformats.org/drawingml/2006/main" xmlns:r="http://schemas.openxmlformats.org/officeDocument/2006/relationships" xmlns:p="http://schemas.openxmlformats.org/presentationml/2006/main">
+  <p:cSld>
+    <p:spTree>
+      <p:nvGrpSpPr>
+        <p:cNvPr id="1" name=""/>
+        <p:cNvGrpSpPr/>
+        <p:nvPr/>
+      </p:nvGrpSpPr>
+      <p:grpSpPr>
+        <a:xfrm>
+          <a:off x="0" y="0"/>
+          <a:ext cx="0" cy="0"/>
+          <a:chOff x="0" y="0"/>
+          <a:chExt cx="0" cy="0"/>
+        </a:xfrm>
+      </p:grpSpPr>
+      <p:sp>
+        <p:nvSpPr>
+          <p:cNvPr id="2" name="Title 1">
+            <a:extLst>
+              <a:ext uri="{FF2B5EF4-FFF2-40B4-BE49-F238E27FC236}">
+                <a16:creationId xmlns:a16="http://schemas.microsoft.com/office/drawing/2014/main" id="{FDBA64A7-9338-42C9-80CF-15DAE7A1371E}"/>
+              </a:ext>
+            </a:extLst>
+          </p:cNvPr>
+          <p:cNvSpPr>
+            <a:spLocks noGrp="1"/>
+          </p:cNvSpPr>
+          <p:nvPr>
+            <p:ph type="title"/>
+          </p:nvPr>
+        </p:nvSpPr>
+        <p:spPr>
+          <a:xfrm>
+            <a:off x="1141413" y="290044"/>
+            <a:ext cx="9905998" cy="890686"/>
+          </a:xfrm>
+        </p:spPr>
+        <p:txBody>
+          <a:bodyPr/>
+          <a:lstStyle/>
+          <a:p>
+            <a:r>
+              <a:rPr lang="en-SG" dirty="0"/>
               <a:t>Q&amp;A</a:t>
             </a:r>
           </a:p>
@@ -15401,7 +15565,7 @@
     </p:spTree>
     <p:extLst>
       <p:ext uri="{BB962C8B-B14F-4D97-AF65-F5344CB8AC3E}">
-        <p14:creationId xmlns:p14="http://schemas.microsoft.com/office/powerpoint/2010/main" val="2699457421"/>
+        <p14:creationId xmlns:p14="http://schemas.microsoft.com/office/powerpoint/2010/main" val="490890882"/>
       </p:ext>
     </p:extLst>
   </p:cSld>

--- a/Doc/Active Learning on the Cloud - PT4.pptx
+++ b/Doc/Active Learning on the Cloud - PT4.pptx
@@ -14052,7 +14052,7 @@
         </p:blipFill>
         <p:spPr>
           <a:xfrm>
-            <a:off x="5269909" y="5700531"/>
+            <a:off x="5269909" y="5561989"/>
             <a:ext cx="579949" cy="579949"/>
           </a:xfrm>
           <a:prstGeom prst="rect">
@@ -14387,8 +14387,8 @@
         </p:nvCxnSpPr>
         <p:spPr>
           <a:xfrm rot="5400000" flipH="1" flipV="1">
-            <a:off x="5376871" y="5517518"/>
-            <a:ext cx="366027" cy="1"/>
+            <a:off x="5446142" y="5448247"/>
+            <a:ext cx="227485" cy="1"/>
           </a:xfrm>
           <a:prstGeom prst="bentConnector3">
             <a:avLst>
@@ -15436,12 +15436,8 @@
               <a:buChar char="-"/>
             </a:pPr>
             <a:r>
-              <a:rPr lang="en-SG"/>
-              <a:t>Performance </a:t>
-            </a:r>
-            <a:r>
               <a:rPr lang="en-SG" dirty="0"/>
-              <a:t>requirement</a:t>
+              <a:t>Performance requirement</a:t>
             </a:r>
           </a:p>
           <a:p>

--- a/Doc/Active Learning on the Cloud - PT4.pptx
+++ b/Doc/Active Learning on the Cloud - PT4.pptx
@@ -15358,7 +15358,7 @@
           <a:p>
             <a:r>
               <a:rPr lang="en-SG" dirty="0"/>
-              <a:t>Lesson learned</a:t>
+              <a:t>Lesson learned and challenges faced</a:t>
             </a:r>
           </a:p>
         </p:txBody>

--- a/Doc/Active Learning on the Cloud - PT4.pptx
+++ b/Doc/Active Learning on the Cloud - PT4.pptx
@@ -174,7 +174,7 @@
           <a:noFill/>
           <a:extLst>
             <a:ext uri="{909E8E84-426E-40dd-AFC4-6F175D3DCCD1}">
-              <a14:hiddenFill xmlns="" xmlns:a14="http://schemas.microsoft.com/office/drawing/2010/main">
+              <a14:hiddenFill xmlns:a14="http://schemas.microsoft.com/office/drawing/2010/main" xmlns="">
                 <a:solidFill>
                   <a:srgbClr val="FFFFFF"/>
                 </a:solidFill>
@@ -234,7 +234,7 @@
             </a:ln>
             <a:extLst>
               <a:ext uri="{91240B29-F687-4f45-9708-019B960494DF}">
-                <a14:hiddenLine xmlns="" xmlns:a14="http://schemas.microsoft.com/office/drawing/2010/main" w="9525">
+                <a14:hiddenLine xmlns:a14="http://schemas.microsoft.com/office/drawing/2010/main" xmlns="" w="9525">
                   <a:solidFill>
                     <a:srgbClr val="000000"/>
                   </a:solidFill>
@@ -324,7 +324,7 @@
             </a:ln>
             <a:extLst>
               <a:ext uri="{91240B29-F687-4f45-9708-019B960494DF}">
-                <a14:hiddenLine xmlns="" xmlns:a14="http://schemas.microsoft.com/office/drawing/2010/main" w="9525">
+                <a14:hiddenLine xmlns:a14="http://schemas.microsoft.com/office/drawing/2010/main" xmlns="" w="9525">
                   <a:solidFill>
                     <a:srgbClr val="000000"/>
                   </a:solidFill>
@@ -414,7 +414,7 @@
             </a:ln>
             <a:extLst>
               <a:ext uri="{91240B29-F687-4f45-9708-019B960494DF}">
-                <a14:hiddenLine xmlns="" xmlns:a14="http://schemas.microsoft.com/office/drawing/2010/main" w="9525">
+                <a14:hiddenLine xmlns:a14="http://schemas.microsoft.com/office/drawing/2010/main" xmlns="" w="9525">
                   <a:solidFill>
                     <a:srgbClr val="000000"/>
                   </a:solidFill>
@@ -448,7 +448,7 @@
             </a:ln>
             <a:extLst>
               <a:ext uri="{91240B29-F687-4f45-9708-019B960494DF}">
-                <a14:hiddenLine xmlns="" xmlns:a14="http://schemas.microsoft.com/office/drawing/2010/main" w="9525">
+                <a14:hiddenLine xmlns:a14="http://schemas.microsoft.com/office/drawing/2010/main" xmlns="" w="9525">
                   <a:solidFill>
                     <a:srgbClr val="000000"/>
                   </a:solidFill>
@@ -538,7 +538,7 @@
             </a:ln>
             <a:extLst>
               <a:ext uri="{91240B29-F687-4f45-9708-019B960494DF}">
-                <a14:hiddenLine xmlns="" xmlns:a14="http://schemas.microsoft.com/office/drawing/2010/main" w="9525">
+                <a14:hiddenLine xmlns:a14="http://schemas.microsoft.com/office/drawing/2010/main" xmlns="" w="9525">
                   <a:solidFill>
                     <a:srgbClr val="000000"/>
                   </a:solidFill>
@@ -600,7 +600,7 @@
             </a:ln>
             <a:extLst>
               <a:ext uri="{91240B29-F687-4f45-9708-019B960494DF}">
-                <a14:hiddenLine xmlns="" xmlns:a14="http://schemas.microsoft.com/office/drawing/2010/main" w="9525">
+                <a14:hiddenLine xmlns:a14="http://schemas.microsoft.com/office/drawing/2010/main" xmlns="" w="9525">
                   <a:solidFill>
                     <a:srgbClr val="000000"/>
                   </a:solidFill>
@@ -662,7 +662,7 @@
             </a:ln>
             <a:extLst>
               <a:ext uri="{91240B29-F687-4f45-9708-019B960494DF}">
-                <a14:hiddenLine xmlns="" xmlns:a14="http://schemas.microsoft.com/office/drawing/2010/main" w="9525">
+                <a14:hiddenLine xmlns:a14="http://schemas.microsoft.com/office/drawing/2010/main" xmlns="" w="9525">
                   <a:solidFill>
                     <a:srgbClr val="000000"/>
                   </a:solidFill>
@@ -752,7 +752,7 @@
             </a:ln>
             <a:extLst>
               <a:ext uri="{91240B29-F687-4f45-9708-019B960494DF}">
-                <a14:hiddenLine xmlns="" xmlns:a14="http://schemas.microsoft.com/office/drawing/2010/main" w="9525">
+                <a14:hiddenLine xmlns:a14="http://schemas.microsoft.com/office/drawing/2010/main" xmlns="" w="9525">
                   <a:solidFill>
                     <a:srgbClr val="000000"/>
                   </a:solidFill>
@@ -814,7 +814,7 @@
             </a:ln>
             <a:extLst>
               <a:ext uri="{91240B29-F687-4f45-9708-019B960494DF}">
-                <a14:hiddenLine xmlns="" xmlns:a14="http://schemas.microsoft.com/office/drawing/2010/main" w="9525">
+                <a14:hiddenLine xmlns:a14="http://schemas.microsoft.com/office/drawing/2010/main" xmlns="" w="9525">
                   <a:solidFill>
                     <a:srgbClr val="000000"/>
                   </a:solidFill>
@@ -876,7 +876,7 @@
             </a:ln>
             <a:extLst>
               <a:ext uri="{91240B29-F687-4f45-9708-019B960494DF}">
-                <a14:hiddenLine xmlns="" xmlns:a14="http://schemas.microsoft.com/office/drawing/2010/main" w="9525">
+                <a14:hiddenLine xmlns:a14="http://schemas.microsoft.com/office/drawing/2010/main" xmlns="" w="9525">
                   <a:solidFill>
                     <a:srgbClr val="000000"/>
                   </a:solidFill>
@@ -966,7 +966,7 @@
             </a:ln>
             <a:extLst>
               <a:ext uri="{91240B29-F687-4f45-9708-019B960494DF}">
-                <a14:hiddenLine xmlns="" xmlns:a14="http://schemas.microsoft.com/office/drawing/2010/main" w="9525">
+                <a14:hiddenLine xmlns:a14="http://schemas.microsoft.com/office/drawing/2010/main" xmlns="" w="9525">
                   <a:solidFill>
                     <a:srgbClr val="000000"/>
                   </a:solidFill>
@@ -1056,7 +1056,7 @@
             </a:ln>
             <a:extLst>
               <a:ext uri="{91240B29-F687-4f45-9708-019B960494DF}">
-                <a14:hiddenLine xmlns="" xmlns:a14="http://schemas.microsoft.com/office/drawing/2010/main" w="9525">
+                <a14:hiddenLine xmlns:a14="http://schemas.microsoft.com/office/drawing/2010/main" xmlns="" w="9525">
                   <a:solidFill>
                     <a:srgbClr val="000000"/>
                   </a:solidFill>
@@ -1118,7 +1118,7 @@
             </a:ln>
             <a:extLst>
               <a:ext uri="{91240B29-F687-4f45-9708-019B960494DF}">
-                <a14:hiddenLine xmlns="" xmlns:a14="http://schemas.microsoft.com/office/drawing/2010/main" w="9525">
+                <a14:hiddenLine xmlns:a14="http://schemas.microsoft.com/office/drawing/2010/main" xmlns="" w="9525">
                   <a:solidFill>
                     <a:srgbClr val="000000"/>
                   </a:solidFill>
@@ -1228,7 +1228,7 @@
             </a:ln>
             <a:extLst>
               <a:ext uri="{91240B29-F687-4f45-9708-019B960494DF}">
-                <a14:hiddenLine xmlns="" xmlns:a14="http://schemas.microsoft.com/office/drawing/2010/main" w="9525">
+                <a14:hiddenLine xmlns:a14="http://schemas.microsoft.com/office/drawing/2010/main" xmlns="" w="9525">
                   <a:solidFill>
                     <a:srgbClr val="000000"/>
                   </a:solidFill>
@@ -1290,7 +1290,7 @@
             </a:ln>
             <a:extLst>
               <a:ext uri="{91240B29-F687-4f45-9708-019B960494DF}">
-                <a14:hiddenLine xmlns="" xmlns:a14="http://schemas.microsoft.com/office/drawing/2010/main" w="9525">
+                <a14:hiddenLine xmlns:a14="http://schemas.microsoft.com/office/drawing/2010/main" xmlns="" w="9525">
                   <a:solidFill>
                     <a:srgbClr val="000000"/>
                   </a:solidFill>
@@ -1380,7 +1380,7 @@
             </a:ln>
             <a:extLst>
               <a:ext uri="{91240B29-F687-4f45-9708-019B960494DF}">
-                <a14:hiddenLine xmlns="" xmlns:a14="http://schemas.microsoft.com/office/drawing/2010/main" w="9525">
+                <a14:hiddenLine xmlns:a14="http://schemas.microsoft.com/office/drawing/2010/main" xmlns="" w="9525">
                   <a:solidFill>
                     <a:srgbClr val="000000"/>
                   </a:solidFill>
@@ -1470,7 +1470,7 @@
             </a:ln>
             <a:extLst>
               <a:ext uri="{91240B29-F687-4f45-9708-019B960494DF}">
-                <a14:hiddenLine xmlns="" xmlns:a14="http://schemas.microsoft.com/office/drawing/2010/main" w="9525">
+                <a14:hiddenLine xmlns:a14="http://schemas.microsoft.com/office/drawing/2010/main" xmlns="" w="9525">
                   <a:solidFill>
                     <a:srgbClr val="000000"/>
                   </a:solidFill>
@@ -1532,7 +1532,7 @@
             </a:ln>
             <a:extLst>
               <a:ext uri="{91240B29-F687-4f45-9708-019B960494DF}">
-                <a14:hiddenLine xmlns="" xmlns:a14="http://schemas.microsoft.com/office/drawing/2010/main" w="9525">
+                <a14:hiddenLine xmlns:a14="http://schemas.microsoft.com/office/drawing/2010/main" xmlns="" w="9525">
                   <a:solidFill>
                     <a:srgbClr val="000000"/>
                   </a:solidFill>
@@ -1622,7 +1622,7 @@
             </a:ln>
             <a:extLst>
               <a:ext uri="{91240B29-F687-4f45-9708-019B960494DF}">
-                <a14:hiddenLine xmlns="" xmlns:a14="http://schemas.microsoft.com/office/drawing/2010/main" w="9525">
+                <a14:hiddenLine xmlns:a14="http://schemas.microsoft.com/office/drawing/2010/main" xmlns="" w="9525">
                   <a:solidFill>
                     <a:srgbClr val="000000"/>
                   </a:solidFill>
@@ -1712,7 +1712,7 @@
             </a:ln>
             <a:extLst>
               <a:ext uri="{91240B29-F687-4f45-9708-019B960494DF}">
-                <a14:hiddenLine xmlns="" xmlns:a14="http://schemas.microsoft.com/office/drawing/2010/main" w="9525">
+                <a14:hiddenLine xmlns:a14="http://schemas.microsoft.com/office/drawing/2010/main" xmlns="" w="9525">
                   <a:solidFill>
                     <a:srgbClr val="000000"/>
                   </a:solidFill>
@@ -1768,7 +1768,7 @@
             </a:ln>
             <a:extLst>
               <a:ext uri="{91240B29-F687-4f45-9708-019B960494DF}">
-                <a14:hiddenLine xmlns="" xmlns:a14="http://schemas.microsoft.com/office/drawing/2010/main" w="9525">
+                <a14:hiddenLine xmlns:a14="http://schemas.microsoft.com/office/drawing/2010/main" xmlns="" w="9525">
                   <a:solidFill>
                     <a:srgbClr val="000000"/>
                   </a:solidFill>
@@ -1858,7 +1858,7 @@
             </a:ln>
             <a:extLst>
               <a:ext uri="{91240B29-F687-4f45-9708-019B960494DF}">
-                <a14:hiddenLine xmlns="" xmlns:a14="http://schemas.microsoft.com/office/drawing/2010/main" w="9525">
+                <a14:hiddenLine xmlns:a14="http://schemas.microsoft.com/office/drawing/2010/main" xmlns="" w="9525">
                   <a:solidFill>
                     <a:srgbClr val="000000"/>
                   </a:solidFill>
@@ -1914,7 +1914,7 @@
             </a:ln>
             <a:extLst>
               <a:ext uri="{91240B29-F687-4f45-9708-019B960494DF}">
-                <a14:hiddenLine xmlns="" xmlns:a14="http://schemas.microsoft.com/office/drawing/2010/main" w="9525">
+                <a14:hiddenLine xmlns:a14="http://schemas.microsoft.com/office/drawing/2010/main" xmlns="" w="9525">
                   <a:solidFill>
                     <a:srgbClr val="000000"/>
                   </a:solidFill>
@@ -2004,7 +2004,7 @@
             </a:ln>
             <a:extLst>
               <a:ext uri="{91240B29-F687-4f45-9708-019B960494DF}">
-                <a14:hiddenLine xmlns="" xmlns:a14="http://schemas.microsoft.com/office/drawing/2010/main" w="9525">
+                <a14:hiddenLine xmlns:a14="http://schemas.microsoft.com/office/drawing/2010/main" xmlns="" w="9525">
                   <a:solidFill>
                     <a:srgbClr val="000000"/>
                   </a:solidFill>
@@ -2072,7 +2072,7 @@
             </a:ln>
             <a:extLst>
               <a:ext uri="{91240B29-F687-4f45-9708-019B960494DF}">
-                <a14:hiddenLine xmlns="" xmlns:a14="http://schemas.microsoft.com/office/drawing/2010/main" w="9525">
+                <a14:hiddenLine xmlns:a14="http://schemas.microsoft.com/office/drawing/2010/main" xmlns="" w="9525">
                   <a:solidFill>
                     <a:srgbClr val="000000"/>
                   </a:solidFill>
@@ -2162,7 +2162,7 @@
             </a:ln>
             <a:extLst>
               <a:ext uri="{91240B29-F687-4f45-9708-019B960494DF}">
-                <a14:hiddenLine xmlns="" xmlns:a14="http://schemas.microsoft.com/office/drawing/2010/main" w="9525">
+                <a14:hiddenLine xmlns:a14="http://schemas.microsoft.com/office/drawing/2010/main" xmlns="" w="9525">
                   <a:solidFill>
                     <a:srgbClr val="000000"/>
                   </a:solidFill>
@@ -2230,7 +2230,7 @@
             </a:ln>
             <a:extLst>
               <a:ext uri="{91240B29-F687-4f45-9708-019B960494DF}">
-                <a14:hiddenLine xmlns="" xmlns:a14="http://schemas.microsoft.com/office/drawing/2010/main" w="9525">
+                <a14:hiddenLine xmlns:a14="http://schemas.microsoft.com/office/drawing/2010/main" xmlns="" w="9525">
                   <a:solidFill>
                     <a:srgbClr val="000000"/>
                   </a:solidFill>
@@ -2320,7 +2320,7 @@
             </a:ln>
             <a:extLst>
               <a:ext uri="{91240B29-F687-4f45-9708-019B960494DF}">
-                <a14:hiddenLine xmlns="" xmlns:a14="http://schemas.microsoft.com/office/drawing/2010/main" w="9525">
+                <a14:hiddenLine xmlns:a14="http://schemas.microsoft.com/office/drawing/2010/main" xmlns="" w="9525">
                   <a:solidFill>
                     <a:srgbClr val="000000"/>
                   </a:solidFill>
@@ -2354,7 +2354,7 @@
             </a:ln>
             <a:extLst>
               <a:ext uri="{91240B29-F687-4f45-9708-019B960494DF}">
-                <a14:hiddenLine xmlns="" xmlns:a14="http://schemas.microsoft.com/office/drawing/2010/main" w="9525">
+                <a14:hiddenLine xmlns:a14="http://schemas.microsoft.com/office/drawing/2010/main" xmlns="" w="9525">
                   <a:solidFill>
                     <a:srgbClr val="000000"/>
                   </a:solidFill>
@@ -2444,7 +2444,7 @@
             </a:ln>
             <a:extLst>
               <a:ext uri="{91240B29-F687-4f45-9708-019B960494DF}">
-                <a14:hiddenLine xmlns="" xmlns:a14="http://schemas.microsoft.com/office/drawing/2010/main" w="9525">
+                <a14:hiddenLine xmlns:a14="http://schemas.microsoft.com/office/drawing/2010/main" xmlns="" w="9525">
                   <a:solidFill>
                     <a:srgbClr val="000000"/>
                   </a:solidFill>
@@ -2506,7 +2506,7 @@
             </a:ln>
             <a:extLst>
               <a:ext uri="{91240B29-F687-4f45-9708-019B960494DF}">
-                <a14:hiddenLine xmlns="" xmlns:a14="http://schemas.microsoft.com/office/drawing/2010/main" w="9525">
+                <a14:hiddenLine xmlns:a14="http://schemas.microsoft.com/office/drawing/2010/main" xmlns="" w="9525">
                   <a:solidFill>
                     <a:srgbClr val="000000"/>
                   </a:solidFill>
@@ -2568,7 +2568,7 @@
             </a:ln>
             <a:extLst>
               <a:ext uri="{91240B29-F687-4f45-9708-019B960494DF}">
-                <a14:hiddenLine xmlns="" xmlns:a14="http://schemas.microsoft.com/office/drawing/2010/main" w="9525">
+                <a14:hiddenLine xmlns:a14="http://schemas.microsoft.com/office/drawing/2010/main" xmlns="" w="9525">
                   <a:solidFill>
                     <a:srgbClr val="000000"/>
                   </a:solidFill>
@@ -2658,7 +2658,7 @@
             </a:ln>
             <a:extLst>
               <a:ext uri="{91240B29-F687-4f45-9708-019B960494DF}">
-                <a14:hiddenLine xmlns="" xmlns:a14="http://schemas.microsoft.com/office/drawing/2010/main" w="9525">
+                <a14:hiddenLine xmlns:a14="http://schemas.microsoft.com/office/drawing/2010/main" xmlns="" w="9525">
                   <a:solidFill>
                     <a:srgbClr val="000000"/>
                   </a:solidFill>
@@ -2726,7 +2726,7 @@
             </a:ln>
             <a:extLst>
               <a:ext uri="{91240B29-F687-4f45-9708-019B960494DF}">
-                <a14:hiddenLine xmlns="" xmlns:a14="http://schemas.microsoft.com/office/drawing/2010/main" w="9525">
+                <a14:hiddenLine xmlns:a14="http://schemas.microsoft.com/office/drawing/2010/main" xmlns="" w="9525">
                   <a:solidFill>
                     <a:srgbClr val="000000"/>
                   </a:solidFill>
@@ -2788,7 +2788,7 @@
             </a:ln>
             <a:extLst>
               <a:ext uri="{91240B29-F687-4f45-9708-019B960494DF}">
-                <a14:hiddenLine xmlns="" xmlns:a14="http://schemas.microsoft.com/office/drawing/2010/main" w="9525">
+                <a14:hiddenLine xmlns:a14="http://schemas.microsoft.com/office/drawing/2010/main" xmlns="" w="9525">
                   <a:solidFill>
                     <a:srgbClr val="000000"/>
                   </a:solidFill>
@@ -2878,7 +2878,7 @@
             </a:ln>
             <a:extLst>
               <a:ext uri="{91240B29-F687-4f45-9708-019B960494DF}">
-                <a14:hiddenLine xmlns="" xmlns:a14="http://schemas.microsoft.com/office/drawing/2010/main" w="9525">
+                <a14:hiddenLine xmlns:a14="http://schemas.microsoft.com/office/drawing/2010/main" xmlns="" w="9525">
                   <a:solidFill>
                     <a:srgbClr val="000000"/>
                   </a:solidFill>
@@ -2940,7 +2940,7 @@
             </a:ln>
             <a:extLst>
               <a:ext uri="{91240B29-F687-4f45-9708-019B960494DF}">
-                <a14:hiddenLine xmlns="" xmlns:a14="http://schemas.microsoft.com/office/drawing/2010/main" w="9525">
+                <a14:hiddenLine xmlns:a14="http://schemas.microsoft.com/office/drawing/2010/main" xmlns="" w="9525">
                   <a:solidFill>
                     <a:srgbClr val="000000"/>
                   </a:solidFill>
@@ -3030,7 +3030,7 @@
             </a:ln>
             <a:extLst>
               <a:ext uri="{91240B29-F687-4f45-9708-019B960494DF}">
-                <a14:hiddenLine xmlns="" xmlns:a14="http://schemas.microsoft.com/office/drawing/2010/main" w="9525">
+                <a14:hiddenLine xmlns:a14="http://schemas.microsoft.com/office/drawing/2010/main" xmlns="" w="9525">
                   <a:solidFill>
                     <a:srgbClr val="000000"/>
                   </a:solidFill>
@@ -3092,7 +3092,7 @@
             </a:ln>
             <a:extLst>
               <a:ext uri="{91240B29-F687-4f45-9708-019B960494DF}">
-                <a14:hiddenLine xmlns="" xmlns:a14="http://schemas.microsoft.com/office/drawing/2010/main" w="9525">
+                <a14:hiddenLine xmlns:a14="http://schemas.microsoft.com/office/drawing/2010/main" xmlns="" w="9525">
                   <a:solidFill>
                     <a:srgbClr val="000000"/>
                   </a:solidFill>
@@ -3182,7 +3182,7 @@
             </a:ln>
             <a:extLst>
               <a:ext uri="{91240B29-F687-4f45-9708-019B960494DF}">
-                <a14:hiddenLine xmlns="" xmlns:a14="http://schemas.microsoft.com/office/drawing/2010/main" w="9525">
+                <a14:hiddenLine xmlns:a14="http://schemas.microsoft.com/office/drawing/2010/main" xmlns="" w="9525">
                   <a:solidFill>
                     <a:srgbClr val="000000"/>
                   </a:solidFill>
@@ -3216,7 +3216,7 @@
             </a:ln>
             <a:extLst>
               <a:ext uri="{91240B29-F687-4f45-9708-019B960494DF}">
-                <a14:hiddenLine xmlns="" xmlns:a14="http://schemas.microsoft.com/office/drawing/2010/main" w="9525">
+                <a14:hiddenLine xmlns:a14="http://schemas.microsoft.com/office/drawing/2010/main" xmlns="" w="9525">
                   <a:solidFill>
                     <a:srgbClr val="000000"/>
                   </a:solidFill>
@@ -3281,7 +3281,7 @@
             </a:ln>
             <a:extLst>
               <a:ext uri="{91240B29-F687-4f45-9708-019B960494DF}">
-                <a14:hiddenLine xmlns="" xmlns:a14="http://schemas.microsoft.com/office/drawing/2010/main" w="9525">
+                <a14:hiddenLine xmlns:a14="http://schemas.microsoft.com/office/drawing/2010/main" xmlns="" w="9525">
                   <a:solidFill>
                     <a:srgbClr val="000000"/>
                   </a:solidFill>
@@ -3371,7 +3371,7 @@
             </a:ln>
             <a:extLst>
               <a:ext uri="{91240B29-F687-4f45-9708-019B960494DF}">
-                <a14:hiddenLine xmlns="" xmlns:a14="http://schemas.microsoft.com/office/drawing/2010/main" w="9525">
+                <a14:hiddenLine xmlns:a14="http://schemas.microsoft.com/office/drawing/2010/main" xmlns="" w="9525">
                   <a:solidFill>
                     <a:srgbClr val="000000"/>
                   </a:solidFill>
@@ -3433,7 +3433,7 @@
             </a:ln>
             <a:extLst>
               <a:ext uri="{91240B29-F687-4f45-9708-019B960494DF}">
-                <a14:hiddenLine xmlns="" xmlns:a14="http://schemas.microsoft.com/office/drawing/2010/main" w="9525">
+                <a14:hiddenLine xmlns:a14="http://schemas.microsoft.com/office/drawing/2010/main" xmlns="" w="9525">
                   <a:solidFill>
                     <a:srgbClr val="000000"/>
                   </a:solidFill>
@@ -3523,7 +3523,7 @@
             </a:ln>
             <a:extLst>
               <a:ext uri="{91240B29-F687-4f45-9708-019B960494DF}">
-                <a14:hiddenLine xmlns="" xmlns:a14="http://schemas.microsoft.com/office/drawing/2010/main" w="9525">
+                <a14:hiddenLine xmlns:a14="http://schemas.microsoft.com/office/drawing/2010/main" xmlns="" w="9525">
                   <a:solidFill>
                     <a:srgbClr val="000000"/>
                   </a:solidFill>
@@ -3613,7 +3613,7 @@
             </a:ln>
             <a:extLst>
               <a:ext uri="{91240B29-F687-4f45-9708-019B960494DF}">
-                <a14:hiddenLine xmlns="" xmlns:a14="http://schemas.microsoft.com/office/drawing/2010/main" w="9525">
+                <a14:hiddenLine xmlns:a14="http://schemas.microsoft.com/office/drawing/2010/main" xmlns="" w="9525">
                   <a:solidFill>
                     <a:srgbClr val="000000"/>
                   </a:solidFill>
@@ -3678,7 +3678,7 @@
             </a:ln>
             <a:extLst>
               <a:ext uri="{91240B29-F687-4f45-9708-019B960494DF}">
-                <a14:hiddenLine xmlns="" xmlns:a14="http://schemas.microsoft.com/office/drawing/2010/main" w="9525">
+                <a14:hiddenLine xmlns:a14="http://schemas.microsoft.com/office/drawing/2010/main" xmlns="" w="9525">
                   <a:solidFill>
                     <a:srgbClr val="000000"/>
                   </a:solidFill>
@@ -3740,7 +3740,7 @@
             </a:ln>
             <a:extLst>
               <a:ext uri="{91240B29-F687-4f45-9708-019B960494DF}">
-                <a14:hiddenLine xmlns="" xmlns:a14="http://schemas.microsoft.com/office/drawing/2010/main" w="9525">
+                <a14:hiddenLine xmlns:a14="http://schemas.microsoft.com/office/drawing/2010/main" xmlns="" w="9525">
                   <a:solidFill>
                     <a:srgbClr val="000000"/>
                   </a:solidFill>
@@ -3830,7 +3830,7 @@
             </a:ln>
             <a:extLst>
               <a:ext uri="{91240B29-F687-4f45-9708-019B960494DF}">
-                <a14:hiddenLine xmlns="" xmlns:a14="http://schemas.microsoft.com/office/drawing/2010/main" w="9525">
+                <a14:hiddenLine xmlns:a14="http://schemas.microsoft.com/office/drawing/2010/main" xmlns="" w="9525">
                   <a:solidFill>
                     <a:srgbClr val="000000"/>
                   </a:solidFill>
@@ -3920,7 +3920,7 @@
             </a:ln>
             <a:extLst>
               <a:ext uri="{91240B29-F687-4f45-9708-019B960494DF}">
-                <a14:hiddenLine xmlns="" xmlns:a14="http://schemas.microsoft.com/office/drawing/2010/main" w="9525">
+                <a14:hiddenLine xmlns:a14="http://schemas.microsoft.com/office/drawing/2010/main" xmlns="" w="9525">
                   <a:solidFill>
                     <a:srgbClr val="000000"/>
                   </a:solidFill>
@@ -3982,7 +3982,7 @@
             </a:ln>
             <a:extLst>
               <a:ext uri="{91240B29-F687-4f45-9708-019B960494DF}">
-                <a14:hiddenLine xmlns="" xmlns:a14="http://schemas.microsoft.com/office/drawing/2010/main" w="9525">
+                <a14:hiddenLine xmlns:a14="http://schemas.microsoft.com/office/drawing/2010/main" xmlns="" w="9525">
                   <a:solidFill>
                     <a:srgbClr val="000000"/>
                   </a:solidFill>
@@ -4102,7 +4102,7 @@
             </a:ln>
             <a:extLst>
               <a:ext uri="{91240B29-F687-4f45-9708-019B960494DF}">
-                <a14:hiddenLine xmlns="" xmlns:a14="http://schemas.microsoft.com/office/drawing/2010/main" w="9525">
+                <a14:hiddenLine xmlns:a14="http://schemas.microsoft.com/office/drawing/2010/main" xmlns="" w="9525">
                   <a:solidFill>
                     <a:srgbClr val="000000"/>
                   </a:solidFill>
@@ -4170,7 +4170,7 @@
             </a:ln>
             <a:extLst>
               <a:ext uri="{91240B29-F687-4f45-9708-019B960494DF}">
-                <a14:hiddenLine xmlns="" xmlns:a14="http://schemas.microsoft.com/office/drawing/2010/main" w="9525">
+                <a14:hiddenLine xmlns:a14="http://schemas.microsoft.com/office/drawing/2010/main" xmlns="" w="9525">
                   <a:solidFill>
                     <a:srgbClr val="000000"/>
                   </a:solidFill>
@@ -4260,7 +4260,7 @@
             </a:ln>
             <a:extLst>
               <a:ext uri="{91240B29-F687-4f45-9708-019B960494DF}">
-                <a14:hiddenLine xmlns="" xmlns:a14="http://schemas.microsoft.com/office/drawing/2010/main" w="9525">
+                <a14:hiddenLine xmlns:a14="http://schemas.microsoft.com/office/drawing/2010/main" xmlns="" w="9525">
                   <a:solidFill>
                     <a:srgbClr val="000000"/>
                   </a:solidFill>
@@ -4400,7 +4400,7 @@
           <a:p>
             <a:fld id="{EEF8A2C3-4F61-4362-8260-30DF30FFD1D5}" type="datetimeFigureOut">
               <a:rPr lang="en-SG" smtClean="0"/>
-              <a:t>1/7/2017</a:t>
+              <a:t>2/7/2017</a:t>
             </a:fld>
             <a:endParaRPr lang="en-SG"/>
           </a:p>
@@ -4667,7 +4667,7 @@
           <a:p>
             <a:fld id="{EEF8A2C3-4F61-4362-8260-30DF30FFD1D5}" type="datetimeFigureOut">
               <a:rPr lang="en-SG" smtClean="0"/>
-              <a:t>1/7/2017</a:t>
+              <a:t>2/7/2017</a:t>
             </a:fld>
             <a:endParaRPr lang="en-SG"/>
           </a:p>
@@ -4863,7 +4863,7 @@
           <a:p>
             <a:fld id="{EEF8A2C3-4F61-4362-8260-30DF30FFD1D5}" type="datetimeFigureOut">
               <a:rPr lang="en-SG" smtClean="0"/>
-              <a:t>1/7/2017</a:t>
+              <a:t>2/7/2017</a:t>
             </a:fld>
             <a:endParaRPr lang="en-SG"/>
           </a:p>
@@ -5126,7 +5126,7 @@
           <a:p>
             <a:fld id="{EEF8A2C3-4F61-4362-8260-30DF30FFD1D5}" type="datetimeFigureOut">
               <a:rPr lang="en-SG" smtClean="0"/>
-              <a:t>1/7/2017</a:t>
+              <a:t>2/7/2017</a:t>
             </a:fld>
             <a:endParaRPr lang="en-SG"/>
           </a:p>
@@ -5560,7 +5560,7 @@
           <a:p>
             <a:fld id="{EEF8A2C3-4F61-4362-8260-30DF30FFD1D5}" type="datetimeFigureOut">
               <a:rPr lang="en-SG" smtClean="0"/>
-              <a:t>1/7/2017</a:t>
+              <a:t>2/7/2017</a:t>
             </a:fld>
             <a:endParaRPr lang="en-SG"/>
           </a:p>
@@ -6106,7 +6106,7 @@
           <a:p>
             <a:fld id="{EEF8A2C3-4F61-4362-8260-30DF30FFD1D5}" type="datetimeFigureOut">
               <a:rPr lang="en-SG" smtClean="0"/>
-              <a:t>1/7/2017</a:t>
+              <a:t>2/7/2017</a:t>
             </a:fld>
             <a:endParaRPr lang="en-SG"/>
           </a:p>
@@ -6826,7 +6826,7 @@
           <a:p>
             <a:fld id="{EEF8A2C3-4F61-4362-8260-30DF30FFD1D5}" type="datetimeFigureOut">
               <a:rPr lang="en-SG" smtClean="0"/>
-              <a:t>1/7/2017</a:t>
+              <a:t>2/7/2017</a:t>
             </a:fld>
             <a:endParaRPr lang="en-SG"/>
           </a:p>
@@ -6996,7 +6996,7 @@
           <a:p>
             <a:fld id="{EEF8A2C3-4F61-4362-8260-30DF30FFD1D5}" type="datetimeFigureOut">
               <a:rPr lang="en-SG" smtClean="0"/>
-              <a:t>1/7/2017</a:t>
+              <a:t>2/7/2017</a:t>
             </a:fld>
             <a:endParaRPr lang="en-SG"/>
           </a:p>
@@ -7176,7 +7176,7 @@
           <a:p>
             <a:fld id="{EEF8A2C3-4F61-4362-8260-30DF30FFD1D5}" type="datetimeFigureOut">
               <a:rPr lang="en-SG" smtClean="0"/>
-              <a:t>1/7/2017</a:t>
+              <a:t>2/7/2017</a:t>
             </a:fld>
             <a:endParaRPr lang="en-SG"/>
           </a:p>
@@ -7346,7 +7346,7 @@
           <a:p>
             <a:fld id="{EEF8A2C3-4F61-4362-8260-30DF30FFD1D5}" type="datetimeFigureOut">
               <a:rPr lang="en-SG" smtClean="0"/>
-              <a:t>1/7/2017</a:t>
+              <a:t>2/7/2017</a:t>
             </a:fld>
             <a:endParaRPr lang="en-SG"/>
           </a:p>
@@ -7596,7 +7596,7 @@
           <a:p>
             <a:fld id="{EEF8A2C3-4F61-4362-8260-30DF30FFD1D5}" type="datetimeFigureOut">
               <a:rPr lang="en-SG" smtClean="0"/>
-              <a:t>1/7/2017</a:t>
+              <a:t>2/7/2017</a:t>
             </a:fld>
             <a:endParaRPr lang="en-SG"/>
           </a:p>
@@ -7828,7 +7828,7 @@
           <a:p>
             <a:fld id="{EEF8A2C3-4F61-4362-8260-30DF30FFD1D5}" type="datetimeFigureOut">
               <a:rPr lang="en-SG" smtClean="0"/>
-              <a:t>1/7/2017</a:t>
+              <a:t>2/7/2017</a:t>
             </a:fld>
             <a:endParaRPr lang="en-SG"/>
           </a:p>
@@ -8209,7 +8209,7 @@
           <a:p>
             <a:fld id="{EEF8A2C3-4F61-4362-8260-30DF30FFD1D5}" type="datetimeFigureOut">
               <a:rPr lang="en-SG" smtClean="0"/>
-              <a:t>1/7/2017</a:t>
+              <a:t>2/7/2017</a:t>
             </a:fld>
             <a:endParaRPr lang="en-SG"/>
           </a:p>
@@ -8327,7 +8327,7 @@
           <a:p>
             <a:fld id="{EEF8A2C3-4F61-4362-8260-30DF30FFD1D5}" type="datetimeFigureOut">
               <a:rPr lang="en-SG" smtClean="0"/>
-              <a:t>1/7/2017</a:t>
+              <a:t>2/7/2017</a:t>
             </a:fld>
             <a:endParaRPr lang="en-SG"/>
           </a:p>
@@ -8422,7 +8422,7 @@
           <a:p>
             <a:fld id="{EEF8A2C3-4F61-4362-8260-30DF30FFD1D5}" type="datetimeFigureOut">
               <a:rPr lang="en-SG" smtClean="0"/>
-              <a:t>1/7/2017</a:t>
+              <a:t>2/7/2017</a:t>
             </a:fld>
             <a:endParaRPr lang="en-SG"/>
           </a:p>
@@ -8671,7 +8671,7 @@
           <a:p>
             <a:fld id="{EEF8A2C3-4F61-4362-8260-30DF30FFD1D5}" type="datetimeFigureOut">
               <a:rPr lang="en-SG" smtClean="0"/>
-              <a:t>1/7/2017</a:t>
+              <a:t>2/7/2017</a:t>
             </a:fld>
             <a:endParaRPr lang="en-SG"/>
           </a:p>
@@ -8951,7 +8951,7 @@
           <a:p>
             <a:fld id="{EEF8A2C3-4F61-4362-8260-30DF30FFD1D5}" type="datetimeFigureOut">
               <a:rPr lang="en-SG" smtClean="0"/>
-              <a:t>1/7/2017</a:t>
+              <a:t>2/7/2017</a:t>
             </a:fld>
             <a:endParaRPr lang="en-SG"/>
           </a:p>
@@ -9067,7 +9067,7 @@
           <a:noFill/>
           <a:extLst>
             <a:ext uri="{909E8E84-426E-40dd-AFC4-6F175D3DCCD1}">
-              <a14:hiddenFill xmlns="" xmlns:a14="http://schemas.microsoft.com/office/drawing/2010/main">
+              <a14:hiddenFill xmlns:a14="http://schemas.microsoft.com/office/drawing/2010/main" xmlns="">
                 <a:solidFill>
                   <a:srgbClr val="FFFFFF"/>
                 </a:solidFill>
@@ -9141,7 +9141,7 @@
               </a:ln>
               <a:extLst>
                 <a:ext uri="{91240B29-F687-4f45-9708-019B960494DF}">
-                  <a14:hiddenLine xmlns="" xmlns:a14="http://schemas.microsoft.com/office/drawing/2010/main" w="9525">
+                  <a14:hiddenLine xmlns:a14="http://schemas.microsoft.com/office/drawing/2010/main" xmlns="" w="9525">
                     <a:solidFill>
                       <a:srgbClr val="000000"/>
                     </a:solidFill>
@@ -9231,7 +9231,7 @@
               </a:ln>
               <a:extLst>
                 <a:ext uri="{91240B29-F687-4f45-9708-019B960494DF}">
-                  <a14:hiddenLine xmlns="" xmlns:a14="http://schemas.microsoft.com/office/drawing/2010/main" w="9525">
+                  <a14:hiddenLine xmlns:a14="http://schemas.microsoft.com/office/drawing/2010/main" xmlns="" w="9525">
                     <a:solidFill>
                       <a:srgbClr val="000000"/>
                     </a:solidFill>
@@ -9321,7 +9321,7 @@
               </a:ln>
               <a:extLst>
                 <a:ext uri="{91240B29-F687-4f45-9708-019B960494DF}">
-                  <a14:hiddenLine xmlns="" xmlns:a14="http://schemas.microsoft.com/office/drawing/2010/main" w="9525">
+                  <a14:hiddenLine xmlns:a14="http://schemas.microsoft.com/office/drawing/2010/main" xmlns="" w="9525">
                     <a:solidFill>
                       <a:srgbClr val="000000"/>
                     </a:solidFill>
@@ -9383,7 +9383,7 @@
               </a:ln>
               <a:extLst>
                 <a:ext uri="{91240B29-F687-4f45-9708-019B960494DF}">
-                  <a14:hiddenLine xmlns="" xmlns:a14="http://schemas.microsoft.com/office/drawing/2010/main" w="9525">
+                  <a14:hiddenLine xmlns:a14="http://schemas.microsoft.com/office/drawing/2010/main" xmlns="" w="9525">
                     <a:solidFill>
                       <a:srgbClr val="000000"/>
                     </a:solidFill>
@@ -9473,7 +9473,7 @@
               </a:ln>
               <a:extLst>
                 <a:ext uri="{91240B29-F687-4f45-9708-019B960494DF}">
-                  <a14:hiddenLine xmlns="" xmlns:a14="http://schemas.microsoft.com/office/drawing/2010/main" w="9525">
+                  <a14:hiddenLine xmlns:a14="http://schemas.microsoft.com/office/drawing/2010/main" xmlns="" w="9525">
                     <a:solidFill>
                       <a:srgbClr val="000000"/>
                     </a:solidFill>
@@ -9535,7 +9535,7 @@
               </a:ln>
               <a:extLst>
                 <a:ext uri="{91240B29-F687-4f45-9708-019B960494DF}">
-                  <a14:hiddenLine xmlns="" xmlns:a14="http://schemas.microsoft.com/office/drawing/2010/main" w="9525">
+                  <a14:hiddenLine xmlns:a14="http://schemas.microsoft.com/office/drawing/2010/main" xmlns="" w="9525">
                     <a:solidFill>
                       <a:srgbClr val="000000"/>
                     </a:solidFill>
@@ -9597,7 +9597,7 @@
               </a:ln>
               <a:extLst>
                 <a:ext uri="{91240B29-F687-4f45-9708-019B960494DF}">
-                  <a14:hiddenLine xmlns="" xmlns:a14="http://schemas.microsoft.com/office/drawing/2010/main" w="9525">
+                  <a14:hiddenLine xmlns:a14="http://schemas.microsoft.com/office/drawing/2010/main" xmlns="" w="9525">
                     <a:solidFill>
                       <a:srgbClr val="000000"/>
                     </a:solidFill>
@@ -9687,7 +9687,7 @@
               </a:ln>
               <a:extLst>
                 <a:ext uri="{91240B29-F687-4f45-9708-019B960494DF}">
-                  <a14:hiddenLine xmlns="" xmlns:a14="http://schemas.microsoft.com/office/drawing/2010/main" w="9525">
+                  <a14:hiddenLine xmlns:a14="http://schemas.microsoft.com/office/drawing/2010/main" xmlns="" w="9525">
                     <a:solidFill>
                       <a:srgbClr val="000000"/>
                     </a:solidFill>
@@ -9777,7 +9777,7 @@
               </a:ln>
               <a:extLst>
                 <a:ext uri="{91240B29-F687-4f45-9708-019B960494DF}">
-                  <a14:hiddenLine xmlns="" xmlns:a14="http://schemas.microsoft.com/office/drawing/2010/main" w="9525">
+                  <a14:hiddenLine xmlns:a14="http://schemas.microsoft.com/office/drawing/2010/main" xmlns="" w="9525">
                     <a:solidFill>
                       <a:srgbClr val="000000"/>
                     </a:solidFill>
@@ -9839,7 +9839,7 @@
               </a:ln>
               <a:extLst>
                 <a:ext uri="{91240B29-F687-4f45-9708-019B960494DF}">
-                  <a14:hiddenLine xmlns="" xmlns:a14="http://schemas.microsoft.com/office/drawing/2010/main" w="9525">
+                  <a14:hiddenLine xmlns:a14="http://schemas.microsoft.com/office/drawing/2010/main" xmlns="" w="9525">
                     <a:solidFill>
                       <a:srgbClr val="000000"/>
                     </a:solidFill>
@@ -9949,7 +9949,7 @@
               </a:ln>
               <a:extLst>
                 <a:ext uri="{91240B29-F687-4f45-9708-019B960494DF}">
-                  <a14:hiddenLine xmlns="" xmlns:a14="http://schemas.microsoft.com/office/drawing/2010/main" w="9525">
+                  <a14:hiddenLine xmlns:a14="http://schemas.microsoft.com/office/drawing/2010/main" xmlns="" w="9525">
                     <a:solidFill>
                       <a:srgbClr val="000000"/>
                     </a:solidFill>
@@ -10033,7 +10033,7 @@
               </a:ln>
               <a:extLst>
                 <a:ext uri="{91240B29-F687-4f45-9708-019B960494DF}">
-                  <a14:hiddenLine xmlns="" xmlns:a14="http://schemas.microsoft.com/office/drawing/2010/main" w="9525">
+                  <a14:hiddenLine xmlns:a14="http://schemas.microsoft.com/office/drawing/2010/main" xmlns="" w="9525">
                     <a:solidFill>
                       <a:srgbClr val="000000"/>
                     </a:solidFill>
@@ -10095,7 +10095,7 @@
               </a:ln>
               <a:extLst>
                 <a:ext uri="{91240B29-F687-4f45-9708-019B960494DF}">
-                  <a14:hiddenLine xmlns="" xmlns:a14="http://schemas.microsoft.com/office/drawing/2010/main" w="9525">
+                  <a14:hiddenLine xmlns:a14="http://schemas.microsoft.com/office/drawing/2010/main" xmlns="" w="9525">
                     <a:solidFill>
                       <a:srgbClr val="000000"/>
                     </a:solidFill>
@@ -10157,7 +10157,7 @@
               </a:ln>
               <a:extLst>
                 <a:ext uri="{91240B29-F687-4f45-9708-019B960494DF}">
-                  <a14:hiddenLine xmlns="" xmlns:a14="http://schemas.microsoft.com/office/drawing/2010/main" w="9525">
+                  <a14:hiddenLine xmlns:a14="http://schemas.microsoft.com/office/drawing/2010/main" xmlns="" w="9525">
                     <a:solidFill>
                       <a:srgbClr val="000000"/>
                     </a:solidFill>
@@ -10247,7 +10247,7 @@
               </a:ln>
               <a:extLst>
                 <a:ext uri="{91240B29-F687-4f45-9708-019B960494DF}">
-                  <a14:hiddenLine xmlns="" xmlns:a14="http://schemas.microsoft.com/office/drawing/2010/main" w="9525">
+                  <a14:hiddenLine xmlns:a14="http://schemas.microsoft.com/office/drawing/2010/main" xmlns="" w="9525">
                     <a:solidFill>
                       <a:srgbClr val="000000"/>
                     </a:solidFill>
@@ -10281,7 +10281,7 @@
               </a:ln>
               <a:extLst>
                 <a:ext uri="{91240B29-F687-4f45-9708-019B960494DF}">
-                  <a14:hiddenLine xmlns="" xmlns:a14="http://schemas.microsoft.com/office/drawing/2010/main" w="9525">
+                  <a14:hiddenLine xmlns:a14="http://schemas.microsoft.com/office/drawing/2010/main" xmlns="" w="9525">
                     <a:solidFill>
                       <a:srgbClr val="000000"/>
                     </a:solidFill>
@@ -10346,7 +10346,7 @@
               </a:ln>
               <a:extLst>
                 <a:ext uri="{91240B29-F687-4f45-9708-019B960494DF}">
-                  <a14:hiddenLine xmlns="" xmlns:a14="http://schemas.microsoft.com/office/drawing/2010/main" w="9525">
+                  <a14:hiddenLine xmlns:a14="http://schemas.microsoft.com/office/drawing/2010/main" xmlns="" w="9525">
                     <a:solidFill>
                       <a:srgbClr val="000000"/>
                     </a:solidFill>
@@ -10436,7 +10436,7 @@
               </a:ln>
               <a:extLst>
                 <a:ext uri="{91240B29-F687-4f45-9708-019B960494DF}">
-                  <a14:hiddenLine xmlns="" xmlns:a14="http://schemas.microsoft.com/office/drawing/2010/main" w="9525">
+                  <a14:hiddenLine xmlns:a14="http://schemas.microsoft.com/office/drawing/2010/main" xmlns="" w="9525">
                     <a:solidFill>
                       <a:srgbClr val="000000"/>
                     </a:solidFill>
@@ -10498,7 +10498,7 @@
               </a:ln>
               <a:extLst>
                 <a:ext uri="{91240B29-F687-4f45-9708-019B960494DF}">
-                  <a14:hiddenLine xmlns="" xmlns:a14="http://schemas.microsoft.com/office/drawing/2010/main" w="9525">
+                  <a14:hiddenLine xmlns:a14="http://schemas.microsoft.com/office/drawing/2010/main" xmlns="" w="9525">
                     <a:solidFill>
                       <a:srgbClr val="000000"/>
                     </a:solidFill>
@@ -10588,7 +10588,7 @@
               </a:ln>
               <a:extLst>
                 <a:ext uri="{91240B29-F687-4f45-9708-019B960494DF}">
-                  <a14:hiddenLine xmlns="" xmlns:a14="http://schemas.microsoft.com/office/drawing/2010/main" w="9525">
+                  <a14:hiddenLine xmlns:a14="http://schemas.microsoft.com/office/drawing/2010/main" xmlns="" w="9525">
                     <a:solidFill>
                       <a:srgbClr val="000000"/>
                     </a:solidFill>
@@ -10653,7 +10653,7 @@
               </a:ln>
               <a:extLst>
                 <a:ext uri="{91240B29-F687-4f45-9708-019B960494DF}">
-                  <a14:hiddenLine xmlns="" xmlns:a14="http://schemas.microsoft.com/office/drawing/2010/main" w="9525">
+                  <a14:hiddenLine xmlns:a14="http://schemas.microsoft.com/office/drawing/2010/main" xmlns="" w="9525">
                     <a:solidFill>
                       <a:srgbClr val="000000"/>
                     </a:solidFill>
@@ -10715,7 +10715,7 @@
               </a:ln>
               <a:extLst>
                 <a:ext uri="{91240B29-F687-4f45-9708-019B960494DF}">
-                  <a14:hiddenLine xmlns="" xmlns:a14="http://schemas.microsoft.com/office/drawing/2010/main" w="9525">
+                  <a14:hiddenLine xmlns:a14="http://schemas.microsoft.com/office/drawing/2010/main" xmlns="" w="9525">
                     <a:solidFill>
                       <a:srgbClr val="000000"/>
                     </a:solidFill>
@@ -10805,7 +10805,7 @@
               </a:ln>
               <a:extLst>
                 <a:ext uri="{91240B29-F687-4f45-9708-019B960494DF}">
-                  <a14:hiddenLine xmlns="" xmlns:a14="http://schemas.microsoft.com/office/drawing/2010/main" w="9525">
+                  <a14:hiddenLine xmlns:a14="http://schemas.microsoft.com/office/drawing/2010/main" xmlns="" w="9525">
                     <a:solidFill>
                       <a:srgbClr val="000000"/>
                     </a:solidFill>
@@ -10895,7 +10895,7 @@
               </a:ln>
               <a:extLst>
                 <a:ext uri="{91240B29-F687-4f45-9708-019B960494DF}">
-                  <a14:hiddenLine xmlns="" xmlns:a14="http://schemas.microsoft.com/office/drawing/2010/main" w="9525">
+                  <a14:hiddenLine xmlns:a14="http://schemas.microsoft.com/office/drawing/2010/main" xmlns="" w="9525">
                     <a:solidFill>
                       <a:srgbClr val="000000"/>
                     </a:solidFill>
@@ -10960,7 +10960,7 @@
               </a:ln>
               <a:extLst>
                 <a:ext uri="{91240B29-F687-4f45-9708-019B960494DF}">
-                  <a14:hiddenLine xmlns="" xmlns:a14="http://schemas.microsoft.com/office/drawing/2010/main" w="9525">
+                  <a14:hiddenLine xmlns:a14="http://schemas.microsoft.com/office/drawing/2010/main" xmlns="" w="9525">
                     <a:solidFill>
                       <a:srgbClr val="000000"/>
                     </a:solidFill>
@@ -11080,7 +11080,7 @@
               </a:ln>
               <a:extLst>
                 <a:ext uri="{91240B29-F687-4f45-9708-019B960494DF}">
-                  <a14:hiddenLine xmlns="" xmlns:a14="http://schemas.microsoft.com/office/drawing/2010/main" w="9525">
+                  <a14:hiddenLine xmlns:a14="http://schemas.microsoft.com/office/drawing/2010/main" xmlns="" w="9525">
                     <a:solidFill>
                       <a:srgbClr val="000000"/>
                     </a:solidFill>
@@ -11178,7 +11178,7 @@
               </a:ln>
               <a:extLst>
                 <a:ext uri="{91240B29-F687-4f45-9708-019B960494DF}">
-                  <a14:hiddenLine xmlns="" xmlns:a14="http://schemas.microsoft.com/office/drawing/2010/main" w="9525">
+                  <a14:hiddenLine xmlns:a14="http://schemas.microsoft.com/office/drawing/2010/main" xmlns="" w="9525">
                     <a:solidFill>
                       <a:srgbClr val="000000"/>
                     </a:solidFill>
@@ -11293,7 +11293,7 @@
               </a:ln>
               <a:extLst>
                 <a:ext uri="{91240B29-F687-4f45-9708-019B960494DF}">
-                  <a14:hiddenLine xmlns="" xmlns:a14="http://schemas.microsoft.com/office/drawing/2010/main" w="9525">
+                  <a14:hiddenLine xmlns:a14="http://schemas.microsoft.com/office/drawing/2010/main" xmlns="" w="9525">
                     <a:solidFill>
                       <a:srgbClr val="000000"/>
                     </a:solidFill>
@@ -11383,7 +11383,7 @@
               </a:ln>
               <a:extLst>
                 <a:ext uri="{91240B29-F687-4f45-9708-019B960494DF}">
-                  <a14:hiddenLine xmlns="" xmlns:a14="http://schemas.microsoft.com/office/drawing/2010/main" w="9525">
+                  <a14:hiddenLine xmlns:a14="http://schemas.microsoft.com/office/drawing/2010/main" xmlns="" w="9525">
                     <a:solidFill>
                       <a:srgbClr val="000000"/>
                     </a:solidFill>
@@ -11448,7 +11448,7 @@
               </a:ln>
               <a:extLst>
                 <a:ext uri="{91240B29-F687-4f45-9708-019B960494DF}">
-                  <a14:hiddenLine xmlns="" xmlns:a14="http://schemas.microsoft.com/office/drawing/2010/main" w="9525">
+                  <a14:hiddenLine xmlns:a14="http://schemas.microsoft.com/office/drawing/2010/main" xmlns="" w="9525">
                     <a:solidFill>
                       <a:srgbClr val="000000"/>
                     </a:solidFill>
@@ -11538,7 +11538,7 @@
               </a:ln>
               <a:extLst>
                 <a:ext uri="{91240B29-F687-4f45-9708-019B960494DF}">
-                  <a14:hiddenLine xmlns="" xmlns:a14="http://schemas.microsoft.com/office/drawing/2010/main" w="9525">
+                  <a14:hiddenLine xmlns:a14="http://schemas.microsoft.com/office/drawing/2010/main" xmlns="" w="9525">
                     <a:solidFill>
                       <a:srgbClr val="000000"/>
                     </a:solidFill>
@@ -11606,7 +11606,7 @@
               </a:ln>
               <a:extLst>
                 <a:ext uri="{91240B29-F687-4f45-9708-019B960494DF}">
-                  <a14:hiddenLine xmlns="" xmlns:a14="http://schemas.microsoft.com/office/drawing/2010/main" w="9525">
+                  <a14:hiddenLine xmlns:a14="http://schemas.microsoft.com/office/drawing/2010/main" xmlns="" w="9525">
                     <a:solidFill>
                       <a:srgbClr val="000000"/>
                     </a:solidFill>
@@ -11696,7 +11696,7 @@
               </a:ln>
               <a:extLst>
                 <a:ext uri="{91240B29-F687-4f45-9708-019B960494DF}">
-                  <a14:hiddenLine xmlns="" xmlns:a14="http://schemas.microsoft.com/office/drawing/2010/main" w="9525">
+                  <a14:hiddenLine xmlns:a14="http://schemas.microsoft.com/office/drawing/2010/main" xmlns="" w="9525">
                     <a:solidFill>
                       <a:srgbClr val="000000"/>
                     </a:solidFill>
@@ -11764,7 +11764,7 @@
               </a:ln>
               <a:extLst>
                 <a:ext uri="{91240B29-F687-4f45-9708-019B960494DF}">
-                  <a14:hiddenLine xmlns="" xmlns:a14="http://schemas.microsoft.com/office/drawing/2010/main" w="9525">
+                  <a14:hiddenLine xmlns:a14="http://schemas.microsoft.com/office/drawing/2010/main" xmlns="" w="9525">
                     <a:solidFill>
                       <a:srgbClr val="000000"/>
                     </a:solidFill>
@@ -11854,7 +11854,7 @@
               </a:ln>
               <a:extLst>
                 <a:ext uri="{91240B29-F687-4f45-9708-019B960494DF}">
-                  <a14:hiddenLine xmlns="" xmlns:a14="http://schemas.microsoft.com/office/drawing/2010/main" w="9525">
+                  <a14:hiddenLine xmlns:a14="http://schemas.microsoft.com/office/drawing/2010/main" xmlns="" w="9525">
                     <a:solidFill>
                       <a:srgbClr val="000000"/>
                     </a:solidFill>
@@ -11888,7 +11888,7 @@
               </a:ln>
               <a:extLst>
                 <a:ext uri="{91240B29-F687-4f45-9708-019B960494DF}">
-                  <a14:hiddenLine xmlns="" xmlns:a14="http://schemas.microsoft.com/office/drawing/2010/main" w="9525">
+                  <a14:hiddenLine xmlns:a14="http://schemas.microsoft.com/office/drawing/2010/main" xmlns="" w="9525">
                     <a:solidFill>
                       <a:srgbClr val="000000"/>
                     </a:solidFill>
@@ -12028,7 +12028,7 @@
           <a:p>
             <a:fld id="{EEF8A2C3-4F61-4362-8260-30DF30FFD1D5}" type="datetimeFigureOut">
               <a:rPr lang="en-SG" smtClean="0"/>
-              <a:t>1/7/2017</a:t>
+              <a:t>2/7/2017</a:t>
             </a:fld>
             <a:endParaRPr lang="en-SG"/>
           </a:p>
@@ -15416,18 +15416,12 @@
               <a:buChar char="-"/>
             </a:pPr>
             <a:r>
-              <a:rPr lang="en-SG" dirty="0"/>
-              <a:t>Services choice</a:t>
+              <a:rPr lang="en-SG"/>
+              <a:t>Choice </a:t>
             </a:r>
-          </a:p>
-          <a:p>
-            <a:pPr>
-              <a:buFontTx/>
-              <a:buChar char="-"/>
-            </a:pPr>
             <a:r>
               <a:rPr lang="en-SG" dirty="0"/>
-              <a:t>Scalability of disaster consideration</a:t>
+              <a:t>of service</a:t>
             </a:r>
           </a:p>
           <a:p>
